--- a/Documentatie/Template.pptx
+++ b/Documentatie/Template.pptx
@@ -5,10 +5,10 @@
     <p:sldMasterId id="2147483732" r:id="rId1"/>
   </p:sldMasterIdLst>
   <p:notesMasterIdLst>
-    <p:notesMasterId r:id="rId15"/>
+    <p:notesMasterId r:id="rId14"/>
   </p:notesMasterIdLst>
   <p:handoutMasterIdLst>
-    <p:handoutMasterId r:id="rId16"/>
+    <p:handoutMasterId r:id="rId15"/>
   </p:handoutMasterIdLst>
   <p:sldIdLst>
     <p:sldId id="283" r:id="rId2"/>
@@ -19,11 +19,10 @@
     <p:sldId id="326" r:id="rId7"/>
     <p:sldId id="332" r:id="rId8"/>
     <p:sldId id="330" r:id="rId9"/>
-    <p:sldId id="329" r:id="rId10"/>
+    <p:sldId id="334" r:id="rId10"/>
     <p:sldId id="325" r:id="rId11"/>
-    <p:sldId id="327" r:id="rId12"/>
-    <p:sldId id="328" r:id="rId13"/>
-    <p:sldId id="323" r:id="rId14"/>
+    <p:sldId id="335" r:id="rId12"/>
+    <p:sldId id="336" r:id="rId13"/>
   </p:sldIdLst>
   <p:sldSz cx="9144000" cy="5143500" type="screen16x9"/>
   <p:notesSz cx="6858000" cy="9144000"/>
@@ -179,8 +178,12 @@
               </a:defRPr>
             </a:pPr>
             <a:r>
+              <a:rPr lang="en-US" dirty="0" err="1"/>
+              <a:t>Devboard</a:t>
+            </a:r>
+            <a:r>
               <a:rPr lang="en-US" dirty="0"/>
-              <a:t>MCU Chart</a:t>
+              <a:t> Chart</a:t>
             </a:r>
           </a:p>
         </c:rich>
@@ -245,6 +248,84 @@
             <a:effectLst/>
           </c:spPr>
           <c:invertIfNegative val="0"/>
+          <c:dLbls>
+            <c:dLbl>
+              <c:idx val="1"/>
+              <c:layout>
+                <c:manualLayout>
+                  <c:x val="-6.0975609756097615E-2"/>
+                  <c:y val="-3.3980578627714401E-3"/>
+                </c:manualLayout>
+              </c:layout>
+              <c:showLegendKey val="0"/>
+              <c:showVal val="1"/>
+              <c:showCatName val="0"/>
+              <c:showSerName val="0"/>
+              <c:showPercent val="0"/>
+              <c:showBubbleSize val="0"/>
+              <c:extLst>
+                <c:ext xmlns:c15="http://schemas.microsoft.com/office/drawing/2012/chart" uri="{CE6537A1-D6FC-4f65-9D91-7224C49458BB}"/>
+                <c:ext xmlns:c16="http://schemas.microsoft.com/office/drawing/2014/chart" uri="{C3380CC4-5D6E-409C-BE32-E72D297353CC}">
+                  <c16:uniqueId val="{00000002-A23B-4C51-91CF-C9D01CE428F6}"/>
+                </c:ext>
+              </c:extLst>
+            </c:dLbl>
+            <c:spPr>
+              <a:noFill/>
+              <a:ln>
+                <a:noFill/>
+              </a:ln>
+              <a:effectLst/>
+            </c:spPr>
+            <c:txPr>
+              <a:bodyPr rot="0" spcFirstLastPara="1" vertOverflow="ellipsis" vert="horz" wrap="square" lIns="38100" tIns="19050" rIns="38100" bIns="19050" anchor="ctr" anchorCtr="1">
+                <a:spAutoFit/>
+              </a:bodyPr>
+              <a:lstStyle/>
+              <a:p>
+                <a:pPr>
+                  <a:defRPr sz="1197" b="0" i="0" u="none" strike="noStrike" kern="1200" baseline="0">
+                    <a:solidFill>
+                      <a:schemeClr val="tx1">
+                        <a:lumMod val="75000"/>
+                        <a:lumOff val="25000"/>
+                      </a:schemeClr>
+                    </a:solidFill>
+                    <a:latin typeface="+mn-lt"/>
+                    <a:ea typeface="+mn-ea"/>
+                    <a:cs typeface="+mn-cs"/>
+                  </a:defRPr>
+                </a:pPr>
+                <a:endParaRPr lang="en-US"/>
+              </a:p>
+            </c:txPr>
+            <c:showLegendKey val="0"/>
+            <c:showVal val="1"/>
+            <c:showCatName val="0"/>
+            <c:showSerName val="0"/>
+            <c:showPercent val="0"/>
+            <c:showBubbleSize val="0"/>
+            <c:showLeaderLines val="0"/>
+            <c:extLst>
+              <c:ext xmlns:c15="http://schemas.microsoft.com/office/drawing/2012/chart" uri="{CE6537A1-D6FC-4f65-9D91-7224C49458BB}">
+                <c15:showLeaderLines val="1"/>
+                <c15:leaderLines>
+                  <c:spPr>
+                    <a:ln w="9525" cap="flat" cmpd="sng" algn="ctr">
+                      <a:solidFill>
+                        <a:schemeClr val="tx1">
+                          <a:lumMod val="35000"/>
+                          <a:lumOff val="65000"/>
+                        </a:schemeClr>
+                      </a:solidFill>
+                      <a:round/>
+                    </a:ln>
+                    <a:effectLst/>
+                  </c:spPr>
+                </c15:leaderLines>
+              </c:ext>
+            </c:extLst>
+          </c:dLbls>
           <c:cat>
             <c:strRef>
               <c:f>Sheet1!$A$2:$A$4</c:f>
@@ -286,30 +367,180 @@
             </c:ext>
           </c:extLst>
         </c:ser>
+        <c:dLbls>
+          <c:showLegendKey val="0"/>
+          <c:showVal val="0"/>
+          <c:showCatName val="0"/>
+          <c:showSerName val="0"/>
+          <c:showPercent val="0"/>
+          <c:showBubbleSize val="0"/>
+        </c:dLbls>
+        <c:gapWidth val="219"/>
+        <c:overlap val="-27"/>
+        <c:axId val="1114180319"/>
+        <c:axId val="1100864991"/>
+      </c:barChart>
+      <c:lineChart>
+        <c:grouping val="standard"/>
+        <c:varyColors val="0"/>
         <c:ser>
           <c:idx val="1"/>
           <c:order val="1"/>
           <c:tx>
             <c:strRef>
-              <c:f>Sheet1!$D$1</c:f>
+              <c:f>Sheet1!#REF!</c:f>
               <c:strCache>
                 <c:ptCount val="1"/>
                 <c:pt idx="0">
-                  <c:v>Passive Consumption (mA)</c:v>
+                  <c:v>#REF!</c:v>
                 </c:pt>
               </c:strCache>
             </c:strRef>
           </c:tx>
           <c:spPr>
-            <a:solidFill>
-              <a:schemeClr val="accent2"/>
-            </a:solidFill>
-            <a:ln>
-              <a:noFill/>
+            <a:ln w="28575" cap="rnd">
+              <a:solidFill>
+                <a:schemeClr val="accent2"/>
+              </a:solidFill>
+              <a:round/>
             </a:ln>
             <a:effectLst/>
           </c:spPr>
-          <c:invertIfNegative val="0"/>
+          <c:marker>
+            <c:symbol val="circle"/>
+            <c:size val="5"/>
+            <c:spPr>
+              <a:solidFill>
+                <a:schemeClr val="accent2"/>
+              </a:solidFill>
+              <a:ln w="9525">
+                <a:solidFill>
+                  <a:schemeClr val="accent2"/>
+                </a:solidFill>
+              </a:ln>
+              <a:effectLst/>
+            </c:spPr>
+          </c:marker>
+          <c:dLbls>
+            <c:dLbl>
+              <c:idx val="0"/>
+              <c:layout>
+                <c:manualLayout>
+                  <c:x val="5.1829268292682924E-2"/>
+                  <c:y val="-3.3980578627714524E-2"/>
+                </c:manualLayout>
+              </c:layout>
+              <c:showLegendKey val="0"/>
+              <c:showVal val="1"/>
+              <c:showCatName val="0"/>
+              <c:showSerName val="0"/>
+              <c:showPercent val="0"/>
+              <c:showBubbleSize val="0"/>
+              <c:extLst>
+                <c:ext xmlns:c15="http://schemas.microsoft.com/office/drawing/2012/chart" uri="{CE6537A1-D6FC-4f65-9D91-7224C49458BB}"/>
+                <c:ext xmlns:c16="http://schemas.microsoft.com/office/drawing/2014/chart" uri="{C3380CC4-5D6E-409C-BE32-E72D297353CC}">
+                  <c16:uniqueId val="{00000001-A23B-4C51-91CF-C9D01CE428F6}"/>
+                </c:ext>
+              </c:extLst>
+            </c:dLbl>
+            <c:dLbl>
+              <c:idx val="1"/>
+              <c:layout>
+                <c:manualLayout>
+                  <c:x val="3.6585365853658534E-2"/>
+                  <c:y val="0"/>
+                </c:manualLayout>
+              </c:layout>
+              <c:showLegendKey val="0"/>
+              <c:showVal val="1"/>
+              <c:showCatName val="0"/>
+              <c:showSerName val="0"/>
+              <c:showPercent val="0"/>
+              <c:showBubbleSize val="0"/>
+              <c:extLst>
+                <c:ext xmlns:c15="http://schemas.microsoft.com/office/drawing/2012/chart" uri="{CE6537A1-D6FC-4f65-9D91-7224C49458BB}"/>
+                <c:ext xmlns:c16="http://schemas.microsoft.com/office/drawing/2014/chart" uri="{C3380CC4-5D6E-409C-BE32-E72D297353CC}">
+                  <c16:uniqueId val="{00000003-A23B-4C51-91CF-C9D01CE428F6}"/>
+                </c:ext>
+              </c:extLst>
+            </c:dLbl>
+            <c:dLbl>
+              <c:idx val="2"/>
+              <c:layout>
+                <c:manualLayout>
+                  <c:x val="3.9634146341463304E-2"/>
+                  <c:y val="-4.4174752216028845E-2"/>
+                </c:manualLayout>
+              </c:layout>
+              <c:showLegendKey val="0"/>
+              <c:showVal val="1"/>
+              <c:showCatName val="0"/>
+              <c:showSerName val="0"/>
+              <c:showPercent val="0"/>
+              <c:showBubbleSize val="0"/>
+              <c:extLst>
+                <c:ext xmlns:c15="http://schemas.microsoft.com/office/drawing/2012/chart" uri="{CE6537A1-D6FC-4f65-9D91-7224C49458BB}"/>
+                <c:ext xmlns:c16="http://schemas.microsoft.com/office/drawing/2014/chart" uri="{C3380CC4-5D6E-409C-BE32-E72D297353CC}">
+                  <c16:uniqueId val="{00000000-A23B-4C51-91CF-C9D01CE428F6}"/>
+                </c:ext>
+              </c:extLst>
+            </c:dLbl>
+            <c:spPr>
+              <a:noFill/>
+              <a:ln>
+                <a:noFill/>
+              </a:ln>
+              <a:effectLst/>
+            </c:spPr>
+            <c:txPr>
+              <a:bodyPr rot="0" spcFirstLastPara="1" vertOverflow="ellipsis" vert="horz" wrap="square" lIns="38100" tIns="19050" rIns="38100" bIns="19050" anchor="ctr" anchorCtr="1">
+                <a:spAutoFit/>
+              </a:bodyPr>
+              <a:lstStyle/>
+              <a:p>
+                <a:pPr>
+                  <a:defRPr sz="1197" b="0" i="0" u="none" strike="noStrike" kern="1200" baseline="0">
+                    <a:solidFill>
+                      <a:schemeClr val="tx1">
+                        <a:lumMod val="75000"/>
+                        <a:lumOff val="25000"/>
+                      </a:schemeClr>
+                    </a:solidFill>
+                    <a:latin typeface="+mn-lt"/>
+                    <a:ea typeface="+mn-ea"/>
+                    <a:cs typeface="+mn-cs"/>
+                  </a:defRPr>
+                </a:pPr>
+                <a:endParaRPr lang="en-US"/>
+              </a:p>
+            </c:txPr>
+            <c:showLegendKey val="0"/>
+            <c:showVal val="1"/>
+            <c:showCatName val="0"/>
+            <c:showSerName val="0"/>
+            <c:showPercent val="0"/>
+            <c:showBubbleSize val="0"/>
+            <c:showLeaderLines val="0"/>
+            <c:extLst>
+              <c:ext xmlns:c15="http://schemas.microsoft.com/office/drawing/2012/chart" uri="{CE6537A1-D6FC-4f65-9D91-7224C49458BB}">
+                <c15:showLeaderLines val="1"/>
+                <c15:leaderLines>
+                  <c:spPr>
+                    <a:ln w="9525" cap="flat" cmpd="sng" algn="ctr">
+                      <a:solidFill>
+                        <a:schemeClr val="tx1">
+                          <a:lumMod val="35000"/>
+                          <a:lumOff val="65000"/>
+                        </a:schemeClr>
+                      </a:solidFill>
+                      <a:round/>
+                    </a:ln>
+                    <a:effectLst/>
+                  </c:spPr>
+                </c15:leaderLines>
+              </c:ext>
+            </c:extLst>
+          </c:dLbls>
           <c:cat>
             <c:strRef>
               <c:f>Sheet1!$A$2:$A$4</c:f>
@@ -337,7 +568,7 @@
                   <c:v>6</c:v>
                 </c:pt>
                 <c:pt idx="1">
-                  <c:v>0.84960000000000002</c:v>
+                  <c:v>849.6</c:v>
                 </c:pt>
                 <c:pt idx="2">
                   <c:v>3.84</c:v>
@@ -345,74 +576,10 @@
               </c:numCache>
             </c:numRef>
           </c:val>
+          <c:smooth val="0"/>
           <c:extLst>
             <c:ext xmlns:c16="http://schemas.microsoft.com/office/drawing/2014/chart" uri="{C3380CC4-5D6E-409C-BE32-E72D297353CC}">
               <c16:uniqueId val="{00000001-AC19-4A26-9820-596B826BCD0F}"/>
-            </c:ext>
-          </c:extLst>
-        </c:ser>
-        <c:ser>
-          <c:idx val="2"/>
-          <c:order val="2"/>
-          <c:tx>
-            <c:strRef>
-              <c:f>Sheet1!$C$1</c:f>
-              <c:strCache>
-                <c:ptCount val="1"/>
-                <c:pt idx="0">
-                  <c:v>Active Consumption (mA)</c:v>
-                </c:pt>
-              </c:strCache>
-            </c:strRef>
-          </c:tx>
-          <c:spPr>
-            <a:solidFill>
-              <a:schemeClr val="accent3"/>
-            </a:solidFill>
-            <a:ln>
-              <a:noFill/>
-            </a:ln>
-            <a:effectLst/>
-          </c:spPr>
-          <c:invertIfNegative val="0"/>
-          <c:cat>
-            <c:strRef>
-              <c:f>Sheet1!$A$2:$A$4</c:f>
-              <c:strCache>
-                <c:ptCount val="3"/>
-                <c:pt idx="0">
-                  <c:v>Arduino Uno</c:v>
-                </c:pt>
-                <c:pt idx="1">
-                  <c:v>Raspberry Pi3 (A)</c:v>
-                </c:pt>
-                <c:pt idx="2">
-                  <c:v>MSP432</c:v>
-                </c:pt>
-              </c:strCache>
-            </c:strRef>
-          </c:cat>
-          <c:val>
-            <c:numRef>
-              <c:f>Sheet1!$D$2:$D$4</c:f>
-              <c:numCache>
-                <c:formatCode>General</c:formatCode>
-                <c:ptCount val="3"/>
-                <c:pt idx="0">
-                  <c:v>2E-3</c:v>
-                </c:pt>
-                <c:pt idx="1">
-                  <c:v>0.3</c:v>
-                </c:pt>
-                <c:pt idx="2">
-                  <c:v>2.5000000000000001E-5</c:v>
-                </c:pt>
-              </c:numCache>
-            </c:numRef>
-          </c:val>
-          <c:extLst>
-            <c:ext xmlns:c16="http://schemas.microsoft.com/office/drawing/2014/chart" uri="{C3380CC4-5D6E-409C-BE32-E72D297353CC}">
-              <c16:uniqueId val="{00000002-AC19-4A26-9820-596B826BCD0F}"/>
             </c:ext>
           </c:extLst>
         </c:ser>
@@ -424,11 +591,11 @@
           <c:showPercent val="0"/>
           <c:showBubbleSize val="0"/>
         </c:dLbls>
-        <c:gapWidth val="219"/>
-        <c:overlap val="-27"/>
-        <c:axId val="1114180319"/>
-        <c:axId val="1100864991"/>
-      </c:barChart>
+        <c:marker val="1"/>
+        <c:smooth val="0"/>
+        <c:axId val="1495931664"/>
+        <c:axId val="1297230000"/>
+      </c:lineChart>
       <c:catAx>
         <c:axId val="1114180319"/>
         <c:scaling>
@@ -501,8 +668,63 @@
             <a:effectLst/>
           </c:spPr>
         </c:majorGridlines>
+        <c:title>
+          <c:tx>
+            <c:rich>
+              <a:bodyPr rot="-5400000" spcFirstLastPara="1" vertOverflow="ellipsis" vert="horz" wrap="square" anchor="ctr" anchorCtr="1"/>
+              <a:lstStyle/>
+              <a:p>
+                <a:pPr>
+                  <a:defRPr sz="1330" b="0" i="0" u="none" strike="noStrike" kern="1200" baseline="0">
+                    <a:solidFill>
+                      <a:schemeClr val="tx1">
+                        <a:lumMod val="65000"/>
+                        <a:lumOff val="35000"/>
+                      </a:schemeClr>
+                    </a:solidFill>
+                    <a:latin typeface="+mn-lt"/>
+                    <a:ea typeface="+mn-ea"/>
+                    <a:cs typeface="+mn-cs"/>
+                  </a:defRPr>
+                </a:pPr>
+                <a:r>
+                  <a:rPr lang="en-US" dirty="0"/>
+                  <a:t>Price ($)</a:t>
+                </a:r>
+              </a:p>
+            </c:rich>
+          </c:tx>
+          <c:overlay val="0"/>
+          <c:spPr>
+            <a:noFill/>
+            <a:ln>
+              <a:noFill/>
+            </a:ln>
+            <a:effectLst/>
+          </c:spPr>
+          <c:txPr>
+            <a:bodyPr rot="-5400000" spcFirstLastPara="1" vertOverflow="ellipsis" vert="horz" wrap="square" anchor="ctr" anchorCtr="1"/>
+            <a:lstStyle/>
+            <a:p>
+              <a:pPr>
+                <a:defRPr sz="1330" b="0" i="0" u="none" strike="noStrike" kern="1200" baseline="0">
+                  <a:solidFill>
+                    <a:schemeClr val="tx1">
+                      <a:lumMod val="65000"/>
+                      <a:lumOff val="35000"/>
+                    </a:schemeClr>
+                  </a:solidFill>
+                  <a:latin typeface="+mn-lt"/>
+                  <a:ea typeface="+mn-ea"/>
+                  <a:cs typeface="+mn-cs"/>
+                </a:defRPr>
+              </a:pPr>
+              <a:endParaRPr lang="en-US"/>
+            </a:p>
+          </c:txPr>
+        </c:title>
         <c:numFmt formatCode="General" sourceLinked="1"/>
-        <c:majorTickMark val="none"/>
+        <c:majorTickMark val="out"/>
         <c:minorTickMark val="none"/>
         <c:tickLblPos val="nextTo"/>
         <c:spPr>
@@ -536,6 +758,120 @@
         <c:crosses val="autoZero"/>
         <c:crossBetween val="between"/>
       </c:valAx>
+      <c:valAx>
+        <c:axId val="1297230000"/>
+        <c:scaling>
+          <c:orientation val="minMax"/>
+        </c:scaling>
+        <c:delete val="0"/>
+        <c:axPos val="r"/>
+        <c:title>
+          <c:tx>
+            <c:rich>
+              <a:bodyPr rot="-5400000" spcFirstLastPara="1" vertOverflow="ellipsis" vert="horz" wrap="square" anchor="ctr" anchorCtr="1"/>
+              <a:lstStyle/>
+              <a:p>
+                <a:pPr>
+                  <a:defRPr sz="1330" b="0" i="0" u="none" strike="noStrike" kern="1200" baseline="0">
+                    <a:solidFill>
+                      <a:schemeClr val="tx1">
+                        <a:lumMod val="65000"/>
+                        <a:lumOff val="35000"/>
+                      </a:schemeClr>
+                    </a:solidFill>
+                    <a:latin typeface="+mn-lt"/>
+                    <a:ea typeface="+mn-ea"/>
+                    <a:cs typeface="+mn-cs"/>
+                  </a:defRPr>
+                </a:pPr>
+                <a:r>
+                  <a:rPr lang="en-US" dirty="0"/>
+                  <a:t>Power Consumption (mA)</a:t>
+                </a:r>
+              </a:p>
+            </c:rich>
+          </c:tx>
+          <c:overlay val="0"/>
+          <c:spPr>
+            <a:noFill/>
+            <a:ln>
+              <a:noFill/>
+            </a:ln>
+            <a:effectLst/>
+          </c:spPr>
+          <c:txPr>
+            <a:bodyPr rot="-5400000" spcFirstLastPara="1" vertOverflow="ellipsis" vert="horz" wrap="square" anchor="ctr" anchorCtr="1"/>
+            <a:lstStyle/>
+            <a:p>
+              <a:pPr>
+                <a:defRPr sz="1330" b="0" i="0" u="none" strike="noStrike" kern="1200" baseline="0">
+                  <a:solidFill>
+                    <a:schemeClr val="tx1">
+                      <a:lumMod val="65000"/>
+                      <a:lumOff val="35000"/>
+                    </a:schemeClr>
+                  </a:solidFill>
+                  <a:latin typeface="+mn-lt"/>
+                  <a:ea typeface="+mn-ea"/>
+                  <a:cs typeface="+mn-cs"/>
+                </a:defRPr>
+              </a:pPr>
+              <a:endParaRPr lang="en-US"/>
+            </a:p>
+          </c:txPr>
+        </c:title>
+        <c:numFmt formatCode="General" sourceLinked="1"/>
+        <c:majorTickMark val="out"/>
+        <c:minorTickMark val="none"/>
+        <c:tickLblPos val="nextTo"/>
+        <c:spPr>
+          <a:noFill/>
+          <a:ln>
+            <a:noFill/>
+          </a:ln>
+          <a:effectLst/>
+        </c:spPr>
+        <c:txPr>
+          <a:bodyPr rot="-60000000" spcFirstLastPara="1" vertOverflow="ellipsis" vert="horz" wrap="square" anchor="ctr" anchorCtr="1"/>
+          <a:lstStyle/>
+          <a:p>
+            <a:pPr>
+              <a:defRPr sz="1197" b="0" i="0" u="none" strike="noStrike" kern="1200" baseline="0">
+                <a:solidFill>
+                  <a:schemeClr val="tx1">
+                    <a:lumMod val="65000"/>
+                    <a:lumOff val="35000"/>
+                  </a:schemeClr>
+                </a:solidFill>
+                <a:latin typeface="+mn-lt"/>
+                <a:ea typeface="+mn-ea"/>
+                <a:cs typeface="+mn-cs"/>
+              </a:defRPr>
+            </a:pPr>
+            <a:endParaRPr lang="en-US"/>
+          </a:p>
+        </c:txPr>
+        <c:crossAx val="1495931664"/>
+        <c:crosses val="max"/>
+        <c:crossBetween val="between"/>
+      </c:valAx>
+      <c:catAx>
+        <c:axId val="1495931664"/>
+        <c:scaling>
+          <c:orientation val="minMax"/>
+        </c:scaling>
+        <c:delete val="1"/>
+        <c:axPos val="b"/>
+        <c:numFmt formatCode="General" sourceLinked="1"/>
+        <c:majorTickMark val="out"/>
+        <c:minorTickMark val="none"/>
+        <c:tickLblPos val="nextTo"/>
+        <c:crossAx val="1297230000"/>
+        <c:auto val="1"/>
+        <c:lblAlgn val="ctr"/>
+        <c:lblOffset val="100"/>
+        <c:noMultiLvlLbl val="0"/>
+      </c:catAx>
       <c:spPr>
         <a:noFill/>
         <a:ln>
@@ -544,37 +880,6 @@
         <a:effectLst/>
       </c:spPr>
     </c:plotArea>
-    <c:legend>
-      <c:legendPos val="b"/>
-      <c:overlay val="0"/>
-      <c:spPr>
-        <a:noFill/>
-        <a:ln>
-          <a:noFill/>
-        </a:ln>
-        <a:effectLst/>
-      </c:spPr>
-      <c:txPr>
-        <a:bodyPr rot="0" spcFirstLastPara="1" vertOverflow="ellipsis" vert="horz" wrap="square" anchor="ctr" anchorCtr="1"/>
-        <a:lstStyle/>
-        <a:p>
-          <a:pPr>
-            <a:defRPr sz="1197" b="0" i="0" u="none" strike="noStrike" kern="1200" baseline="0">
-              <a:solidFill>
-                <a:schemeClr val="tx1">
-                  <a:lumMod val="65000"/>
-                  <a:lumOff val="35000"/>
-                </a:schemeClr>
-              </a:solidFill>
-              <a:latin typeface="+mn-lt"/>
-              <a:ea typeface="+mn-ea"/>
-              <a:cs typeface="+mn-cs"/>
-            </a:defRPr>
-          </a:pPr>
-          <a:endParaRPr lang="en-US"/>
-        </a:p>
-      </c:txPr>
-    </c:legend>
     <c:plotVisOnly val="1"/>
     <c:dispBlanksAs val="gap"/>
     <c:showDLblsOverMax val="0"/>
@@ -697,11 +1002,72 @@
               <a:schemeClr val="accent1"/>
             </a:solidFill>
             <a:ln>
-              <a:noFill/>
+              <a:solidFill>
+                <a:schemeClr val="accent1">
+                  <a:alpha val="86000"/>
+                </a:schemeClr>
+              </a:solidFill>
             </a:ln>
             <a:effectLst/>
           </c:spPr>
           <c:invertIfNegative val="0"/>
+          <c:dLbls>
+            <c:spPr>
+              <a:noFill/>
+              <a:ln>
+                <a:noFill/>
+              </a:ln>
+              <a:effectLst/>
+            </c:spPr>
+            <c:txPr>
+              <a:bodyPr rot="0" spcFirstLastPara="1" vertOverflow="ellipsis" vert="horz" wrap="square" lIns="38100" tIns="19050" rIns="38100" bIns="19050" anchor="ctr" anchorCtr="1">
+                <a:spAutoFit/>
+              </a:bodyPr>
+              <a:lstStyle/>
+              <a:p>
+                <a:pPr>
+                  <a:defRPr sz="1197" b="0" i="0" u="none" strike="noStrike" kern="1200" baseline="0">
+                    <a:solidFill>
+                      <a:schemeClr val="tx1">
+                        <a:lumMod val="75000"/>
+                        <a:lumOff val="25000"/>
+                      </a:schemeClr>
+                    </a:solidFill>
+                    <a:latin typeface="+mn-lt"/>
+                    <a:ea typeface="+mn-ea"/>
+                    <a:cs typeface="+mn-cs"/>
+                  </a:defRPr>
+                </a:pPr>
+                <a:endParaRPr lang="en-US"/>
+              </a:p>
+            </c:txPr>
+            <c:showLegendKey val="0"/>
+            <c:showVal val="1"/>
+            <c:showCatName val="0"/>
+            <c:showSerName val="0"/>
+            <c:showPercent val="0"/>
+            <c:showBubbleSize val="0"/>
+            <c:showLeaderLines val="0"/>
+            <c:extLst>
+              <c:ext xmlns:c15="http://schemas.microsoft.com/office/drawing/2012/chart" uri="{CE6537A1-D6FC-4f65-9D91-7224C49458BB}">
+                <c15:showLeaderLines val="1"/>
+                <c15:leaderLines>
+                  <c:spPr>
+                    <a:ln w="9525" cap="flat" cmpd="sng" algn="ctr">
+                      <a:solidFill>
+                        <a:schemeClr val="tx1">
+                          <a:lumMod val="35000"/>
+                          <a:lumOff val="65000"/>
+                        </a:schemeClr>
+                      </a:solidFill>
+                      <a:round/>
+                    </a:ln>
+                    <a:effectLst/>
+                  </c:spPr>
+                </c15:leaderLines>
+              </c:ext>
+            </c:extLst>
+          </c:dLbls>
           <c:cat>
             <c:strRef>
               <c:f>Sheet1!$A$2:$A$4</c:f>
@@ -743,6 +1109,22 @@
             </c:ext>
           </c:extLst>
         </c:ser>
+        <c:dLbls>
+          <c:showLegendKey val="0"/>
+          <c:showVal val="0"/>
+          <c:showCatName val="0"/>
+          <c:showSerName val="0"/>
+          <c:showPercent val="0"/>
+          <c:showBubbleSize val="0"/>
+        </c:dLbls>
+        <c:gapWidth val="219"/>
+        <c:overlap val="-27"/>
+        <c:axId val="1114180319"/>
+        <c:axId val="1100864991"/>
+      </c:barChart>
+      <c:lineChart>
+        <c:grouping val="stacked"/>
+        <c:varyColors val="0"/>
         <c:ser>
           <c:idx val="1"/>
           <c:order val="1"/>
@@ -758,15 +1140,149 @@
             </c:strRef>
           </c:tx>
           <c:spPr>
-            <a:solidFill>
-              <a:schemeClr val="accent2"/>
-            </a:solidFill>
-            <a:ln>
-              <a:noFill/>
+            <a:ln w="28575" cap="rnd">
+              <a:solidFill>
+                <a:schemeClr val="accent2"/>
+              </a:solidFill>
+              <a:round/>
             </a:ln>
             <a:effectLst/>
           </c:spPr>
-          <c:invertIfNegative val="0"/>
+          <c:marker>
+            <c:symbol val="circle"/>
+            <c:size val="5"/>
+            <c:spPr>
+              <a:solidFill>
+                <a:schemeClr val="accent2"/>
+              </a:solidFill>
+              <a:ln w="9525">
+                <a:solidFill>
+                  <a:schemeClr val="accent2"/>
+                </a:solidFill>
+              </a:ln>
+              <a:effectLst/>
+            </c:spPr>
+          </c:marker>
+          <c:dLbls>
+            <c:dLbl>
+              <c:idx val="0"/>
+              <c:layout>
+                <c:manualLayout>
+                  <c:x val="2.9079432186306198E-2"/>
+                  <c:y val="-6.3405069574057245E-17"/>
+                </c:manualLayout>
+              </c:layout>
+              <c:showLegendKey val="0"/>
+              <c:showVal val="1"/>
+              <c:showCatName val="0"/>
+              <c:showSerName val="0"/>
+              <c:showPercent val="0"/>
+              <c:showBubbleSize val="0"/>
+              <c:extLst>
+                <c:ext xmlns:c15="http://schemas.microsoft.com/office/drawing/2012/chart" uri="{CE6537A1-D6FC-4f65-9D91-7224C49458BB}"/>
+                <c:ext xmlns:c16="http://schemas.microsoft.com/office/drawing/2014/chart" uri="{C3380CC4-5D6E-409C-BE32-E72D297353CC}">
+                  <c16:uniqueId val="{00000001-AF96-4235-ACAA-D460A938BC54}"/>
+                </c:ext>
+              </c:extLst>
+            </c:dLbl>
+            <c:dLbl>
+              <c:idx val="1"/>
+              <c:layout>
+                <c:manualLayout>
+                  <c:x val="5.2342977935351052E-2"/>
+                  <c:y val="3.4584982928088656E-3"/>
+                </c:manualLayout>
+              </c:layout>
+              <c:showLegendKey val="0"/>
+              <c:showVal val="1"/>
+              <c:showCatName val="0"/>
+              <c:showSerName val="0"/>
+              <c:showPercent val="0"/>
+              <c:showBubbleSize val="0"/>
+              <c:extLst>
+                <c:ext xmlns:c15="http://schemas.microsoft.com/office/drawing/2012/chart" uri="{CE6537A1-D6FC-4f65-9D91-7224C49458BB}"/>
+                <c:ext xmlns:c16="http://schemas.microsoft.com/office/drawing/2014/chart" uri="{C3380CC4-5D6E-409C-BE32-E72D297353CC}">
+                  <c16:uniqueId val="{00000000-AF96-4235-ACAA-D460A938BC54}"/>
+                </c:ext>
+              </c:extLst>
+            </c:dLbl>
+            <c:dLbl>
+              <c:idx val="2"/>
+              <c:layout>
+                <c:manualLayout>
+                  <c:x val="2.9079432186306198E-2"/>
+                  <c:y val="0"/>
+                </c:manualLayout>
+              </c:layout>
+              <c:showLegendKey val="0"/>
+              <c:showVal val="1"/>
+              <c:showCatName val="0"/>
+              <c:showSerName val="0"/>
+              <c:showPercent val="0"/>
+              <c:showBubbleSize val="0"/>
+              <c:extLst>
+                <c:ext xmlns:c15="http://schemas.microsoft.com/office/drawing/2012/chart" uri="{CE6537A1-D6FC-4f65-9D91-7224C49458BB}"/>
+                <c:ext xmlns:c16="http://schemas.microsoft.com/office/drawing/2014/chart" uri="{C3380CC4-5D6E-409C-BE32-E72D297353CC}">
+                  <c16:uniqueId val="{00000002-AF96-4235-ACAA-D460A938BC54}"/>
+                </c:ext>
+              </c:extLst>
+            </c:dLbl>
+            <c:spPr>
+              <a:noFill/>
+              <a:ln>
+                <a:noFill/>
+              </a:ln>
+              <a:effectLst/>
+            </c:spPr>
+            <c:txPr>
+              <a:bodyPr rot="0" spcFirstLastPara="1" vertOverflow="ellipsis" vert="horz" wrap="square" lIns="38100" tIns="19050" rIns="38100" bIns="19050" anchor="ctr" anchorCtr="1">
+                <a:spAutoFit/>
+              </a:bodyPr>
+              <a:lstStyle/>
+              <a:p>
+                <a:pPr>
+                  <a:defRPr sz="1197" b="0" i="0" u="none" strike="noStrike" kern="1200" baseline="0">
+                    <a:solidFill>
+                      <a:schemeClr val="tx1">
+                        <a:lumMod val="75000"/>
+                        <a:lumOff val="25000"/>
+                      </a:schemeClr>
+                    </a:solidFill>
+                    <a:latin typeface="+mn-lt"/>
+                    <a:ea typeface="+mn-ea"/>
+                    <a:cs typeface="+mn-cs"/>
+                  </a:defRPr>
+                </a:pPr>
+                <a:endParaRPr lang="en-US"/>
+              </a:p>
+            </c:txPr>
+            <c:showLegendKey val="0"/>
+            <c:showVal val="1"/>
+            <c:showCatName val="0"/>
+            <c:showSerName val="0"/>
+            <c:showPercent val="0"/>
+            <c:showBubbleSize val="0"/>
+            <c:showLeaderLines val="0"/>
+            <c:extLst>
+              <c:ext xmlns:c15="http://schemas.microsoft.com/office/drawing/2012/chart" uri="{CE6537A1-D6FC-4f65-9D91-7224C49458BB}">
+                <c15:showLeaderLines val="1"/>
+                <c15:leaderLines>
+                  <c:spPr>
+                    <a:ln w="9525" cap="flat" cmpd="sng" algn="ctr">
+                      <a:solidFill>
+                        <a:schemeClr val="tx1">
+                          <a:lumMod val="35000"/>
+                          <a:lumOff val="65000"/>
+                        </a:schemeClr>
+                      </a:solidFill>
+                      <a:round/>
+                    </a:ln>
+                    <a:effectLst/>
+                  </c:spPr>
+                </c15:leaderLines>
+              </c:ext>
+            </c:extLst>
+          </c:dLbls>
           <c:cat>
             <c:strRef>
               <c:f>Sheet1!$A$2:$A$4</c:f>
@@ -802,74 +1318,10 @@
               </c:numCache>
             </c:numRef>
           </c:val>
+          <c:smooth val="0"/>
           <c:extLst>
             <c:ext xmlns:c16="http://schemas.microsoft.com/office/drawing/2014/chart" uri="{C3380CC4-5D6E-409C-BE32-E72D297353CC}">
               <c16:uniqueId val="{00000001-5B0E-45B8-B858-745FA6FDB2DC}"/>
-            </c:ext>
-          </c:extLst>
-        </c:ser>
-        <c:ser>
-          <c:idx val="2"/>
-          <c:order val="2"/>
-          <c:tx>
-            <c:strRef>
-              <c:f>Sheet1!$C$1</c:f>
-              <c:strCache>
-                <c:ptCount val="1"/>
-                <c:pt idx="0">
-                  <c:v>Active Consumption (mA)</c:v>
-                </c:pt>
-              </c:strCache>
-            </c:strRef>
-          </c:tx>
-          <c:spPr>
-            <a:solidFill>
-              <a:schemeClr val="accent3"/>
-            </a:solidFill>
-            <a:ln>
-              <a:noFill/>
-            </a:ln>
-            <a:effectLst/>
-          </c:spPr>
-          <c:invertIfNegative val="0"/>
-          <c:cat>
-            <c:strRef>
-              <c:f>Sheet1!$A$2:$A$4</c:f>
-              <c:strCache>
-                <c:ptCount val="3"/>
-                <c:pt idx="0">
-                  <c:v>ZigBee</c:v>
-                </c:pt>
-                <c:pt idx="1">
-                  <c:v>Bluetooth fc-114</c:v>
-                </c:pt>
-                <c:pt idx="2">
-                  <c:v>ESP8266</c:v>
-                </c:pt>
-              </c:strCache>
-            </c:strRef>
-          </c:cat>
-          <c:val>
-            <c:numRef>
-              <c:f>Sheet1!$D$2:$D$4</c:f>
-              <c:numCache>
-                <c:formatCode>General</c:formatCode>
-                <c:ptCount val="3"/>
-                <c:pt idx="0">
-                  <c:v>1E-3</c:v>
-                </c:pt>
-                <c:pt idx="1">
-                  <c:v>1E-4</c:v>
-                </c:pt>
-                <c:pt idx="2">
-                  <c:v>5.0000000000000001E-4</c:v>
-                </c:pt>
-              </c:numCache>
-            </c:numRef>
-          </c:val>
-          <c:extLst>
-            <c:ext xmlns:c16="http://schemas.microsoft.com/office/drawing/2014/chart" uri="{C3380CC4-5D6E-409C-BE32-E72D297353CC}">
-              <c16:uniqueId val="{00000002-5B0E-45B8-B858-745FA6FDB2DC}"/>
             </c:ext>
           </c:extLst>
         </c:ser>
@@ -881,11 +1333,11 @@
           <c:showPercent val="0"/>
           <c:showBubbleSize val="0"/>
         </c:dLbls>
-        <c:gapWidth val="219"/>
-        <c:overlap val="-27"/>
-        <c:axId val="1114180319"/>
-        <c:axId val="1100864991"/>
-      </c:barChart>
+        <c:marker val="1"/>
+        <c:smooth val="0"/>
+        <c:axId val="1426406784"/>
+        <c:axId val="1297245120"/>
+      </c:lineChart>
       <c:catAx>
         <c:axId val="1114180319"/>
         <c:scaling>
@@ -958,6 +1410,61 @@
             <a:effectLst/>
           </c:spPr>
         </c:majorGridlines>
+        <c:title>
+          <c:tx>
+            <c:rich>
+              <a:bodyPr rot="-5400000" spcFirstLastPara="1" vertOverflow="ellipsis" vert="horz" wrap="square" anchor="ctr" anchorCtr="1"/>
+              <a:lstStyle/>
+              <a:p>
+                <a:pPr>
+                  <a:defRPr sz="1330" b="0" i="0" u="none" strike="noStrike" kern="1200" baseline="0">
+                    <a:solidFill>
+                      <a:schemeClr val="tx1">
+                        <a:lumMod val="65000"/>
+                        <a:lumOff val="35000"/>
+                      </a:schemeClr>
+                    </a:solidFill>
+                    <a:latin typeface="+mn-lt"/>
+                    <a:ea typeface="+mn-ea"/>
+                    <a:cs typeface="+mn-cs"/>
+                  </a:defRPr>
+                </a:pPr>
+                <a:r>
+                  <a:rPr lang="en-US" dirty="0"/>
+                  <a:t>Price ($)</a:t>
+                </a:r>
+              </a:p>
+            </c:rich>
+          </c:tx>
+          <c:overlay val="0"/>
+          <c:spPr>
+            <a:noFill/>
+            <a:ln>
+              <a:noFill/>
+            </a:ln>
+            <a:effectLst/>
+          </c:spPr>
+          <c:txPr>
+            <a:bodyPr rot="-5400000" spcFirstLastPara="1" vertOverflow="ellipsis" vert="horz" wrap="square" anchor="ctr" anchorCtr="1"/>
+            <a:lstStyle/>
+            <a:p>
+              <a:pPr>
+                <a:defRPr sz="1330" b="0" i="0" u="none" strike="noStrike" kern="1200" baseline="0">
+                  <a:solidFill>
+                    <a:schemeClr val="tx1">
+                      <a:lumMod val="65000"/>
+                      <a:lumOff val="35000"/>
+                    </a:schemeClr>
+                  </a:solidFill>
+                  <a:latin typeface="+mn-lt"/>
+                  <a:ea typeface="+mn-ea"/>
+                  <a:cs typeface="+mn-cs"/>
+                </a:defRPr>
+              </a:pPr>
+              <a:endParaRPr lang="en-US"/>
+            </a:p>
+          </c:txPr>
+        </c:title>
         <c:numFmt formatCode="General" sourceLinked="1"/>
         <c:majorTickMark val="none"/>
         <c:minorTickMark val="none"/>
@@ -970,7 +1477,7 @@
           <a:effectLst/>
         </c:spPr>
         <c:txPr>
-          <a:bodyPr rot="-60000000" spcFirstLastPara="1" vertOverflow="ellipsis" vert="horz" wrap="square" anchor="ctr" anchorCtr="1"/>
+          <a:bodyPr rot="0" spcFirstLastPara="1" vertOverflow="ellipsis" vert="horz" wrap="square" anchor="ctr" anchorCtr="1"/>
           <a:lstStyle/>
           <a:p>
             <a:pPr>
@@ -993,6 +1500,120 @@
         <c:crosses val="autoZero"/>
         <c:crossBetween val="between"/>
       </c:valAx>
+      <c:valAx>
+        <c:axId val="1297245120"/>
+        <c:scaling>
+          <c:orientation val="minMax"/>
+        </c:scaling>
+        <c:delete val="0"/>
+        <c:axPos val="r"/>
+        <c:title>
+          <c:tx>
+            <c:rich>
+              <a:bodyPr rot="-5400000" spcFirstLastPara="1" vertOverflow="ellipsis" vert="horz" wrap="square" anchor="ctr" anchorCtr="1"/>
+              <a:lstStyle/>
+              <a:p>
+                <a:pPr>
+                  <a:defRPr sz="1330" b="0" i="0" u="none" strike="noStrike" kern="1200" baseline="0">
+                    <a:solidFill>
+                      <a:schemeClr val="tx1">
+                        <a:lumMod val="65000"/>
+                        <a:lumOff val="35000"/>
+                      </a:schemeClr>
+                    </a:solidFill>
+                    <a:latin typeface="+mn-lt"/>
+                    <a:ea typeface="+mn-ea"/>
+                    <a:cs typeface="+mn-cs"/>
+                  </a:defRPr>
+                </a:pPr>
+                <a:r>
+                  <a:rPr lang="en-US" dirty="0"/>
+                  <a:t>Power Consumption (mA)</a:t>
+                </a:r>
+              </a:p>
+            </c:rich>
+          </c:tx>
+          <c:overlay val="0"/>
+          <c:spPr>
+            <a:noFill/>
+            <a:ln>
+              <a:noFill/>
+            </a:ln>
+            <a:effectLst/>
+          </c:spPr>
+          <c:txPr>
+            <a:bodyPr rot="-5400000" spcFirstLastPara="1" vertOverflow="ellipsis" vert="horz" wrap="square" anchor="ctr" anchorCtr="1"/>
+            <a:lstStyle/>
+            <a:p>
+              <a:pPr>
+                <a:defRPr sz="1330" b="0" i="0" u="none" strike="noStrike" kern="1200" baseline="0">
+                  <a:solidFill>
+                    <a:schemeClr val="tx1">
+                      <a:lumMod val="65000"/>
+                      <a:lumOff val="35000"/>
+                    </a:schemeClr>
+                  </a:solidFill>
+                  <a:latin typeface="+mn-lt"/>
+                  <a:ea typeface="+mn-ea"/>
+                  <a:cs typeface="+mn-cs"/>
+                </a:defRPr>
+              </a:pPr>
+              <a:endParaRPr lang="en-US"/>
+            </a:p>
+          </c:txPr>
+        </c:title>
+        <c:numFmt formatCode="General" sourceLinked="1"/>
+        <c:majorTickMark val="out"/>
+        <c:minorTickMark val="none"/>
+        <c:tickLblPos val="nextTo"/>
+        <c:spPr>
+          <a:noFill/>
+          <a:ln>
+            <a:noFill/>
+          </a:ln>
+          <a:effectLst/>
+        </c:spPr>
+        <c:txPr>
+          <a:bodyPr rot="-60000000" spcFirstLastPara="1" vertOverflow="ellipsis" vert="horz" wrap="square" anchor="t" anchorCtr="1"/>
+          <a:lstStyle/>
+          <a:p>
+            <a:pPr>
+              <a:defRPr sz="1197" b="0" i="0" u="none" strike="noStrike" kern="1200" baseline="0">
+                <a:solidFill>
+                  <a:schemeClr val="tx1">
+                    <a:lumMod val="65000"/>
+                    <a:lumOff val="35000"/>
+                  </a:schemeClr>
+                </a:solidFill>
+                <a:latin typeface="+mn-lt"/>
+                <a:ea typeface="+mn-ea"/>
+                <a:cs typeface="+mn-cs"/>
+              </a:defRPr>
+            </a:pPr>
+            <a:endParaRPr lang="en-US"/>
+          </a:p>
+        </c:txPr>
+        <c:crossAx val="1426406784"/>
+        <c:crosses val="max"/>
+        <c:crossBetween val="between"/>
+      </c:valAx>
+      <c:catAx>
+        <c:axId val="1426406784"/>
+        <c:scaling>
+          <c:orientation val="minMax"/>
+        </c:scaling>
+        <c:delete val="1"/>
+        <c:axPos val="b"/>
+        <c:numFmt formatCode="General" sourceLinked="1"/>
+        <c:majorTickMark val="out"/>
+        <c:minorTickMark val="none"/>
+        <c:tickLblPos val="nextTo"/>
+        <c:crossAx val="1297245120"/>
+        <c:auto val="1"/>
+        <c:lblAlgn val="ctr"/>
+        <c:lblOffset val="100"/>
+        <c:noMultiLvlLbl val="0"/>
+      </c:catAx>
       <c:spPr>
         <a:noFill/>
         <a:ln>
@@ -1001,37 +1622,6 @@
         <a:effectLst/>
       </c:spPr>
     </c:plotArea>
-    <c:legend>
-      <c:legendPos val="b"/>
-      <c:overlay val="0"/>
-      <c:spPr>
-        <a:noFill/>
-        <a:ln>
-          <a:noFill/>
-        </a:ln>
-        <a:effectLst/>
-      </c:spPr>
-      <c:txPr>
-        <a:bodyPr rot="0" spcFirstLastPara="1" vertOverflow="ellipsis" vert="horz" wrap="square" anchor="ctr" anchorCtr="1"/>
-        <a:lstStyle/>
-        <a:p>
-          <a:pPr>
-            <a:defRPr sz="1197" b="0" i="0" u="none" strike="noStrike" kern="1200" baseline="0">
-              <a:solidFill>
-                <a:schemeClr val="tx1">
-                  <a:lumMod val="65000"/>
-                  <a:lumOff val="35000"/>
-                </a:schemeClr>
-              </a:solidFill>
-              <a:latin typeface="+mn-lt"/>
-              <a:ea typeface="+mn-ea"/>
-              <a:cs typeface="+mn-cs"/>
-            </a:defRPr>
-          </a:pPr>
-          <a:endParaRPr lang="en-US"/>
-        </a:p>
-      </c:txPr>
-    </c:legend>
     <c:plotVisOnly val="1"/>
     <c:dispBlanksAs val="gap"/>
     <c:showDLblsOverMax val="0"/>
@@ -5911,7 +6501,7 @@
       <dgm:spPr/>
     </dgm:pt>
     <dgm:pt modelId="{5328E9DE-ABC1-4CAE-AD14-FDBE3C3DD788}" type="pres">
-      <dgm:prSet presAssocID="{ABB5BD17-A21F-4FA0-AD54-03F045F8F545}" presName="descendantText" presStyleLbl="alignAccFollowNode1" presStyleIdx="0" presStyleCnt="1" custScaleY="88917">
+      <dgm:prSet presAssocID="{ABB5BD17-A21F-4FA0-AD54-03F045F8F545}" presName="descendantText" presStyleLbl="alignAccFollowNode1" presStyleIdx="0" presStyleCnt="1" custScaleY="88917" custLinFactNeighborX="0" custLinFactNeighborY="-14972">
         <dgm:presLayoutVars>
           <dgm:bulletEnabled val="1"/>
         </dgm:presLayoutVars>
@@ -6190,7 +6780,7 @@
       <dgm:spPr/>
     </dgm:pt>
     <dgm:pt modelId="{5328E9DE-ABC1-4CAE-AD14-FDBE3C3DD788}" type="pres">
-      <dgm:prSet presAssocID="{ABB5BD17-A21F-4FA0-AD54-03F045F8F545}" presName="descendantText" presStyleLbl="alignAccFollowNode1" presStyleIdx="0" presStyleCnt="1" custScaleY="66234" custLinFactNeighborX="0" custLinFactNeighborY="-20828">
+      <dgm:prSet presAssocID="{ABB5BD17-A21F-4FA0-AD54-03F045F8F545}" presName="descendantText" presStyleLbl="alignAccFollowNode1" presStyleIdx="0" presStyleCnt="1" custScaleY="66234" custLinFactNeighborX="0" custLinFactNeighborY="-27730">
         <dgm:presLayoutVars>
           <dgm:bulletEnabled val="1"/>
         </dgm:presLayoutVars>
@@ -7044,7 +7634,7 @@
       </dsp:nvSpPr>
       <dsp:spPr>
         <a:xfrm rot="5400000">
-          <a:off x="4789351" y="-1789124"/>
+          <a:off x="4789351" y="-1956209"/>
           <a:ext cx="992294" cy="4974586"/>
         </a:xfrm>
         <a:prstGeom prst="round2SameRect">
@@ -7182,7 +7772,7 @@
         </a:p>
       </dsp:txBody>
       <dsp:txXfrm rot="-5400000">
-        <a:off x="2798205" y="250462"/>
+        <a:off x="2798205" y="83377"/>
         <a:ext cx="4926146" cy="895414"/>
       </dsp:txXfrm>
     </dsp:sp>
@@ -7288,7 +7878,7 @@
       </dsp:nvSpPr>
       <dsp:spPr>
         <a:xfrm rot="5400000">
-          <a:off x="4743974" y="-1805879"/>
+          <a:off x="4743974" y="-1918739"/>
           <a:ext cx="1083048" cy="4974586"/>
         </a:xfrm>
         <a:prstGeom prst="round2SameRect">
@@ -7437,7 +8027,7 @@
         </a:p>
       </dsp:txBody>
       <dsp:txXfrm rot="-5400000">
-        <a:off x="2798205" y="192760"/>
+        <a:off x="2798205" y="79900"/>
         <a:ext cx="4921716" cy="977308"/>
       </dsp:txXfrm>
     </dsp:sp>
@@ -15680,6 +16270,9 @@
   <p:clrMapOvr>
     <a:masterClrMapping/>
   </p:clrMapOvr>
+  <p:transition spd="slow">
+    <p:wipe/>
+  </p:transition>
 </p:sld>
 </file>
 
@@ -16698,43 +17291,716 @@
           </a:xfrm>
         </p:spPr>
         <p:txBody>
-          <a:bodyPr/>
+          <a:bodyPr>
+            <a:normAutofit/>
+          </a:bodyPr>
           <a:lstStyle/>
           <a:p>
             <a:r>
-              <a:rPr lang="en-US" dirty="0" err="1"/>
+              <a:rPr lang="en-US" sz="1200" dirty="0" err="1"/>
               <a:t>NodeMCU</a:t>
             </a:r>
             <a:r>
-              <a:rPr lang="en-US" dirty="0"/>
+              <a:rPr lang="en-US" sz="1200" dirty="0"/>
               <a:t> runs a code that sends data through Wi-Fi to a remote Server</a:t>
             </a:r>
           </a:p>
           <a:p>
             <a:r>
-              <a:rPr lang="en-US" dirty="0"/>
+              <a:rPr lang="en-US" sz="1200" dirty="0"/>
               <a:t>The Server code is running and awaits for clients</a:t>
             </a:r>
           </a:p>
           <a:p>
             <a:r>
-              <a:rPr lang="en-US" dirty="0"/>
+              <a:rPr lang="en-US" sz="1200" dirty="0"/>
               <a:t>The Client already knows the host name and the password</a:t>
             </a:r>
           </a:p>
           <a:p>
             <a:r>
-              <a:rPr lang="en-US" dirty="0"/>
+              <a:rPr lang="en-US" sz="1200" dirty="0"/>
               <a:t>Once the connection is established, the data sent by the </a:t>
             </a:r>
             <a:r>
-              <a:rPr lang="en-US" dirty="0" err="1"/>
+              <a:rPr lang="en-US" sz="1200" dirty="0" err="1"/>
               <a:t>NodeMCU</a:t>
             </a:r>
             <a:r>
-              <a:rPr lang="en-US" dirty="0"/>
+              <a:rPr lang="en-US" sz="1200" dirty="0"/>
               <a:t> is received by the Server and printed in the terminal.</a:t>
             </a:r>
+          </a:p>
+        </p:txBody>
+      </p:sp>
+      <p:pic>
+        <p:nvPicPr>
+          <p:cNvPr id="4" name="Picture 3">
+            <a:extLst>
+              <a:ext uri="{FF2B5EF4-FFF2-40B4-BE49-F238E27FC236}">
+                <a16:creationId xmlns:a16="http://schemas.microsoft.com/office/drawing/2014/main" id="{783F1796-6147-45F4-9BBA-8AEB95567CA0}"/>
+              </a:ext>
+            </a:extLst>
+          </p:cNvPr>
+          <p:cNvPicPr>
+            <a:picLocks noChangeAspect="1"/>
+          </p:cNvPicPr>
+          <p:nvPr/>
+        </p:nvPicPr>
+        <p:blipFill>
+          <a:blip r:embed="rId2"/>
+          <a:stretch>
+            <a:fillRect/>
+          </a:stretch>
+        </p:blipFill>
+        <p:spPr>
+          <a:xfrm>
+            <a:off x="1976588" y="2609810"/>
+            <a:ext cx="641454" cy="891926"/>
+          </a:xfrm>
+          <a:prstGeom prst="rect">
+            <a:avLst/>
+          </a:prstGeom>
+        </p:spPr>
+      </p:pic>
+      <p:sp>
+        <p:nvSpPr>
+          <p:cNvPr id="6" name="TextBox 5">
+            <a:extLst>
+              <a:ext uri="{FF2B5EF4-FFF2-40B4-BE49-F238E27FC236}">
+                <a16:creationId xmlns:a16="http://schemas.microsoft.com/office/drawing/2014/main" id="{E25DCA99-8597-43EA-864E-06208FCFB961}"/>
+              </a:ext>
+            </a:extLst>
+          </p:cNvPr>
+          <p:cNvSpPr txBox="1"/>
+          <p:nvPr/>
+        </p:nvSpPr>
+        <p:spPr>
+          <a:xfrm>
+            <a:off x="2725070" y="2505460"/>
+            <a:ext cx="912972" cy="830997"/>
+          </a:xfrm>
+          <a:prstGeom prst="rect">
+            <a:avLst/>
+          </a:prstGeom>
+          <a:noFill/>
+        </p:spPr>
+        <p:txBody>
+          <a:bodyPr wrap="square" rtlCol="0">
+            <a:spAutoFit/>
+          </a:bodyPr>
+          <a:lstStyle/>
+          <a:p>
+            <a:r>
+              <a:rPr lang="en-US" sz="4800" dirty="0"/>
+              <a:t>…</a:t>
+            </a:r>
+          </a:p>
+        </p:txBody>
+      </p:sp>
+      <p:pic>
+        <p:nvPicPr>
+          <p:cNvPr id="7" name="Picture 6" descr="A close up of a circuit board&#10;&#10;Description generated with high confidence">
+            <a:extLst>
+              <a:ext uri="{FF2B5EF4-FFF2-40B4-BE49-F238E27FC236}">
+                <a16:creationId xmlns:a16="http://schemas.microsoft.com/office/drawing/2014/main" id="{D6CC1DAE-9220-484F-AB42-8D36EA9C535E}"/>
+              </a:ext>
+            </a:extLst>
+          </p:cNvPr>
+          <p:cNvPicPr>
+            <a:picLocks noChangeAspect="1"/>
+          </p:cNvPicPr>
+          <p:nvPr/>
+        </p:nvPicPr>
+        <p:blipFill>
+          <a:blip r:embed="rId3"/>
+          <a:stretch>
+            <a:fillRect/>
+          </a:stretch>
+        </p:blipFill>
+        <p:spPr>
+          <a:xfrm>
+            <a:off x="3435756" y="2640274"/>
+            <a:ext cx="1252636" cy="830997"/>
+          </a:xfrm>
+          <a:prstGeom prst="rect">
+            <a:avLst/>
+          </a:prstGeom>
+        </p:spPr>
+      </p:pic>
+      <p:sp>
+        <p:nvSpPr>
+          <p:cNvPr id="8" name="Rectangle 7">
+            <a:extLst>
+              <a:ext uri="{FF2B5EF4-FFF2-40B4-BE49-F238E27FC236}">
+                <a16:creationId xmlns:a16="http://schemas.microsoft.com/office/drawing/2014/main" id="{43EC4C00-EC00-408F-A438-2B268F970EA1}"/>
+              </a:ext>
+            </a:extLst>
+          </p:cNvPr>
+          <p:cNvSpPr/>
+          <p:nvPr/>
+        </p:nvSpPr>
+        <p:spPr>
+          <a:xfrm>
+            <a:off x="337852" y="2697309"/>
+            <a:ext cx="1959463" cy="830997"/>
+          </a:xfrm>
+          <a:prstGeom prst="rect">
+            <a:avLst/>
+          </a:prstGeom>
+          <a:noFill/>
+        </p:spPr>
+        <p:txBody>
+          <a:bodyPr wrap="square" lIns="91440" tIns="45720" rIns="91440" bIns="45720">
+            <a:spAutoFit/>
+          </a:bodyPr>
+          <a:lstStyle/>
+          <a:p>
+            <a:pPr algn="ctr"/>
+            <a:r>
+              <a:rPr lang="en-US" sz="4800" b="1" cap="none" spc="50" dirty="0">
+                <a:ln w="9525" cmpd="sng">
+                  <a:solidFill>
+                    <a:schemeClr val="accent1"/>
+                  </a:solidFill>
+                  <a:prstDash val="solid"/>
+                </a:ln>
+                <a:solidFill>
+                  <a:srgbClr val="70AD47">
+                    <a:tint val="1000"/>
+                  </a:srgbClr>
+                </a:solidFill>
+                <a:effectLst>
+                  <a:glow rad="38100">
+                    <a:schemeClr val="accent1">
+                      <a:alpha val="40000"/>
+                    </a:schemeClr>
+                  </a:glow>
+                </a:effectLst>
+              </a:rPr>
+              <a:t>1</a:t>
+            </a:r>
+          </a:p>
+        </p:txBody>
+      </p:sp>
+      <p:sp>
+        <p:nvSpPr>
+          <p:cNvPr id="9" name="Rectangle 8">
+            <a:extLst>
+              <a:ext uri="{FF2B5EF4-FFF2-40B4-BE49-F238E27FC236}">
+                <a16:creationId xmlns:a16="http://schemas.microsoft.com/office/drawing/2014/main" id="{8EB6EC5D-DE60-4CEC-9F4C-0002DD039137}"/>
+              </a:ext>
+            </a:extLst>
+          </p:cNvPr>
+          <p:cNvSpPr/>
+          <p:nvPr/>
+        </p:nvSpPr>
+        <p:spPr>
+          <a:xfrm>
+            <a:off x="4756934" y="2520064"/>
+            <a:ext cx="1326004" cy="369332"/>
+          </a:xfrm>
+          <a:prstGeom prst="rect">
+            <a:avLst/>
+          </a:prstGeom>
+        </p:spPr>
+        <p:txBody>
+          <a:bodyPr wrap="none">
+            <a:spAutoFit/>
+          </a:bodyPr>
+          <a:lstStyle/>
+          <a:p>
+            <a:r>
+              <a:rPr lang="en-US" b="1" dirty="0" err="1"/>
+              <a:t>HostName</a:t>
+            </a:r>
+            <a:endParaRPr lang="en-US" b="1" dirty="0"/>
+          </a:p>
+        </p:txBody>
+      </p:sp>
+      <p:sp>
+        <p:nvSpPr>
+          <p:cNvPr id="10" name="Rectangle 9">
+            <a:extLst>
+              <a:ext uri="{FF2B5EF4-FFF2-40B4-BE49-F238E27FC236}">
+                <a16:creationId xmlns:a16="http://schemas.microsoft.com/office/drawing/2014/main" id="{D05ECC95-2DF0-4574-8B63-230C65908778}"/>
+              </a:ext>
+            </a:extLst>
+          </p:cNvPr>
+          <p:cNvSpPr/>
+          <p:nvPr/>
+        </p:nvSpPr>
+        <p:spPr>
+          <a:xfrm>
+            <a:off x="4762896" y="3151791"/>
+            <a:ext cx="1314080" cy="369332"/>
+          </a:xfrm>
+          <a:prstGeom prst="rect">
+            <a:avLst/>
+          </a:prstGeom>
+        </p:spPr>
+        <p:txBody>
+          <a:bodyPr wrap="square">
+            <a:spAutoFit/>
+          </a:bodyPr>
+          <a:lstStyle/>
+          <a:p>
+            <a:r>
+              <a:rPr lang="en-US" b="1" dirty="0"/>
+              <a:t>Password</a:t>
+            </a:r>
+          </a:p>
+        </p:txBody>
+      </p:sp>
+      <p:sp>
+        <p:nvSpPr>
+          <p:cNvPr id="11" name="Arc 10">
+            <a:extLst>
+              <a:ext uri="{FF2B5EF4-FFF2-40B4-BE49-F238E27FC236}">
+                <a16:creationId xmlns:a16="http://schemas.microsoft.com/office/drawing/2014/main" id="{765D92E3-FCEB-46DA-8409-3CAEB7BDB4F9}"/>
+              </a:ext>
+            </a:extLst>
+          </p:cNvPr>
+          <p:cNvSpPr/>
+          <p:nvPr/>
+        </p:nvSpPr>
+        <p:spPr>
+          <a:xfrm rot="3830356">
+            <a:off x="5405368" y="2400926"/>
+            <a:ext cx="1098877" cy="946723"/>
+          </a:xfrm>
+          <a:prstGeom prst="arc">
+            <a:avLst>
+              <a:gd name="adj1" fmla="val 16200000"/>
+              <a:gd name="adj2" fmla="val 21252299"/>
+            </a:avLst>
+          </a:prstGeom>
+        </p:spPr>
+        <p:style>
+          <a:lnRef idx="2">
+            <a:schemeClr val="accent1"/>
+          </a:lnRef>
+          <a:fillRef idx="0">
+            <a:schemeClr val="accent1"/>
+          </a:fillRef>
+          <a:effectRef idx="1">
+            <a:schemeClr val="accent1"/>
+          </a:effectRef>
+          <a:fontRef idx="minor">
+            <a:schemeClr val="tx1"/>
+          </a:fontRef>
+        </p:style>
+        <p:txBody>
+          <a:bodyPr rtlCol="0" anchor="ctr"/>
+          <a:lstStyle/>
+          <a:p>
+            <a:pPr algn="ctr"/>
+            <a:endParaRPr lang="en-US" sz="1200" dirty="0"/>
+          </a:p>
+        </p:txBody>
+      </p:sp>
+      <p:sp>
+        <p:nvSpPr>
+          <p:cNvPr id="12" name="Arc 11">
+            <a:extLst>
+              <a:ext uri="{FF2B5EF4-FFF2-40B4-BE49-F238E27FC236}">
+                <a16:creationId xmlns:a16="http://schemas.microsoft.com/office/drawing/2014/main" id="{A106D7A2-3ABF-4AFA-9240-BAB946F89C0C}"/>
+              </a:ext>
+            </a:extLst>
+          </p:cNvPr>
+          <p:cNvSpPr/>
+          <p:nvPr/>
+        </p:nvSpPr>
+        <p:spPr>
+          <a:xfrm rot="3794083">
+            <a:off x="4931585" y="2186642"/>
+            <a:ext cx="1435303" cy="1250552"/>
+          </a:xfrm>
+          <a:prstGeom prst="arc">
+            <a:avLst>
+              <a:gd name="adj1" fmla="val 16200000"/>
+              <a:gd name="adj2" fmla="val 21252299"/>
+            </a:avLst>
+          </a:prstGeom>
+        </p:spPr>
+        <p:style>
+          <a:lnRef idx="2">
+            <a:schemeClr val="accent1"/>
+          </a:lnRef>
+          <a:fillRef idx="0">
+            <a:schemeClr val="accent1"/>
+          </a:fillRef>
+          <a:effectRef idx="1">
+            <a:schemeClr val="accent1"/>
+          </a:effectRef>
+          <a:fontRef idx="minor">
+            <a:schemeClr val="tx1"/>
+          </a:fontRef>
+        </p:style>
+        <p:txBody>
+          <a:bodyPr rtlCol="0" anchor="ctr"/>
+          <a:lstStyle/>
+          <a:p>
+            <a:pPr algn="ctr"/>
+            <a:endParaRPr lang="en-US"/>
+          </a:p>
+        </p:txBody>
+      </p:sp>
+      <p:sp>
+        <p:nvSpPr>
+          <p:cNvPr id="13" name="Arc 12">
+            <a:extLst>
+              <a:ext uri="{FF2B5EF4-FFF2-40B4-BE49-F238E27FC236}">
+                <a16:creationId xmlns:a16="http://schemas.microsoft.com/office/drawing/2014/main" id="{765D92E3-FCEB-46DA-8409-3CAEB7BDB4F9}"/>
+              </a:ext>
+            </a:extLst>
+          </p:cNvPr>
+          <p:cNvSpPr/>
+          <p:nvPr/>
+        </p:nvSpPr>
+        <p:spPr>
+          <a:xfrm rot="3057179">
+            <a:off x="5494767" y="2405028"/>
+            <a:ext cx="1098877" cy="946723"/>
+          </a:xfrm>
+          <a:prstGeom prst="arc">
+            <a:avLst>
+              <a:gd name="adj1" fmla="val 17454487"/>
+              <a:gd name="adj2" fmla="val 21252299"/>
+            </a:avLst>
+          </a:prstGeom>
+        </p:spPr>
+        <p:style>
+          <a:lnRef idx="2">
+            <a:schemeClr val="accent1"/>
+          </a:lnRef>
+          <a:fillRef idx="0">
+            <a:schemeClr val="accent1"/>
+          </a:fillRef>
+          <a:effectRef idx="1">
+            <a:schemeClr val="accent1"/>
+          </a:effectRef>
+          <a:fontRef idx="minor">
+            <a:schemeClr val="tx1"/>
+          </a:fontRef>
+        </p:style>
+        <p:txBody>
+          <a:bodyPr rtlCol="0" anchor="ctr"/>
+          <a:lstStyle/>
+          <a:p>
+            <a:pPr algn="ctr"/>
+            <a:endParaRPr lang="en-US" sz="1100"/>
+          </a:p>
+        </p:txBody>
+      </p:sp>
+      <p:pic>
+        <p:nvPicPr>
+          <p:cNvPr id="14" name="Picture 13">
+            <a:extLst>
+              <a:ext uri="{FF2B5EF4-FFF2-40B4-BE49-F238E27FC236}">
+                <a16:creationId xmlns:a16="http://schemas.microsoft.com/office/drawing/2014/main" id="{72199F17-8955-49B8-9B0F-40C3F4657F2A}"/>
+              </a:ext>
+            </a:extLst>
+          </p:cNvPr>
+          <p:cNvPicPr>
+            <a:picLocks noChangeAspect="1"/>
+          </p:cNvPicPr>
+          <p:nvPr/>
+        </p:nvPicPr>
+        <p:blipFill>
+          <a:blip r:embed="rId2"/>
+          <a:stretch>
+            <a:fillRect/>
+          </a:stretch>
+        </p:blipFill>
+        <p:spPr>
+          <a:xfrm>
+            <a:off x="6911632" y="2769155"/>
+            <a:ext cx="1091930" cy="1518302"/>
+          </a:xfrm>
+          <a:prstGeom prst="rect">
+            <a:avLst/>
+          </a:prstGeom>
+        </p:spPr>
+      </p:pic>
+      <p:pic>
+        <p:nvPicPr>
+          <p:cNvPr id="15" name="Picture 14" descr="A close up of a circuit board&#10;&#10;Description generated with high confidence">
+            <a:extLst>
+              <a:ext uri="{FF2B5EF4-FFF2-40B4-BE49-F238E27FC236}">
+                <a16:creationId xmlns:a16="http://schemas.microsoft.com/office/drawing/2014/main" id="{D0772AD6-1557-4A6A-B5C7-9D0610874E21}"/>
+              </a:ext>
+            </a:extLst>
+          </p:cNvPr>
+          <p:cNvPicPr>
+            <a:picLocks noChangeAspect="1"/>
+          </p:cNvPicPr>
+          <p:nvPr/>
+        </p:nvPicPr>
+        <p:blipFill>
+          <a:blip r:embed="rId3"/>
+          <a:stretch>
+            <a:fillRect/>
+          </a:stretch>
+        </p:blipFill>
+        <p:spPr>
+          <a:xfrm>
+            <a:off x="3037362" y="4073722"/>
+            <a:ext cx="1201359" cy="796980"/>
+          </a:xfrm>
+          <a:prstGeom prst="rect">
+            <a:avLst/>
+          </a:prstGeom>
+        </p:spPr>
+      </p:pic>
+      <p:sp>
+        <p:nvSpPr>
+          <p:cNvPr id="17" name="TextBox 16">
+            <a:extLst>
+              <a:ext uri="{FF2B5EF4-FFF2-40B4-BE49-F238E27FC236}">
+                <a16:creationId xmlns:a16="http://schemas.microsoft.com/office/drawing/2014/main" id="{4C786D7B-A4F8-4B17-963D-563EA6E6D55F}"/>
+              </a:ext>
+            </a:extLst>
+          </p:cNvPr>
+          <p:cNvSpPr txBox="1"/>
+          <p:nvPr/>
+        </p:nvSpPr>
+        <p:spPr>
+          <a:xfrm rot="20895139">
+            <a:off x="4418732" y="4174659"/>
+            <a:ext cx="1075361" cy="369332"/>
+          </a:xfrm>
+          <a:prstGeom prst="rect">
+            <a:avLst/>
+          </a:prstGeom>
+          <a:noFill/>
+        </p:spPr>
+        <p:txBody>
+          <a:bodyPr wrap="square" rtlCol="0">
+            <a:spAutoFit/>
+          </a:bodyPr>
+          <a:lstStyle/>
+          <a:p>
+            <a:r>
+              <a:rPr lang="en-US" b="1" dirty="0"/>
+              <a:t>data</a:t>
+            </a:r>
+          </a:p>
+        </p:txBody>
+      </p:sp>
+      <p:sp>
+        <p:nvSpPr>
+          <p:cNvPr id="18" name="Arc 17">
+            <a:extLst>
+              <a:ext uri="{FF2B5EF4-FFF2-40B4-BE49-F238E27FC236}">
+                <a16:creationId xmlns:a16="http://schemas.microsoft.com/office/drawing/2014/main" id="{A106D7A2-3ABF-4AFA-9240-BAB946F89C0C}"/>
+              </a:ext>
+            </a:extLst>
+          </p:cNvPr>
+          <p:cNvSpPr/>
+          <p:nvPr/>
+        </p:nvSpPr>
+        <p:spPr>
+          <a:xfrm rot="1656629">
+            <a:off x="4147971" y="3957819"/>
+            <a:ext cx="1435303" cy="1250552"/>
+          </a:xfrm>
+          <a:prstGeom prst="arc">
+            <a:avLst>
+              <a:gd name="adj1" fmla="val 16200000"/>
+              <a:gd name="adj2" fmla="val 21252299"/>
+            </a:avLst>
+          </a:prstGeom>
+        </p:spPr>
+        <p:style>
+          <a:lnRef idx="2">
+            <a:schemeClr val="accent1"/>
+          </a:lnRef>
+          <a:fillRef idx="0">
+            <a:schemeClr val="accent1"/>
+          </a:fillRef>
+          <a:effectRef idx="1">
+            <a:schemeClr val="accent1"/>
+          </a:effectRef>
+          <a:fontRef idx="minor">
+            <a:schemeClr val="tx1"/>
+          </a:fontRef>
+        </p:style>
+        <p:txBody>
+          <a:bodyPr rtlCol="0" anchor="ctr"/>
+          <a:lstStyle/>
+          <a:p>
+            <a:pPr algn="ctr"/>
+            <a:endParaRPr lang="en-US"/>
+          </a:p>
+        </p:txBody>
+      </p:sp>
+      <p:sp>
+        <p:nvSpPr>
+          <p:cNvPr id="19" name="Arc 18">
+            <a:extLst>
+              <a:ext uri="{FF2B5EF4-FFF2-40B4-BE49-F238E27FC236}">
+                <a16:creationId xmlns:a16="http://schemas.microsoft.com/office/drawing/2014/main" id="{765D92E3-FCEB-46DA-8409-3CAEB7BDB4F9}"/>
+              </a:ext>
+            </a:extLst>
+          </p:cNvPr>
+          <p:cNvSpPr/>
+          <p:nvPr/>
+        </p:nvSpPr>
+        <p:spPr>
+          <a:xfrm rot="1796139">
+            <a:off x="4683218" y="3976462"/>
+            <a:ext cx="1098877" cy="946723"/>
+          </a:xfrm>
+          <a:prstGeom prst="arc">
+            <a:avLst>
+              <a:gd name="adj1" fmla="val 16200000"/>
+              <a:gd name="adj2" fmla="val 21252299"/>
+            </a:avLst>
+          </a:prstGeom>
+        </p:spPr>
+        <p:style>
+          <a:lnRef idx="2">
+            <a:schemeClr val="accent1"/>
+          </a:lnRef>
+          <a:fillRef idx="0">
+            <a:schemeClr val="accent1"/>
+          </a:fillRef>
+          <a:effectRef idx="1">
+            <a:schemeClr val="accent1"/>
+          </a:effectRef>
+          <a:fontRef idx="minor">
+            <a:schemeClr val="tx1"/>
+          </a:fontRef>
+        </p:style>
+        <p:txBody>
+          <a:bodyPr rtlCol="0" anchor="ctr"/>
+          <a:lstStyle/>
+          <a:p>
+            <a:pPr algn="ctr"/>
+            <a:endParaRPr lang="en-US" sz="1200" dirty="0"/>
+          </a:p>
+        </p:txBody>
+      </p:sp>
+      <p:sp>
+        <p:nvSpPr>
+          <p:cNvPr id="20" name="Arc 19">
+            <a:extLst>
+              <a:ext uri="{FF2B5EF4-FFF2-40B4-BE49-F238E27FC236}">
+                <a16:creationId xmlns:a16="http://schemas.microsoft.com/office/drawing/2014/main" id="{765D92E3-FCEB-46DA-8409-3CAEB7BDB4F9}"/>
+              </a:ext>
+            </a:extLst>
+          </p:cNvPr>
+          <p:cNvSpPr/>
+          <p:nvPr/>
+        </p:nvSpPr>
+        <p:spPr>
+          <a:xfrm rot="1095522">
+            <a:off x="4831565" y="3902009"/>
+            <a:ext cx="1098877" cy="946723"/>
+          </a:xfrm>
+          <a:prstGeom prst="arc">
+            <a:avLst>
+              <a:gd name="adj1" fmla="val 17454487"/>
+              <a:gd name="adj2" fmla="val 21252299"/>
+            </a:avLst>
+          </a:prstGeom>
+        </p:spPr>
+        <p:style>
+          <a:lnRef idx="2">
+            <a:schemeClr val="accent1"/>
+          </a:lnRef>
+          <a:fillRef idx="0">
+            <a:schemeClr val="accent1"/>
+          </a:fillRef>
+          <a:effectRef idx="1">
+            <a:schemeClr val="accent1"/>
+          </a:effectRef>
+          <a:fontRef idx="minor">
+            <a:schemeClr val="tx1"/>
+          </a:fontRef>
+        </p:style>
+        <p:txBody>
+          <a:bodyPr rtlCol="0" anchor="ctr"/>
+          <a:lstStyle/>
+          <a:p>
+            <a:pPr algn="ctr"/>
+            <a:endParaRPr lang="en-US" sz="1100"/>
+          </a:p>
+        </p:txBody>
+      </p:sp>
+      <p:sp>
+        <p:nvSpPr>
+          <p:cNvPr id="21" name="Rectangle 20">
+            <a:extLst>
+              <a:ext uri="{FF2B5EF4-FFF2-40B4-BE49-F238E27FC236}">
+                <a16:creationId xmlns:a16="http://schemas.microsoft.com/office/drawing/2014/main" id="{FF6AC67D-A000-4076-8C4A-9F299392EAE3}"/>
+              </a:ext>
+            </a:extLst>
+          </p:cNvPr>
+          <p:cNvSpPr/>
+          <p:nvPr/>
+        </p:nvSpPr>
+        <p:spPr>
+          <a:xfrm>
+            <a:off x="1352564" y="4039705"/>
+            <a:ext cx="1959463" cy="830997"/>
+          </a:xfrm>
+          <a:prstGeom prst="rect">
+            <a:avLst/>
+          </a:prstGeom>
+          <a:noFill/>
+        </p:spPr>
+        <p:txBody>
+          <a:bodyPr wrap="square" lIns="91440" tIns="45720" rIns="91440" bIns="45720">
+            <a:spAutoFit/>
+          </a:bodyPr>
+          <a:lstStyle/>
+          <a:p>
+            <a:pPr algn="ctr"/>
+            <a:r>
+              <a:rPr lang="en-US" sz="4800" b="1" spc="50" dirty="0">
+                <a:ln w="9525" cmpd="sng">
+                  <a:solidFill>
+                    <a:schemeClr val="accent1"/>
+                  </a:solidFill>
+                  <a:prstDash val="solid"/>
+                </a:ln>
+                <a:solidFill>
+                  <a:srgbClr val="70AD47">
+                    <a:tint val="1000"/>
+                  </a:srgbClr>
+                </a:solidFill>
+                <a:effectLst>
+                  <a:glow rad="38100">
+                    <a:schemeClr val="accent1">
+                      <a:alpha val="40000"/>
+                    </a:schemeClr>
+                  </a:glow>
+                </a:effectLst>
+              </a:rPr>
+              <a:t>2</a:t>
+            </a:r>
+            <a:endParaRPr lang="en-US" sz="4800" b="1" cap="none" spc="50" dirty="0">
+              <a:ln w="9525" cmpd="sng">
+                <a:solidFill>
+                  <a:schemeClr val="accent1"/>
+                </a:solidFill>
+                <a:prstDash val="solid"/>
+              </a:ln>
+              <a:solidFill>
+                <a:srgbClr val="70AD47">
+                  <a:tint val="1000"/>
+                </a:srgbClr>
+              </a:solidFill>
+              <a:effectLst>
+                <a:glow rad="38100">
+                  <a:schemeClr val="accent1">
+                    <a:alpha val="40000"/>
+                  </a:schemeClr>
+                </a:glow>
+              </a:effectLst>
+            </a:endParaRPr>
           </a:p>
         </p:txBody>
       </p:sp>
@@ -17174,771 +18440,20 @@
                       </p:childTnLst>
                     </p:cTn>
                   </p:par>
-                </p:childTnLst>
-              </p:cTn>
-              <p:prevCondLst>
-                <p:cond evt="onPrev" delay="0">
-                  <p:tgtEl>
-                    <p:sldTgt/>
-                  </p:tgtEl>
-                </p:cond>
-              </p:prevCondLst>
-              <p:nextCondLst>
-                <p:cond evt="onNext" delay="0">
-                  <p:tgtEl>
-                    <p:sldTgt/>
-                  </p:tgtEl>
-                </p:cond>
-              </p:nextCondLst>
-            </p:seq>
-          </p:childTnLst>
-        </p:cTn>
-      </p:par>
-    </p:tnLst>
-  </p:timing>
-</p:sld>
-</file>
-
-<file path=ppt/slides/slide12.xml><?xml version="1.0" encoding="utf-8"?>
-<p:sld xmlns:a="http://schemas.openxmlformats.org/drawingml/2006/main" xmlns:r="http://schemas.openxmlformats.org/officeDocument/2006/relationships" xmlns:p="http://schemas.openxmlformats.org/presentationml/2006/main">
-  <p:cSld>
-    <p:spTree>
-      <p:nvGrpSpPr>
-        <p:cNvPr id="1" name=""/>
-        <p:cNvGrpSpPr/>
-        <p:nvPr/>
-      </p:nvGrpSpPr>
-      <p:grpSpPr>
-        <a:xfrm>
-          <a:off x="0" y="0"/>
-          <a:ext cx="0" cy="0"/>
-          <a:chOff x="0" y="0"/>
-          <a:chExt cx="0" cy="0"/>
-        </a:xfrm>
-      </p:grpSpPr>
-      <p:sp>
-        <p:nvSpPr>
-          <p:cNvPr id="25" name="Rectangle 24">
-            <a:extLst>
-              <a:ext uri="{FF2B5EF4-FFF2-40B4-BE49-F238E27FC236}">
-                <a16:creationId xmlns:a16="http://schemas.microsoft.com/office/drawing/2014/main" id="{43EC4C00-EC00-408F-A438-2B268F970EA1}"/>
-              </a:ext>
-            </a:extLst>
-          </p:cNvPr>
-          <p:cNvSpPr/>
-          <p:nvPr/>
-        </p:nvSpPr>
-        <p:spPr>
-          <a:xfrm>
-            <a:off x="-106137" y="389543"/>
-            <a:ext cx="2757478" cy="3170099"/>
-          </a:xfrm>
-          <a:prstGeom prst="rect">
-            <a:avLst/>
-          </a:prstGeom>
-          <a:noFill/>
-        </p:spPr>
-        <p:txBody>
-          <a:bodyPr wrap="square" lIns="91440" tIns="45720" rIns="91440" bIns="45720">
-            <a:spAutoFit/>
-          </a:bodyPr>
-          <a:lstStyle/>
-          <a:p>
-            <a:pPr algn="ctr"/>
-            <a:r>
-              <a:rPr lang="en-US" sz="20000" b="1" cap="none" spc="50" dirty="0">
-                <a:ln w="9525" cmpd="sng">
-                  <a:solidFill>
-                    <a:schemeClr val="accent1"/>
-                  </a:solidFill>
-                  <a:prstDash val="solid"/>
-                </a:ln>
-                <a:solidFill>
-                  <a:srgbClr val="70AD47">
-                    <a:tint val="1000"/>
-                  </a:srgbClr>
-                </a:solidFill>
-                <a:effectLst>
-                  <a:glow rad="38100">
-                    <a:schemeClr val="accent1">
-                      <a:alpha val="40000"/>
-                    </a:schemeClr>
-                  </a:glow>
-                </a:effectLst>
-              </a:rPr>
-              <a:t>1</a:t>
-            </a:r>
-          </a:p>
-        </p:txBody>
-      </p:sp>
-      <p:sp>
-        <p:nvSpPr>
-          <p:cNvPr id="2" name="Title 1">
-            <a:extLst>
-              <a:ext uri="{FF2B5EF4-FFF2-40B4-BE49-F238E27FC236}">
-                <a16:creationId xmlns:a16="http://schemas.microsoft.com/office/drawing/2014/main" id="{064B410A-0865-4776-A7BF-C95E551BB825}"/>
-              </a:ext>
-            </a:extLst>
-          </p:cNvPr>
-          <p:cNvSpPr>
-            <a:spLocks noGrp="1"/>
-          </p:cNvSpPr>
-          <p:nvPr>
-            <p:ph type="title"/>
-          </p:nvPr>
-        </p:nvSpPr>
-        <p:spPr/>
-        <p:txBody>
-          <a:bodyPr/>
-          <a:lstStyle/>
-          <a:p>
-            <a:r>
-              <a:rPr lang="en-US" dirty="0" err="1"/>
-              <a:t>NodeMCU</a:t>
-            </a:r>
-            <a:r>
-              <a:rPr lang="en-US" dirty="0"/>
-              <a:t> -&gt; Server</a:t>
-            </a:r>
-          </a:p>
-        </p:txBody>
-      </p:sp>
-      <p:pic>
-        <p:nvPicPr>
-          <p:cNvPr id="5" name="Picture 4" descr="A close up of a circuit board&#10;&#10;Description generated with high confidence">
-            <a:extLst>
-              <a:ext uri="{FF2B5EF4-FFF2-40B4-BE49-F238E27FC236}">
-                <a16:creationId xmlns:a16="http://schemas.microsoft.com/office/drawing/2014/main" id="{D6CC1DAE-9220-484F-AB42-8D36EA9C535E}"/>
-              </a:ext>
-            </a:extLst>
-          </p:cNvPr>
-          <p:cNvPicPr>
-            <a:picLocks noChangeAspect="1"/>
-          </p:cNvPicPr>
-          <p:nvPr/>
-        </p:nvPicPr>
-        <p:blipFill>
-          <a:blip r:embed="rId2"/>
-          <a:stretch>
-            <a:fillRect/>
-          </a:stretch>
-        </p:blipFill>
-        <p:spPr>
-          <a:xfrm>
-            <a:off x="3770437" y="1300555"/>
-            <a:ext cx="2002042" cy="1328152"/>
-          </a:xfrm>
-          <a:prstGeom prst="rect">
-            <a:avLst/>
-          </a:prstGeom>
-        </p:spPr>
-      </p:pic>
-      <p:sp>
-        <p:nvSpPr>
-          <p:cNvPr id="8" name="TextBox 7">
-            <a:extLst>
-              <a:ext uri="{FF2B5EF4-FFF2-40B4-BE49-F238E27FC236}">
-                <a16:creationId xmlns:a16="http://schemas.microsoft.com/office/drawing/2014/main" id="{4C786D7B-A4F8-4B17-963D-563EA6E6D55F}"/>
-              </a:ext>
-            </a:extLst>
-          </p:cNvPr>
-          <p:cNvSpPr txBox="1"/>
-          <p:nvPr/>
-        </p:nvSpPr>
-        <p:spPr>
-          <a:xfrm rot="814638">
-            <a:off x="3902492" y="3634334"/>
-            <a:ext cx="1087332" cy="584775"/>
-          </a:xfrm>
-          <a:prstGeom prst="rect">
-            <a:avLst/>
-          </a:prstGeom>
-          <a:noFill/>
-        </p:spPr>
-        <p:txBody>
-          <a:bodyPr wrap="square" rtlCol="0">
-            <a:spAutoFit/>
-          </a:bodyPr>
-          <a:lstStyle/>
-          <a:p>
-            <a:r>
-              <a:rPr lang="en-US" sz="3200" b="1" dirty="0"/>
-              <a:t>data</a:t>
-            </a:r>
-          </a:p>
-        </p:txBody>
-      </p:sp>
-      <p:sp>
-        <p:nvSpPr>
-          <p:cNvPr id="9" name="Arc 8">
-            <a:extLst>
-              <a:ext uri="{FF2B5EF4-FFF2-40B4-BE49-F238E27FC236}">
-                <a16:creationId xmlns:a16="http://schemas.microsoft.com/office/drawing/2014/main" id="{D1A28407-D1BB-42E0-B7F2-CE2F07DFA5F7}"/>
-              </a:ext>
-            </a:extLst>
-          </p:cNvPr>
-          <p:cNvSpPr/>
-          <p:nvPr/>
-        </p:nvSpPr>
-        <p:spPr>
-          <a:xfrm rot="4951506">
-            <a:off x="4430467" y="1506051"/>
-            <a:ext cx="1540066" cy="1843080"/>
-          </a:xfrm>
-          <a:prstGeom prst="arc">
-            <a:avLst/>
-          </a:prstGeom>
-        </p:spPr>
-        <p:style>
-          <a:lnRef idx="2">
-            <a:schemeClr val="accent1"/>
-          </a:lnRef>
-          <a:fillRef idx="0">
-            <a:schemeClr val="accent1"/>
-          </a:fillRef>
-          <a:effectRef idx="1">
-            <a:schemeClr val="accent1"/>
-          </a:effectRef>
-          <a:fontRef idx="minor">
-            <a:schemeClr val="tx1"/>
-          </a:fontRef>
-        </p:style>
-        <p:txBody>
-          <a:bodyPr rtlCol="0" anchor="ctr"/>
-          <a:lstStyle/>
-          <a:p>
-            <a:pPr algn="ctr"/>
-            <a:endParaRPr lang="en-US"/>
-          </a:p>
-        </p:txBody>
-      </p:sp>
-      <p:sp>
-        <p:nvSpPr>
-          <p:cNvPr id="10" name="Arc 9">
-            <a:extLst>
-              <a:ext uri="{FF2B5EF4-FFF2-40B4-BE49-F238E27FC236}">
-                <a16:creationId xmlns:a16="http://schemas.microsoft.com/office/drawing/2014/main" id="{A106D7A2-3ABF-4AFA-9240-BAB946F89C0C}"/>
-              </a:ext>
-            </a:extLst>
-          </p:cNvPr>
-          <p:cNvSpPr/>
-          <p:nvPr/>
-        </p:nvSpPr>
-        <p:spPr>
-          <a:xfrm rot="6144841">
-            <a:off x="4953340" y="1891399"/>
-            <a:ext cx="1435303" cy="1250552"/>
-          </a:xfrm>
-          <a:prstGeom prst="arc">
-            <a:avLst>
-              <a:gd name="adj1" fmla="val 16200000"/>
-              <a:gd name="adj2" fmla="val 21252299"/>
-            </a:avLst>
-          </a:prstGeom>
-        </p:spPr>
-        <p:style>
-          <a:lnRef idx="2">
-            <a:schemeClr val="accent1"/>
-          </a:lnRef>
-          <a:fillRef idx="0">
-            <a:schemeClr val="accent1"/>
-          </a:fillRef>
-          <a:effectRef idx="1">
-            <a:schemeClr val="accent1"/>
-          </a:effectRef>
-          <a:fontRef idx="minor">
-            <a:schemeClr val="tx1"/>
-          </a:fontRef>
-        </p:style>
-        <p:txBody>
-          <a:bodyPr rtlCol="0" anchor="ctr"/>
-          <a:lstStyle/>
-          <a:p>
-            <a:pPr algn="ctr"/>
-            <a:endParaRPr lang="en-US"/>
-          </a:p>
-        </p:txBody>
-      </p:sp>
-      <p:sp>
-        <p:nvSpPr>
-          <p:cNvPr id="13" name="Arc 12">
-            <a:extLst>
-              <a:ext uri="{FF2B5EF4-FFF2-40B4-BE49-F238E27FC236}">
-                <a16:creationId xmlns:a16="http://schemas.microsoft.com/office/drawing/2014/main" id="{765D92E3-FCEB-46DA-8409-3CAEB7BDB4F9}"/>
-              </a:ext>
-            </a:extLst>
-          </p:cNvPr>
-          <p:cNvSpPr/>
-          <p:nvPr/>
-        </p:nvSpPr>
-        <p:spPr>
-          <a:xfrm rot="5805881">
-            <a:off x="5361294" y="2302366"/>
-            <a:ext cx="1098877" cy="946723"/>
-          </a:xfrm>
-          <a:prstGeom prst="arc">
-            <a:avLst>
-              <a:gd name="adj1" fmla="val 16200000"/>
-              <a:gd name="adj2" fmla="val 21252299"/>
-            </a:avLst>
-          </a:prstGeom>
-        </p:spPr>
-        <p:style>
-          <a:lnRef idx="2">
-            <a:schemeClr val="accent1"/>
-          </a:lnRef>
-          <a:fillRef idx="0">
-            <a:schemeClr val="accent1"/>
-          </a:fillRef>
-          <a:effectRef idx="1">
-            <a:schemeClr val="accent1"/>
-          </a:effectRef>
-          <a:fontRef idx="minor">
-            <a:schemeClr val="tx1"/>
-          </a:fontRef>
-        </p:style>
-        <p:txBody>
-          <a:bodyPr rtlCol="0" anchor="ctr"/>
-          <a:lstStyle/>
-          <a:p>
-            <a:pPr algn="ctr"/>
-            <a:endParaRPr lang="en-US"/>
-          </a:p>
-        </p:txBody>
-      </p:sp>
-      <p:sp>
-        <p:nvSpPr>
-          <p:cNvPr id="14" name="Rectangle 13">
-            <a:extLst>
-              <a:ext uri="{FF2B5EF4-FFF2-40B4-BE49-F238E27FC236}">
-                <a16:creationId xmlns:a16="http://schemas.microsoft.com/office/drawing/2014/main" id="{8EB6EC5D-DE60-4CEC-9F4C-0002DD039137}"/>
-              </a:ext>
-            </a:extLst>
-          </p:cNvPr>
-          <p:cNvSpPr/>
-          <p:nvPr/>
-        </p:nvSpPr>
-        <p:spPr>
-          <a:xfrm rot="1252003">
-            <a:off x="5693282" y="1962744"/>
-            <a:ext cx="1326004" cy="369332"/>
-          </a:xfrm>
-          <a:prstGeom prst="rect">
-            <a:avLst/>
-          </a:prstGeom>
-        </p:spPr>
-        <p:txBody>
-          <a:bodyPr wrap="none">
-            <a:spAutoFit/>
-          </a:bodyPr>
-          <a:lstStyle/>
-          <a:p>
-            <a:r>
-              <a:rPr lang="en-US" b="1" dirty="0" err="1"/>
-              <a:t>HostName</a:t>
-            </a:r>
-            <a:endParaRPr lang="en-US" b="1" dirty="0"/>
-          </a:p>
-        </p:txBody>
-      </p:sp>
-      <p:sp>
-        <p:nvSpPr>
-          <p:cNvPr id="15" name="Rectangle 14">
-            <a:extLst>
-              <a:ext uri="{FF2B5EF4-FFF2-40B4-BE49-F238E27FC236}">
-                <a16:creationId xmlns:a16="http://schemas.microsoft.com/office/drawing/2014/main" id="{D05ECC95-2DF0-4574-8B63-230C65908778}"/>
-              </a:ext>
-            </a:extLst>
-          </p:cNvPr>
-          <p:cNvSpPr/>
-          <p:nvPr/>
-        </p:nvSpPr>
-        <p:spPr>
-          <a:xfrm rot="20491231">
-            <a:off x="4485013" y="2688993"/>
-            <a:ext cx="1314080" cy="369332"/>
-          </a:xfrm>
-          <a:prstGeom prst="rect">
-            <a:avLst/>
-          </a:prstGeom>
-        </p:spPr>
-        <p:txBody>
-          <a:bodyPr wrap="square">
-            <a:spAutoFit/>
-          </a:bodyPr>
-          <a:lstStyle/>
-          <a:p>
-            <a:r>
-              <a:rPr lang="en-US" b="1" dirty="0"/>
-              <a:t>Password</a:t>
-            </a:r>
-          </a:p>
-        </p:txBody>
-      </p:sp>
-      <p:sp>
-        <p:nvSpPr>
-          <p:cNvPr id="16" name="TextBox 15">
-            <a:extLst>
-              <a:ext uri="{FF2B5EF4-FFF2-40B4-BE49-F238E27FC236}">
-                <a16:creationId xmlns:a16="http://schemas.microsoft.com/office/drawing/2014/main" id="{E25DCA99-8597-43EA-864E-06208FCFB961}"/>
-              </a:ext>
-            </a:extLst>
-          </p:cNvPr>
-          <p:cNvSpPr txBox="1"/>
-          <p:nvPr/>
-        </p:nvSpPr>
-        <p:spPr>
-          <a:xfrm>
-            <a:off x="3181556" y="1589332"/>
-            <a:ext cx="912972" cy="830997"/>
-          </a:xfrm>
-          <a:prstGeom prst="rect">
-            <a:avLst/>
-          </a:prstGeom>
-          <a:noFill/>
-        </p:spPr>
-        <p:txBody>
-          <a:bodyPr wrap="square" rtlCol="0">
-            <a:spAutoFit/>
-          </a:bodyPr>
-          <a:lstStyle/>
-          <a:p>
-            <a:r>
-              <a:rPr lang="en-US" sz="4800" dirty="0"/>
-              <a:t>…</a:t>
-            </a:r>
-          </a:p>
-        </p:txBody>
-      </p:sp>
-      <p:pic>
-        <p:nvPicPr>
-          <p:cNvPr id="21" name="Picture 20" descr="A close up of a circuit board&#10;&#10;Description generated with high confidence">
-            <a:extLst>
-              <a:ext uri="{FF2B5EF4-FFF2-40B4-BE49-F238E27FC236}">
-                <a16:creationId xmlns:a16="http://schemas.microsoft.com/office/drawing/2014/main" id="{D0772AD6-1557-4A6A-B5C7-9D0610874E21}"/>
-              </a:ext>
-            </a:extLst>
-          </p:cNvPr>
-          <p:cNvPicPr>
-            <a:picLocks noChangeAspect="1"/>
-          </p:cNvPicPr>
-          <p:nvPr/>
-        </p:nvPicPr>
-        <p:blipFill>
-          <a:blip r:embed="rId2"/>
-          <a:stretch>
-            <a:fillRect/>
-          </a:stretch>
-        </p:blipFill>
-        <p:spPr>
-          <a:xfrm>
-            <a:off x="1883018" y="3604410"/>
-            <a:ext cx="2002042" cy="1328152"/>
-          </a:xfrm>
-          <a:prstGeom prst="rect">
-            <a:avLst/>
-          </a:prstGeom>
-        </p:spPr>
-      </p:pic>
-      <p:sp>
-        <p:nvSpPr>
-          <p:cNvPr id="22" name="Arc 21">
-            <a:extLst>
-              <a:ext uri="{FF2B5EF4-FFF2-40B4-BE49-F238E27FC236}">
-                <a16:creationId xmlns:a16="http://schemas.microsoft.com/office/drawing/2014/main" id="{B6500F81-7FF5-41D0-A2D3-97A3DEE9D643}"/>
-              </a:ext>
-            </a:extLst>
-          </p:cNvPr>
-          <p:cNvSpPr/>
-          <p:nvPr/>
-        </p:nvSpPr>
-        <p:spPr>
-          <a:xfrm rot="2694954">
-            <a:off x="3341203" y="3376466"/>
-            <a:ext cx="1540066" cy="1843080"/>
-          </a:xfrm>
-          <a:prstGeom prst="arc">
-            <a:avLst/>
-          </a:prstGeom>
-        </p:spPr>
-        <p:style>
-          <a:lnRef idx="2">
-            <a:schemeClr val="accent1"/>
-          </a:lnRef>
-          <a:fillRef idx="0">
-            <a:schemeClr val="accent1"/>
-          </a:fillRef>
-          <a:effectRef idx="1">
-            <a:schemeClr val="accent1"/>
-          </a:effectRef>
-          <a:fontRef idx="minor">
-            <a:schemeClr val="tx1"/>
-          </a:fontRef>
-        </p:style>
-        <p:txBody>
-          <a:bodyPr rtlCol="0" anchor="ctr"/>
-          <a:lstStyle/>
-          <a:p>
-            <a:pPr algn="ctr"/>
-            <a:endParaRPr lang="en-US"/>
-          </a:p>
-        </p:txBody>
-      </p:sp>
-      <p:sp>
-        <p:nvSpPr>
-          <p:cNvPr id="23" name="Arc 22">
-            <a:extLst>
-              <a:ext uri="{FF2B5EF4-FFF2-40B4-BE49-F238E27FC236}">
-                <a16:creationId xmlns:a16="http://schemas.microsoft.com/office/drawing/2014/main" id="{CE2E9A20-9835-4B06-BE5A-EF5AFD3ADECB}"/>
-              </a:ext>
-            </a:extLst>
-          </p:cNvPr>
-          <p:cNvSpPr/>
-          <p:nvPr/>
-        </p:nvSpPr>
-        <p:spPr>
-          <a:xfrm rot="2514402">
-            <a:off x="4139535" y="3632104"/>
-            <a:ext cx="1148906" cy="1331804"/>
-          </a:xfrm>
-          <a:prstGeom prst="arc">
-            <a:avLst/>
-          </a:prstGeom>
-        </p:spPr>
-        <p:style>
-          <a:lnRef idx="2">
-            <a:schemeClr val="accent1"/>
-          </a:lnRef>
-          <a:fillRef idx="0">
-            <a:schemeClr val="accent1"/>
-          </a:fillRef>
-          <a:effectRef idx="1">
-            <a:schemeClr val="accent1"/>
-          </a:effectRef>
-          <a:fontRef idx="minor">
-            <a:schemeClr val="tx1"/>
-          </a:fontRef>
-        </p:style>
-        <p:txBody>
-          <a:bodyPr rtlCol="0" anchor="ctr"/>
-          <a:lstStyle/>
-          <a:p>
-            <a:pPr algn="ctr"/>
-            <a:endParaRPr lang="en-US"/>
-          </a:p>
-        </p:txBody>
-      </p:sp>
-      <p:sp>
-        <p:nvSpPr>
-          <p:cNvPr id="24" name="Arc 23">
-            <a:extLst>
-              <a:ext uri="{FF2B5EF4-FFF2-40B4-BE49-F238E27FC236}">
-                <a16:creationId xmlns:a16="http://schemas.microsoft.com/office/drawing/2014/main" id="{3B615A66-BEB0-4471-8EED-505765094A88}"/>
-              </a:ext>
-            </a:extLst>
-          </p:cNvPr>
-          <p:cNvSpPr/>
-          <p:nvPr/>
-        </p:nvSpPr>
-        <p:spPr>
-          <a:xfrm rot="2559992">
-            <a:off x="4828744" y="3814125"/>
-            <a:ext cx="728140" cy="920603"/>
-          </a:xfrm>
-          <a:prstGeom prst="arc">
-            <a:avLst/>
-          </a:prstGeom>
-        </p:spPr>
-        <p:style>
-          <a:lnRef idx="2">
-            <a:schemeClr val="accent1"/>
-          </a:lnRef>
-          <a:fillRef idx="0">
-            <a:schemeClr val="accent1"/>
-          </a:fillRef>
-          <a:effectRef idx="1">
-            <a:schemeClr val="accent1"/>
-          </a:effectRef>
-          <a:fontRef idx="minor">
-            <a:schemeClr val="tx1"/>
-          </a:fontRef>
-        </p:style>
-        <p:txBody>
-          <a:bodyPr rtlCol="0" anchor="ctr"/>
-          <a:lstStyle/>
-          <a:p>
-            <a:pPr algn="ctr"/>
-            <a:endParaRPr lang="en-US"/>
-          </a:p>
-        </p:txBody>
-      </p:sp>
-      <p:sp>
-        <p:nvSpPr>
-          <p:cNvPr id="26" name="Rectangle 25">
-            <a:extLst>
-              <a:ext uri="{FF2B5EF4-FFF2-40B4-BE49-F238E27FC236}">
-                <a16:creationId xmlns:a16="http://schemas.microsoft.com/office/drawing/2014/main" id="{14E08638-C8B2-415A-A130-6C7180836EBC}"/>
-              </a:ext>
-            </a:extLst>
-          </p:cNvPr>
-          <p:cNvSpPr/>
-          <p:nvPr/>
-        </p:nvSpPr>
-        <p:spPr>
-          <a:xfrm>
-            <a:off x="-21621" y="2341671"/>
-            <a:ext cx="2757478" cy="3170099"/>
-          </a:xfrm>
-          <a:prstGeom prst="rect">
-            <a:avLst/>
-          </a:prstGeom>
-          <a:noFill/>
-        </p:spPr>
-        <p:txBody>
-          <a:bodyPr wrap="square" lIns="91440" tIns="45720" rIns="91440" bIns="45720">
-            <a:spAutoFit/>
-          </a:bodyPr>
-          <a:lstStyle/>
-          <a:p>
-            <a:pPr algn="ctr"/>
-            <a:r>
-              <a:rPr lang="en-US" sz="20000" b="1" spc="50" dirty="0">
-                <a:ln w="9525" cmpd="sng">
-                  <a:solidFill>
-                    <a:schemeClr val="accent1"/>
-                  </a:solidFill>
-                  <a:prstDash val="solid"/>
-                </a:ln>
-                <a:solidFill>
-                  <a:srgbClr val="70AD47">
-                    <a:tint val="1000"/>
-                  </a:srgbClr>
-                </a:solidFill>
-                <a:effectLst>
-                  <a:glow rad="38100">
-                    <a:schemeClr val="accent1">
-                      <a:alpha val="40000"/>
-                    </a:schemeClr>
-                  </a:glow>
-                </a:effectLst>
-              </a:rPr>
-              <a:t>2</a:t>
-            </a:r>
-            <a:endParaRPr lang="en-US" sz="20000" b="1" cap="none" spc="50" dirty="0">
-              <a:ln w="9525" cmpd="sng">
-                <a:solidFill>
-                  <a:schemeClr val="accent1"/>
-                </a:solidFill>
-                <a:prstDash val="solid"/>
-              </a:ln>
-              <a:solidFill>
-                <a:srgbClr val="70AD47">
-                  <a:tint val="1000"/>
-                </a:srgbClr>
-              </a:solidFill>
-              <a:effectLst>
-                <a:glow rad="38100">
-                  <a:schemeClr val="accent1">
-                    <a:alpha val="40000"/>
-                  </a:schemeClr>
-                </a:glow>
-              </a:effectLst>
-            </a:endParaRPr>
-          </a:p>
-        </p:txBody>
-      </p:sp>
-      <p:pic>
-        <p:nvPicPr>
-          <p:cNvPr id="7" name="Picture 6">
-            <a:extLst>
-              <a:ext uri="{FF2B5EF4-FFF2-40B4-BE49-F238E27FC236}">
-                <a16:creationId xmlns:a16="http://schemas.microsoft.com/office/drawing/2014/main" id="{783F1796-6147-45F4-9BBA-8AEB95567CA0}"/>
-              </a:ext>
-            </a:extLst>
-          </p:cNvPr>
-          <p:cNvPicPr>
-            <a:picLocks noChangeAspect="1"/>
-          </p:cNvPicPr>
-          <p:nvPr/>
-        </p:nvPicPr>
-        <p:blipFill>
-          <a:blip r:embed="rId3"/>
-          <a:stretch>
-            <a:fillRect/>
-          </a:stretch>
-        </p:blipFill>
-        <p:spPr>
-          <a:xfrm>
-            <a:off x="1945414" y="1300555"/>
-            <a:ext cx="1280163" cy="1780036"/>
-          </a:xfrm>
-          <a:prstGeom prst="rect">
-            <a:avLst/>
-          </a:prstGeom>
-        </p:spPr>
-      </p:pic>
-      <p:pic>
-        <p:nvPicPr>
-          <p:cNvPr id="28" name="Picture 27">
-            <a:extLst>
-              <a:ext uri="{FF2B5EF4-FFF2-40B4-BE49-F238E27FC236}">
-                <a16:creationId xmlns:a16="http://schemas.microsoft.com/office/drawing/2014/main" id="{72199F17-8955-49B8-9B0F-40C3F4657F2A}"/>
-              </a:ext>
-            </a:extLst>
-          </p:cNvPr>
-          <p:cNvPicPr>
-            <a:picLocks noChangeAspect="1"/>
-          </p:cNvPicPr>
-          <p:nvPr/>
-        </p:nvPicPr>
-        <p:blipFill>
-          <a:blip r:embed="rId3"/>
-          <a:stretch>
-            <a:fillRect/>
-          </a:stretch>
-        </p:blipFill>
-        <p:spPr>
-          <a:xfrm>
-            <a:off x="6514712" y="2346729"/>
-            <a:ext cx="1749004" cy="2431948"/>
-          </a:xfrm>
-          <a:prstGeom prst="rect">
-            <a:avLst/>
-          </a:prstGeom>
-        </p:spPr>
-      </p:pic>
-    </p:spTree>
-    <p:extLst>
-      <p:ext uri="{BB962C8B-B14F-4D97-AF65-F5344CB8AC3E}">
-        <p14:creationId xmlns:p14="http://schemas.microsoft.com/office/powerpoint/2010/main" val="2084037437"/>
-      </p:ext>
-    </p:extLst>
-  </p:cSld>
-  <p:clrMapOvr>
-    <a:masterClrMapping/>
-  </p:clrMapOvr>
-  <p:timing>
-    <p:tnLst>
-      <p:par>
-        <p:cTn id="1" dur="indefinite" restart="never" nodeType="tmRoot">
-          <p:childTnLst>
-            <p:seq concurrent="1" nextAc="seek">
-              <p:cTn id="2" dur="indefinite" nodeType="mainSeq">
-                <p:childTnLst>
                   <p:par>
-                    <p:cTn id="3" fill="hold">
+                    <p:cTn id="29" fill="hold">
                       <p:stCondLst>
                         <p:cond delay="indefinite"/>
                       </p:stCondLst>
                       <p:childTnLst>
                         <p:par>
-                          <p:cTn id="4" fill="hold">
+                          <p:cTn id="30" fill="hold">
                             <p:stCondLst>
                               <p:cond delay="0"/>
                             </p:stCondLst>
                             <p:childTnLst>
                               <p:par>
-                                <p:cTn id="5" presetID="34" presetClass="emph" presetSubtype="0" fill="hold" grpId="0" nodeType="clickEffect">
+                                <p:cTn id="31" presetID="34" presetClass="emph" presetSubtype="0" fill="hold" grpId="0" nodeType="clickEffect">
                                   <p:stCondLst>
                                     <p:cond delay="0"/>
                                   </p:stCondLst>
@@ -17948,13 +18463,13 @@
                                   <p:childTnLst>
                                     <p:animMotion origin="layout" path="M -2.5E-6 -1.97531E-6 L -2.5E-6 -0.07222 " pathEditMode="relative" rAng="0" ptsTypes="AA">
                                       <p:cBhvr>
-                                        <p:cTn id="6" dur="250" accel="50000" decel="50000" autoRev="1" fill="hold">
+                                        <p:cTn id="32" dur="250" accel="50000" decel="50000" autoRev="1" fill="hold">
                                           <p:stCondLst>
                                             <p:cond delay="0"/>
                                           </p:stCondLst>
                                         </p:cTn>
                                         <p:tgtEl>
-                                          <p:spTgt spid="25"/>
+                                          <p:spTgt spid="8"/>
                                         </p:tgtEl>
                                         <p:attrNameLst>
                                           <p:attrName>ppt_x</p:attrName>
@@ -17965,13 +18480,13 @@
                                     </p:animMotion>
                                     <p:animRot by="1500000">
                                       <p:cBhvr>
-                                        <p:cTn id="7" dur="125" fill="hold">
+                                        <p:cTn id="33" dur="125" fill="hold">
                                           <p:stCondLst>
                                             <p:cond delay="0"/>
                                           </p:stCondLst>
                                         </p:cTn>
                                         <p:tgtEl>
-                                          <p:spTgt spid="25"/>
+                                          <p:spTgt spid="8"/>
                                         </p:tgtEl>
                                         <p:attrNameLst>
                                           <p:attrName>r</p:attrName>
@@ -17980,13 +18495,13 @@
                                     </p:animRot>
                                     <p:animRot by="-1500000">
                                       <p:cBhvr>
-                                        <p:cTn id="8" dur="125" fill="hold">
+                                        <p:cTn id="34" dur="125" fill="hold">
                                           <p:stCondLst>
                                             <p:cond delay="125"/>
                                           </p:stCondLst>
                                         </p:cTn>
                                         <p:tgtEl>
-                                          <p:spTgt spid="25"/>
+                                          <p:spTgt spid="8"/>
                                         </p:tgtEl>
                                         <p:attrNameLst>
                                           <p:attrName>r</p:attrName>
@@ -17995,13 +18510,13 @@
                                     </p:animRot>
                                     <p:animRot by="-1500000">
                                       <p:cBhvr>
-                                        <p:cTn id="9" dur="125" fill="hold">
+                                        <p:cTn id="35" dur="125" fill="hold">
                                           <p:stCondLst>
                                             <p:cond delay="250"/>
                                           </p:stCondLst>
                                         </p:cTn>
                                         <p:tgtEl>
-                                          <p:spTgt spid="25"/>
+                                          <p:spTgt spid="8"/>
                                         </p:tgtEl>
                                         <p:attrNameLst>
                                           <p:attrName>r</p:attrName>
@@ -18010,13 +18525,13 @@
                                     </p:animRot>
                                     <p:animRot by="1500000">
                                       <p:cBhvr>
-                                        <p:cTn id="10" dur="125" fill="hold">
+                                        <p:cTn id="36" dur="125" fill="hold">
                                           <p:stCondLst>
                                             <p:cond delay="375"/>
                                           </p:stCondLst>
                                         </p:cTn>
                                         <p:tgtEl>
-                                          <p:spTgt spid="25"/>
+                                          <p:spTgt spid="8"/>
                                         </p:tgtEl>
                                         <p:attrNameLst>
                                           <p:attrName>r</p:attrName>
@@ -18033,32 +18548,32 @@
                     </p:cTn>
                   </p:par>
                   <p:par>
-                    <p:cTn id="11" fill="hold">
+                    <p:cTn id="37" fill="hold">
                       <p:stCondLst>
                         <p:cond delay="indefinite"/>
                       </p:stCondLst>
                       <p:childTnLst>
                         <p:par>
-                          <p:cTn id="12" fill="hold">
+                          <p:cTn id="38" fill="hold">
                             <p:stCondLst>
                               <p:cond delay="0"/>
                             </p:stCondLst>
                             <p:childTnLst>
                               <p:par>
-                                <p:cTn id="13" presetID="22" presetClass="entr" presetSubtype="4" fill="hold" grpId="0" nodeType="clickEffect">
+                                <p:cTn id="39" presetID="16" presetClass="entr" presetSubtype="21" fill="hold" nodeType="clickEffect">
                                   <p:stCondLst>
                                     <p:cond delay="0"/>
                                   </p:stCondLst>
                                   <p:childTnLst>
                                     <p:set>
                                       <p:cBhvr>
-                                        <p:cTn id="14" dur="1" fill="hold">
+                                        <p:cTn id="40" dur="1" fill="hold">
                                           <p:stCondLst>
                                             <p:cond delay="0"/>
                                           </p:stCondLst>
                                         </p:cTn>
                                         <p:tgtEl>
-                                          <p:spTgt spid="16"/>
+                                          <p:spTgt spid="4"/>
                                         </p:tgtEl>
                                         <p:attrNameLst>
                                           <p:attrName>style.visibility</p:attrName>
@@ -18068,11 +18583,11 @@
                                         <p:strVal val="visible"/>
                                       </p:to>
                                     </p:set>
-                                    <p:animEffect transition="in" filter="wipe(down)">
+                                    <p:animEffect transition="in" filter="barn(inVertical)">
                                       <p:cBhvr>
-                                        <p:cTn id="15" dur="500"/>
+                                        <p:cTn id="41" dur="500"/>
                                         <p:tgtEl>
-                                          <p:spTgt spid="16"/>
+                                          <p:spTgt spid="4"/>
                                         </p:tgtEl>
                                       </p:cBhvr>
                                     </p:animEffect>
@@ -18086,32 +18601,85 @@
                     </p:cTn>
                   </p:par>
                   <p:par>
-                    <p:cTn id="16" fill="hold">
+                    <p:cTn id="42" fill="hold">
                       <p:stCondLst>
                         <p:cond delay="indefinite"/>
                       </p:stCondLst>
                       <p:childTnLst>
                         <p:par>
-                          <p:cTn id="17" fill="hold">
+                          <p:cTn id="43" fill="hold">
                             <p:stCondLst>
                               <p:cond delay="0"/>
                             </p:stCondLst>
                             <p:childTnLst>
                               <p:par>
-                                <p:cTn id="18" presetID="45" presetClass="entr" presetSubtype="0" fill="hold" nodeType="clickEffect">
+                                <p:cTn id="44" presetID="22" presetClass="entr" presetSubtype="4" fill="hold" grpId="0" nodeType="clickEffect">
                                   <p:stCondLst>
                                     <p:cond delay="0"/>
                                   </p:stCondLst>
                                   <p:childTnLst>
                                     <p:set>
                                       <p:cBhvr>
-                                        <p:cTn id="19" dur="1" fill="hold">
+                                        <p:cTn id="45" dur="1" fill="hold">
                                           <p:stCondLst>
                                             <p:cond delay="0"/>
                                           </p:stCondLst>
                                         </p:cTn>
                                         <p:tgtEl>
-                                          <p:spTgt spid="5"/>
+                                          <p:spTgt spid="6"/>
+                                        </p:tgtEl>
+                                        <p:attrNameLst>
+                                          <p:attrName>style.visibility</p:attrName>
+                                        </p:attrNameLst>
+                                      </p:cBhvr>
+                                      <p:to>
+                                        <p:strVal val="visible"/>
+                                      </p:to>
+                                    </p:set>
+                                    <p:animEffect transition="in" filter="wipe(down)">
+                                      <p:cBhvr>
+                                        <p:cTn id="46" dur="500"/>
+                                        <p:tgtEl>
+                                          <p:spTgt spid="6"/>
+                                        </p:tgtEl>
+                                      </p:cBhvr>
+                                    </p:animEffect>
+                                  </p:childTnLst>
+                                </p:cTn>
+                              </p:par>
+                            </p:childTnLst>
+                          </p:cTn>
+                        </p:par>
+                      </p:childTnLst>
+                    </p:cTn>
+                  </p:par>
+                  <p:par>
+                    <p:cTn id="47" fill="hold">
+                      <p:stCondLst>
+                        <p:cond delay="indefinite"/>
+                      </p:stCondLst>
+                      <p:childTnLst>
+                        <p:par>
+                          <p:cTn id="48" fill="hold">
+                            <p:stCondLst>
+                              <p:cond delay="0"/>
+                            </p:stCondLst>
+                            <p:childTnLst>
+                              <p:par>
+                                <p:cTn id="49" presetID="45" presetClass="entr" presetSubtype="0" fill="hold" nodeType="clickEffect">
+                                  <p:stCondLst>
+                                    <p:cond delay="0"/>
+                                  </p:stCondLst>
+                                  <p:childTnLst>
+                                    <p:set>
+                                      <p:cBhvr>
+                                        <p:cTn id="50" dur="1" fill="hold">
+                                          <p:stCondLst>
+                                            <p:cond delay="0"/>
+                                          </p:stCondLst>
+                                        </p:cTn>
+                                        <p:tgtEl>
+                                          <p:spTgt spid="7"/>
                                         </p:tgtEl>
                                         <p:attrNameLst>
                                           <p:attrName>style.visibility</p:attrName>
@@ -18123,17 +18691,17 @@
                                     </p:set>
                                     <p:animEffect transition="in" filter="fade">
                                       <p:cBhvr>
-                                        <p:cTn id="20" dur="2000"/>
+                                        <p:cTn id="51" dur="2000"/>
                                         <p:tgtEl>
-                                          <p:spTgt spid="5"/>
+                                          <p:spTgt spid="7"/>
                                         </p:tgtEl>
                                       </p:cBhvr>
                                     </p:animEffect>
                                     <p:anim calcmode="lin" valueType="num">
                                       <p:cBhvr>
-                                        <p:cTn id="21" dur="2000" fill="hold"/>
+                                        <p:cTn id="52" dur="2000" fill="hold"/>
                                         <p:tgtEl>
-                                          <p:spTgt spid="5"/>
+                                          <p:spTgt spid="7"/>
                                         </p:tgtEl>
                                         <p:attrNameLst>
                                           <p:attrName>ppt_w</p:attrName>
@@ -18154,9 +18722,9 @@
                                     </p:anim>
                                     <p:anim calcmode="lin" valueType="num">
                                       <p:cBhvr>
-                                        <p:cTn id="22" dur="2000" fill="hold"/>
+                                        <p:cTn id="53" dur="2000" fill="hold"/>
                                         <p:tgtEl>
-                                          <p:spTgt spid="5"/>
+                                          <p:spTgt spid="7"/>
                                         </p:tgtEl>
                                         <p:attrNameLst>
                                           <p:attrName>ppt_h</p:attrName>
@@ -18185,32 +18753,32 @@
                     </p:cTn>
                   </p:par>
                   <p:par>
-                    <p:cTn id="23" fill="hold">
+                    <p:cTn id="54" fill="hold">
                       <p:stCondLst>
                         <p:cond delay="indefinite"/>
                       </p:stCondLst>
                       <p:childTnLst>
                         <p:par>
-                          <p:cTn id="24" fill="hold">
+                          <p:cTn id="55" fill="hold">
                             <p:stCondLst>
                               <p:cond delay="0"/>
                             </p:stCondLst>
                             <p:childTnLst>
                               <p:par>
-                                <p:cTn id="25" presetID="47" presetClass="entr" presetSubtype="0" fill="hold" grpId="0" nodeType="clickEffect">
+                                <p:cTn id="56" presetID="47" presetClass="entr" presetSubtype="0" fill="hold" grpId="0" nodeType="clickEffect">
                                   <p:stCondLst>
                                     <p:cond delay="0"/>
                                   </p:stCondLst>
                                   <p:childTnLst>
                                     <p:set>
                                       <p:cBhvr>
-                                        <p:cTn id="26" dur="1" fill="hold">
+                                        <p:cTn id="57" dur="1" fill="hold">
                                           <p:stCondLst>
                                             <p:cond delay="0"/>
                                           </p:stCondLst>
                                         </p:cTn>
                                         <p:tgtEl>
-                                          <p:spTgt spid="14"/>
+                                          <p:spTgt spid="9"/>
                                         </p:tgtEl>
                                         <p:attrNameLst>
                                           <p:attrName>style.visibility</p:attrName>
@@ -18222,17 +18790,17 @@
                                     </p:set>
                                     <p:animEffect transition="in" filter="fade">
                                       <p:cBhvr>
-                                        <p:cTn id="27" dur="1000"/>
+                                        <p:cTn id="58" dur="1000"/>
                                         <p:tgtEl>
-                                          <p:spTgt spid="14"/>
+                                          <p:spTgt spid="9"/>
                                         </p:tgtEl>
                                       </p:cBhvr>
                                     </p:animEffect>
                                     <p:anim calcmode="lin" valueType="num">
                                       <p:cBhvr>
-                                        <p:cTn id="28" dur="1000" fill="hold"/>
+                                        <p:cTn id="59" dur="1000" fill="hold"/>
                                         <p:tgtEl>
-                                          <p:spTgt spid="14"/>
+                                          <p:spTgt spid="9"/>
                                         </p:tgtEl>
                                         <p:attrNameLst>
                                           <p:attrName>ppt_x</p:attrName>
@@ -18253,9 +18821,9 @@
                                     </p:anim>
                                     <p:anim calcmode="lin" valueType="num">
                                       <p:cBhvr>
-                                        <p:cTn id="29" dur="1000" fill="hold"/>
+                                        <p:cTn id="60" dur="1000" fill="hold"/>
                                         <p:tgtEl>
-                                          <p:spTgt spid="14"/>
+                                          <p:spTgt spid="9"/>
                                         </p:tgtEl>
                                         <p:attrNameLst>
                                           <p:attrName>ppt_y</p:attrName>
@@ -18284,32 +18852,32 @@
                     </p:cTn>
                   </p:par>
                   <p:par>
-                    <p:cTn id="30" fill="hold">
+                    <p:cTn id="61" fill="hold">
                       <p:stCondLst>
                         <p:cond delay="indefinite"/>
                       </p:stCondLst>
                       <p:childTnLst>
                         <p:par>
-                          <p:cTn id="31" fill="hold">
+                          <p:cTn id="62" fill="hold">
                             <p:stCondLst>
                               <p:cond delay="0"/>
                             </p:stCondLst>
                             <p:childTnLst>
                               <p:par>
-                                <p:cTn id="32" presetID="42" presetClass="entr" presetSubtype="0" fill="hold" grpId="0" nodeType="clickEffect">
+                                <p:cTn id="63" presetID="42" presetClass="entr" presetSubtype="0" fill="hold" grpId="0" nodeType="clickEffect">
                                   <p:stCondLst>
                                     <p:cond delay="0"/>
                                   </p:stCondLst>
                                   <p:childTnLst>
                                     <p:set>
                                       <p:cBhvr>
-                                        <p:cTn id="33" dur="1" fill="hold">
+                                        <p:cTn id="64" dur="1" fill="hold">
                                           <p:stCondLst>
                                             <p:cond delay="0"/>
                                           </p:stCondLst>
                                         </p:cTn>
                                         <p:tgtEl>
-                                          <p:spTgt spid="15"/>
+                                          <p:spTgt spid="10"/>
                                         </p:tgtEl>
                                         <p:attrNameLst>
                                           <p:attrName>style.visibility</p:attrName>
@@ -18321,17 +18889,17 @@
                                     </p:set>
                                     <p:animEffect transition="in" filter="fade">
                                       <p:cBhvr>
-                                        <p:cTn id="34" dur="1000"/>
+                                        <p:cTn id="65" dur="1000"/>
                                         <p:tgtEl>
-                                          <p:spTgt spid="15"/>
+                                          <p:spTgt spid="10"/>
                                         </p:tgtEl>
                                       </p:cBhvr>
                                     </p:animEffect>
                                     <p:anim calcmode="lin" valueType="num">
                                       <p:cBhvr>
-                                        <p:cTn id="35" dur="1000" fill="hold"/>
+                                        <p:cTn id="66" dur="1000" fill="hold"/>
                                         <p:tgtEl>
-                                          <p:spTgt spid="15"/>
+                                          <p:spTgt spid="10"/>
                                         </p:tgtEl>
                                         <p:attrNameLst>
                                           <p:attrName>ppt_x</p:attrName>
@@ -18352,9 +18920,9 @@
                                     </p:anim>
                                     <p:anim calcmode="lin" valueType="num">
                                       <p:cBhvr>
-                                        <p:cTn id="36" dur="1000" fill="hold"/>
+                                        <p:cTn id="67" dur="1000" fill="hold"/>
                                         <p:tgtEl>
-                                          <p:spTgt spid="15"/>
+                                          <p:spTgt spid="10"/>
                                         </p:tgtEl>
                                         <p:attrNameLst>
                                           <p:attrName>ppt_y</p:attrName>
@@ -18383,32 +18951,155 @@
                     </p:cTn>
                   </p:par>
                   <p:par>
-                    <p:cTn id="37" fill="hold">
+                    <p:cTn id="68" fill="hold">
                       <p:stCondLst>
                         <p:cond delay="indefinite"/>
                       </p:stCondLst>
                       <p:childTnLst>
                         <p:par>
-                          <p:cTn id="38" fill="hold">
+                          <p:cTn id="69" fill="hold">
                             <p:stCondLst>
                               <p:cond delay="0"/>
                             </p:stCondLst>
                             <p:childTnLst>
                               <p:par>
-                                <p:cTn id="39" presetID="53" presetClass="entr" presetSubtype="16" fill="hold" grpId="0" nodeType="clickEffect">
+                                <p:cTn id="70" presetID="14" presetClass="entr" presetSubtype="10" fill="hold" grpId="0" nodeType="clickEffect">
                                   <p:stCondLst>
                                     <p:cond delay="0"/>
                                   </p:stCondLst>
                                   <p:childTnLst>
                                     <p:set>
                                       <p:cBhvr>
-                                        <p:cTn id="40" dur="1" fill="hold">
+                                        <p:cTn id="71" dur="1" fill="hold">
                                           <p:stCondLst>
                                             <p:cond delay="0"/>
                                           </p:stCondLst>
                                         </p:cTn>
                                         <p:tgtEl>
-                                          <p:spTgt spid="9"/>
+                                          <p:spTgt spid="11"/>
+                                        </p:tgtEl>
+                                        <p:attrNameLst>
+                                          <p:attrName>style.visibility</p:attrName>
+                                        </p:attrNameLst>
+                                      </p:cBhvr>
+                                      <p:to>
+                                        <p:strVal val="visible"/>
+                                      </p:to>
+                                    </p:set>
+                                    <p:animEffect transition="in" filter="randombar(horizontal)">
+                                      <p:cBhvr>
+                                        <p:cTn id="72" dur="500"/>
+                                        <p:tgtEl>
+                                          <p:spTgt spid="11"/>
+                                        </p:tgtEl>
+                                      </p:cBhvr>
+                                    </p:animEffect>
+                                  </p:childTnLst>
+                                </p:cTn>
+                              </p:par>
+                              <p:par>
+                                <p:cTn id="73" presetID="14" presetClass="entr" presetSubtype="10" fill="hold" grpId="0" nodeType="withEffect">
+                                  <p:stCondLst>
+                                    <p:cond delay="0"/>
+                                  </p:stCondLst>
+                                  <p:childTnLst>
+                                    <p:set>
+                                      <p:cBhvr>
+                                        <p:cTn id="74" dur="1" fill="hold">
+                                          <p:stCondLst>
+                                            <p:cond delay="0"/>
+                                          </p:stCondLst>
+                                        </p:cTn>
+                                        <p:tgtEl>
+                                          <p:spTgt spid="12"/>
+                                        </p:tgtEl>
+                                        <p:attrNameLst>
+                                          <p:attrName>style.visibility</p:attrName>
+                                        </p:attrNameLst>
+                                      </p:cBhvr>
+                                      <p:to>
+                                        <p:strVal val="visible"/>
+                                      </p:to>
+                                    </p:set>
+                                    <p:animEffect transition="in" filter="randombar(horizontal)">
+                                      <p:cBhvr>
+                                        <p:cTn id="75" dur="500"/>
+                                        <p:tgtEl>
+                                          <p:spTgt spid="12"/>
+                                        </p:tgtEl>
+                                      </p:cBhvr>
+                                    </p:animEffect>
+                                  </p:childTnLst>
+                                </p:cTn>
+                              </p:par>
+                              <p:par>
+                                <p:cTn id="76" presetID="14" presetClass="entr" presetSubtype="10" fill="hold" grpId="0" nodeType="withEffect">
+                                  <p:stCondLst>
+                                    <p:cond delay="0"/>
+                                  </p:stCondLst>
+                                  <p:childTnLst>
+                                    <p:set>
+                                      <p:cBhvr>
+                                        <p:cTn id="77" dur="1" fill="hold">
+                                          <p:stCondLst>
+                                            <p:cond delay="0"/>
+                                          </p:stCondLst>
+                                        </p:cTn>
+                                        <p:tgtEl>
+                                          <p:spTgt spid="13"/>
+                                        </p:tgtEl>
+                                        <p:attrNameLst>
+                                          <p:attrName>style.visibility</p:attrName>
+                                        </p:attrNameLst>
+                                      </p:cBhvr>
+                                      <p:to>
+                                        <p:strVal val="visible"/>
+                                      </p:to>
+                                    </p:set>
+                                    <p:animEffect transition="in" filter="randombar(horizontal)">
+                                      <p:cBhvr>
+                                        <p:cTn id="78" dur="500"/>
+                                        <p:tgtEl>
+                                          <p:spTgt spid="13"/>
+                                        </p:tgtEl>
+                                      </p:cBhvr>
+                                    </p:animEffect>
+                                  </p:childTnLst>
+                                </p:cTn>
+                              </p:par>
+                            </p:childTnLst>
+                          </p:cTn>
+                        </p:par>
+                      </p:childTnLst>
+                    </p:cTn>
+                  </p:par>
+                  <p:par>
+                    <p:cTn id="79" fill="hold">
+                      <p:stCondLst>
+                        <p:cond delay="indefinite"/>
+                      </p:stCondLst>
+                      <p:childTnLst>
+                        <p:par>
+                          <p:cTn id="80" fill="hold">
+                            <p:stCondLst>
+                              <p:cond delay="0"/>
+                            </p:stCondLst>
+                            <p:childTnLst>
+                              <p:par>
+                                <p:cTn id="81" presetID="31" presetClass="entr" presetSubtype="0" fill="hold" nodeType="clickEffect">
+                                  <p:stCondLst>
+                                    <p:cond delay="0"/>
+                                  </p:stCondLst>
+                                  <p:childTnLst>
+                                    <p:set>
+                                      <p:cBhvr>
+                                        <p:cTn id="82" dur="1" fill="hold">
+                                          <p:stCondLst>
+                                            <p:cond delay="0"/>
+                                          </p:stCondLst>
+                                        </p:cTn>
+                                        <p:tgtEl>
+                                          <p:spTgt spid="14"/>
                                         </p:tgtEl>
                                         <p:attrNameLst>
                                           <p:attrName>style.visibility</p:attrName>
@@ -18420,9 +19111,9 @@
                                     </p:set>
                                     <p:anim calcmode="lin" valueType="num">
                                       <p:cBhvr>
-                                        <p:cTn id="41" dur="500" fill="hold"/>
+                                        <p:cTn id="83" dur="1000" fill="hold"/>
                                         <p:tgtEl>
-                                          <p:spTgt spid="9"/>
+                                          <p:spTgt spid="14"/>
                                         </p:tgtEl>
                                         <p:attrNameLst>
                                           <p:attrName>ppt_w</p:attrName>
@@ -18443,9 +19134,9 @@
                                     </p:anim>
                                     <p:anim calcmode="lin" valueType="num">
                                       <p:cBhvr>
-                                        <p:cTn id="42" dur="500" fill="hold"/>
+                                        <p:cTn id="84" dur="1000" fill="hold"/>
                                         <p:tgtEl>
-                                          <p:spTgt spid="9"/>
+                                          <p:spTgt spid="14"/>
                                         </p:tgtEl>
                                         <p:attrNameLst>
                                           <p:attrName>ppt_h</p:attrName>
@@ -18464,173 +19155,34 @@
                                         </p:tav>
                                       </p:tavLst>
                                     </p:anim>
-                                    <p:animEffect transition="in" filter="fade">
+                                    <p:anim calcmode="lin" valueType="num">
                                       <p:cBhvr>
-                                        <p:cTn id="43" dur="500"/>
+                                        <p:cTn id="85" dur="1000" fill="hold"/>
                                         <p:tgtEl>
-                                          <p:spTgt spid="9"/>
-                                        </p:tgtEl>
-                                      </p:cBhvr>
-                                    </p:animEffect>
-                                  </p:childTnLst>
-                                </p:cTn>
-                              </p:par>
-                              <p:par>
-                                <p:cTn id="44" presetID="53" presetClass="entr" presetSubtype="16" fill="hold" grpId="0" nodeType="withEffect">
-                                  <p:stCondLst>
-                                    <p:cond delay="0"/>
-                                  </p:stCondLst>
-                                  <p:childTnLst>
-                                    <p:set>
-                                      <p:cBhvr>
-                                        <p:cTn id="45" dur="1" fill="hold">
-                                          <p:stCondLst>
-                                            <p:cond delay="0"/>
-                                          </p:stCondLst>
-                                        </p:cTn>
-                                        <p:tgtEl>
-                                          <p:spTgt spid="10"/>
+                                          <p:spTgt spid="14"/>
                                         </p:tgtEl>
                                         <p:attrNameLst>
-                                          <p:attrName>style.visibility</p:attrName>
-                                        </p:attrNameLst>
-                                      </p:cBhvr>
-                                      <p:to>
-                                        <p:strVal val="visible"/>
-                                      </p:to>
-                                    </p:set>
-                                    <p:anim calcmode="lin" valueType="num">
-                                      <p:cBhvr>
-                                        <p:cTn id="46" dur="500" fill="hold"/>
-                                        <p:tgtEl>
-                                          <p:spTgt spid="10"/>
-                                        </p:tgtEl>
-                                        <p:attrNameLst>
-                                          <p:attrName>ppt_w</p:attrName>
+                                          <p:attrName>style.rotation</p:attrName>
                                         </p:attrNameLst>
                                       </p:cBhvr>
                                       <p:tavLst>
                                         <p:tav tm="0">
                                           <p:val>
-                                            <p:fltVal val="0"/>
+                                            <p:fltVal val="90"/>
                                           </p:val>
                                         </p:tav>
                                         <p:tav tm="100000">
                                           <p:val>
-                                            <p:strVal val="#ppt_w"/>
-                                          </p:val>
-                                        </p:tav>
-                                      </p:tavLst>
-                                    </p:anim>
-                                    <p:anim calcmode="lin" valueType="num">
-                                      <p:cBhvr>
-                                        <p:cTn id="47" dur="500" fill="hold"/>
-                                        <p:tgtEl>
-                                          <p:spTgt spid="10"/>
-                                        </p:tgtEl>
-                                        <p:attrNameLst>
-                                          <p:attrName>ppt_h</p:attrName>
-                                        </p:attrNameLst>
-                                      </p:cBhvr>
-                                      <p:tavLst>
-                                        <p:tav tm="0">
-                                          <p:val>
                                             <p:fltVal val="0"/>
-                                          </p:val>
-                                        </p:tav>
-                                        <p:tav tm="100000">
-                                          <p:val>
-                                            <p:strVal val="#ppt_h"/>
                                           </p:val>
                                         </p:tav>
                                       </p:tavLst>
                                     </p:anim>
                                     <p:animEffect transition="in" filter="fade">
                                       <p:cBhvr>
-                                        <p:cTn id="48" dur="500"/>
+                                        <p:cTn id="86" dur="1000"/>
                                         <p:tgtEl>
-                                          <p:spTgt spid="10"/>
-                                        </p:tgtEl>
-                                      </p:cBhvr>
-                                    </p:animEffect>
-                                  </p:childTnLst>
-                                </p:cTn>
-                              </p:par>
-                              <p:par>
-                                <p:cTn id="49" presetID="53" presetClass="entr" presetSubtype="16" fill="hold" grpId="0" nodeType="withEffect">
-                                  <p:stCondLst>
-                                    <p:cond delay="0"/>
-                                  </p:stCondLst>
-                                  <p:childTnLst>
-                                    <p:set>
-                                      <p:cBhvr>
-                                        <p:cTn id="50" dur="1" fill="hold">
-                                          <p:stCondLst>
-                                            <p:cond delay="0"/>
-                                          </p:stCondLst>
-                                        </p:cTn>
-                                        <p:tgtEl>
-                                          <p:spTgt spid="13"/>
-                                        </p:tgtEl>
-                                        <p:attrNameLst>
-                                          <p:attrName>style.visibility</p:attrName>
-                                        </p:attrNameLst>
-                                      </p:cBhvr>
-                                      <p:to>
-                                        <p:strVal val="visible"/>
-                                      </p:to>
-                                    </p:set>
-                                    <p:anim calcmode="lin" valueType="num">
-                                      <p:cBhvr>
-                                        <p:cTn id="51" dur="500" fill="hold"/>
-                                        <p:tgtEl>
-                                          <p:spTgt spid="13"/>
-                                        </p:tgtEl>
-                                        <p:attrNameLst>
-                                          <p:attrName>ppt_w</p:attrName>
-                                        </p:attrNameLst>
-                                      </p:cBhvr>
-                                      <p:tavLst>
-                                        <p:tav tm="0">
-                                          <p:val>
-                                            <p:fltVal val="0"/>
-                                          </p:val>
-                                        </p:tav>
-                                        <p:tav tm="100000">
-                                          <p:val>
-                                            <p:strVal val="#ppt_w"/>
-                                          </p:val>
-                                        </p:tav>
-                                      </p:tavLst>
-                                    </p:anim>
-                                    <p:anim calcmode="lin" valueType="num">
-                                      <p:cBhvr>
-                                        <p:cTn id="52" dur="500" fill="hold"/>
-                                        <p:tgtEl>
-                                          <p:spTgt spid="13"/>
-                                        </p:tgtEl>
-                                        <p:attrNameLst>
-                                          <p:attrName>ppt_h</p:attrName>
-                                        </p:attrNameLst>
-                                      </p:cBhvr>
-                                      <p:tavLst>
-                                        <p:tav tm="0">
-                                          <p:val>
-                                            <p:fltVal val="0"/>
-                                          </p:val>
-                                        </p:tav>
-                                        <p:tav tm="100000">
-                                          <p:val>
-                                            <p:strVal val="#ppt_h"/>
-                                          </p:val>
-                                        </p:tav>
-                                      </p:tavLst>
-                                    </p:anim>
-                                    <p:animEffect transition="in" filter="fade">
-                                      <p:cBhvr>
-                                        <p:cTn id="53" dur="500"/>
-                                        <p:tgtEl>
-                                          <p:spTgt spid="13"/>
+                                          <p:spTgt spid="14"/>
                                         </p:tgtEl>
                                       </p:cBhvr>
                                     </p:animEffect>
@@ -18644,49 +19196,103 @@
                     </p:cTn>
                   </p:par>
                   <p:par>
-                    <p:cTn id="54" fill="hold">
+                    <p:cTn id="87" fill="hold">
                       <p:stCondLst>
                         <p:cond delay="indefinite"/>
                       </p:stCondLst>
                       <p:childTnLst>
                         <p:par>
-                          <p:cTn id="55" fill="hold">
+                          <p:cTn id="88" fill="hold">
                             <p:stCondLst>
                               <p:cond delay="0"/>
                             </p:stCondLst>
                             <p:childTnLst>
                               <p:par>
-                                <p:cTn id="56" presetID="16" presetClass="entr" presetSubtype="21" fill="hold" grpId="0" nodeType="clickEffect">
+                                <p:cTn id="89" presetID="34" presetClass="emph" presetSubtype="0" fill="hold" grpId="0" nodeType="clickEffect">
                                   <p:stCondLst>
                                     <p:cond delay="0"/>
                                   </p:stCondLst>
+                                  <p:iterate type="lt">
+                                    <p:tmPct val="10000"/>
+                                  </p:iterate>
                                   <p:childTnLst>
-                                    <p:set>
+                                    <p:animMotion origin="layout" path="M -4.72222E-6 6.17284E-7 L -4.72222E-6 -0.07222 " pathEditMode="relative" rAng="0" ptsTypes="AA">
                                       <p:cBhvr>
-                                        <p:cTn id="57" dur="1" fill="hold">
+                                        <p:cTn id="90" dur="250" accel="50000" decel="50000" autoRev="1" fill="hold">
                                           <p:stCondLst>
                                             <p:cond delay="0"/>
                                           </p:stCondLst>
                                         </p:cTn>
                                         <p:tgtEl>
-                                          <p:spTgt spid="26"/>
+                                          <p:spTgt spid="21"/>
                                         </p:tgtEl>
                                         <p:attrNameLst>
-                                          <p:attrName>style.visibility</p:attrName>
+                                          <p:attrName>ppt_x</p:attrName>
+                                          <p:attrName>ppt_y</p:attrName>
                                         </p:attrNameLst>
                                       </p:cBhvr>
-                                      <p:to>
-                                        <p:strVal val="visible"/>
-                                      </p:to>
-                                    </p:set>
-                                    <p:animEffect transition="in" filter="barn(inVertical)">
+                                      <p:rCtr x="0" y="-3611"/>
+                                    </p:animMotion>
+                                    <p:animRot by="1500000">
                                       <p:cBhvr>
-                                        <p:cTn id="58" dur="500"/>
+                                        <p:cTn id="91" dur="125" fill="hold">
+                                          <p:stCondLst>
+                                            <p:cond delay="0"/>
+                                          </p:stCondLst>
+                                        </p:cTn>
                                         <p:tgtEl>
-                                          <p:spTgt spid="26"/>
+                                          <p:spTgt spid="21"/>
                                         </p:tgtEl>
+                                        <p:attrNameLst>
+                                          <p:attrName>r</p:attrName>
+                                        </p:attrNameLst>
                                       </p:cBhvr>
-                                    </p:animEffect>
+                                    </p:animRot>
+                                    <p:animRot by="-1500000">
+                                      <p:cBhvr>
+                                        <p:cTn id="92" dur="125" fill="hold">
+                                          <p:stCondLst>
+                                            <p:cond delay="125"/>
+                                          </p:stCondLst>
+                                        </p:cTn>
+                                        <p:tgtEl>
+                                          <p:spTgt spid="21"/>
+                                        </p:tgtEl>
+                                        <p:attrNameLst>
+                                          <p:attrName>r</p:attrName>
+                                        </p:attrNameLst>
+                                      </p:cBhvr>
+                                    </p:animRot>
+                                    <p:animRot by="-1500000">
+                                      <p:cBhvr>
+                                        <p:cTn id="93" dur="125" fill="hold">
+                                          <p:stCondLst>
+                                            <p:cond delay="250"/>
+                                          </p:stCondLst>
+                                        </p:cTn>
+                                        <p:tgtEl>
+                                          <p:spTgt spid="21"/>
+                                        </p:tgtEl>
+                                        <p:attrNameLst>
+                                          <p:attrName>r</p:attrName>
+                                        </p:attrNameLst>
+                                      </p:cBhvr>
+                                    </p:animRot>
+                                    <p:animRot by="1500000">
+                                      <p:cBhvr>
+                                        <p:cTn id="94" dur="125" fill="hold">
+                                          <p:stCondLst>
+                                            <p:cond delay="375"/>
+                                          </p:stCondLst>
+                                        </p:cTn>
+                                        <p:tgtEl>
+                                          <p:spTgt spid="21"/>
+                                        </p:tgtEl>
+                                        <p:attrNameLst>
+                                          <p:attrName>r</p:attrName>
+                                        </p:attrNameLst>
+                                      </p:cBhvr>
+                                    </p:animRot>
                                   </p:childTnLst>
                                 </p:cTn>
                               </p:par>
@@ -18697,32 +19303,32 @@
                     </p:cTn>
                   </p:par>
                   <p:par>
-                    <p:cTn id="59" fill="hold">
+                    <p:cTn id="95" fill="hold">
                       <p:stCondLst>
                         <p:cond delay="indefinite"/>
                       </p:stCondLst>
                       <p:childTnLst>
                         <p:par>
-                          <p:cTn id="60" fill="hold">
+                          <p:cTn id="96" fill="hold">
                             <p:stCondLst>
                               <p:cond delay="0"/>
                             </p:stCondLst>
                             <p:childTnLst>
                               <p:par>
-                                <p:cTn id="61" presetID="2" presetClass="entr" presetSubtype="4" fill="hold" nodeType="clickEffect">
+                                <p:cTn id="97" presetID="2" presetClass="entr" presetSubtype="4" fill="hold" nodeType="clickEffect">
                                   <p:stCondLst>
                                     <p:cond delay="0"/>
                                   </p:stCondLst>
                                   <p:childTnLst>
                                     <p:set>
                                       <p:cBhvr>
-                                        <p:cTn id="62" dur="1" fill="hold">
+                                        <p:cTn id="98" dur="1" fill="hold">
                                           <p:stCondLst>
                                             <p:cond delay="0"/>
                                           </p:stCondLst>
                                         </p:cTn>
                                         <p:tgtEl>
-                                          <p:spTgt spid="21"/>
+                                          <p:spTgt spid="15"/>
                                         </p:tgtEl>
                                         <p:attrNameLst>
                                           <p:attrName>style.visibility</p:attrName>
@@ -18734,9 +19340,9 @@
                                     </p:set>
                                     <p:anim calcmode="lin" valueType="num">
                                       <p:cBhvr additive="base">
-                                        <p:cTn id="63" dur="500" fill="hold"/>
+                                        <p:cTn id="99" dur="500" fill="hold"/>
                                         <p:tgtEl>
-                                          <p:spTgt spid="21"/>
+                                          <p:spTgt spid="15"/>
                                         </p:tgtEl>
                                         <p:attrNameLst>
                                           <p:attrName>ppt_x</p:attrName>
@@ -18757,9 +19363,9 @@
                                     </p:anim>
                                     <p:anim calcmode="lin" valueType="num">
                                       <p:cBhvr additive="base">
-                                        <p:cTn id="64" dur="500" fill="hold"/>
+                                        <p:cTn id="100" dur="500" fill="hold"/>
                                         <p:tgtEl>
-                                          <p:spTgt spid="21"/>
+                                          <p:spTgt spid="15"/>
                                         </p:tgtEl>
                                         <p:attrNameLst>
                                           <p:attrName>ppt_y</p:attrName>
@@ -18788,32 +19394,32 @@
                     </p:cTn>
                   </p:par>
                   <p:par>
-                    <p:cTn id="65" fill="hold">
+                    <p:cTn id="101" fill="hold">
                       <p:stCondLst>
                         <p:cond delay="indefinite"/>
                       </p:stCondLst>
                       <p:childTnLst>
                         <p:par>
-                          <p:cTn id="66" fill="hold">
+                          <p:cTn id="102" fill="hold">
                             <p:stCondLst>
                               <p:cond delay="0"/>
                             </p:stCondLst>
                             <p:childTnLst>
                               <p:par>
-                                <p:cTn id="67" presetID="6" presetClass="entr" presetSubtype="16" fill="hold" grpId="0" nodeType="clickEffect">
+                                <p:cTn id="103" presetID="6" presetClass="entr" presetSubtype="16" fill="hold" grpId="0" nodeType="clickEffect">
                                   <p:stCondLst>
                                     <p:cond delay="0"/>
                                   </p:stCondLst>
                                   <p:childTnLst>
                                     <p:set>
                                       <p:cBhvr>
-                                        <p:cTn id="68" dur="1" fill="hold">
+                                        <p:cTn id="104" dur="1" fill="hold">
                                           <p:stCondLst>
                                             <p:cond delay="0"/>
                                           </p:stCondLst>
                                         </p:cTn>
                                         <p:tgtEl>
-                                          <p:spTgt spid="8"/>
+                                          <p:spTgt spid="17"/>
                                         </p:tgtEl>
                                         <p:attrNameLst>
                                           <p:attrName>style.visibility</p:attrName>
@@ -18825,9 +19431,9 @@
                                     </p:set>
                                     <p:animEffect transition="in" filter="circle(in)">
                                       <p:cBhvr>
-                                        <p:cTn id="69" dur="2000"/>
+                                        <p:cTn id="105" dur="2000"/>
                                         <p:tgtEl>
-                                          <p:spTgt spid="8"/>
+                                          <p:spTgt spid="17"/>
                                         </p:tgtEl>
                                       </p:cBhvr>
                                     </p:animEffect>
@@ -18841,32 +19447,32 @@
                     </p:cTn>
                   </p:par>
                   <p:par>
-                    <p:cTn id="70" fill="hold">
+                    <p:cTn id="106" fill="hold">
                       <p:stCondLst>
                         <p:cond delay="indefinite"/>
                       </p:stCondLst>
                       <p:childTnLst>
                         <p:par>
-                          <p:cTn id="71" fill="hold">
+                          <p:cTn id="107" fill="hold">
                             <p:stCondLst>
                               <p:cond delay="0"/>
                             </p:stCondLst>
                             <p:childTnLst>
                               <p:par>
-                                <p:cTn id="72" presetID="53" presetClass="entr" presetSubtype="16" fill="hold" grpId="0" nodeType="clickEffect">
+                                <p:cTn id="108" presetID="6" presetClass="entr" presetSubtype="16" fill="hold" grpId="0" nodeType="clickEffect">
                                   <p:stCondLst>
                                     <p:cond delay="0"/>
                                   </p:stCondLst>
                                   <p:childTnLst>
                                     <p:set>
                                       <p:cBhvr>
-                                        <p:cTn id="73" dur="1" fill="hold">
+                                        <p:cTn id="109" dur="1" fill="hold">
                                           <p:stCondLst>
                                             <p:cond delay="0"/>
                                           </p:stCondLst>
                                         </p:cTn>
                                         <p:tgtEl>
-                                          <p:spTgt spid="22"/>
+                                          <p:spTgt spid="18"/>
                                         </p:tgtEl>
                                         <p:attrNameLst>
                                           <p:attrName>style.visibility</p:attrName>
@@ -18876,57 +19482,11 @@
                                         <p:strVal val="visible"/>
                                       </p:to>
                                     </p:set>
-                                    <p:anim calcmode="lin" valueType="num">
+                                    <p:animEffect transition="in" filter="circle(in)">
                                       <p:cBhvr>
-                                        <p:cTn id="74" dur="500" fill="hold"/>
+                                        <p:cTn id="110" dur="2000"/>
                                         <p:tgtEl>
-                                          <p:spTgt spid="22"/>
-                                        </p:tgtEl>
-                                        <p:attrNameLst>
-                                          <p:attrName>ppt_w</p:attrName>
-                                        </p:attrNameLst>
-                                      </p:cBhvr>
-                                      <p:tavLst>
-                                        <p:tav tm="0">
-                                          <p:val>
-                                            <p:fltVal val="0"/>
-                                          </p:val>
-                                        </p:tav>
-                                        <p:tav tm="100000">
-                                          <p:val>
-                                            <p:strVal val="#ppt_w"/>
-                                          </p:val>
-                                        </p:tav>
-                                      </p:tavLst>
-                                    </p:anim>
-                                    <p:anim calcmode="lin" valueType="num">
-                                      <p:cBhvr>
-                                        <p:cTn id="75" dur="500" fill="hold"/>
-                                        <p:tgtEl>
-                                          <p:spTgt spid="22"/>
-                                        </p:tgtEl>
-                                        <p:attrNameLst>
-                                          <p:attrName>ppt_h</p:attrName>
-                                        </p:attrNameLst>
-                                      </p:cBhvr>
-                                      <p:tavLst>
-                                        <p:tav tm="0">
-                                          <p:val>
-                                            <p:fltVal val="0"/>
-                                          </p:val>
-                                        </p:tav>
-                                        <p:tav tm="100000">
-                                          <p:val>
-                                            <p:strVal val="#ppt_h"/>
-                                          </p:val>
-                                        </p:tav>
-                                      </p:tavLst>
-                                    </p:anim>
-                                    <p:animEffect transition="in" filter="fade">
-                                      <p:cBhvr>
-                                        <p:cTn id="76" dur="500"/>
-                                        <p:tgtEl>
-                                          <p:spTgt spid="22"/>
+                                          <p:spTgt spid="18"/>
                                         </p:tgtEl>
                                       </p:cBhvr>
                                     </p:animEffect>
@@ -18934,20 +19494,20 @@
                                 </p:cTn>
                               </p:par>
                               <p:par>
-                                <p:cTn id="77" presetID="53" presetClass="entr" presetSubtype="16" fill="hold" grpId="0" nodeType="withEffect">
+                                <p:cTn id="111" presetID="6" presetClass="entr" presetSubtype="16" fill="hold" grpId="0" nodeType="withEffect">
                                   <p:stCondLst>
                                     <p:cond delay="0"/>
                                   </p:stCondLst>
                                   <p:childTnLst>
                                     <p:set>
                                       <p:cBhvr>
-                                        <p:cTn id="78" dur="1" fill="hold">
+                                        <p:cTn id="112" dur="1" fill="hold">
                                           <p:stCondLst>
                                             <p:cond delay="0"/>
                                           </p:stCondLst>
                                         </p:cTn>
                                         <p:tgtEl>
-                                          <p:spTgt spid="23"/>
+                                          <p:spTgt spid="19"/>
                                         </p:tgtEl>
                                         <p:attrNameLst>
                                           <p:attrName>style.visibility</p:attrName>
@@ -18957,57 +19517,11 @@
                                         <p:strVal val="visible"/>
                                       </p:to>
                                     </p:set>
-                                    <p:anim calcmode="lin" valueType="num">
+                                    <p:animEffect transition="in" filter="circle(in)">
                                       <p:cBhvr>
-                                        <p:cTn id="79" dur="500" fill="hold"/>
+                                        <p:cTn id="113" dur="2000"/>
                                         <p:tgtEl>
-                                          <p:spTgt spid="23"/>
-                                        </p:tgtEl>
-                                        <p:attrNameLst>
-                                          <p:attrName>ppt_w</p:attrName>
-                                        </p:attrNameLst>
-                                      </p:cBhvr>
-                                      <p:tavLst>
-                                        <p:tav tm="0">
-                                          <p:val>
-                                            <p:fltVal val="0"/>
-                                          </p:val>
-                                        </p:tav>
-                                        <p:tav tm="100000">
-                                          <p:val>
-                                            <p:strVal val="#ppt_w"/>
-                                          </p:val>
-                                        </p:tav>
-                                      </p:tavLst>
-                                    </p:anim>
-                                    <p:anim calcmode="lin" valueType="num">
-                                      <p:cBhvr>
-                                        <p:cTn id="80" dur="500" fill="hold"/>
-                                        <p:tgtEl>
-                                          <p:spTgt spid="23"/>
-                                        </p:tgtEl>
-                                        <p:attrNameLst>
-                                          <p:attrName>ppt_h</p:attrName>
-                                        </p:attrNameLst>
-                                      </p:cBhvr>
-                                      <p:tavLst>
-                                        <p:tav tm="0">
-                                          <p:val>
-                                            <p:fltVal val="0"/>
-                                          </p:val>
-                                        </p:tav>
-                                        <p:tav tm="100000">
-                                          <p:val>
-                                            <p:strVal val="#ppt_h"/>
-                                          </p:val>
-                                        </p:tav>
-                                      </p:tavLst>
-                                    </p:anim>
-                                    <p:animEffect transition="in" filter="fade">
-                                      <p:cBhvr>
-                                        <p:cTn id="81" dur="500"/>
-                                        <p:tgtEl>
-                                          <p:spTgt spid="23"/>
+                                          <p:spTgt spid="19"/>
                                         </p:tgtEl>
                                       </p:cBhvr>
                                     </p:animEffect>
@@ -19015,20 +19529,20 @@
                                 </p:cTn>
                               </p:par>
                               <p:par>
-                                <p:cTn id="82" presetID="53" presetClass="entr" presetSubtype="16" fill="hold" grpId="0" nodeType="withEffect">
+                                <p:cTn id="114" presetID="6" presetClass="entr" presetSubtype="16" fill="hold" grpId="0" nodeType="withEffect">
                                   <p:stCondLst>
                                     <p:cond delay="0"/>
                                   </p:stCondLst>
                                   <p:childTnLst>
                                     <p:set>
                                       <p:cBhvr>
-                                        <p:cTn id="83" dur="1" fill="hold">
+                                        <p:cTn id="115" dur="1" fill="hold">
                                           <p:stCondLst>
                                             <p:cond delay="0"/>
                                           </p:stCondLst>
                                         </p:cTn>
                                         <p:tgtEl>
-                                          <p:spTgt spid="24"/>
+                                          <p:spTgt spid="20"/>
                                         </p:tgtEl>
                                         <p:attrNameLst>
                                           <p:attrName>style.visibility</p:attrName>
@@ -19038,57 +19552,11 @@
                                         <p:strVal val="visible"/>
                                       </p:to>
                                     </p:set>
-                                    <p:anim calcmode="lin" valueType="num">
+                                    <p:animEffect transition="in" filter="circle(in)">
                                       <p:cBhvr>
-                                        <p:cTn id="84" dur="500" fill="hold"/>
+                                        <p:cTn id="116" dur="2000"/>
                                         <p:tgtEl>
-                                          <p:spTgt spid="24"/>
-                                        </p:tgtEl>
-                                        <p:attrNameLst>
-                                          <p:attrName>ppt_w</p:attrName>
-                                        </p:attrNameLst>
-                                      </p:cBhvr>
-                                      <p:tavLst>
-                                        <p:tav tm="0">
-                                          <p:val>
-                                            <p:fltVal val="0"/>
-                                          </p:val>
-                                        </p:tav>
-                                        <p:tav tm="100000">
-                                          <p:val>
-                                            <p:strVal val="#ppt_w"/>
-                                          </p:val>
-                                        </p:tav>
-                                      </p:tavLst>
-                                    </p:anim>
-                                    <p:anim calcmode="lin" valueType="num">
-                                      <p:cBhvr>
-                                        <p:cTn id="85" dur="500" fill="hold"/>
-                                        <p:tgtEl>
-                                          <p:spTgt spid="24"/>
-                                        </p:tgtEl>
-                                        <p:attrNameLst>
-                                          <p:attrName>ppt_h</p:attrName>
-                                        </p:attrNameLst>
-                                      </p:cBhvr>
-                                      <p:tavLst>
-                                        <p:tav tm="0">
-                                          <p:val>
-                                            <p:fltVal val="0"/>
-                                          </p:val>
-                                        </p:tav>
-                                        <p:tav tm="100000">
-                                          <p:val>
-                                            <p:strVal val="#ppt_h"/>
-                                          </p:val>
-                                        </p:tav>
-                                      </p:tavLst>
-                                    </p:anim>
-                                    <p:animEffect transition="in" filter="fade">
-                                      <p:cBhvr>
-                                        <p:cTn id="86" dur="500"/>
-                                        <p:tgtEl>
-                                          <p:spTgt spid="24"/>
+                                          <p:spTgt spid="20"/>
                                         </p:tgtEl>
                                       </p:cBhvr>
                                     </p:animEffect>
@@ -19123,24 +19591,24 @@
       </p:par>
     </p:tnLst>
     <p:bldLst>
-      <p:bldP spid="25" grpId="0"/>
+      <p:bldP spid="6" grpId="0"/>
       <p:bldP spid="8" grpId="0"/>
-      <p:bldP spid="9" grpId="0" animBg="1"/>
-      <p:bldP spid="10" grpId="0" animBg="1"/>
+      <p:bldP spid="9" grpId="0"/>
+      <p:bldP spid="10" grpId="0"/>
+      <p:bldP spid="11" grpId="0" animBg="1"/>
+      <p:bldP spid="12" grpId="0" animBg="1"/>
       <p:bldP spid="13" grpId="0" animBg="1"/>
-      <p:bldP spid="14" grpId="0"/>
-      <p:bldP spid="15" grpId="0"/>
-      <p:bldP spid="16" grpId="0"/>
-      <p:bldP spid="22" grpId="0" animBg="1"/>
-      <p:bldP spid="23" grpId="0" animBg="1"/>
-      <p:bldP spid="24" grpId="0" animBg="1"/>
-      <p:bldP spid="26" grpId="0"/>
+      <p:bldP spid="17" grpId="0"/>
+      <p:bldP spid="18" grpId="0" animBg="1"/>
+      <p:bldP spid="19" grpId="0" animBg="1"/>
+      <p:bldP spid="20" grpId="0" animBg="1"/>
+      <p:bldP spid="21" grpId="0"/>
     </p:bldLst>
   </p:timing>
 </p:sld>
 </file>
 
-<file path=ppt/slides/slide13.xml><?xml version="1.0" encoding="utf-8"?>
+<file path=ppt/slides/slide12.xml><?xml version="1.0" encoding="utf-8"?>
 <p:sld xmlns:a="http://schemas.openxmlformats.org/drawingml/2006/main" xmlns:r="http://schemas.openxmlformats.org/officeDocument/2006/relationships" xmlns:p="http://schemas.openxmlformats.org/presentationml/2006/main">
   <p:cSld>
     <p:spTree>
@@ -19265,7 +19733,33 @@
                 <a:latin typeface="Arial"/>
                 <a:cs typeface="Arial"/>
               </a:rPr>
-              <a:t>The data is then transmitted from the sensors to the Microcontroller on I2C(AP3216) or 1-wire(DHT22)</a:t>
+              <a:t>The data </a:t>
+            </a:r>
+            <a:r>
+              <a:rPr lang="en-US" sz="2200">
+                <a:solidFill>
+                  <a:schemeClr val="tx1">
+                    <a:lumMod val="65000"/>
+                    <a:lumOff val="35000"/>
+                  </a:schemeClr>
+                </a:solidFill>
+                <a:latin typeface="Arial"/>
+                <a:cs typeface="Arial"/>
+              </a:rPr>
+              <a:t>is read from </a:t>
+            </a:r>
+            <a:r>
+              <a:rPr lang="en-US" sz="2200" dirty="0">
+                <a:solidFill>
+                  <a:schemeClr val="tx1">
+                    <a:lumMod val="65000"/>
+                    <a:lumOff val="35000"/>
+                  </a:schemeClr>
+                </a:solidFill>
+                <a:latin typeface="Arial"/>
+                <a:cs typeface="Arial"/>
+              </a:rPr>
+              <a:t>the sensors to the Microcontroller on I2C(AP3216) or 1-wire(DHT22)</a:t>
             </a:r>
           </a:p>
           <a:p>
@@ -19330,13 +19824,16 @@
     </p:spTree>
     <p:extLst>
       <p:ext uri="{BB962C8B-B14F-4D97-AF65-F5344CB8AC3E}">
-        <p14:creationId xmlns:p14="http://schemas.microsoft.com/office/powerpoint/2010/main" val="914832032"/>
+        <p14:creationId xmlns:p14="http://schemas.microsoft.com/office/powerpoint/2010/main" val="3953290160"/>
       </p:ext>
     </p:extLst>
   </p:cSld>
   <p:clrMapOvr>
     <a:masterClrMapping/>
   </p:clrMapOvr>
+  <p:transition spd="slow">
+    <p:push dir="u"/>
+  </p:transition>
 </p:sld>
 </file>
 
@@ -20933,18 +21430,648 @@
   <p:clrMapOvr>
     <a:masterClrMapping/>
   </p:clrMapOvr>
-  <mc:AlternateContent xmlns:mc="http://schemas.openxmlformats.org/markup-compatibility/2006">
-    <mc:Choice xmlns:p14="http://schemas.microsoft.com/office/powerpoint/2010/main" Requires="p14">
+  <mc:AlternateContent xmlns:mc="http://schemas.openxmlformats.org/markup-compatibility/2006" xmlns:p14="http://schemas.microsoft.com/office/powerpoint/2010/main">
+    <mc:Choice Requires="p14">
       <p:transition spd="slow" p14:dur="1500">
         <p14:window dir="vert"/>
       </p:transition>
     </mc:Choice>
-    <mc:Fallback>
+    <mc:Fallback xmlns="">
       <p:transition spd="slow">
         <p:fade/>
       </p:transition>
     </mc:Fallback>
   </mc:AlternateContent>
+  <p:timing>
+    <p:tnLst>
+      <p:par>
+        <p:cTn id="1" dur="indefinite" restart="never" nodeType="tmRoot">
+          <p:childTnLst>
+            <p:seq concurrent="1" nextAc="seek">
+              <p:cTn id="2" dur="indefinite" nodeType="mainSeq">
+                <p:childTnLst>
+                  <p:par>
+                    <p:cTn id="3" fill="hold">
+                      <p:stCondLst>
+                        <p:cond delay="indefinite"/>
+                      </p:stCondLst>
+                      <p:childTnLst>
+                        <p:par>
+                          <p:cTn id="4" fill="hold">
+                            <p:stCondLst>
+                              <p:cond delay="0"/>
+                            </p:stCondLst>
+                            <p:childTnLst>
+                              <p:par>
+                                <p:cTn id="5" presetID="45" presetClass="entr" presetSubtype="0" fill="hold" nodeType="clickEffect">
+                                  <p:stCondLst>
+                                    <p:cond delay="0"/>
+                                  </p:stCondLst>
+                                  <p:childTnLst>
+                                    <p:set>
+                                      <p:cBhvr>
+                                        <p:cTn id="6" dur="1" fill="hold">
+                                          <p:stCondLst>
+                                            <p:cond delay="0"/>
+                                          </p:stCondLst>
+                                        </p:cTn>
+                                        <p:tgtEl>
+                                          <p:spTgt spid="3">
+                                            <p:txEl>
+                                              <p:pRg st="0" end="0"/>
+                                            </p:txEl>
+                                          </p:spTgt>
+                                        </p:tgtEl>
+                                        <p:attrNameLst>
+                                          <p:attrName>style.visibility</p:attrName>
+                                        </p:attrNameLst>
+                                      </p:cBhvr>
+                                      <p:to>
+                                        <p:strVal val="visible"/>
+                                      </p:to>
+                                    </p:set>
+                                    <p:animEffect transition="in" filter="fade">
+                                      <p:cBhvr>
+                                        <p:cTn id="7" dur="2000"/>
+                                        <p:tgtEl>
+                                          <p:spTgt spid="3">
+                                            <p:txEl>
+                                              <p:pRg st="0" end="0"/>
+                                            </p:txEl>
+                                          </p:spTgt>
+                                        </p:tgtEl>
+                                      </p:cBhvr>
+                                    </p:animEffect>
+                                    <p:anim calcmode="lin" valueType="num">
+                                      <p:cBhvr>
+                                        <p:cTn id="8" dur="2000" fill="hold"/>
+                                        <p:tgtEl>
+                                          <p:spTgt spid="3">
+                                            <p:txEl>
+                                              <p:pRg st="0" end="0"/>
+                                            </p:txEl>
+                                          </p:spTgt>
+                                        </p:tgtEl>
+                                        <p:attrNameLst>
+                                          <p:attrName>ppt_w</p:attrName>
+                                        </p:attrNameLst>
+                                      </p:cBhvr>
+                                      <p:tavLst>
+                                        <p:tav tm="0" fmla="#ppt_w*sin(2.5*pi*$)">
+                                          <p:val>
+                                            <p:fltVal val="0"/>
+                                          </p:val>
+                                        </p:tav>
+                                        <p:tav tm="100000">
+                                          <p:val>
+                                            <p:fltVal val="1"/>
+                                          </p:val>
+                                        </p:tav>
+                                      </p:tavLst>
+                                    </p:anim>
+                                    <p:anim calcmode="lin" valueType="num">
+                                      <p:cBhvr>
+                                        <p:cTn id="9" dur="2000" fill="hold"/>
+                                        <p:tgtEl>
+                                          <p:spTgt spid="3">
+                                            <p:txEl>
+                                              <p:pRg st="0" end="0"/>
+                                            </p:txEl>
+                                          </p:spTgt>
+                                        </p:tgtEl>
+                                        <p:attrNameLst>
+                                          <p:attrName>ppt_h</p:attrName>
+                                        </p:attrNameLst>
+                                      </p:cBhvr>
+                                      <p:tavLst>
+                                        <p:tav tm="0">
+                                          <p:val>
+                                            <p:strVal val="#ppt_h"/>
+                                          </p:val>
+                                        </p:tav>
+                                        <p:tav tm="100000">
+                                          <p:val>
+                                            <p:strVal val="#ppt_h"/>
+                                          </p:val>
+                                        </p:tav>
+                                      </p:tavLst>
+                                    </p:anim>
+                                  </p:childTnLst>
+                                </p:cTn>
+                              </p:par>
+                              <p:par>
+                                <p:cTn id="10" presetID="45" presetClass="entr" presetSubtype="0" fill="hold" nodeType="withEffect">
+                                  <p:stCondLst>
+                                    <p:cond delay="0"/>
+                                  </p:stCondLst>
+                                  <p:childTnLst>
+                                    <p:set>
+                                      <p:cBhvr>
+                                        <p:cTn id="11" dur="1" fill="hold">
+                                          <p:stCondLst>
+                                            <p:cond delay="0"/>
+                                          </p:stCondLst>
+                                        </p:cTn>
+                                        <p:tgtEl>
+                                          <p:spTgt spid="3">
+                                            <p:txEl>
+                                              <p:pRg st="1" end="1"/>
+                                            </p:txEl>
+                                          </p:spTgt>
+                                        </p:tgtEl>
+                                        <p:attrNameLst>
+                                          <p:attrName>style.visibility</p:attrName>
+                                        </p:attrNameLst>
+                                      </p:cBhvr>
+                                      <p:to>
+                                        <p:strVal val="visible"/>
+                                      </p:to>
+                                    </p:set>
+                                    <p:animEffect transition="in" filter="fade">
+                                      <p:cBhvr>
+                                        <p:cTn id="12" dur="2000"/>
+                                        <p:tgtEl>
+                                          <p:spTgt spid="3">
+                                            <p:txEl>
+                                              <p:pRg st="1" end="1"/>
+                                            </p:txEl>
+                                          </p:spTgt>
+                                        </p:tgtEl>
+                                      </p:cBhvr>
+                                    </p:animEffect>
+                                    <p:anim calcmode="lin" valueType="num">
+                                      <p:cBhvr>
+                                        <p:cTn id="13" dur="2000" fill="hold"/>
+                                        <p:tgtEl>
+                                          <p:spTgt spid="3">
+                                            <p:txEl>
+                                              <p:pRg st="1" end="1"/>
+                                            </p:txEl>
+                                          </p:spTgt>
+                                        </p:tgtEl>
+                                        <p:attrNameLst>
+                                          <p:attrName>ppt_w</p:attrName>
+                                        </p:attrNameLst>
+                                      </p:cBhvr>
+                                      <p:tavLst>
+                                        <p:tav tm="0" fmla="#ppt_w*sin(2.5*pi*$)">
+                                          <p:val>
+                                            <p:fltVal val="0"/>
+                                          </p:val>
+                                        </p:tav>
+                                        <p:tav tm="100000">
+                                          <p:val>
+                                            <p:fltVal val="1"/>
+                                          </p:val>
+                                        </p:tav>
+                                      </p:tavLst>
+                                    </p:anim>
+                                    <p:anim calcmode="lin" valueType="num">
+                                      <p:cBhvr>
+                                        <p:cTn id="14" dur="2000" fill="hold"/>
+                                        <p:tgtEl>
+                                          <p:spTgt spid="3">
+                                            <p:txEl>
+                                              <p:pRg st="1" end="1"/>
+                                            </p:txEl>
+                                          </p:spTgt>
+                                        </p:tgtEl>
+                                        <p:attrNameLst>
+                                          <p:attrName>ppt_h</p:attrName>
+                                        </p:attrNameLst>
+                                      </p:cBhvr>
+                                      <p:tavLst>
+                                        <p:tav tm="0">
+                                          <p:val>
+                                            <p:strVal val="#ppt_h"/>
+                                          </p:val>
+                                        </p:tav>
+                                        <p:tav tm="100000">
+                                          <p:val>
+                                            <p:strVal val="#ppt_h"/>
+                                          </p:val>
+                                        </p:tav>
+                                      </p:tavLst>
+                                    </p:anim>
+                                  </p:childTnLst>
+                                </p:cTn>
+                              </p:par>
+                              <p:par>
+                                <p:cTn id="15" presetID="45" presetClass="entr" presetSubtype="0" fill="hold" nodeType="withEffect">
+                                  <p:stCondLst>
+                                    <p:cond delay="0"/>
+                                  </p:stCondLst>
+                                  <p:childTnLst>
+                                    <p:set>
+                                      <p:cBhvr>
+                                        <p:cTn id="16" dur="1" fill="hold">
+                                          <p:stCondLst>
+                                            <p:cond delay="0"/>
+                                          </p:stCondLst>
+                                        </p:cTn>
+                                        <p:tgtEl>
+                                          <p:spTgt spid="3">
+                                            <p:txEl>
+                                              <p:pRg st="2" end="2"/>
+                                            </p:txEl>
+                                          </p:spTgt>
+                                        </p:tgtEl>
+                                        <p:attrNameLst>
+                                          <p:attrName>style.visibility</p:attrName>
+                                        </p:attrNameLst>
+                                      </p:cBhvr>
+                                      <p:to>
+                                        <p:strVal val="visible"/>
+                                      </p:to>
+                                    </p:set>
+                                    <p:animEffect transition="in" filter="fade">
+                                      <p:cBhvr>
+                                        <p:cTn id="17" dur="2000"/>
+                                        <p:tgtEl>
+                                          <p:spTgt spid="3">
+                                            <p:txEl>
+                                              <p:pRg st="2" end="2"/>
+                                            </p:txEl>
+                                          </p:spTgt>
+                                        </p:tgtEl>
+                                      </p:cBhvr>
+                                    </p:animEffect>
+                                    <p:anim calcmode="lin" valueType="num">
+                                      <p:cBhvr>
+                                        <p:cTn id="18" dur="2000" fill="hold"/>
+                                        <p:tgtEl>
+                                          <p:spTgt spid="3">
+                                            <p:txEl>
+                                              <p:pRg st="2" end="2"/>
+                                            </p:txEl>
+                                          </p:spTgt>
+                                        </p:tgtEl>
+                                        <p:attrNameLst>
+                                          <p:attrName>ppt_w</p:attrName>
+                                        </p:attrNameLst>
+                                      </p:cBhvr>
+                                      <p:tavLst>
+                                        <p:tav tm="0" fmla="#ppt_w*sin(2.5*pi*$)">
+                                          <p:val>
+                                            <p:fltVal val="0"/>
+                                          </p:val>
+                                        </p:tav>
+                                        <p:tav tm="100000">
+                                          <p:val>
+                                            <p:fltVal val="1"/>
+                                          </p:val>
+                                        </p:tav>
+                                      </p:tavLst>
+                                    </p:anim>
+                                    <p:anim calcmode="lin" valueType="num">
+                                      <p:cBhvr>
+                                        <p:cTn id="19" dur="2000" fill="hold"/>
+                                        <p:tgtEl>
+                                          <p:spTgt spid="3">
+                                            <p:txEl>
+                                              <p:pRg st="2" end="2"/>
+                                            </p:txEl>
+                                          </p:spTgt>
+                                        </p:tgtEl>
+                                        <p:attrNameLst>
+                                          <p:attrName>ppt_h</p:attrName>
+                                        </p:attrNameLst>
+                                      </p:cBhvr>
+                                      <p:tavLst>
+                                        <p:tav tm="0">
+                                          <p:val>
+                                            <p:strVal val="#ppt_h"/>
+                                          </p:val>
+                                        </p:tav>
+                                        <p:tav tm="100000">
+                                          <p:val>
+                                            <p:strVal val="#ppt_h"/>
+                                          </p:val>
+                                        </p:tav>
+                                      </p:tavLst>
+                                    </p:anim>
+                                  </p:childTnLst>
+                                </p:cTn>
+                              </p:par>
+                              <p:par>
+                                <p:cTn id="20" presetID="45" presetClass="entr" presetSubtype="0" fill="hold" nodeType="withEffect">
+                                  <p:stCondLst>
+                                    <p:cond delay="0"/>
+                                  </p:stCondLst>
+                                  <p:childTnLst>
+                                    <p:set>
+                                      <p:cBhvr>
+                                        <p:cTn id="21" dur="1" fill="hold">
+                                          <p:stCondLst>
+                                            <p:cond delay="0"/>
+                                          </p:stCondLst>
+                                        </p:cTn>
+                                        <p:tgtEl>
+                                          <p:spTgt spid="3">
+                                            <p:txEl>
+                                              <p:pRg st="3" end="3"/>
+                                            </p:txEl>
+                                          </p:spTgt>
+                                        </p:tgtEl>
+                                        <p:attrNameLst>
+                                          <p:attrName>style.visibility</p:attrName>
+                                        </p:attrNameLst>
+                                      </p:cBhvr>
+                                      <p:to>
+                                        <p:strVal val="visible"/>
+                                      </p:to>
+                                    </p:set>
+                                    <p:animEffect transition="in" filter="fade">
+                                      <p:cBhvr>
+                                        <p:cTn id="22" dur="2000"/>
+                                        <p:tgtEl>
+                                          <p:spTgt spid="3">
+                                            <p:txEl>
+                                              <p:pRg st="3" end="3"/>
+                                            </p:txEl>
+                                          </p:spTgt>
+                                        </p:tgtEl>
+                                      </p:cBhvr>
+                                    </p:animEffect>
+                                    <p:anim calcmode="lin" valueType="num">
+                                      <p:cBhvr>
+                                        <p:cTn id="23" dur="2000" fill="hold"/>
+                                        <p:tgtEl>
+                                          <p:spTgt spid="3">
+                                            <p:txEl>
+                                              <p:pRg st="3" end="3"/>
+                                            </p:txEl>
+                                          </p:spTgt>
+                                        </p:tgtEl>
+                                        <p:attrNameLst>
+                                          <p:attrName>ppt_w</p:attrName>
+                                        </p:attrNameLst>
+                                      </p:cBhvr>
+                                      <p:tavLst>
+                                        <p:tav tm="0" fmla="#ppt_w*sin(2.5*pi*$)">
+                                          <p:val>
+                                            <p:fltVal val="0"/>
+                                          </p:val>
+                                        </p:tav>
+                                        <p:tav tm="100000">
+                                          <p:val>
+                                            <p:fltVal val="1"/>
+                                          </p:val>
+                                        </p:tav>
+                                      </p:tavLst>
+                                    </p:anim>
+                                    <p:anim calcmode="lin" valueType="num">
+                                      <p:cBhvr>
+                                        <p:cTn id="24" dur="2000" fill="hold"/>
+                                        <p:tgtEl>
+                                          <p:spTgt spid="3">
+                                            <p:txEl>
+                                              <p:pRg st="3" end="3"/>
+                                            </p:txEl>
+                                          </p:spTgt>
+                                        </p:tgtEl>
+                                        <p:attrNameLst>
+                                          <p:attrName>ppt_h</p:attrName>
+                                        </p:attrNameLst>
+                                      </p:cBhvr>
+                                      <p:tavLst>
+                                        <p:tav tm="0">
+                                          <p:val>
+                                            <p:strVal val="#ppt_h"/>
+                                          </p:val>
+                                        </p:tav>
+                                        <p:tav tm="100000">
+                                          <p:val>
+                                            <p:strVal val="#ppt_h"/>
+                                          </p:val>
+                                        </p:tav>
+                                      </p:tavLst>
+                                    </p:anim>
+                                  </p:childTnLst>
+                                </p:cTn>
+                              </p:par>
+                              <p:par>
+                                <p:cTn id="25" presetID="45" presetClass="entr" presetSubtype="0" fill="hold" nodeType="withEffect">
+                                  <p:stCondLst>
+                                    <p:cond delay="0"/>
+                                  </p:stCondLst>
+                                  <p:childTnLst>
+                                    <p:set>
+                                      <p:cBhvr>
+                                        <p:cTn id="26" dur="1" fill="hold">
+                                          <p:stCondLst>
+                                            <p:cond delay="0"/>
+                                          </p:stCondLst>
+                                        </p:cTn>
+                                        <p:tgtEl>
+                                          <p:spTgt spid="3">
+                                            <p:txEl>
+                                              <p:pRg st="4" end="4"/>
+                                            </p:txEl>
+                                          </p:spTgt>
+                                        </p:tgtEl>
+                                        <p:attrNameLst>
+                                          <p:attrName>style.visibility</p:attrName>
+                                        </p:attrNameLst>
+                                      </p:cBhvr>
+                                      <p:to>
+                                        <p:strVal val="visible"/>
+                                      </p:to>
+                                    </p:set>
+                                    <p:animEffect transition="in" filter="fade">
+                                      <p:cBhvr>
+                                        <p:cTn id="27" dur="2000"/>
+                                        <p:tgtEl>
+                                          <p:spTgt spid="3">
+                                            <p:txEl>
+                                              <p:pRg st="4" end="4"/>
+                                            </p:txEl>
+                                          </p:spTgt>
+                                        </p:tgtEl>
+                                      </p:cBhvr>
+                                    </p:animEffect>
+                                    <p:anim calcmode="lin" valueType="num">
+                                      <p:cBhvr>
+                                        <p:cTn id="28" dur="2000" fill="hold"/>
+                                        <p:tgtEl>
+                                          <p:spTgt spid="3">
+                                            <p:txEl>
+                                              <p:pRg st="4" end="4"/>
+                                            </p:txEl>
+                                          </p:spTgt>
+                                        </p:tgtEl>
+                                        <p:attrNameLst>
+                                          <p:attrName>ppt_w</p:attrName>
+                                        </p:attrNameLst>
+                                      </p:cBhvr>
+                                      <p:tavLst>
+                                        <p:tav tm="0" fmla="#ppt_w*sin(2.5*pi*$)">
+                                          <p:val>
+                                            <p:fltVal val="0"/>
+                                          </p:val>
+                                        </p:tav>
+                                        <p:tav tm="100000">
+                                          <p:val>
+                                            <p:fltVal val="1"/>
+                                          </p:val>
+                                        </p:tav>
+                                      </p:tavLst>
+                                    </p:anim>
+                                    <p:anim calcmode="lin" valueType="num">
+                                      <p:cBhvr>
+                                        <p:cTn id="29" dur="2000" fill="hold"/>
+                                        <p:tgtEl>
+                                          <p:spTgt spid="3">
+                                            <p:txEl>
+                                              <p:pRg st="4" end="4"/>
+                                            </p:txEl>
+                                          </p:spTgt>
+                                        </p:tgtEl>
+                                        <p:attrNameLst>
+                                          <p:attrName>ppt_h</p:attrName>
+                                        </p:attrNameLst>
+                                      </p:cBhvr>
+                                      <p:tavLst>
+                                        <p:tav tm="0">
+                                          <p:val>
+                                            <p:strVal val="#ppt_h"/>
+                                          </p:val>
+                                        </p:tav>
+                                        <p:tav tm="100000">
+                                          <p:val>
+                                            <p:strVal val="#ppt_h"/>
+                                          </p:val>
+                                        </p:tav>
+                                      </p:tavLst>
+                                    </p:anim>
+                                  </p:childTnLst>
+                                </p:cTn>
+                              </p:par>
+                              <p:par>
+                                <p:cTn id="30" presetID="45" presetClass="entr" presetSubtype="0" fill="hold" nodeType="withEffect">
+                                  <p:stCondLst>
+                                    <p:cond delay="0"/>
+                                  </p:stCondLst>
+                                  <p:childTnLst>
+                                    <p:set>
+                                      <p:cBhvr>
+                                        <p:cTn id="31" dur="1" fill="hold">
+                                          <p:stCondLst>
+                                            <p:cond delay="0"/>
+                                          </p:stCondLst>
+                                        </p:cTn>
+                                        <p:tgtEl>
+                                          <p:spTgt spid="3">
+                                            <p:txEl>
+                                              <p:pRg st="5" end="5"/>
+                                            </p:txEl>
+                                          </p:spTgt>
+                                        </p:tgtEl>
+                                        <p:attrNameLst>
+                                          <p:attrName>style.visibility</p:attrName>
+                                        </p:attrNameLst>
+                                      </p:cBhvr>
+                                      <p:to>
+                                        <p:strVal val="visible"/>
+                                      </p:to>
+                                    </p:set>
+                                    <p:animEffect transition="in" filter="fade">
+                                      <p:cBhvr>
+                                        <p:cTn id="32" dur="2000"/>
+                                        <p:tgtEl>
+                                          <p:spTgt spid="3">
+                                            <p:txEl>
+                                              <p:pRg st="5" end="5"/>
+                                            </p:txEl>
+                                          </p:spTgt>
+                                        </p:tgtEl>
+                                      </p:cBhvr>
+                                    </p:animEffect>
+                                    <p:anim calcmode="lin" valueType="num">
+                                      <p:cBhvr>
+                                        <p:cTn id="33" dur="2000" fill="hold"/>
+                                        <p:tgtEl>
+                                          <p:spTgt spid="3">
+                                            <p:txEl>
+                                              <p:pRg st="5" end="5"/>
+                                            </p:txEl>
+                                          </p:spTgt>
+                                        </p:tgtEl>
+                                        <p:attrNameLst>
+                                          <p:attrName>ppt_w</p:attrName>
+                                        </p:attrNameLst>
+                                      </p:cBhvr>
+                                      <p:tavLst>
+                                        <p:tav tm="0" fmla="#ppt_w*sin(2.5*pi*$)">
+                                          <p:val>
+                                            <p:fltVal val="0"/>
+                                          </p:val>
+                                        </p:tav>
+                                        <p:tav tm="100000">
+                                          <p:val>
+                                            <p:fltVal val="1"/>
+                                          </p:val>
+                                        </p:tav>
+                                      </p:tavLst>
+                                    </p:anim>
+                                    <p:anim calcmode="lin" valueType="num">
+                                      <p:cBhvr>
+                                        <p:cTn id="34" dur="2000" fill="hold"/>
+                                        <p:tgtEl>
+                                          <p:spTgt spid="3">
+                                            <p:txEl>
+                                              <p:pRg st="5" end="5"/>
+                                            </p:txEl>
+                                          </p:spTgt>
+                                        </p:tgtEl>
+                                        <p:attrNameLst>
+                                          <p:attrName>ppt_h</p:attrName>
+                                        </p:attrNameLst>
+                                      </p:cBhvr>
+                                      <p:tavLst>
+                                        <p:tav tm="0">
+                                          <p:val>
+                                            <p:strVal val="#ppt_h"/>
+                                          </p:val>
+                                        </p:tav>
+                                        <p:tav tm="100000">
+                                          <p:val>
+                                            <p:strVal val="#ppt_h"/>
+                                          </p:val>
+                                        </p:tav>
+                                      </p:tavLst>
+                                    </p:anim>
+                                  </p:childTnLst>
+                                </p:cTn>
+                              </p:par>
+                            </p:childTnLst>
+                          </p:cTn>
+                        </p:par>
+                      </p:childTnLst>
+                    </p:cTn>
+                  </p:par>
+                </p:childTnLst>
+              </p:cTn>
+              <p:prevCondLst>
+                <p:cond evt="onPrev" delay="0">
+                  <p:tgtEl>
+                    <p:sldTgt/>
+                  </p:tgtEl>
+                </p:cond>
+              </p:prevCondLst>
+              <p:nextCondLst>
+                <p:cond evt="onNext" delay="0">
+                  <p:tgtEl>
+                    <p:sldTgt/>
+                  </p:tgtEl>
+                </p:cond>
+              </p:nextCondLst>
+            </p:seq>
+          </p:childTnLst>
+        </p:cTn>
+      </p:par>
+    </p:tnLst>
+  </p:timing>
 </p:sld>
 </file>
 
@@ -20982,7 +22109,7 @@
           <a:p>
             <a:r>
               <a:rPr lang="en-US" dirty="0"/>
-              <a:t>Different types of sensors </a:t>
+              <a:t>Used sensors </a:t>
             </a:r>
           </a:p>
         </p:txBody>
@@ -21197,12 +22324,14 @@
         </p:nvSpPr>
         <p:spPr/>
         <p:txBody>
-          <a:bodyPr/>
+          <a:bodyPr>
+            <a:normAutofit fontScale="90000"/>
+          </a:bodyPr>
           <a:lstStyle/>
           <a:p>
             <a:r>
               <a:rPr lang="en-US" dirty="0"/>
-              <a:t>Different types of Wireless communication</a:t>
+              <a:t>Available solutions for Wireless communication</a:t>
             </a:r>
           </a:p>
         </p:txBody>
@@ -22059,13 +23188,13 @@
             <p:ph idx="1"/>
             <p:extLst>
               <p:ext uri="{D42A27DB-BD31-4B8C-83A1-F6EECF244321}">
-                <p14:modId xmlns:p14="http://schemas.microsoft.com/office/powerpoint/2010/main" val="1536241733"/>
+                <p14:modId xmlns:p14="http://schemas.microsoft.com/office/powerpoint/2010/main" val="230974090"/>
               </p:ext>
             </p:extLst>
           </p:nvPr>
         </p:nvGraphicFramePr>
         <p:xfrm>
-          <a:off x="718457" y="928914"/>
+          <a:off x="544286" y="939799"/>
           <a:ext cx="4165600" cy="3737429"/>
         </p:xfrm>
         <a:graphic>
@@ -22089,13 +23218,13 @@
           <p:nvPr>
             <p:extLst>
               <p:ext uri="{D42A27DB-BD31-4B8C-83A1-F6EECF244321}">
-                <p14:modId xmlns:p14="http://schemas.microsoft.com/office/powerpoint/2010/main" val="3265308047"/>
+                <p14:modId xmlns:p14="http://schemas.microsoft.com/office/powerpoint/2010/main" val="1596486037"/>
               </p:ext>
             </p:extLst>
           </p:nvPr>
         </p:nvGraphicFramePr>
         <p:xfrm>
-          <a:off x="4659086" y="994229"/>
+          <a:off x="4659086" y="972457"/>
           <a:ext cx="4367348" cy="3672114"/>
         </p:xfrm>
         <a:graphic>
@@ -22554,15 +23683,11 @@
           </p:cNvGraphicFramePr>
           <p:nvPr>
             <p:ph idx="1"/>
-            <p:extLst>
-              <p:ext uri="{D42A27DB-BD31-4B8C-83A1-F6EECF244321}">
-                <p14:modId xmlns:p14="http://schemas.microsoft.com/office/powerpoint/2010/main" val="479152235"/>
-              </p:ext>
-            </p:extLst>
+            <p:extLst/>
           </p:nvPr>
         </p:nvGraphicFramePr>
         <p:xfrm>
-          <a:off x="944842" y="1112947"/>
+          <a:off x="944842" y="873958"/>
           <a:ext cx="7772792" cy="1396337"/>
         </p:xfrm>
         <a:graphic>
@@ -22578,15 +23703,11 @@
             <a:graphicFrameLocks/>
           </p:cNvGraphicFramePr>
           <p:nvPr>
-            <p:extLst>
-              <p:ext uri="{D42A27DB-BD31-4B8C-83A1-F6EECF244321}">
-                <p14:modId xmlns:p14="http://schemas.microsoft.com/office/powerpoint/2010/main" val="919838047"/>
-              </p:ext>
-            </p:extLst>
+            <p:extLst/>
           </p:nvPr>
         </p:nvGraphicFramePr>
         <p:xfrm>
-          <a:off x="944842" y="2846995"/>
+          <a:off x="944842" y="3002973"/>
           <a:ext cx="7772792" cy="2043981"/>
         </p:xfrm>
         <a:graphic>
@@ -22617,7 +23738,7 @@
         </p:blipFill>
         <p:spPr>
           <a:xfrm>
-            <a:off x="3851238" y="4155479"/>
+            <a:off x="3824287" y="4188710"/>
             <a:ext cx="4866396" cy="455508"/>
           </a:xfrm>
           <a:prstGeom prst="rect">
@@ -22647,8 +23768,8 @@
         </p:blipFill>
         <p:spPr>
           <a:xfrm>
-            <a:off x="4065563" y="2386437"/>
-            <a:ext cx="4382086" cy="583406"/>
+            <a:off x="3824287" y="1984439"/>
+            <a:ext cx="4976813" cy="974449"/>
           </a:xfrm>
           <a:prstGeom prst="rect">
             <a:avLst/>
@@ -22658,7 +23779,7 @@
     </p:spTree>
     <p:extLst>
       <p:ext uri="{BB962C8B-B14F-4D97-AF65-F5344CB8AC3E}">
-        <p14:creationId xmlns:p14="http://schemas.microsoft.com/office/powerpoint/2010/main" val="3531507368"/>
+        <p14:creationId xmlns:p14="http://schemas.microsoft.com/office/powerpoint/2010/main" val="3142999781"/>
       </p:ext>
     </p:extLst>
   </p:cSld>

--- a/Documentatie/Template.pptx
+++ b/Documentatie/Template.pptx
@@ -867,6 +867,7 @@
         <c:minorTickMark val="none"/>
         <c:tickLblPos val="nextTo"/>
         <c:crossAx val="1297230000"/>
+        <c:crosses val="autoZero"/>
         <c:auto val="1"/>
         <c:lblAlgn val="ctr"/>
         <c:lblOffset val="100"/>
@@ -1477,7 +1478,7 @@
           <a:effectLst/>
         </c:spPr>
         <c:txPr>
-          <a:bodyPr rot="0" spcFirstLastPara="1" vertOverflow="ellipsis" vert="horz" wrap="square" anchor="ctr" anchorCtr="1"/>
+          <a:bodyPr rot="0" spcFirstLastPara="1" vertOverflow="ellipsis" wrap="square" anchor="ctr" anchorCtr="1"/>
           <a:lstStyle/>
           <a:p>
             <a:pPr>
@@ -1609,6 +1610,7 @@
         <c:minorTickMark val="none"/>
         <c:tickLblPos val="nextTo"/>
         <c:crossAx val="1297245120"/>
+        <c:crosses val="autoZero"/>
         <c:auto val="1"/>
         <c:lblAlgn val="ctr"/>
         <c:lblOffset val="100"/>
@@ -20388,8 +20390,13 @@
           <a:p>
             <a:r>
               <a:rPr lang="en-US" dirty="0"/>
-              <a:t>Different types of MCU’s</a:t>
+              <a:t>Different types of </a:t>
             </a:r>
+            <a:r>
+              <a:rPr lang="en-US" dirty="0" err="1"/>
+              <a:t>devboards</a:t>
+            </a:r>
+            <a:endParaRPr lang="en-US" dirty="0"/>
           </a:p>
         </p:txBody>
       </p:sp>
@@ -21376,14 +21383,35 @@
           </a:p>
           <a:p>
             <a:r>
-              <a:rPr lang="en-US" dirty="0"/>
+              <a:rPr lang="en-US" dirty="0">
+                <a:solidFill>
+                  <a:schemeClr val="accent2">
+                    <a:lumMod val="60000"/>
+                    <a:lumOff val="40000"/>
+                  </a:schemeClr>
+                </a:solidFill>
+              </a:rPr>
               <a:t>LPM3(with RTC) -&gt; 660 </a:t>
             </a:r>
             <a:r>
-              <a:rPr lang="en-US" dirty="0" err="1"/>
+              <a:rPr lang="en-US" dirty="0" err="1">
+                <a:solidFill>
+                  <a:schemeClr val="accent2">
+                    <a:lumMod val="60000"/>
+                    <a:lumOff val="40000"/>
+                  </a:schemeClr>
+                </a:solidFill>
+              </a:rPr>
               <a:t>nA</a:t>
             </a:r>
-            <a:endParaRPr lang="en-US" dirty="0"/>
+            <a:endParaRPr lang="en-US" dirty="0">
+              <a:solidFill>
+                <a:schemeClr val="accent2">
+                  <a:lumMod val="60000"/>
+                  <a:lumOff val="40000"/>
+                </a:schemeClr>
+              </a:solidFill>
+            </a:endParaRPr>
           </a:p>
           <a:p>
             <a:r>

--- a/Documentatie/Template.pptx
+++ b/Documentatie/Template.pptx
@@ -5,10 +5,10 @@
     <p:sldMasterId id="2147483732" r:id="rId1"/>
   </p:sldMasterIdLst>
   <p:notesMasterIdLst>
-    <p:notesMasterId r:id="rId14"/>
+    <p:notesMasterId r:id="rId15"/>
   </p:notesMasterIdLst>
   <p:handoutMasterIdLst>
-    <p:handoutMasterId r:id="rId15"/>
+    <p:handoutMasterId r:id="rId16"/>
   </p:handoutMasterIdLst>
   <p:sldIdLst>
     <p:sldId id="283" r:id="rId2"/>
@@ -18,11 +18,12 @@
     <p:sldId id="331" r:id="rId6"/>
     <p:sldId id="326" r:id="rId7"/>
     <p:sldId id="332" r:id="rId8"/>
-    <p:sldId id="330" r:id="rId9"/>
-    <p:sldId id="334" r:id="rId10"/>
-    <p:sldId id="325" r:id="rId11"/>
-    <p:sldId id="335" r:id="rId12"/>
-    <p:sldId id="336" r:id="rId13"/>
+    <p:sldId id="337" r:id="rId9"/>
+    <p:sldId id="338" r:id="rId10"/>
+    <p:sldId id="334" r:id="rId11"/>
+    <p:sldId id="325" r:id="rId12"/>
+    <p:sldId id="335" r:id="rId13"/>
+    <p:sldId id="336" r:id="rId14"/>
   </p:sldIdLst>
   <p:sldSz cx="9144000" cy="5143500" type="screen16x9"/>
   <p:notesSz cx="6858000" cy="9144000"/>
@@ -335,7 +336,7 @@
                   <c:v>Arduino Uno</c:v>
                 </c:pt>
                 <c:pt idx="1">
-                  <c:v>Raspberry Pi3 (A)</c:v>
+                  <c:v>Raspberry Pi3</c:v>
                 </c:pt>
                 <c:pt idx="2">
                   <c:v>MSP432</c:v>
@@ -550,7 +551,7 @@
                   <c:v>Arduino Uno</c:v>
                 </c:pt>
                 <c:pt idx="1">
-                  <c:v>Raspberry Pi3 (A)</c:v>
+                  <c:v>Raspberry Pi3</c:v>
                 </c:pt>
                 <c:pt idx="2">
                   <c:v>MSP432</c:v>
@@ -4978,753 +4979,6 @@
 </dgm:colorsDef>
 </file>
 
-<file path=ppt/diagrams/colors4.xml><?xml version="1.0" encoding="utf-8"?>
-<dgm:colorsDef xmlns:dgm="http://schemas.openxmlformats.org/drawingml/2006/diagram" xmlns:a="http://schemas.openxmlformats.org/drawingml/2006/main" uniqueId="urn:microsoft.com/office/officeart/2005/8/colors/accent1_2">
-  <dgm:title val=""/>
-  <dgm:desc val=""/>
-  <dgm:catLst>
-    <dgm:cat type="accent1" pri="11200"/>
-  </dgm:catLst>
-  <dgm:styleLbl name="node0">
-    <dgm:fillClrLst meth="repeat">
-      <a:schemeClr val="accent1"/>
-    </dgm:fillClrLst>
-    <dgm:linClrLst meth="repeat">
-      <a:schemeClr val="lt1"/>
-    </dgm:linClrLst>
-    <dgm:effectClrLst/>
-    <dgm:txLinClrLst/>
-    <dgm:txFillClrLst/>
-    <dgm:txEffectClrLst/>
-  </dgm:styleLbl>
-  <dgm:styleLbl name="alignNode1">
-    <dgm:fillClrLst meth="repeat">
-      <a:schemeClr val="accent1"/>
-    </dgm:fillClrLst>
-    <dgm:linClrLst meth="repeat">
-      <a:schemeClr val="accent1"/>
-    </dgm:linClrLst>
-    <dgm:effectClrLst/>
-    <dgm:txLinClrLst/>
-    <dgm:txFillClrLst/>
-    <dgm:txEffectClrLst/>
-  </dgm:styleLbl>
-  <dgm:styleLbl name="node1">
-    <dgm:fillClrLst meth="repeat">
-      <a:schemeClr val="accent1"/>
-    </dgm:fillClrLst>
-    <dgm:linClrLst meth="repeat">
-      <a:schemeClr val="lt1"/>
-    </dgm:linClrLst>
-    <dgm:effectClrLst/>
-    <dgm:txLinClrLst/>
-    <dgm:txFillClrLst/>
-    <dgm:txEffectClrLst/>
-  </dgm:styleLbl>
-  <dgm:styleLbl name="lnNode1">
-    <dgm:fillClrLst meth="repeat">
-      <a:schemeClr val="accent1"/>
-    </dgm:fillClrLst>
-    <dgm:linClrLst meth="repeat">
-      <a:schemeClr val="lt1"/>
-    </dgm:linClrLst>
-    <dgm:effectClrLst/>
-    <dgm:txLinClrLst/>
-    <dgm:txFillClrLst/>
-    <dgm:txEffectClrLst/>
-  </dgm:styleLbl>
-  <dgm:styleLbl name="vennNode1">
-    <dgm:fillClrLst meth="repeat">
-      <a:schemeClr val="accent1">
-        <a:alpha val="50000"/>
-      </a:schemeClr>
-    </dgm:fillClrLst>
-    <dgm:linClrLst meth="repeat">
-      <a:schemeClr val="lt1"/>
-    </dgm:linClrLst>
-    <dgm:effectClrLst/>
-    <dgm:txLinClrLst/>
-    <dgm:txFillClrLst/>
-    <dgm:txEffectClrLst/>
-  </dgm:styleLbl>
-  <dgm:styleLbl name="node2">
-    <dgm:fillClrLst meth="repeat">
-      <a:schemeClr val="accent1"/>
-    </dgm:fillClrLst>
-    <dgm:linClrLst meth="repeat">
-      <a:schemeClr val="lt1"/>
-    </dgm:linClrLst>
-    <dgm:effectClrLst/>
-    <dgm:txLinClrLst/>
-    <dgm:txFillClrLst/>
-    <dgm:txEffectClrLst/>
-  </dgm:styleLbl>
-  <dgm:styleLbl name="node3">
-    <dgm:fillClrLst meth="repeat">
-      <a:schemeClr val="accent1"/>
-    </dgm:fillClrLst>
-    <dgm:linClrLst meth="repeat">
-      <a:schemeClr val="lt1"/>
-    </dgm:linClrLst>
-    <dgm:effectClrLst/>
-    <dgm:txLinClrLst/>
-    <dgm:txFillClrLst/>
-    <dgm:txEffectClrLst/>
-  </dgm:styleLbl>
-  <dgm:styleLbl name="node4">
-    <dgm:fillClrLst meth="repeat">
-      <a:schemeClr val="accent1"/>
-    </dgm:fillClrLst>
-    <dgm:linClrLst meth="repeat">
-      <a:schemeClr val="lt1"/>
-    </dgm:linClrLst>
-    <dgm:effectClrLst/>
-    <dgm:txLinClrLst/>
-    <dgm:txFillClrLst/>
-    <dgm:txEffectClrLst/>
-  </dgm:styleLbl>
-  <dgm:styleLbl name="fgImgPlace1">
-    <dgm:fillClrLst meth="repeat">
-      <a:schemeClr val="accent1">
-        <a:tint val="50000"/>
-      </a:schemeClr>
-    </dgm:fillClrLst>
-    <dgm:linClrLst meth="repeat">
-      <a:schemeClr val="lt1"/>
-    </dgm:linClrLst>
-    <dgm:effectClrLst/>
-    <dgm:txLinClrLst/>
-    <dgm:txFillClrLst meth="repeat">
-      <a:schemeClr val="lt1"/>
-    </dgm:txFillClrLst>
-    <dgm:txEffectClrLst/>
-  </dgm:styleLbl>
-  <dgm:styleLbl name="alignImgPlace1">
-    <dgm:fillClrLst meth="repeat">
-      <a:schemeClr val="accent1">
-        <a:tint val="50000"/>
-      </a:schemeClr>
-    </dgm:fillClrLst>
-    <dgm:linClrLst meth="repeat">
-      <a:schemeClr val="lt1"/>
-    </dgm:linClrLst>
-    <dgm:effectClrLst/>
-    <dgm:txLinClrLst/>
-    <dgm:txFillClrLst meth="repeat">
-      <a:schemeClr val="lt1"/>
-    </dgm:txFillClrLst>
-    <dgm:txEffectClrLst/>
-  </dgm:styleLbl>
-  <dgm:styleLbl name="bgImgPlace1">
-    <dgm:fillClrLst meth="repeat">
-      <a:schemeClr val="accent1">
-        <a:tint val="50000"/>
-      </a:schemeClr>
-    </dgm:fillClrLst>
-    <dgm:linClrLst meth="repeat">
-      <a:schemeClr val="lt1"/>
-    </dgm:linClrLst>
-    <dgm:effectClrLst/>
-    <dgm:txLinClrLst/>
-    <dgm:txFillClrLst meth="repeat">
-      <a:schemeClr val="lt1"/>
-    </dgm:txFillClrLst>
-    <dgm:txEffectClrLst/>
-  </dgm:styleLbl>
-  <dgm:styleLbl name="sibTrans2D1">
-    <dgm:fillClrLst meth="repeat">
-      <a:schemeClr val="accent1">
-        <a:tint val="60000"/>
-      </a:schemeClr>
-    </dgm:fillClrLst>
-    <dgm:linClrLst meth="repeat">
-      <a:schemeClr val="accent1">
-        <a:tint val="60000"/>
-      </a:schemeClr>
-    </dgm:linClrLst>
-    <dgm:effectClrLst/>
-    <dgm:txLinClrLst/>
-    <dgm:txFillClrLst/>
-    <dgm:txEffectClrLst/>
-  </dgm:styleLbl>
-  <dgm:styleLbl name="fgSibTrans2D1">
-    <dgm:fillClrLst meth="repeat">
-      <a:schemeClr val="accent1">
-        <a:tint val="60000"/>
-      </a:schemeClr>
-    </dgm:fillClrLst>
-    <dgm:linClrLst meth="repeat">
-      <a:schemeClr val="accent1">
-        <a:tint val="60000"/>
-      </a:schemeClr>
-    </dgm:linClrLst>
-    <dgm:effectClrLst/>
-    <dgm:txLinClrLst/>
-    <dgm:txFillClrLst/>
-    <dgm:txEffectClrLst/>
-  </dgm:styleLbl>
-  <dgm:styleLbl name="bgSibTrans2D1">
-    <dgm:fillClrLst meth="repeat">
-      <a:schemeClr val="accent1">
-        <a:tint val="60000"/>
-      </a:schemeClr>
-    </dgm:fillClrLst>
-    <dgm:linClrLst meth="repeat">
-      <a:schemeClr val="accent1">
-        <a:tint val="60000"/>
-      </a:schemeClr>
-    </dgm:linClrLst>
-    <dgm:effectClrLst/>
-    <dgm:txLinClrLst/>
-    <dgm:txFillClrLst/>
-    <dgm:txEffectClrLst/>
-  </dgm:styleLbl>
-  <dgm:styleLbl name="sibTrans1D1">
-    <dgm:fillClrLst meth="repeat">
-      <a:schemeClr val="accent1"/>
-    </dgm:fillClrLst>
-    <dgm:linClrLst meth="repeat">
-      <a:schemeClr val="accent1"/>
-    </dgm:linClrLst>
-    <dgm:effectClrLst/>
-    <dgm:txLinClrLst/>
-    <dgm:txFillClrLst meth="repeat">
-      <a:schemeClr val="tx1"/>
-    </dgm:txFillClrLst>
-    <dgm:txEffectClrLst/>
-  </dgm:styleLbl>
-  <dgm:styleLbl name="callout">
-    <dgm:fillClrLst meth="repeat">
-      <a:schemeClr val="accent1"/>
-    </dgm:fillClrLst>
-    <dgm:linClrLst meth="repeat">
-      <a:schemeClr val="accent1">
-        <a:tint val="50000"/>
-      </a:schemeClr>
-    </dgm:linClrLst>
-    <dgm:effectClrLst/>
-    <dgm:txLinClrLst/>
-    <dgm:txFillClrLst meth="repeat">
-      <a:schemeClr val="tx1"/>
-    </dgm:txFillClrLst>
-    <dgm:txEffectClrLst/>
-  </dgm:styleLbl>
-  <dgm:styleLbl name="asst0">
-    <dgm:fillClrLst meth="repeat">
-      <a:schemeClr val="accent1"/>
-    </dgm:fillClrLst>
-    <dgm:linClrLst meth="repeat">
-      <a:schemeClr val="lt1"/>
-    </dgm:linClrLst>
-    <dgm:effectClrLst/>
-    <dgm:txLinClrLst/>
-    <dgm:txFillClrLst/>
-    <dgm:txEffectClrLst/>
-  </dgm:styleLbl>
-  <dgm:styleLbl name="asst1">
-    <dgm:fillClrLst meth="repeat">
-      <a:schemeClr val="accent1"/>
-    </dgm:fillClrLst>
-    <dgm:linClrLst meth="repeat">
-      <a:schemeClr val="lt1"/>
-    </dgm:linClrLst>
-    <dgm:effectClrLst/>
-    <dgm:txLinClrLst/>
-    <dgm:txFillClrLst/>
-    <dgm:txEffectClrLst/>
-  </dgm:styleLbl>
-  <dgm:styleLbl name="asst2">
-    <dgm:fillClrLst meth="repeat">
-      <a:schemeClr val="accent1"/>
-    </dgm:fillClrLst>
-    <dgm:linClrLst meth="repeat">
-      <a:schemeClr val="lt1"/>
-    </dgm:linClrLst>
-    <dgm:effectClrLst/>
-    <dgm:txLinClrLst/>
-    <dgm:txFillClrLst/>
-    <dgm:txEffectClrLst/>
-  </dgm:styleLbl>
-  <dgm:styleLbl name="asst3">
-    <dgm:fillClrLst meth="repeat">
-      <a:schemeClr val="accent1"/>
-    </dgm:fillClrLst>
-    <dgm:linClrLst meth="repeat">
-      <a:schemeClr val="lt1"/>
-    </dgm:linClrLst>
-    <dgm:effectClrLst/>
-    <dgm:txLinClrLst/>
-    <dgm:txFillClrLst/>
-    <dgm:txEffectClrLst/>
-  </dgm:styleLbl>
-  <dgm:styleLbl name="asst4">
-    <dgm:fillClrLst meth="repeat">
-      <a:schemeClr val="accent1"/>
-    </dgm:fillClrLst>
-    <dgm:linClrLst meth="repeat">
-      <a:schemeClr val="lt1"/>
-    </dgm:linClrLst>
-    <dgm:effectClrLst/>
-    <dgm:txLinClrLst/>
-    <dgm:txFillClrLst/>
-    <dgm:txEffectClrLst/>
-  </dgm:styleLbl>
-  <dgm:styleLbl name="parChTrans2D1">
-    <dgm:fillClrLst meth="repeat">
-      <a:schemeClr val="accent1">
-        <a:tint val="60000"/>
-      </a:schemeClr>
-    </dgm:fillClrLst>
-    <dgm:linClrLst meth="repeat">
-      <a:schemeClr val="accent1">
-        <a:tint val="60000"/>
-      </a:schemeClr>
-    </dgm:linClrLst>
-    <dgm:effectClrLst/>
-    <dgm:txLinClrLst/>
-    <dgm:txFillClrLst meth="repeat">
-      <a:schemeClr val="lt1"/>
-    </dgm:txFillClrLst>
-    <dgm:txEffectClrLst/>
-  </dgm:styleLbl>
-  <dgm:styleLbl name="parChTrans2D2">
-    <dgm:fillClrLst meth="repeat">
-      <a:schemeClr val="accent1"/>
-    </dgm:fillClrLst>
-    <dgm:linClrLst meth="repeat">
-      <a:schemeClr val="accent1"/>
-    </dgm:linClrLst>
-    <dgm:effectClrLst/>
-    <dgm:txLinClrLst/>
-    <dgm:txFillClrLst meth="repeat">
-      <a:schemeClr val="lt1"/>
-    </dgm:txFillClrLst>
-    <dgm:txEffectClrLst/>
-  </dgm:styleLbl>
-  <dgm:styleLbl name="parChTrans2D3">
-    <dgm:fillClrLst meth="repeat">
-      <a:schemeClr val="accent1"/>
-    </dgm:fillClrLst>
-    <dgm:linClrLst meth="repeat">
-      <a:schemeClr val="accent1"/>
-    </dgm:linClrLst>
-    <dgm:effectClrLst/>
-    <dgm:txLinClrLst/>
-    <dgm:txFillClrLst meth="repeat">
-      <a:schemeClr val="lt1"/>
-    </dgm:txFillClrLst>
-    <dgm:txEffectClrLst/>
-  </dgm:styleLbl>
-  <dgm:styleLbl name="parChTrans2D4">
-    <dgm:fillClrLst meth="repeat">
-      <a:schemeClr val="accent1"/>
-    </dgm:fillClrLst>
-    <dgm:linClrLst meth="repeat">
-      <a:schemeClr val="accent1"/>
-    </dgm:linClrLst>
-    <dgm:effectClrLst/>
-    <dgm:txLinClrLst/>
-    <dgm:txFillClrLst meth="repeat">
-      <a:schemeClr val="lt1"/>
-    </dgm:txFillClrLst>
-    <dgm:txEffectClrLst/>
-  </dgm:styleLbl>
-  <dgm:styleLbl name="parChTrans1D1">
-    <dgm:fillClrLst meth="repeat">
-      <a:schemeClr val="accent1"/>
-    </dgm:fillClrLst>
-    <dgm:linClrLst meth="repeat">
-      <a:schemeClr val="accent1">
-        <a:shade val="60000"/>
-      </a:schemeClr>
-    </dgm:linClrLst>
-    <dgm:effectClrLst/>
-    <dgm:txLinClrLst/>
-    <dgm:txFillClrLst meth="repeat">
-      <a:schemeClr val="tx1"/>
-    </dgm:txFillClrLst>
-    <dgm:txEffectClrLst/>
-  </dgm:styleLbl>
-  <dgm:styleLbl name="parChTrans1D2">
-    <dgm:fillClrLst meth="repeat">
-      <a:schemeClr val="accent1"/>
-    </dgm:fillClrLst>
-    <dgm:linClrLst meth="repeat">
-      <a:schemeClr val="accent1">
-        <a:shade val="60000"/>
-      </a:schemeClr>
-    </dgm:linClrLst>
-    <dgm:effectClrLst/>
-    <dgm:txLinClrLst/>
-    <dgm:txFillClrLst meth="repeat">
-      <a:schemeClr val="tx1"/>
-    </dgm:txFillClrLst>
-    <dgm:txEffectClrLst/>
-  </dgm:styleLbl>
-  <dgm:styleLbl name="parChTrans1D3">
-    <dgm:fillClrLst meth="repeat">
-      <a:schemeClr val="accent1"/>
-    </dgm:fillClrLst>
-    <dgm:linClrLst meth="repeat">
-      <a:schemeClr val="accent1">
-        <a:shade val="80000"/>
-      </a:schemeClr>
-    </dgm:linClrLst>
-    <dgm:effectClrLst/>
-    <dgm:txLinClrLst/>
-    <dgm:txFillClrLst meth="repeat">
-      <a:schemeClr val="tx1"/>
-    </dgm:txFillClrLst>
-    <dgm:txEffectClrLst/>
-  </dgm:styleLbl>
-  <dgm:styleLbl name="parChTrans1D4">
-    <dgm:fillClrLst meth="repeat">
-      <a:schemeClr val="accent1"/>
-    </dgm:fillClrLst>
-    <dgm:linClrLst meth="repeat">
-      <a:schemeClr val="accent1">
-        <a:shade val="80000"/>
-      </a:schemeClr>
-    </dgm:linClrLst>
-    <dgm:effectClrLst/>
-    <dgm:txLinClrLst/>
-    <dgm:txFillClrLst meth="repeat">
-      <a:schemeClr val="tx1"/>
-    </dgm:txFillClrLst>
-    <dgm:txEffectClrLst/>
-  </dgm:styleLbl>
-  <dgm:styleLbl name="fgAcc1">
-    <dgm:fillClrLst meth="repeat">
-      <a:schemeClr val="lt1">
-        <a:alpha val="90000"/>
-      </a:schemeClr>
-    </dgm:fillClrLst>
-    <dgm:linClrLst meth="repeat">
-      <a:schemeClr val="accent1"/>
-    </dgm:linClrLst>
-    <dgm:effectClrLst/>
-    <dgm:txLinClrLst/>
-    <dgm:txFillClrLst meth="repeat">
-      <a:schemeClr val="dk1"/>
-    </dgm:txFillClrLst>
-    <dgm:txEffectClrLst/>
-  </dgm:styleLbl>
-  <dgm:styleLbl name="conFgAcc1">
-    <dgm:fillClrLst meth="repeat">
-      <a:schemeClr val="lt1">
-        <a:alpha val="90000"/>
-      </a:schemeClr>
-    </dgm:fillClrLst>
-    <dgm:linClrLst meth="repeat">
-      <a:schemeClr val="accent1"/>
-    </dgm:linClrLst>
-    <dgm:effectClrLst/>
-    <dgm:txLinClrLst/>
-    <dgm:txFillClrLst meth="repeat">
-      <a:schemeClr val="dk1"/>
-    </dgm:txFillClrLst>
-    <dgm:txEffectClrLst/>
-  </dgm:styleLbl>
-  <dgm:styleLbl name="alignAcc1">
-    <dgm:fillClrLst meth="repeat">
-      <a:schemeClr val="lt1">
-        <a:alpha val="90000"/>
-      </a:schemeClr>
-    </dgm:fillClrLst>
-    <dgm:linClrLst meth="repeat">
-      <a:schemeClr val="accent1"/>
-    </dgm:linClrLst>
-    <dgm:effectClrLst/>
-    <dgm:txLinClrLst/>
-    <dgm:txFillClrLst meth="repeat">
-      <a:schemeClr val="dk1"/>
-    </dgm:txFillClrLst>
-    <dgm:txEffectClrLst/>
-  </dgm:styleLbl>
-  <dgm:styleLbl name="trAlignAcc1">
-    <dgm:fillClrLst meth="repeat">
-      <a:schemeClr val="lt1">
-        <a:alpha val="40000"/>
-      </a:schemeClr>
-    </dgm:fillClrLst>
-    <dgm:linClrLst meth="repeat">
-      <a:schemeClr val="accent1"/>
-    </dgm:linClrLst>
-    <dgm:effectClrLst/>
-    <dgm:txLinClrLst/>
-    <dgm:txFillClrLst meth="repeat">
-      <a:schemeClr val="dk1"/>
-    </dgm:txFillClrLst>
-    <dgm:txEffectClrLst/>
-  </dgm:styleLbl>
-  <dgm:styleLbl name="bgAcc1">
-    <dgm:fillClrLst meth="repeat">
-      <a:schemeClr val="lt1">
-        <a:alpha val="90000"/>
-      </a:schemeClr>
-    </dgm:fillClrLst>
-    <dgm:linClrLst meth="repeat">
-      <a:schemeClr val="accent1"/>
-    </dgm:linClrLst>
-    <dgm:effectClrLst/>
-    <dgm:txLinClrLst/>
-    <dgm:txFillClrLst meth="repeat">
-      <a:schemeClr val="dk1"/>
-    </dgm:txFillClrLst>
-    <dgm:txEffectClrLst/>
-  </dgm:styleLbl>
-  <dgm:styleLbl name="solidFgAcc1">
-    <dgm:fillClrLst meth="repeat">
-      <a:schemeClr val="lt1"/>
-    </dgm:fillClrLst>
-    <dgm:linClrLst meth="repeat">
-      <a:schemeClr val="accent1"/>
-    </dgm:linClrLst>
-    <dgm:effectClrLst/>
-    <dgm:txLinClrLst/>
-    <dgm:txFillClrLst meth="repeat">
-      <a:schemeClr val="dk1"/>
-    </dgm:txFillClrLst>
-    <dgm:txEffectClrLst/>
-  </dgm:styleLbl>
-  <dgm:styleLbl name="solidAlignAcc1">
-    <dgm:fillClrLst meth="repeat">
-      <a:schemeClr val="lt1"/>
-    </dgm:fillClrLst>
-    <dgm:linClrLst meth="repeat">
-      <a:schemeClr val="accent1"/>
-    </dgm:linClrLst>
-    <dgm:effectClrLst/>
-    <dgm:txLinClrLst/>
-    <dgm:txFillClrLst meth="repeat">
-      <a:schemeClr val="dk1"/>
-    </dgm:txFillClrLst>
-    <dgm:txEffectClrLst/>
-  </dgm:styleLbl>
-  <dgm:styleLbl name="solidBgAcc1">
-    <dgm:fillClrLst meth="repeat">
-      <a:schemeClr val="lt1"/>
-    </dgm:fillClrLst>
-    <dgm:linClrLst meth="repeat">
-      <a:schemeClr val="accent1"/>
-    </dgm:linClrLst>
-    <dgm:effectClrLst/>
-    <dgm:txLinClrLst/>
-    <dgm:txFillClrLst meth="repeat">
-      <a:schemeClr val="dk1"/>
-    </dgm:txFillClrLst>
-    <dgm:txEffectClrLst/>
-  </dgm:styleLbl>
-  <dgm:styleLbl name="fgAccFollowNode1">
-    <dgm:fillClrLst meth="repeat">
-      <a:schemeClr val="accent1">
-        <a:alpha val="90000"/>
-        <a:tint val="40000"/>
-      </a:schemeClr>
-    </dgm:fillClrLst>
-    <dgm:linClrLst meth="repeat">
-      <a:schemeClr val="accent1">
-        <a:alpha val="90000"/>
-        <a:tint val="40000"/>
-      </a:schemeClr>
-    </dgm:linClrLst>
-    <dgm:effectClrLst/>
-    <dgm:txLinClrLst/>
-    <dgm:txFillClrLst meth="repeat">
-      <a:schemeClr val="dk1"/>
-    </dgm:txFillClrLst>
-    <dgm:txEffectClrLst/>
-  </dgm:styleLbl>
-  <dgm:styleLbl name="alignAccFollowNode1">
-    <dgm:fillClrLst meth="repeat">
-      <a:schemeClr val="accent1">
-        <a:alpha val="90000"/>
-        <a:tint val="40000"/>
-      </a:schemeClr>
-    </dgm:fillClrLst>
-    <dgm:linClrLst meth="repeat">
-      <a:schemeClr val="accent1">
-        <a:alpha val="90000"/>
-        <a:tint val="40000"/>
-      </a:schemeClr>
-    </dgm:linClrLst>
-    <dgm:effectClrLst/>
-    <dgm:txLinClrLst/>
-    <dgm:txFillClrLst meth="repeat">
-      <a:schemeClr val="dk1"/>
-    </dgm:txFillClrLst>
-    <dgm:txEffectClrLst/>
-  </dgm:styleLbl>
-  <dgm:styleLbl name="bgAccFollowNode1">
-    <dgm:fillClrLst meth="repeat">
-      <a:schemeClr val="accent1">
-        <a:alpha val="90000"/>
-        <a:tint val="40000"/>
-      </a:schemeClr>
-    </dgm:fillClrLst>
-    <dgm:linClrLst meth="repeat">
-      <a:schemeClr val="accent1">
-        <a:alpha val="90000"/>
-        <a:tint val="40000"/>
-      </a:schemeClr>
-    </dgm:linClrLst>
-    <dgm:effectClrLst/>
-    <dgm:txLinClrLst/>
-    <dgm:txFillClrLst meth="repeat">
-      <a:schemeClr val="dk1"/>
-    </dgm:txFillClrLst>
-    <dgm:txEffectClrLst/>
-  </dgm:styleLbl>
-  <dgm:styleLbl name="fgAcc0">
-    <dgm:fillClrLst meth="repeat">
-      <a:schemeClr val="lt1">
-        <a:alpha val="90000"/>
-      </a:schemeClr>
-    </dgm:fillClrLst>
-    <dgm:linClrLst meth="repeat">
-      <a:schemeClr val="accent1"/>
-    </dgm:linClrLst>
-    <dgm:effectClrLst/>
-    <dgm:txLinClrLst/>
-    <dgm:txFillClrLst meth="repeat">
-      <a:schemeClr val="dk1"/>
-    </dgm:txFillClrLst>
-    <dgm:txEffectClrLst/>
-  </dgm:styleLbl>
-  <dgm:styleLbl name="fgAcc2">
-    <dgm:fillClrLst meth="repeat">
-      <a:schemeClr val="lt1">
-        <a:alpha val="90000"/>
-      </a:schemeClr>
-    </dgm:fillClrLst>
-    <dgm:linClrLst meth="repeat">
-      <a:schemeClr val="accent1"/>
-    </dgm:linClrLst>
-    <dgm:effectClrLst/>
-    <dgm:txLinClrLst/>
-    <dgm:txFillClrLst meth="repeat">
-      <a:schemeClr val="dk1"/>
-    </dgm:txFillClrLst>
-    <dgm:txEffectClrLst/>
-  </dgm:styleLbl>
-  <dgm:styleLbl name="fgAcc3">
-    <dgm:fillClrLst meth="repeat">
-      <a:schemeClr val="lt1">
-        <a:alpha val="90000"/>
-      </a:schemeClr>
-    </dgm:fillClrLst>
-    <dgm:linClrLst meth="repeat">
-      <a:schemeClr val="accent1"/>
-    </dgm:linClrLst>
-    <dgm:effectClrLst/>
-    <dgm:txLinClrLst/>
-    <dgm:txFillClrLst meth="repeat">
-      <a:schemeClr val="dk1"/>
-    </dgm:txFillClrLst>
-    <dgm:txEffectClrLst/>
-  </dgm:styleLbl>
-  <dgm:styleLbl name="fgAcc4">
-    <dgm:fillClrLst meth="repeat">
-      <a:schemeClr val="lt1">
-        <a:alpha val="90000"/>
-      </a:schemeClr>
-    </dgm:fillClrLst>
-    <dgm:linClrLst meth="repeat">
-      <a:schemeClr val="accent1"/>
-    </dgm:linClrLst>
-    <dgm:effectClrLst/>
-    <dgm:txLinClrLst/>
-    <dgm:txFillClrLst meth="repeat">
-      <a:schemeClr val="dk1"/>
-    </dgm:txFillClrLst>
-    <dgm:txEffectClrLst/>
-  </dgm:styleLbl>
-  <dgm:styleLbl name="bgShp">
-    <dgm:fillClrLst meth="repeat">
-      <a:schemeClr val="accent1">
-        <a:tint val="40000"/>
-      </a:schemeClr>
-    </dgm:fillClrLst>
-    <dgm:linClrLst meth="repeat">
-      <a:schemeClr val="accent1"/>
-    </dgm:linClrLst>
-    <dgm:effectClrLst/>
-    <dgm:txLinClrLst/>
-    <dgm:txFillClrLst meth="repeat">
-      <a:schemeClr val="dk1"/>
-    </dgm:txFillClrLst>
-    <dgm:txEffectClrLst/>
-  </dgm:styleLbl>
-  <dgm:styleLbl name="dkBgShp">
-    <dgm:fillClrLst meth="repeat">
-      <a:schemeClr val="accent1">
-        <a:shade val="80000"/>
-      </a:schemeClr>
-    </dgm:fillClrLst>
-    <dgm:linClrLst meth="repeat">
-      <a:schemeClr val="accent1"/>
-    </dgm:linClrLst>
-    <dgm:effectClrLst/>
-    <dgm:txLinClrLst/>
-    <dgm:txFillClrLst meth="repeat">
-      <a:schemeClr val="lt1"/>
-    </dgm:txFillClrLst>
-    <dgm:txEffectClrLst/>
-  </dgm:styleLbl>
-  <dgm:styleLbl name="trBgShp">
-    <dgm:fillClrLst meth="repeat">
-      <a:schemeClr val="accent1">
-        <a:tint val="50000"/>
-        <a:alpha val="40000"/>
-      </a:schemeClr>
-    </dgm:fillClrLst>
-    <dgm:linClrLst meth="repeat">
-      <a:schemeClr val="accent1"/>
-    </dgm:linClrLst>
-    <dgm:effectClrLst/>
-    <dgm:txLinClrLst/>
-    <dgm:txFillClrLst meth="repeat">
-      <a:schemeClr val="lt1"/>
-    </dgm:txFillClrLst>
-    <dgm:txEffectClrLst/>
-  </dgm:styleLbl>
-  <dgm:styleLbl name="fgShp">
-    <dgm:fillClrLst meth="repeat">
-      <a:schemeClr val="accent1">
-        <a:tint val="60000"/>
-      </a:schemeClr>
-    </dgm:fillClrLst>
-    <dgm:linClrLst meth="repeat">
-      <a:schemeClr val="lt1"/>
-    </dgm:linClrLst>
-    <dgm:effectClrLst/>
-    <dgm:txLinClrLst/>
-    <dgm:txFillClrLst meth="repeat">
-      <a:schemeClr val="dk1"/>
-    </dgm:txFillClrLst>
-    <dgm:txEffectClrLst/>
-  </dgm:styleLbl>
-  <dgm:styleLbl name="revTx">
-    <dgm:fillClrLst meth="repeat">
-      <a:schemeClr val="lt1">
-        <a:alpha val="0"/>
-      </a:schemeClr>
-    </dgm:fillClrLst>
-    <dgm:linClrLst meth="repeat">
-      <a:schemeClr val="dk1">
-        <a:alpha val="0"/>
-      </a:schemeClr>
-    </dgm:linClrLst>
-    <dgm:effectClrLst/>
-    <dgm:txLinClrLst/>
-    <dgm:txFillClrLst meth="repeat">
-      <a:schemeClr val="tx1"/>
-    </dgm:txFillClrLst>
-    <dgm:txEffectClrLst/>
-  </dgm:styleLbl>
-</dgm:colorsDef>
-</file>
-
 <file path=ppt/diagrams/data1.xml><?xml version="1.0" encoding="utf-8"?>
 <dgm:dataModel xmlns:dgm="http://schemas.openxmlformats.org/drawingml/2006/diagram" xmlns:a="http://schemas.openxmlformats.org/drawingml/2006/main">
   <dgm:ptLst>
@@ -6078,201 +5332,6 @@
 <dgm:dataModel xmlns:dgm="http://schemas.openxmlformats.org/drawingml/2006/diagram" xmlns:a="http://schemas.openxmlformats.org/drawingml/2006/main">
   <dgm:ptLst>
     <dgm:pt modelId="{AF5AAB80-9277-4664-B10B-A55EF2D87D89}" type="doc">
-      <dgm:prSet loTypeId="urn:microsoft.com/office/officeart/2005/8/layout/vList5" loCatId="list" qsTypeId="urn:microsoft.com/office/officeart/2005/8/quickstyle/3d6" qsCatId="3D" csTypeId="urn:microsoft.com/office/officeart/2005/8/colors/accent1_2" csCatId="accent1" phldr="1"/>
-      <dgm:spPr/>
-      <dgm:t>
-        <a:bodyPr/>
-        <a:lstStyle/>
-        <a:p>
-          <a:endParaRPr lang="en-US"/>
-        </a:p>
-      </dgm:t>
-    </dgm:pt>
-    <dgm:pt modelId="{ABB5BD17-A21F-4FA0-AD54-03F045F8F545}">
-      <dgm:prSet phldrT="[Text]" phldr="1"/>
-      <dgm:spPr>
-        <a:blipFill rotWithShape="0">
-          <a:blip xmlns:r="http://schemas.openxmlformats.org/officeDocument/2006/relationships" r:embed="rId1"/>
-          <a:stretch>
-            <a:fillRect/>
-          </a:stretch>
-        </a:blipFill>
-      </dgm:spPr>
-      <dgm:t>
-        <a:bodyPr/>
-        <a:lstStyle/>
-        <a:p>
-          <a:endParaRPr lang="en-US" dirty="0">
-            <a:noFill/>
-          </a:endParaRPr>
-        </a:p>
-      </dgm:t>
-    </dgm:pt>
-    <dgm:pt modelId="{2EC84680-1F59-406C-BF13-D2300CE772EC}" type="parTrans" cxnId="{0FA5813E-B647-43AC-8A1A-2B2785AA9976}">
-      <dgm:prSet/>
-      <dgm:spPr/>
-      <dgm:t>
-        <a:bodyPr/>
-        <a:lstStyle/>
-        <a:p>
-          <a:endParaRPr lang="en-US"/>
-        </a:p>
-      </dgm:t>
-    </dgm:pt>
-    <dgm:pt modelId="{6A5E12D1-D7CB-40FD-9EC2-D079422E7431}" type="sibTrans" cxnId="{0FA5813E-B647-43AC-8A1A-2B2785AA9976}">
-      <dgm:prSet/>
-      <dgm:spPr/>
-      <dgm:t>
-        <a:bodyPr/>
-        <a:lstStyle/>
-        <a:p>
-          <a:endParaRPr lang="en-US"/>
-        </a:p>
-      </dgm:t>
-    </dgm:pt>
-    <dgm:pt modelId="{27B0FA7A-C77D-4D18-8E0D-3AC98B6DEB78}">
-      <dgm:prSet phldrT="[Text]"/>
-      <dgm:spPr/>
-      <dgm:t>
-        <a:bodyPr/>
-        <a:lstStyle/>
-        <a:p>
-          <a:r>
-            <a:rPr lang="en-US" b="0" i="0" dirty="0">
-              <a:solidFill>
-                <a:schemeClr val="accent5">
-                  <a:lumMod val="75000"/>
-                </a:schemeClr>
-              </a:solidFill>
-            </a:rPr>
-            <a:t>Integrated development environment</a:t>
-          </a:r>
-          <a:endParaRPr lang="en-US" dirty="0">
-            <a:solidFill>
-              <a:schemeClr val="accent5">
-                <a:lumMod val="75000"/>
-              </a:schemeClr>
-            </a:solidFill>
-          </a:endParaRPr>
-        </a:p>
-      </dgm:t>
-    </dgm:pt>
-    <dgm:pt modelId="{839AE3F8-B5C7-47C4-A64D-1EA23C8E000F}" type="parTrans" cxnId="{01379D2F-8560-453E-80B2-7FE6A75A4EA5}">
-      <dgm:prSet/>
-      <dgm:spPr/>
-      <dgm:t>
-        <a:bodyPr/>
-        <a:lstStyle/>
-        <a:p>
-          <a:endParaRPr lang="en-US"/>
-        </a:p>
-      </dgm:t>
-    </dgm:pt>
-    <dgm:pt modelId="{17A6FCAB-BFDC-4807-93E6-3AF7198CC0D3}" type="sibTrans" cxnId="{01379D2F-8560-453E-80B2-7FE6A75A4EA5}">
-      <dgm:prSet/>
-      <dgm:spPr/>
-      <dgm:t>
-        <a:bodyPr/>
-        <a:lstStyle/>
-        <a:p>
-          <a:endParaRPr lang="en-US"/>
-        </a:p>
-      </dgm:t>
-    </dgm:pt>
-    <dgm:pt modelId="{F1978253-FC6C-461D-A3F3-3F64E3B710C8}">
-      <dgm:prSet phldrT="[Text]"/>
-      <dgm:spPr/>
-      <dgm:t>
-        <a:bodyPr/>
-        <a:lstStyle/>
-        <a:p>
-          <a:r>
-            <a:rPr lang="en-US" dirty="0"/>
-            <a:t>Code Composer Studio</a:t>
-          </a:r>
-        </a:p>
-      </dgm:t>
-    </dgm:pt>
-    <dgm:pt modelId="{B38B8A53-4147-469F-B883-F221873B9842}" type="parTrans" cxnId="{93D12342-DA7C-4D6D-9DA1-958E3448FF5A}">
-      <dgm:prSet/>
-      <dgm:spPr/>
-      <dgm:t>
-        <a:bodyPr/>
-        <a:lstStyle/>
-        <a:p>
-          <a:endParaRPr lang="en-US"/>
-        </a:p>
-      </dgm:t>
-    </dgm:pt>
-    <dgm:pt modelId="{C7F1B34B-AAF2-4596-A1F0-4D9A78DE7F88}" type="sibTrans" cxnId="{93D12342-DA7C-4D6D-9DA1-958E3448FF5A}">
-      <dgm:prSet/>
-      <dgm:spPr/>
-      <dgm:t>
-        <a:bodyPr/>
-        <a:lstStyle/>
-        <a:p>
-          <a:endParaRPr lang="en-US"/>
-        </a:p>
-      </dgm:t>
-    </dgm:pt>
-    <dgm:pt modelId="{32077801-F73C-4763-8AAD-F9364B48B372}" type="pres">
-      <dgm:prSet presAssocID="{AF5AAB80-9277-4664-B10B-A55EF2D87D89}" presName="Name0" presStyleCnt="0">
-        <dgm:presLayoutVars>
-          <dgm:dir/>
-          <dgm:animLvl val="lvl"/>
-          <dgm:resizeHandles val="exact"/>
-        </dgm:presLayoutVars>
-      </dgm:prSet>
-      <dgm:spPr/>
-    </dgm:pt>
-    <dgm:pt modelId="{649065A6-BF78-4566-BE15-F481C71F78AA}" type="pres">
-      <dgm:prSet presAssocID="{ABB5BD17-A21F-4FA0-AD54-03F045F8F545}" presName="linNode" presStyleCnt="0"/>
-      <dgm:spPr/>
-    </dgm:pt>
-    <dgm:pt modelId="{D5A56A03-553A-4CF6-94A9-FA88490F3CDB}" type="pres">
-      <dgm:prSet presAssocID="{ABB5BD17-A21F-4FA0-AD54-03F045F8F545}" presName="parentText" presStyleLbl="node1" presStyleIdx="0" presStyleCnt="1" custLinFactNeighborY="-25468">
-        <dgm:presLayoutVars>
-          <dgm:chMax val="1"/>
-          <dgm:bulletEnabled val="1"/>
-        </dgm:presLayoutVars>
-      </dgm:prSet>
-      <dgm:spPr/>
-    </dgm:pt>
-    <dgm:pt modelId="{5328E9DE-ABC1-4CAE-AD14-FDBE3C3DD788}" type="pres">
-      <dgm:prSet presAssocID="{ABB5BD17-A21F-4FA0-AD54-03F045F8F545}" presName="descendantText" presStyleLbl="alignAccFollowNode1" presStyleIdx="0" presStyleCnt="1">
-        <dgm:presLayoutVars>
-          <dgm:bulletEnabled val="1"/>
-        </dgm:presLayoutVars>
-      </dgm:prSet>
-      <dgm:spPr/>
-    </dgm:pt>
-  </dgm:ptLst>
-  <dgm:cxnLst>
-    <dgm:cxn modelId="{CBBF2404-E139-4167-A399-AEA78AE714B5}" type="presOf" srcId="{ABB5BD17-A21F-4FA0-AD54-03F045F8F545}" destId="{D5A56A03-553A-4CF6-94A9-FA88490F3CDB}" srcOrd="0" destOrd="0" presId="urn:microsoft.com/office/officeart/2005/8/layout/vList5"/>
-    <dgm:cxn modelId="{5B6DC20C-1915-40EF-9621-1731F21BABDA}" type="presOf" srcId="{27B0FA7A-C77D-4D18-8E0D-3AC98B6DEB78}" destId="{5328E9DE-ABC1-4CAE-AD14-FDBE3C3DD788}" srcOrd="0" destOrd="0" presId="urn:microsoft.com/office/officeart/2005/8/layout/vList5"/>
-    <dgm:cxn modelId="{01379D2F-8560-453E-80B2-7FE6A75A4EA5}" srcId="{ABB5BD17-A21F-4FA0-AD54-03F045F8F545}" destId="{27B0FA7A-C77D-4D18-8E0D-3AC98B6DEB78}" srcOrd="0" destOrd="0" parTransId="{839AE3F8-B5C7-47C4-A64D-1EA23C8E000F}" sibTransId="{17A6FCAB-BFDC-4807-93E6-3AF7198CC0D3}"/>
-    <dgm:cxn modelId="{0FA5813E-B647-43AC-8A1A-2B2785AA9976}" srcId="{AF5AAB80-9277-4664-B10B-A55EF2D87D89}" destId="{ABB5BD17-A21F-4FA0-AD54-03F045F8F545}" srcOrd="0" destOrd="0" parTransId="{2EC84680-1F59-406C-BF13-D2300CE772EC}" sibTransId="{6A5E12D1-D7CB-40FD-9EC2-D079422E7431}"/>
-    <dgm:cxn modelId="{93D12342-DA7C-4D6D-9DA1-958E3448FF5A}" srcId="{ABB5BD17-A21F-4FA0-AD54-03F045F8F545}" destId="{F1978253-FC6C-461D-A3F3-3F64E3B710C8}" srcOrd="1" destOrd="0" parTransId="{B38B8A53-4147-469F-B883-F221873B9842}" sibTransId="{C7F1B34B-AAF2-4596-A1F0-4D9A78DE7F88}"/>
-    <dgm:cxn modelId="{389D72A4-E9CA-4CC0-8C91-BA4342FCB389}" type="presOf" srcId="{F1978253-FC6C-461D-A3F3-3F64E3B710C8}" destId="{5328E9DE-ABC1-4CAE-AD14-FDBE3C3DD788}" srcOrd="0" destOrd="1" presId="urn:microsoft.com/office/officeart/2005/8/layout/vList5"/>
-    <dgm:cxn modelId="{4CAF6DB7-63A7-4BD3-A4EA-B022C560136D}" type="presOf" srcId="{AF5AAB80-9277-4664-B10B-A55EF2D87D89}" destId="{32077801-F73C-4763-8AAD-F9364B48B372}" srcOrd="0" destOrd="0" presId="urn:microsoft.com/office/officeart/2005/8/layout/vList5"/>
-    <dgm:cxn modelId="{7C882B5D-2008-4075-B675-69FAB0D00BED}" type="presParOf" srcId="{32077801-F73C-4763-8AAD-F9364B48B372}" destId="{649065A6-BF78-4566-BE15-F481C71F78AA}" srcOrd="0" destOrd="0" presId="urn:microsoft.com/office/officeart/2005/8/layout/vList5"/>
-    <dgm:cxn modelId="{AA935D9D-EB75-47B8-97B4-A82350A3200D}" type="presParOf" srcId="{649065A6-BF78-4566-BE15-F481C71F78AA}" destId="{D5A56A03-553A-4CF6-94A9-FA88490F3CDB}" srcOrd="0" destOrd="0" presId="urn:microsoft.com/office/officeart/2005/8/layout/vList5"/>
-    <dgm:cxn modelId="{87C01732-FC01-4BBD-AEBD-56B4291FCB4C}" type="presParOf" srcId="{649065A6-BF78-4566-BE15-F481C71F78AA}" destId="{5328E9DE-ABC1-4CAE-AD14-FDBE3C3DD788}" srcOrd="1" destOrd="0" presId="urn:microsoft.com/office/officeart/2005/8/layout/vList5"/>
-  </dgm:cxnLst>
-  <dgm:bg/>
-  <dgm:whole/>
-  <dgm:extLst>
-    <a:ext uri="http://schemas.microsoft.com/office/drawing/2008/diagram">
-      <dsp:dataModelExt xmlns:dsp="http://schemas.microsoft.com/office/drawing/2008/diagram" relId="rId6" minVer="http://schemas.openxmlformats.org/drawingml/2006/diagram"/>
-    </a:ext>
-  </dgm:extLst>
-</dgm:dataModel>
-</file>
-
-<file path=ppt/diagrams/data3.xml><?xml version="1.0" encoding="utf-8"?>
-<dgm:dataModel xmlns:dgm="http://schemas.openxmlformats.org/drawingml/2006/diagram" xmlns:a="http://schemas.openxmlformats.org/drawingml/2006/main">
-  <dgm:ptLst>
-    <dgm:pt modelId="{AF5AAB80-9277-4664-B10B-A55EF2D87D89}" type="doc">
       <dgm:prSet loTypeId="urn:microsoft.com/office/officeart/2005/8/layout/vList5" loCatId="list" qsTypeId="urn:microsoft.com/office/officeart/2005/8/quickstyle/simple5" qsCatId="simple" csTypeId="urn:microsoft.com/office/officeart/2005/8/colors/accent1_2" csCatId="accent1" phldr="1"/>
       <dgm:spPr/>
       <dgm:t>
@@ -6537,7 +5596,7 @@
 </dgm:dataModel>
 </file>
 
-<file path=ppt/diagrams/data4.xml><?xml version="1.0" encoding="utf-8"?>
+<file path=ppt/diagrams/data3.xml><?xml version="1.0" encoding="utf-8"?>
 <dgm:dataModel xmlns:dgm="http://schemas.openxmlformats.org/drawingml/2006/diagram" xmlns:a="http://schemas.openxmlformats.org/drawingml/2006/main">
   <dgm:ptLst>
     <dgm:pt modelId="{AF5AAB80-9277-4664-B10B-A55EF2D87D89}" type="doc">
@@ -7438,204 +6497,6 @@
       </dsp:nvSpPr>
       <dsp:spPr>
         <a:xfrm rot="5400000">
-          <a:off x="3921492" y="-1580219"/>
-          <a:ext cx="680484" cy="4011044"/>
-        </a:xfrm>
-        <a:prstGeom prst="round2SameRect">
-          <a:avLst/>
-        </a:prstGeom>
-        <a:solidFill>
-          <a:schemeClr val="accent1">
-            <a:alpha val="90000"/>
-            <a:tint val="40000"/>
-            <a:hueOff val="0"/>
-            <a:satOff val="0"/>
-            <a:lumOff val="0"/>
-            <a:alphaOff val="0"/>
-          </a:schemeClr>
-        </a:solidFill>
-        <a:ln>
-          <a:noFill/>
-        </a:ln>
-        <a:effectLst>
-          <a:outerShdw blurRad="40000" dist="23000" dir="5400000" rotWithShape="0">
-            <a:srgbClr val="000000">
-              <a:alpha val="35000"/>
-            </a:srgbClr>
-          </a:outerShdw>
-        </a:effectLst>
-        <a:sp3d prstMaterial="plastic">
-          <a:bevelT w="25400" h="25400"/>
-          <a:bevelB w="25400" h="25400"/>
-        </a:sp3d>
-      </dsp:spPr>
-      <dsp:style>
-        <a:lnRef idx="0">
-          <a:scrgbClr r="0" g="0" b="0"/>
-        </a:lnRef>
-        <a:fillRef idx="1">
-          <a:scrgbClr r="0" g="0" b="0"/>
-        </a:fillRef>
-        <a:effectRef idx="2">
-          <a:scrgbClr r="0" g="0" b="0"/>
-        </a:effectRef>
-        <a:fontRef idx="minor"/>
-      </dsp:style>
-      <dsp:txBody>
-        <a:bodyPr spcFirstLastPara="0" vert="horz" wrap="square" lIns="64770" tIns="32385" rIns="64770" bIns="32385" numCol="1" spcCol="1270" anchor="ctr" anchorCtr="0">
-          <a:noAutofit/>
-        </a:bodyPr>
-        <a:lstStyle/>
-        <a:p>
-          <a:pPr marL="171450" lvl="1" indent="-171450" algn="l" defTabSz="755650">
-            <a:lnSpc>
-              <a:spcPct val="90000"/>
-            </a:lnSpc>
-            <a:spcBef>
-              <a:spcPct val="0"/>
-            </a:spcBef>
-            <a:spcAft>
-              <a:spcPct val="15000"/>
-            </a:spcAft>
-            <a:buChar char="•"/>
-          </a:pPr>
-          <a:r>
-            <a:rPr lang="en-US" sz="1700" b="0" i="0" kern="1200" dirty="0">
-              <a:solidFill>
-                <a:schemeClr val="accent5">
-                  <a:lumMod val="75000"/>
-                </a:schemeClr>
-              </a:solidFill>
-            </a:rPr>
-            <a:t>Integrated development environment</a:t>
-          </a:r>
-          <a:endParaRPr lang="en-US" sz="1700" kern="1200" dirty="0">
-            <a:solidFill>
-              <a:schemeClr val="accent5">
-                <a:lumMod val="75000"/>
-              </a:schemeClr>
-            </a:solidFill>
-          </a:endParaRPr>
-        </a:p>
-        <a:p>
-          <a:pPr marL="171450" lvl="1" indent="-171450" algn="l" defTabSz="755650">
-            <a:lnSpc>
-              <a:spcPct val="90000"/>
-            </a:lnSpc>
-            <a:spcBef>
-              <a:spcPct val="0"/>
-            </a:spcBef>
-            <a:spcAft>
-              <a:spcPct val="15000"/>
-            </a:spcAft>
-            <a:buChar char="•"/>
-          </a:pPr>
-          <a:r>
-            <a:rPr lang="en-US" sz="1700" kern="1200" dirty="0"/>
-            <a:t>Code Composer Studio</a:t>
-          </a:r>
-        </a:p>
-      </dsp:txBody>
-      <dsp:txXfrm rot="-5400000">
-        <a:off x="2256212" y="118279"/>
-        <a:ext cx="3977826" cy="614048"/>
-      </dsp:txXfrm>
-    </dsp:sp>
-    <dsp:sp modelId="{D5A56A03-553A-4CF6-94A9-FA88490F3CDB}">
-      <dsp:nvSpPr>
-        <dsp:cNvPr id="0" name=""/>
-        <dsp:cNvSpPr/>
-      </dsp:nvSpPr>
-      <dsp:spPr>
-        <a:xfrm>
-          <a:off x="0" y="0"/>
-          <a:ext cx="2256212" cy="850606"/>
-        </a:xfrm>
-        <a:prstGeom prst="roundRect">
-          <a:avLst/>
-        </a:prstGeom>
-        <a:blipFill rotWithShape="0">
-          <a:blip xmlns:r="http://schemas.openxmlformats.org/officeDocument/2006/relationships" r:embed="rId1"/>
-          <a:stretch>
-            <a:fillRect/>
-          </a:stretch>
-        </a:blipFill>
-        <a:ln>
-          <a:noFill/>
-        </a:ln>
-        <a:effectLst>
-          <a:outerShdw blurRad="40000" dist="23000" dir="5400000" rotWithShape="0">
-            <a:srgbClr val="000000">
-              <a:alpha val="35000"/>
-            </a:srgbClr>
-          </a:outerShdw>
-        </a:effectLst>
-        <a:sp3d prstMaterial="plastic">
-          <a:bevelT w="50800" h="50800"/>
-          <a:bevelB w="50800" h="50800"/>
-        </a:sp3d>
-      </dsp:spPr>
-      <dsp:style>
-        <a:lnRef idx="0">
-          <a:scrgbClr r="0" g="0" b="0"/>
-        </a:lnRef>
-        <a:fillRef idx="1">
-          <a:scrgbClr r="0" g="0" b="0"/>
-        </a:fillRef>
-        <a:effectRef idx="2">
-          <a:scrgbClr r="0" g="0" b="0"/>
-        </a:effectRef>
-        <a:fontRef idx="minor">
-          <a:schemeClr val="lt1"/>
-        </a:fontRef>
-      </dsp:style>
-      <dsp:txBody>
-        <a:bodyPr spcFirstLastPara="0" vert="horz" wrap="square" lIns="171450" tIns="85725" rIns="171450" bIns="85725" numCol="1" spcCol="1270" anchor="ctr" anchorCtr="0">
-          <a:noAutofit/>
-        </a:bodyPr>
-        <a:lstStyle/>
-        <a:p>
-          <a:pPr marL="0" lvl="0" indent="0" algn="ctr" defTabSz="2000250">
-            <a:lnSpc>
-              <a:spcPct val="90000"/>
-            </a:lnSpc>
-            <a:spcBef>
-              <a:spcPct val="0"/>
-            </a:spcBef>
-            <a:spcAft>
-              <a:spcPct val="35000"/>
-            </a:spcAft>
-            <a:buNone/>
-          </a:pPr>
-          <a:endParaRPr lang="en-US" sz="4500" kern="1200" dirty="0">
-            <a:noFill/>
-          </a:endParaRPr>
-        </a:p>
-      </dsp:txBody>
-      <dsp:txXfrm>
-        <a:off x="41523" y="41523"/>
-        <a:ext cx="2173166" cy="767560"/>
-      </dsp:txXfrm>
-    </dsp:sp>
-  </dsp:spTree>
-</dsp:drawing>
-</file>
-
-<file path=ppt/diagrams/drawing3.xml><?xml version="1.0" encoding="utf-8"?>
-<dsp:drawing xmlns:dgm="http://schemas.openxmlformats.org/drawingml/2006/diagram" xmlns:dsp="http://schemas.microsoft.com/office/drawing/2008/diagram" xmlns:a="http://schemas.openxmlformats.org/drawingml/2006/main">
-  <dsp:spTree>
-    <dsp:nvGrpSpPr>
-      <dsp:cNvPr id="0" name=""/>
-      <dsp:cNvGrpSpPr/>
-    </dsp:nvGrpSpPr>
-    <dsp:grpSpPr/>
-    <dsp:sp modelId="{5328E9DE-ABC1-4CAE-AD14-FDBE3C3DD788}">
-      <dsp:nvSpPr>
-        <dsp:cNvPr id="0" name=""/>
-        <dsp:cNvSpPr/>
-      </dsp:nvSpPr>
-      <dsp:spPr>
-        <a:xfrm rot="5400000">
           <a:off x="4789351" y="-1956209"/>
           <a:ext cx="992294" cy="4974586"/>
         </a:xfrm>
@@ -7865,7 +6726,7 @@
 </dsp:drawing>
 </file>
 
-<file path=ppt/diagrams/drawing4.xml><?xml version="1.0" encoding="utf-8"?>
+<file path=ppt/diagrams/drawing3.xml><?xml version="1.0" encoding="utf-8"?>
 <dsp:drawing xmlns:dgm="http://schemas.openxmlformats.org/drawingml/2006/diagram" xmlns:dsp="http://schemas.microsoft.com/office/drawing/2008/diagram" xmlns:a="http://schemas.openxmlformats.org/drawingml/2006/main">
   <dsp:spTree>
     <dsp:nvGrpSpPr>
@@ -8775,239 +7636,6 @@
 </dgm:layoutDef>
 </file>
 
-<file path=ppt/diagrams/layout4.xml><?xml version="1.0" encoding="utf-8"?>
-<dgm:layoutDef xmlns:dgm="http://schemas.openxmlformats.org/drawingml/2006/diagram" xmlns:a="http://schemas.openxmlformats.org/drawingml/2006/main" uniqueId="urn:microsoft.com/office/officeart/2005/8/layout/vList5">
-  <dgm:title val=""/>
-  <dgm:desc val=""/>
-  <dgm:catLst>
-    <dgm:cat type="list" pri="15000"/>
-    <dgm:cat type="convert" pri="2000"/>
-  </dgm:catLst>
-  <dgm:sampData>
-    <dgm:dataModel>
-      <dgm:ptLst>
-        <dgm:pt modelId="0" type="doc"/>
-        <dgm:pt modelId="1">
-          <dgm:prSet phldr="1"/>
-        </dgm:pt>
-        <dgm:pt modelId="11">
-          <dgm:prSet phldr="1"/>
-        </dgm:pt>
-        <dgm:pt modelId="12">
-          <dgm:prSet phldr="1"/>
-        </dgm:pt>
-        <dgm:pt modelId="2">
-          <dgm:prSet phldr="1"/>
-        </dgm:pt>
-        <dgm:pt modelId="21">
-          <dgm:prSet phldr="1"/>
-        </dgm:pt>
-        <dgm:pt modelId="22">
-          <dgm:prSet phldr="1"/>
-        </dgm:pt>
-        <dgm:pt modelId="3">
-          <dgm:prSet phldr="1"/>
-        </dgm:pt>
-        <dgm:pt modelId="31">
-          <dgm:prSet phldr="1"/>
-        </dgm:pt>
-        <dgm:pt modelId="32">
-          <dgm:prSet phldr="1"/>
-        </dgm:pt>
-      </dgm:ptLst>
-      <dgm:cxnLst>
-        <dgm:cxn modelId="4" srcId="0" destId="1" srcOrd="0" destOrd="0"/>
-        <dgm:cxn modelId="5" srcId="0" destId="2" srcOrd="1" destOrd="0"/>
-        <dgm:cxn modelId="6" srcId="0" destId="3" srcOrd="2" destOrd="0"/>
-        <dgm:cxn modelId="13" srcId="1" destId="11" srcOrd="0" destOrd="0"/>
-        <dgm:cxn modelId="14" srcId="1" destId="12" srcOrd="1" destOrd="0"/>
-        <dgm:cxn modelId="23" srcId="2" destId="21" srcOrd="0" destOrd="0"/>
-        <dgm:cxn modelId="24" srcId="2" destId="22" srcOrd="1" destOrd="0"/>
-        <dgm:cxn modelId="33" srcId="3" destId="31" srcOrd="0" destOrd="0"/>
-        <dgm:cxn modelId="34" srcId="3" destId="32" srcOrd="1" destOrd="0"/>
-      </dgm:cxnLst>
-      <dgm:bg/>
-      <dgm:whole/>
-    </dgm:dataModel>
-  </dgm:sampData>
-  <dgm:styleData>
-    <dgm:dataModel>
-      <dgm:ptLst>
-        <dgm:pt modelId="0" type="doc"/>
-        <dgm:pt modelId="1"/>
-        <dgm:pt modelId="11"/>
-        <dgm:pt modelId="2"/>
-        <dgm:pt modelId="21"/>
-      </dgm:ptLst>
-      <dgm:cxnLst>
-        <dgm:cxn modelId="4" srcId="0" destId="1" srcOrd="0" destOrd="0"/>
-        <dgm:cxn modelId="5" srcId="0" destId="2" srcOrd="1" destOrd="0"/>
-        <dgm:cxn modelId="13" srcId="1" destId="11" srcOrd="0" destOrd="0"/>
-        <dgm:cxn modelId="23" srcId="2" destId="21" srcOrd="0" destOrd="0"/>
-      </dgm:cxnLst>
-      <dgm:bg/>
-      <dgm:whole/>
-    </dgm:dataModel>
-  </dgm:styleData>
-  <dgm:clrData>
-    <dgm:dataModel>
-      <dgm:ptLst>
-        <dgm:pt modelId="0" type="doc"/>
-        <dgm:pt modelId="1"/>
-        <dgm:pt modelId="11"/>
-        <dgm:pt modelId="2"/>
-        <dgm:pt modelId="21"/>
-        <dgm:pt modelId="3"/>
-        <dgm:pt modelId="31"/>
-        <dgm:pt modelId="4"/>
-        <dgm:pt modelId="41"/>
-      </dgm:ptLst>
-      <dgm:cxnLst>
-        <dgm:cxn modelId="5" srcId="0" destId="1" srcOrd="0" destOrd="0"/>
-        <dgm:cxn modelId="6" srcId="0" destId="2" srcOrd="1" destOrd="0"/>
-        <dgm:cxn modelId="7" srcId="0" destId="3" srcOrd="2" destOrd="0"/>
-        <dgm:cxn modelId="8" srcId="0" destId="4" srcOrd="3" destOrd="0"/>
-        <dgm:cxn modelId="13" srcId="1" destId="11" srcOrd="0" destOrd="0"/>
-        <dgm:cxn modelId="23" srcId="2" destId="21" srcOrd="0" destOrd="0"/>
-        <dgm:cxn modelId="33" srcId="3" destId="31" srcOrd="0" destOrd="0"/>
-        <dgm:cxn modelId="43" srcId="4" destId="41" srcOrd="0" destOrd="0"/>
-      </dgm:cxnLst>
-      <dgm:bg/>
-      <dgm:whole/>
-    </dgm:dataModel>
-  </dgm:clrData>
-  <dgm:layoutNode name="Name0">
-    <dgm:varLst>
-      <dgm:dir/>
-      <dgm:animLvl val="lvl"/>
-      <dgm:resizeHandles val="exact"/>
-    </dgm:varLst>
-    <dgm:choose name="Name1">
-      <dgm:if name="Name2" func="var" arg="dir" op="equ" val="norm">
-        <dgm:alg type="lin">
-          <dgm:param type="linDir" val="fromT"/>
-          <dgm:param type="nodeHorzAlign" val="l"/>
-        </dgm:alg>
-      </dgm:if>
-      <dgm:else name="Name3">
-        <dgm:alg type="lin">
-          <dgm:param type="linDir" val="fromT"/>
-          <dgm:param type="nodeHorzAlign" val="r"/>
-        </dgm:alg>
-      </dgm:else>
-    </dgm:choose>
-    <dgm:shape xmlns:r="http://schemas.openxmlformats.org/officeDocument/2006/relationships" r:blip="">
-      <dgm:adjLst/>
-    </dgm:shape>
-    <dgm:presOf/>
-    <dgm:constrLst>
-      <dgm:constr type="h" for="ch" forName="linNode" refType="h"/>
-      <dgm:constr type="w" for="ch" forName="linNode" refType="w"/>
-      <dgm:constr type="h" for="ch" forName="sp" refType="h" fact="0.05"/>
-      <dgm:constr type="primFontSz" for="des" forName="parentText" op="equ" val="65"/>
-      <dgm:constr type="secFontSz" for="des" forName="descendantText" op="equ"/>
-    </dgm:constrLst>
-    <dgm:ruleLst/>
-    <dgm:forEach name="Name4" axis="ch" ptType="node">
-      <dgm:layoutNode name="linNode">
-        <dgm:choose name="Name5">
-          <dgm:if name="Name6" func="var" arg="dir" op="equ" val="norm">
-            <dgm:alg type="lin">
-              <dgm:param type="linDir" val="fromL"/>
-            </dgm:alg>
-          </dgm:if>
-          <dgm:else name="Name7">
-            <dgm:alg type="lin">
-              <dgm:param type="linDir" val="fromR"/>
-            </dgm:alg>
-          </dgm:else>
-        </dgm:choose>
-        <dgm:shape xmlns:r="http://schemas.openxmlformats.org/officeDocument/2006/relationships" r:blip="">
-          <dgm:adjLst/>
-        </dgm:shape>
-        <dgm:presOf/>
-        <dgm:constrLst>
-          <dgm:constr type="w" for="ch" forName="parentText" refType="w" fact="0.36"/>
-          <dgm:constr type="w" for="ch" forName="descendantText" refType="w" fact="0.64"/>
-          <dgm:constr type="h" for="ch" forName="parentText" refType="h"/>
-          <dgm:constr type="h" for="ch" forName="descendantText" refType="h" refFor="ch" refForName="parentText" fact="0.8"/>
-        </dgm:constrLst>
-        <dgm:ruleLst/>
-        <dgm:layoutNode name="parentText">
-          <dgm:varLst>
-            <dgm:chMax val="1"/>
-            <dgm:bulletEnabled val="1"/>
-          </dgm:varLst>
-          <dgm:alg type="tx"/>
-          <dgm:shape xmlns:r="http://schemas.openxmlformats.org/officeDocument/2006/relationships" type="roundRect" r:blip="" zOrderOff="3">
-            <dgm:adjLst/>
-          </dgm:shape>
-          <dgm:presOf axis="self" ptType="node"/>
-          <dgm:constrLst>
-            <dgm:constr type="tMarg" refType="primFontSz" fact="0.15"/>
-            <dgm:constr type="bMarg" refType="primFontSz" fact="0.15"/>
-            <dgm:constr type="lMarg" refType="primFontSz" fact="0.3"/>
-            <dgm:constr type="rMarg" refType="primFontSz" fact="0.3"/>
-          </dgm:constrLst>
-          <dgm:ruleLst>
-            <dgm:rule type="primFontSz" val="5" fact="NaN" max="NaN"/>
-          </dgm:ruleLst>
-        </dgm:layoutNode>
-        <dgm:choose name="Name8">
-          <dgm:if name="Name9" axis="ch" ptType="node" func="cnt" op="gte" val="1">
-            <dgm:layoutNode name="descendantText" styleLbl="alignAccFollowNode1">
-              <dgm:varLst>
-                <dgm:bulletEnabled val="1"/>
-              </dgm:varLst>
-              <dgm:alg type="tx">
-                <dgm:param type="stBulletLvl" val="1"/>
-                <dgm:param type="txAnchorVertCh" val="mid"/>
-              </dgm:alg>
-              <dgm:choose name="Name10">
-                <dgm:if name="Name11" func="var" arg="dir" op="equ" val="norm">
-                  <dgm:shape xmlns:r="http://schemas.openxmlformats.org/officeDocument/2006/relationships" rot="90" type="round2SameRect" r:blip="">
-                    <dgm:adjLst/>
-                  </dgm:shape>
-                </dgm:if>
-                <dgm:else name="Name12">
-                  <dgm:shape xmlns:r="http://schemas.openxmlformats.org/officeDocument/2006/relationships" rot="-90" type="round2SameRect" r:blip="">
-                    <dgm:adjLst/>
-                  </dgm:shape>
-                </dgm:else>
-              </dgm:choose>
-              <dgm:presOf axis="des" ptType="node"/>
-              <dgm:constrLst>
-                <dgm:constr type="secFontSz" val="65"/>
-                <dgm:constr type="primFontSz" refType="secFontSz"/>
-                <dgm:constr type="lMarg" refType="secFontSz" fact="0.3"/>
-                <dgm:constr type="rMarg" refType="secFontSz" fact="0.3"/>
-                <dgm:constr type="tMarg" refType="secFontSz" fact="0.15"/>
-                <dgm:constr type="bMarg" refType="secFontSz" fact="0.15"/>
-              </dgm:constrLst>
-              <dgm:ruleLst>
-                <dgm:rule type="secFontSz" val="5" fact="NaN" max="NaN"/>
-              </dgm:ruleLst>
-            </dgm:layoutNode>
-          </dgm:if>
-          <dgm:else name="Name13"/>
-        </dgm:choose>
-      </dgm:layoutNode>
-      <dgm:forEach name="Name14" axis="followSib" ptType="sibTrans" cnt="1">
-        <dgm:layoutNode name="sp">
-          <dgm:alg type="sp"/>
-          <dgm:shape xmlns:r="http://schemas.openxmlformats.org/officeDocument/2006/relationships" r:blip="">
-            <dgm:adjLst/>
-          </dgm:shape>
-          <dgm:presOf/>
-          <dgm:constrLst/>
-          <dgm:ruleLst/>
-        </dgm:layoutNode>
-      </dgm:forEach>
-    </dgm:forEach>
-  </dgm:layoutNode>
-</dgm:layoutDef>
-</file>
-
 <file path=ppt/diagrams/quickStyle1.xml><?xml version="1.0" encoding="utf-8"?>
 <dgm:styleDef xmlns:dgm="http://schemas.openxmlformats.org/drawingml/2006/diagram" xmlns:a="http://schemas.openxmlformats.org/drawingml/2006/main" uniqueId="urn:microsoft.com/office/officeart/2005/8/quickstyle/simple2">
   <dgm:title val=""/>
@@ -10043,1148 +8671,6 @@
 </file>
 
 <file path=ppt/diagrams/quickStyle2.xml><?xml version="1.0" encoding="utf-8"?>
-<dgm:styleDef xmlns:dgm="http://schemas.openxmlformats.org/drawingml/2006/diagram" xmlns:a="http://schemas.openxmlformats.org/drawingml/2006/main" uniqueId="urn:microsoft.com/office/officeart/2005/8/quickstyle/3d6">
-  <dgm:title val=""/>
-  <dgm:desc val=""/>
-  <dgm:catLst>
-    <dgm:cat type="3D" pri="11600"/>
-  </dgm:catLst>
-  <dgm:scene3d>
-    <a:camera prst="perspectiveRelaxedModerately" zoom="92000"/>
-    <a:lightRig rig="balanced" dir="t">
-      <a:rot lat="0" lon="0" rev="12700000"/>
-    </a:lightRig>
-  </dgm:scene3d>
-  <dgm:styleLbl name="node0">
-    <dgm:scene3d>
-      <a:camera prst="orthographicFront"/>
-      <a:lightRig rig="threePt" dir="t"/>
-    </dgm:scene3d>
-    <dgm:sp3d prstMaterial="plastic">
-      <a:bevelT w="50800" h="50800"/>
-      <a:bevelB w="50800" h="50800"/>
-    </dgm:sp3d>
-    <dgm:txPr/>
-    <dgm:style>
-      <a:lnRef idx="0">
-        <a:scrgbClr r="0" g="0" b="0"/>
-      </a:lnRef>
-      <a:fillRef idx="1">
-        <a:scrgbClr r="0" g="0" b="0"/>
-      </a:fillRef>
-      <a:effectRef idx="2">
-        <a:scrgbClr r="0" g="0" b="0"/>
-      </a:effectRef>
-      <a:fontRef idx="minor">
-        <a:schemeClr val="lt1"/>
-      </a:fontRef>
-    </dgm:style>
-  </dgm:styleLbl>
-  <dgm:styleLbl name="lnNode1">
-    <dgm:scene3d>
-      <a:camera prst="orthographicFront"/>
-      <a:lightRig rig="threePt" dir="t"/>
-    </dgm:scene3d>
-    <dgm:sp3d prstMaterial="plastic">
-      <a:bevelT w="50800" h="50800"/>
-      <a:bevelB w="50800" h="50800"/>
-    </dgm:sp3d>
-    <dgm:txPr/>
-    <dgm:style>
-      <a:lnRef idx="0">
-        <a:scrgbClr r="0" g="0" b="0"/>
-      </a:lnRef>
-      <a:fillRef idx="1">
-        <a:scrgbClr r="0" g="0" b="0"/>
-      </a:fillRef>
-      <a:effectRef idx="2">
-        <a:scrgbClr r="0" g="0" b="0"/>
-      </a:effectRef>
-      <a:fontRef idx="minor">
-        <a:schemeClr val="lt1"/>
-      </a:fontRef>
-    </dgm:style>
-  </dgm:styleLbl>
-  <dgm:styleLbl name="vennNode1">
-    <dgm:scene3d>
-      <a:camera prst="orthographicFront"/>
-      <a:lightRig rig="threePt" dir="t"/>
-    </dgm:scene3d>
-    <dgm:sp3d prstMaterial="plastic">
-      <a:bevelT w="50800" h="50800"/>
-      <a:bevelB w="50800" h="50800"/>
-    </dgm:sp3d>
-    <dgm:txPr/>
-    <dgm:style>
-      <a:lnRef idx="0">
-        <a:scrgbClr r="0" g="0" b="0"/>
-      </a:lnRef>
-      <a:fillRef idx="1">
-        <a:scrgbClr r="0" g="0" b="0"/>
-      </a:fillRef>
-      <a:effectRef idx="2">
-        <a:scrgbClr r="0" g="0" b="0"/>
-      </a:effectRef>
-      <a:fontRef idx="minor">
-        <a:schemeClr val="tx1"/>
-      </a:fontRef>
-    </dgm:style>
-  </dgm:styleLbl>
-  <dgm:styleLbl name="alignNode1">
-    <dgm:scene3d>
-      <a:camera prst="orthographicFront"/>
-      <a:lightRig rig="threePt" dir="t"/>
-    </dgm:scene3d>
-    <dgm:sp3d prstMaterial="plastic">
-      <a:bevelT w="50800" h="50800"/>
-      <a:bevelB w="50800" h="50800"/>
-    </dgm:sp3d>
-    <dgm:txPr/>
-    <dgm:style>
-      <a:lnRef idx="1">
-        <a:scrgbClr r="0" g="0" b="0"/>
-      </a:lnRef>
-      <a:fillRef idx="1">
-        <a:scrgbClr r="0" g="0" b="0"/>
-      </a:fillRef>
-      <a:effectRef idx="2">
-        <a:scrgbClr r="0" g="0" b="0"/>
-      </a:effectRef>
-      <a:fontRef idx="minor">
-        <a:schemeClr val="lt1"/>
-      </a:fontRef>
-    </dgm:style>
-  </dgm:styleLbl>
-  <dgm:styleLbl name="node1">
-    <dgm:scene3d>
-      <a:camera prst="orthographicFront"/>
-      <a:lightRig rig="threePt" dir="t"/>
-    </dgm:scene3d>
-    <dgm:sp3d prstMaterial="plastic">
-      <a:bevelT w="50800" h="50800"/>
-      <a:bevelB w="50800" h="50800"/>
-    </dgm:sp3d>
-    <dgm:txPr/>
-    <dgm:style>
-      <a:lnRef idx="0">
-        <a:scrgbClr r="0" g="0" b="0"/>
-      </a:lnRef>
-      <a:fillRef idx="1">
-        <a:scrgbClr r="0" g="0" b="0"/>
-      </a:fillRef>
-      <a:effectRef idx="2">
-        <a:scrgbClr r="0" g="0" b="0"/>
-      </a:effectRef>
-      <a:fontRef idx="minor">
-        <a:schemeClr val="lt1"/>
-      </a:fontRef>
-    </dgm:style>
-  </dgm:styleLbl>
-  <dgm:styleLbl name="node2">
-    <dgm:scene3d>
-      <a:camera prst="orthographicFront"/>
-      <a:lightRig rig="threePt" dir="t"/>
-    </dgm:scene3d>
-    <dgm:sp3d prstMaterial="plastic">
-      <a:bevelT w="50800" h="50800"/>
-      <a:bevelB w="50800" h="50800"/>
-    </dgm:sp3d>
-    <dgm:txPr/>
-    <dgm:style>
-      <a:lnRef idx="0">
-        <a:scrgbClr r="0" g="0" b="0"/>
-      </a:lnRef>
-      <a:fillRef idx="1">
-        <a:scrgbClr r="0" g="0" b="0"/>
-      </a:fillRef>
-      <a:effectRef idx="2">
-        <a:scrgbClr r="0" g="0" b="0"/>
-      </a:effectRef>
-      <a:fontRef idx="minor">
-        <a:schemeClr val="lt1"/>
-      </a:fontRef>
-    </dgm:style>
-  </dgm:styleLbl>
-  <dgm:styleLbl name="node3">
-    <dgm:scene3d>
-      <a:camera prst="orthographicFront"/>
-      <a:lightRig rig="threePt" dir="t"/>
-    </dgm:scene3d>
-    <dgm:sp3d prstMaterial="plastic">
-      <a:bevelT w="50800" h="50800"/>
-      <a:bevelB w="50800" h="50800"/>
-    </dgm:sp3d>
-    <dgm:txPr/>
-    <dgm:style>
-      <a:lnRef idx="0">
-        <a:scrgbClr r="0" g="0" b="0"/>
-      </a:lnRef>
-      <a:fillRef idx="1">
-        <a:scrgbClr r="0" g="0" b="0"/>
-      </a:fillRef>
-      <a:effectRef idx="2">
-        <a:scrgbClr r="0" g="0" b="0"/>
-      </a:effectRef>
-      <a:fontRef idx="minor">
-        <a:schemeClr val="lt1"/>
-      </a:fontRef>
-    </dgm:style>
-  </dgm:styleLbl>
-  <dgm:styleLbl name="node4">
-    <dgm:scene3d>
-      <a:camera prst="orthographicFront"/>
-      <a:lightRig rig="threePt" dir="t"/>
-    </dgm:scene3d>
-    <dgm:sp3d prstMaterial="plastic">
-      <a:bevelT w="50800" h="50800"/>
-      <a:bevelB w="50800" h="50800"/>
-    </dgm:sp3d>
-    <dgm:txPr/>
-    <dgm:style>
-      <a:lnRef idx="0">
-        <a:scrgbClr r="0" g="0" b="0"/>
-      </a:lnRef>
-      <a:fillRef idx="1">
-        <a:scrgbClr r="0" g="0" b="0"/>
-      </a:fillRef>
-      <a:effectRef idx="2">
-        <a:scrgbClr r="0" g="0" b="0"/>
-      </a:effectRef>
-      <a:fontRef idx="minor">
-        <a:schemeClr val="lt1"/>
-      </a:fontRef>
-    </dgm:style>
-  </dgm:styleLbl>
-  <dgm:styleLbl name="fgImgPlace1">
-    <dgm:scene3d>
-      <a:camera prst="orthographicFront"/>
-      <a:lightRig rig="threePt" dir="t"/>
-    </dgm:scene3d>
-    <dgm:sp3d z="50080" prstMaterial="plastic">
-      <a:bevelT w="50800" h="50800"/>
-      <a:bevelB w="50800" h="50800"/>
-    </dgm:sp3d>
-    <dgm:txPr/>
-    <dgm:style>
-      <a:lnRef idx="0">
-        <a:scrgbClr r="0" g="0" b="0"/>
-      </a:lnRef>
-      <a:fillRef idx="1">
-        <a:scrgbClr r="0" g="0" b="0"/>
-      </a:fillRef>
-      <a:effectRef idx="2">
-        <a:scrgbClr r="0" g="0" b="0"/>
-      </a:effectRef>
-      <a:fontRef idx="minor"/>
-    </dgm:style>
-  </dgm:styleLbl>
-  <dgm:styleLbl name="alignImgPlace1">
-    <dgm:scene3d>
-      <a:camera prst="orthographicFront"/>
-      <a:lightRig rig="threePt" dir="t"/>
-    </dgm:scene3d>
-    <dgm:sp3d prstMaterial="plastic">
-      <a:bevelT w="50800" h="50800"/>
-      <a:bevelB w="50800" h="50800"/>
-    </dgm:sp3d>
-    <dgm:txPr/>
-    <dgm:style>
-      <a:lnRef idx="0">
-        <a:scrgbClr r="0" g="0" b="0"/>
-      </a:lnRef>
-      <a:fillRef idx="1">
-        <a:scrgbClr r="0" g="0" b="0"/>
-      </a:fillRef>
-      <a:effectRef idx="2">
-        <a:scrgbClr r="0" g="0" b="0"/>
-      </a:effectRef>
-      <a:fontRef idx="minor"/>
-    </dgm:style>
-  </dgm:styleLbl>
-  <dgm:styleLbl name="bgImgPlace1">
-    <dgm:scene3d>
-      <a:camera prst="orthographicFront"/>
-      <a:lightRig rig="threePt" dir="t"/>
-    </dgm:scene3d>
-    <dgm:sp3d z="-54000" prstMaterial="plastic">
-      <a:bevelT w="50800" h="50800"/>
-      <a:bevelB w="50800" h="50800"/>
-    </dgm:sp3d>
-    <dgm:txPr/>
-    <dgm:style>
-      <a:lnRef idx="0">
-        <a:scrgbClr r="0" g="0" b="0"/>
-      </a:lnRef>
-      <a:fillRef idx="1">
-        <a:scrgbClr r="0" g="0" b="0"/>
-      </a:fillRef>
-      <a:effectRef idx="2">
-        <a:scrgbClr r="0" g="0" b="0"/>
-      </a:effectRef>
-      <a:fontRef idx="minor"/>
-    </dgm:style>
-  </dgm:styleLbl>
-  <dgm:styleLbl name="sibTrans2D1">
-    <dgm:scene3d>
-      <a:camera prst="orthographicFront"/>
-      <a:lightRig rig="threePt" dir="t"/>
-    </dgm:scene3d>
-    <dgm:sp3d z="-25400" prstMaterial="plastic">
-      <a:bevelT w="25400" h="25400"/>
-      <a:bevelB w="25400" h="25400"/>
-    </dgm:sp3d>
-    <dgm:txPr/>
-    <dgm:style>
-      <a:lnRef idx="1">
-        <a:scrgbClr r="0" g="0" b="0"/>
-      </a:lnRef>
-      <a:fillRef idx="1">
-        <a:scrgbClr r="0" g="0" b="0"/>
-      </a:fillRef>
-      <a:effectRef idx="2">
-        <a:scrgbClr r="0" g="0" b="0"/>
-      </a:effectRef>
-      <a:fontRef idx="minor">
-        <a:schemeClr val="lt1"/>
-      </a:fontRef>
-    </dgm:style>
-  </dgm:styleLbl>
-  <dgm:styleLbl name="fgSibTrans2D1">
-    <dgm:scene3d>
-      <a:camera prst="orthographicFront"/>
-      <a:lightRig rig="threePt" dir="t"/>
-    </dgm:scene3d>
-    <dgm:sp3d z="50080" prstMaterial="plastic">
-      <a:bevelT w="25400" h="25400"/>
-      <a:bevelB w="25400" h="25400"/>
-    </dgm:sp3d>
-    <dgm:txPr/>
-    <dgm:style>
-      <a:lnRef idx="1">
-        <a:scrgbClr r="0" g="0" b="0"/>
-      </a:lnRef>
-      <a:fillRef idx="1">
-        <a:scrgbClr r="0" g="0" b="0"/>
-      </a:fillRef>
-      <a:effectRef idx="2">
-        <a:scrgbClr r="0" g="0" b="0"/>
-      </a:effectRef>
-      <a:fontRef idx="minor">
-        <a:schemeClr val="lt1"/>
-      </a:fontRef>
-    </dgm:style>
-  </dgm:styleLbl>
-  <dgm:styleLbl name="bgSibTrans2D1">
-    <dgm:scene3d>
-      <a:camera prst="orthographicFront"/>
-      <a:lightRig rig="threePt" dir="t"/>
-    </dgm:scene3d>
-    <dgm:sp3d z="-54080" prstMaterial="plastic">
-      <a:bevelT w="25400" h="25400"/>
-      <a:bevelB w="25400" h="25400"/>
-    </dgm:sp3d>
-    <dgm:txPr/>
-    <dgm:style>
-      <a:lnRef idx="1">
-        <a:scrgbClr r="0" g="0" b="0"/>
-      </a:lnRef>
-      <a:fillRef idx="1">
-        <a:scrgbClr r="0" g="0" b="0"/>
-      </a:fillRef>
-      <a:effectRef idx="2">
-        <a:scrgbClr r="0" g="0" b="0"/>
-      </a:effectRef>
-      <a:fontRef idx="minor">
-        <a:schemeClr val="lt1"/>
-      </a:fontRef>
-    </dgm:style>
-  </dgm:styleLbl>
-  <dgm:styleLbl name="sibTrans1D1">
-    <dgm:scene3d>
-      <a:camera prst="orthographicFront"/>
-      <a:lightRig rig="threePt" dir="t"/>
-    </dgm:scene3d>
-    <dgm:sp3d z="-25400" prstMaterial="plastic"/>
-    <dgm:txPr/>
-    <dgm:style>
-      <a:lnRef idx="1">
-        <a:scrgbClr r="0" g="0" b="0"/>
-      </a:lnRef>
-      <a:fillRef idx="0">
-        <a:scrgbClr r="0" g="0" b="0"/>
-      </a:fillRef>
-      <a:effectRef idx="0">
-        <a:scrgbClr r="0" g="0" b="0"/>
-      </a:effectRef>
-      <a:fontRef idx="minor"/>
-    </dgm:style>
-  </dgm:styleLbl>
-  <dgm:styleLbl name="callout">
-    <dgm:scene3d>
-      <a:camera prst="orthographicFront"/>
-      <a:lightRig rig="threePt" dir="t"/>
-    </dgm:scene3d>
-    <dgm:sp3d z="75000" prstMaterial="plastic"/>
-    <dgm:txPr/>
-    <dgm:style>
-      <a:lnRef idx="2">
-        <a:scrgbClr r="0" g="0" b="0"/>
-      </a:lnRef>
-      <a:fillRef idx="1">
-        <a:scrgbClr r="0" g="0" b="0"/>
-      </a:fillRef>
-      <a:effectRef idx="0">
-        <a:scrgbClr r="0" g="0" b="0"/>
-      </a:effectRef>
-      <a:fontRef idx="minor"/>
-    </dgm:style>
-  </dgm:styleLbl>
-  <dgm:styleLbl name="asst0">
-    <dgm:scene3d>
-      <a:camera prst="orthographicFront"/>
-      <a:lightRig rig="threePt" dir="t"/>
-    </dgm:scene3d>
-    <dgm:sp3d prstMaterial="plastic">
-      <a:bevelT w="50800" h="50800"/>
-      <a:bevelB w="50800" h="50800"/>
-    </dgm:sp3d>
-    <dgm:txPr/>
-    <dgm:style>
-      <a:lnRef idx="0">
-        <a:scrgbClr r="0" g="0" b="0"/>
-      </a:lnRef>
-      <a:fillRef idx="1">
-        <a:scrgbClr r="0" g="0" b="0"/>
-      </a:fillRef>
-      <a:effectRef idx="2">
-        <a:scrgbClr r="0" g="0" b="0"/>
-      </a:effectRef>
-      <a:fontRef idx="minor">
-        <a:schemeClr val="lt1"/>
-      </a:fontRef>
-    </dgm:style>
-  </dgm:styleLbl>
-  <dgm:styleLbl name="asst1">
-    <dgm:scene3d>
-      <a:camera prst="orthographicFront"/>
-      <a:lightRig rig="threePt" dir="t"/>
-    </dgm:scene3d>
-    <dgm:sp3d prstMaterial="plastic">
-      <a:bevelT w="50800" h="50800"/>
-      <a:bevelB w="50800" h="50800"/>
-    </dgm:sp3d>
-    <dgm:txPr/>
-    <dgm:style>
-      <a:lnRef idx="0">
-        <a:scrgbClr r="0" g="0" b="0"/>
-      </a:lnRef>
-      <a:fillRef idx="1">
-        <a:scrgbClr r="0" g="0" b="0"/>
-      </a:fillRef>
-      <a:effectRef idx="2">
-        <a:scrgbClr r="0" g="0" b="0"/>
-      </a:effectRef>
-      <a:fontRef idx="minor">
-        <a:schemeClr val="lt1"/>
-      </a:fontRef>
-    </dgm:style>
-  </dgm:styleLbl>
-  <dgm:styleLbl name="asst2">
-    <dgm:scene3d>
-      <a:camera prst="orthographicFront"/>
-      <a:lightRig rig="threePt" dir="t"/>
-    </dgm:scene3d>
-    <dgm:sp3d prstMaterial="plastic">
-      <a:bevelT w="50800" h="50800"/>
-      <a:bevelB w="50800" h="50800"/>
-    </dgm:sp3d>
-    <dgm:txPr/>
-    <dgm:style>
-      <a:lnRef idx="0">
-        <a:scrgbClr r="0" g="0" b="0"/>
-      </a:lnRef>
-      <a:fillRef idx="1">
-        <a:scrgbClr r="0" g="0" b="0"/>
-      </a:fillRef>
-      <a:effectRef idx="2">
-        <a:scrgbClr r="0" g="0" b="0"/>
-      </a:effectRef>
-      <a:fontRef idx="minor">
-        <a:schemeClr val="lt1"/>
-      </a:fontRef>
-    </dgm:style>
-  </dgm:styleLbl>
-  <dgm:styleLbl name="asst3">
-    <dgm:scene3d>
-      <a:camera prst="orthographicFront"/>
-      <a:lightRig rig="threePt" dir="t"/>
-    </dgm:scene3d>
-    <dgm:sp3d prstMaterial="plastic">
-      <a:bevelT w="50800" h="50800"/>
-      <a:bevelB w="50800" h="50800"/>
-    </dgm:sp3d>
-    <dgm:txPr/>
-    <dgm:style>
-      <a:lnRef idx="0">
-        <a:scrgbClr r="0" g="0" b="0"/>
-      </a:lnRef>
-      <a:fillRef idx="1">
-        <a:scrgbClr r="0" g="0" b="0"/>
-      </a:fillRef>
-      <a:effectRef idx="2">
-        <a:scrgbClr r="0" g="0" b="0"/>
-      </a:effectRef>
-      <a:fontRef idx="minor">
-        <a:schemeClr val="lt1"/>
-      </a:fontRef>
-    </dgm:style>
-  </dgm:styleLbl>
-  <dgm:styleLbl name="parChTrans2D1">
-    <dgm:scene3d>
-      <a:camera prst="orthographicFront"/>
-      <a:lightRig rig="threePt" dir="t"/>
-    </dgm:scene3d>
-    <dgm:sp3d z="-25400" prstMaterial="plastic">
-      <a:bevelT w="25400" h="25400"/>
-      <a:bevelB w="25400" h="25400"/>
-    </dgm:sp3d>
-    <dgm:txPr/>
-    <dgm:style>
-      <a:lnRef idx="0">
-        <a:scrgbClr r="0" g="0" b="0"/>
-      </a:lnRef>
-      <a:fillRef idx="1">
-        <a:scrgbClr r="0" g="0" b="0"/>
-      </a:fillRef>
-      <a:effectRef idx="2">
-        <a:scrgbClr r="0" g="0" b="0"/>
-      </a:effectRef>
-      <a:fontRef idx="minor">
-        <a:schemeClr val="lt1"/>
-      </a:fontRef>
-    </dgm:style>
-  </dgm:styleLbl>
-  <dgm:styleLbl name="parChTrans2D2">
-    <dgm:scene3d>
-      <a:camera prst="orthographicFront"/>
-      <a:lightRig rig="threePt" dir="t"/>
-    </dgm:scene3d>
-    <dgm:sp3d z="-25400" prstMaterial="plastic">
-      <a:bevelT w="25400" h="25400"/>
-      <a:bevelB w="25400" h="25400"/>
-    </dgm:sp3d>
-    <dgm:txPr/>
-    <dgm:style>
-      <a:lnRef idx="0">
-        <a:scrgbClr r="0" g="0" b="0"/>
-      </a:lnRef>
-      <a:fillRef idx="1">
-        <a:scrgbClr r="0" g="0" b="0"/>
-      </a:fillRef>
-      <a:effectRef idx="2">
-        <a:scrgbClr r="0" g="0" b="0"/>
-      </a:effectRef>
-      <a:fontRef idx="minor">
-        <a:schemeClr val="lt1"/>
-      </a:fontRef>
-    </dgm:style>
-  </dgm:styleLbl>
-  <dgm:styleLbl name="parChTrans2D3">
-    <dgm:scene3d>
-      <a:camera prst="orthographicFront"/>
-      <a:lightRig rig="threePt" dir="t"/>
-    </dgm:scene3d>
-    <dgm:sp3d z="-25400" prstMaterial="plastic">
-      <a:bevelT w="25400" h="25400"/>
-      <a:bevelB w="25400" h="25400"/>
-    </dgm:sp3d>
-    <dgm:txPr/>
-    <dgm:style>
-      <a:lnRef idx="0">
-        <a:scrgbClr r="0" g="0" b="0"/>
-      </a:lnRef>
-      <a:fillRef idx="1">
-        <a:scrgbClr r="0" g="0" b="0"/>
-      </a:fillRef>
-      <a:effectRef idx="2">
-        <a:scrgbClr r="0" g="0" b="0"/>
-      </a:effectRef>
-      <a:fontRef idx="minor">
-        <a:schemeClr val="lt1"/>
-      </a:fontRef>
-    </dgm:style>
-  </dgm:styleLbl>
-  <dgm:styleLbl name="parChTrans2D4">
-    <dgm:scene3d>
-      <a:camera prst="orthographicFront"/>
-      <a:lightRig rig="threePt" dir="t"/>
-    </dgm:scene3d>
-    <dgm:sp3d z="-25400" prstMaterial="plastic">
-      <a:bevelT w="25400" h="25400"/>
-      <a:bevelB w="25400" h="25400"/>
-    </dgm:sp3d>
-    <dgm:txPr/>
-    <dgm:style>
-      <a:lnRef idx="0">
-        <a:scrgbClr r="0" g="0" b="0"/>
-      </a:lnRef>
-      <a:fillRef idx="1">
-        <a:scrgbClr r="0" g="0" b="0"/>
-      </a:fillRef>
-      <a:effectRef idx="2">
-        <a:scrgbClr r="0" g="0" b="0"/>
-      </a:effectRef>
-      <a:fontRef idx="minor">
-        <a:schemeClr val="lt1"/>
-      </a:fontRef>
-    </dgm:style>
-  </dgm:styleLbl>
-  <dgm:styleLbl name="parChTrans1D1">
-    <dgm:scene3d>
-      <a:camera prst="orthographicFront"/>
-      <a:lightRig rig="threePt" dir="t"/>
-    </dgm:scene3d>
-    <dgm:sp3d z="-25400" prstMaterial="plastic"/>
-    <dgm:txPr/>
-    <dgm:style>
-      <a:lnRef idx="2">
-        <a:scrgbClr r="0" g="0" b="0"/>
-      </a:lnRef>
-      <a:fillRef idx="0">
-        <a:scrgbClr r="0" g="0" b="0"/>
-      </a:fillRef>
-      <a:effectRef idx="0">
-        <a:scrgbClr r="0" g="0" b="0"/>
-      </a:effectRef>
-      <a:fontRef idx="minor">
-        <a:schemeClr val="tx1"/>
-      </a:fontRef>
-    </dgm:style>
-  </dgm:styleLbl>
-  <dgm:styleLbl name="parChTrans1D2">
-    <dgm:scene3d>
-      <a:camera prst="orthographicFront"/>
-      <a:lightRig rig="threePt" dir="t"/>
-    </dgm:scene3d>
-    <dgm:sp3d z="-25400" prstMaterial="plastic"/>
-    <dgm:txPr/>
-    <dgm:style>
-      <a:lnRef idx="2">
-        <a:scrgbClr r="0" g="0" b="0"/>
-      </a:lnRef>
-      <a:fillRef idx="0">
-        <a:scrgbClr r="0" g="0" b="0"/>
-      </a:fillRef>
-      <a:effectRef idx="0">
-        <a:scrgbClr r="0" g="0" b="0"/>
-      </a:effectRef>
-      <a:fontRef idx="minor">
-        <a:schemeClr val="tx1"/>
-      </a:fontRef>
-    </dgm:style>
-  </dgm:styleLbl>
-  <dgm:styleLbl name="parChTrans1D3">
-    <dgm:scene3d>
-      <a:camera prst="orthographicFront"/>
-      <a:lightRig rig="threePt" dir="t"/>
-    </dgm:scene3d>
-    <dgm:sp3d z="-25400" prstMaterial="plastic"/>
-    <dgm:txPr/>
-    <dgm:style>
-      <a:lnRef idx="2">
-        <a:scrgbClr r="0" g="0" b="0"/>
-      </a:lnRef>
-      <a:fillRef idx="0">
-        <a:scrgbClr r="0" g="0" b="0"/>
-      </a:fillRef>
-      <a:effectRef idx="0">
-        <a:scrgbClr r="0" g="0" b="0"/>
-      </a:effectRef>
-      <a:fontRef idx="minor">
-        <a:schemeClr val="tx1"/>
-      </a:fontRef>
-    </dgm:style>
-  </dgm:styleLbl>
-  <dgm:styleLbl name="parChTrans1D4">
-    <dgm:scene3d>
-      <a:camera prst="orthographicFront"/>
-      <a:lightRig rig="threePt" dir="t"/>
-    </dgm:scene3d>
-    <dgm:sp3d z="-25400" prstMaterial="plastic"/>
-    <dgm:txPr/>
-    <dgm:style>
-      <a:lnRef idx="2">
-        <a:scrgbClr r="0" g="0" b="0"/>
-      </a:lnRef>
-      <a:fillRef idx="0">
-        <a:scrgbClr r="0" g="0" b="0"/>
-      </a:fillRef>
-      <a:effectRef idx="0">
-        <a:scrgbClr r="0" g="0" b="0"/>
-      </a:effectRef>
-      <a:fontRef idx="minor">
-        <a:schemeClr val="tx1"/>
-      </a:fontRef>
-    </dgm:style>
-  </dgm:styleLbl>
-  <dgm:styleLbl name="fgAcc1">
-    <dgm:scene3d>
-      <a:camera prst="orthographicFront"/>
-      <a:lightRig rig="threePt" dir="t"/>
-    </dgm:scene3d>
-    <dgm:sp3d z="50080" prstMaterial="plastic">
-      <a:bevelT w="25400" h="25400"/>
-      <a:bevelB w="25400" h="25400"/>
-    </dgm:sp3d>
-    <dgm:txPr/>
-    <dgm:style>
-      <a:lnRef idx="1">
-        <a:scrgbClr r="0" g="0" b="0"/>
-      </a:lnRef>
-      <a:fillRef idx="1">
-        <a:scrgbClr r="0" g="0" b="0"/>
-      </a:fillRef>
-      <a:effectRef idx="2">
-        <a:scrgbClr r="0" g="0" b="0"/>
-      </a:effectRef>
-      <a:fontRef idx="minor"/>
-    </dgm:style>
-  </dgm:styleLbl>
-  <dgm:styleLbl name="conFgAcc1">
-    <dgm:scene3d>
-      <a:camera prst="orthographicFront"/>
-      <a:lightRig rig="threePt" dir="t"/>
-    </dgm:scene3d>
-    <dgm:sp3d z="-152400" prstMaterial="plastic">
-      <a:bevelT w="25400" h="25400"/>
-      <a:bevelB w="25400" h="25400"/>
-    </dgm:sp3d>
-    <dgm:txPr/>
-    <dgm:style>
-      <a:lnRef idx="1">
-        <a:scrgbClr r="0" g="0" b="0"/>
-      </a:lnRef>
-      <a:fillRef idx="1">
-        <a:scrgbClr r="0" g="0" b="0"/>
-      </a:fillRef>
-      <a:effectRef idx="2">
-        <a:scrgbClr r="0" g="0" b="0"/>
-      </a:effectRef>
-      <a:fontRef idx="minor"/>
-    </dgm:style>
-  </dgm:styleLbl>
-  <dgm:styleLbl name="alignAcc1">
-    <dgm:scene3d>
-      <a:camera prst="orthographicFront"/>
-      <a:lightRig rig="threePt" dir="t"/>
-    </dgm:scene3d>
-    <dgm:sp3d prstMaterial="plastic">
-      <a:bevelT w="25400" h="25400"/>
-      <a:bevelB w="25400" h="25400"/>
-    </dgm:sp3d>
-    <dgm:txPr/>
-    <dgm:style>
-      <a:lnRef idx="1">
-        <a:scrgbClr r="0" g="0" b="0"/>
-      </a:lnRef>
-      <a:fillRef idx="1">
-        <a:scrgbClr r="0" g="0" b="0"/>
-      </a:fillRef>
-      <a:effectRef idx="2">
-        <a:scrgbClr r="0" g="0" b="0"/>
-      </a:effectRef>
-      <a:fontRef idx="minor"/>
-    </dgm:style>
-  </dgm:styleLbl>
-  <dgm:styleLbl name="trAlignAcc1">
-    <dgm:scene3d>
-      <a:camera prst="orthographicFront"/>
-      <a:lightRig rig="threePt" dir="t"/>
-    </dgm:scene3d>
-    <dgm:sp3d prstMaterial="plastic">
-      <a:bevelT w="50800" h="50800"/>
-      <a:bevelB w="50800" h="50800"/>
-    </dgm:sp3d>
-    <dgm:txPr/>
-    <dgm:style>
-      <a:lnRef idx="1">
-        <a:scrgbClr r="0" g="0" b="0"/>
-      </a:lnRef>
-      <a:fillRef idx="1">
-        <a:scrgbClr r="0" g="0" b="0"/>
-      </a:fillRef>
-      <a:effectRef idx="2">
-        <a:scrgbClr r="0" g="0" b="0"/>
-      </a:effectRef>
-      <a:fontRef idx="minor"/>
-    </dgm:style>
-  </dgm:styleLbl>
-  <dgm:styleLbl name="bgAcc1">
-    <dgm:scene3d>
-      <a:camera prst="orthographicFront"/>
-      <a:lightRig rig="threePt" dir="t"/>
-    </dgm:scene3d>
-    <dgm:sp3d z="-152400" prstMaterial="plastic">
-      <a:bevelT w="25400" h="25400"/>
-      <a:bevelB w="25400" h="25400"/>
-    </dgm:sp3d>
-    <dgm:txPr/>
-    <dgm:style>
-      <a:lnRef idx="1">
-        <a:scrgbClr r="0" g="0" b="0"/>
-      </a:lnRef>
-      <a:fillRef idx="1">
-        <a:scrgbClr r="0" g="0" b="0"/>
-      </a:fillRef>
-      <a:effectRef idx="2">
-        <a:scrgbClr r="0" g="0" b="0"/>
-      </a:effectRef>
-      <a:fontRef idx="minor"/>
-    </dgm:style>
-  </dgm:styleLbl>
-  <dgm:styleLbl name="solidFgAcc1">
-    <dgm:scene3d>
-      <a:camera prst="orthographicFront"/>
-      <a:lightRig rig="threePt" dir="t"/>
-    </dgm:scene3d>
-    <dgm:sp3d z="152400" prstMaterial="plastic">
-      <a:bevelT w="25400" h="25400"/>
-      <a:bevelB w="25400" h="25400"/>
-    </dgm:sp3d>
-    <dgm:txPr/>
-    <dgm:style>
-      <a:lnRef idx="1">
-        <a:scrgbClr r="0" g="0" b="0"/>
-      </a:lnRef>
-      <a:fillRef idx="1">
-        <a:scrgbClr r="0" g="0" b="0"/>
-      </a:fillRef>
-      <a:effectRef idx="2">
-        <a:scrgbClr r="0" g="0" b="0"/>
-      </a:effectRef>
-      <a:fontRef idx="minor"/>
-    </dgm:style>
-  </dgm:styleLbl>
-  <dgm:styleLbl name="solidAlignAcc1">
-    <dgm:scene3d>
-      <a:camera prst="orthographicFront"/>
-      <a:lightRig rig="threePt" dir="t"/>
-    </dgm:scene3d>
-    <dgm:sp3d prstMaterial="plastic">
-      <a:bevelT w="25400" h="25400"/>
-      <a:bevelB w="25400" h="25400"/>
-    </dgm:sp3d>
-    <dgm:txPr/>
-    <dgm:style>
-      <a:lnRef idx="1">
-        <a:scrgbClr r="0" g="0" b="0"/>
-      </a:lnRef>
-      <a:fillRef idx="1">
-        <a:scrgbClr r="0" g="0" b="0"/>
-      </a:fillRef>
-      <a:effectRef idx="2">
-        <a:scrgbClr r="0" g="0" b="0"/>
-      </a:effectRef>
-      <a:fontRef idx="minor"/>
-    </dgm:style>
-  </dgm:styleLbl>
-  <dgm:styleLbl name="solidBgAcc1">
-    <dgm:scene3d>
-      <a:camera prst="orthographicFront"/>
-      <a:lightRig rig="threePt" dir="t"/>
-    </dgm:scene3d>
-    <dgm:sp3d z="-152400" prstMaterial="plastic">
-      <a:bevelT w="25400" h="25400"/>
-      <a:bevelB w="25400" h="25400"/>
-    </dgm:sp3d>
-    <dgm:txPr/>
-    <dgm:style>
-      <a:lnRef idx="1">
-        <a:scrgbClr r="0" g="0" b="0"/>
-      </a:lnRef>
-      <a:fillRef idx="1">
-        <a:scrgbClr r="0" g="0" b="0"/>
-      </a:fillRef>
-      <a:effectRef idx="2">
-        <a:scrgbClr r="0" g="0" b="0"/>
-      </a:effectRef>
-      <a:fontRef idx="minor"/>
-    </dgm:style>
-  </dgm:styleLbl>
-  <dgm:styleLbl name="fgAccFollowNode1">
-    <dgm:scene3d>
-      <a:camera prst="orthographicFront"/>
-      <a:lightRig rig="threePt" dir="t"/>
-    </dgm:scene3d>
-    <dgm:sp3d z="50080" prstMaterial="plastic">
-      <a:bevelT w="25400" h="25400"/>
-      <a:bevelB w="25400" h="25400"/>
-    </dgm:sp3d>
-    <dgm:txPr/>
-    <dgm:style>
-      <a:lnRef idx="0">
-        <a:scrgbClr r="0" g="0" b="0"/>
-      </a:lnRef>
-      <a:fillRef idx="1">
-        <a:scrgbClr r="0" g="0" b="0"/>
-      </a:fillRef>
-      <a:effectRef idx="2">
-        <a:scrgbClr r="0" g="0" b="0"/>
-      </a:effectRef>
-      <a:fontRef idx="minor"/>
-    </dgm:style>
-  </dgm:styleLbl>
-  <dgm:styleLbl name="alignAccFollowNode1">
-    <dgm:scene3d>
-      <a:camera prst="orthographicFront"/>
-      <a:lightRig rig="threePt" dir="t"/>
-    </dgm:scene3d>
-    <dgm:sp3d prstMaterial="plastic">
-      <a:bevelT w="25400" h="25400"/>
-      <a:bevelB w="25400" h="25400"/>
-    </dgm:sp3d>
-    <dgm:txPr/>
-    <dgm:style>
-      <a:lnRef idx="0">
-        <a:scrgbClr r="0" g="0" b="0"/>
-      </a:lnRef>
-      <a:fillRef idx="1">
-        <a:scrgbClr r="0" g="0" b="0"/>
-      </a:fillRef>
-      <a:effectRef idx="2">
-        <a:scrgbClr r="0" g="0" b="0"/>
-      </a:effectRef>
-      <a:fontRef idx="minor"/>
-    </dgm:style>
-  </dgm:styleLbl>
-  <dgm:styleLbl name="bgAccFollowNode1">
-    <dgm:scene3d>
-      <a:camera prst="orthographicFront"/>
-      <a:lightRig rig="threePt" dir="t"/>
-    </dgm:scene3d>
-    <dgm:sp3d z="-152400" prstMaterial="plastic">
-      <a:bevelT w="25400" h="25400"/>
-      <a:bevelB w="25400" h="25400"/>
-    </dgm:sp3d>
-    <dgm:txPr/>
-    <dgm:style>
-      <a:lnRef idx="0">
-        <a:scrgbClr r="0" g="0" b="0"/>
-      </a:lnRef>
-      <a:fillRef idx="1">
-        <a:scrgbClr r="0" g="0" b="0"/>
-      </a:fillRef>
-      <a:effectRef idx="2">
-        <a:scrgbClr r="0" g="0" b="0"/>
-      </a:effectRef>
-      <a:fontRef idx="minor"/>
-    </dgm:style>
-  </dgm:styleLbl>
-  <dgm:styleLbl name="fgAcc0">
-    <dgm:scene3d>
-      <a:camera prst="orthographicFront"/>
-      <a:lightRig rig="threePt" dir="t"/>
-    </dgm:scene3d>
-    <dgm:sp3d z="50080" prstMaterial="plastic">
-      <a:bevelT w="25400" h="25400"/>
-      <a:bevelB w="25400" h="25400"/>
-    </dgm:sp3d>
-    <dgm:txPr/>
-    <dgm:style>
-      <a:lnRef idx="1">
-        <a:scrgbClr r="0" g="0" b="0"/>
-      </a:lnRef>
-      <a:fillRef idx="1">
-        <a:scrgbClr r="0" g="0" b="0"/>
-      </a:fillRef>
-      <a:effectRef idx="0">
-        <a:scrgbClr r="0" g="0" b="0"/>
-      </a:effectRef>
-      <a:fontRef idx="minor"/>
-    </dgm:style>
-  </dgm:styleLbl>
-  <dgm:styleLbl name="fgAcc2">
-    <dgm:scene3d>
-      <a:camera prst="orthographicFront"/>
-      <a:lightRig rig="threePt" dir="t"/>
-    </dgm:scene3d>
-    <dgm:sp3d z="50080" prstMaterial="plastic">
-      <a:bevelT w="25400" h="25400"/>
-      <a:bevelB w="25400" h="25400"/>
-    </dgm:sp3d>
-    <dgm:txPr/>
-    <dgm:style>
-      <a:lnRef idx="1">
-        <a:scrgbClr r="0" g="0" b="0"/>
-      </a:lnRef>
-      <a:fillRef idx="1">
-        <a:scrgbClr r="0" g="0" b="0"/>
-      </a:fillRef>
-      <a:effectRef idx="0">
-        <a:scrgbClr r="0" g="0" b="0"/>
-      </a:effectRef>
-      <a:fontRef idx="minor"/>
-    </dgm:style>
-  </dgm:styleLbl>
-  <dgm:styleLbl name="fgAcc3">
-    <dgm:scene3d>
-      <a:camera prst="orthographicFront"/>
-      <a:lightRig rig="threePt" dir="t"/>
-    </dgm:scene3d>
-    <dgm:sp3d z="50080" prstMaterial="plastic">
-      <a:bevelT w="25400" h="25400"/>
-      <a:bevelB w="25400" h="25400"/>
-    </dgm:sp3d>
-    <dgm:txPr/>
-    <dgm:style>
-      <a:lnRef idx="1">
-        <a:scrgbClr r="0" g="0" b="0"/>
-      </a:lnRef>
-      <a:fillRef idx="1">
-        <a:scrgbClr r="0" g="0" b="0"/>
-      </a:fillRef>
-      <a:effectRef idx="0">
-        <a:scrgbClr r="0" g="0" b="0"/>
-      </a:effectRef>
-      <a:fontRef idx="minor"/>
-    </dgm:style>
-  </dgm:styleLbl>
-  <dgm:styleLbl name="fgAcc4">
-    <dgm:scene3d>
-      <a:camera prst="orthographicFront"/>
-      <a:lightRig rig="threePt" dir="t"/>
-    </dgm:scene3d>
-    <dgm:sp3d z="50080" prstMaterial="plastic">
-      <a:bevelT w="25400" h="25400"/>
-      <a:bevelB w="25400" h="25400"/>
-    </dgm:sp3d>
-    <dgm:txPr/>
-    <dgm:style>
-      <a:lnRef idx="1">
-        <a:scrgbClr r="0" g="0" b="0"/>
-      </a:lnRef>
-      <a:fillRef idx="1">
-        <a:scrgbClr r="0" g="0" b="0"/>
-      </a:fillRef>
-      <a:effectRef idx="0">
-        <a:scrgbClr r="0" g="0" b="0"/>
-      </a:effectRef>
-      <a:fontRef idx="minor"/>
-    </dgm:style>
-  </dgm:styleLbl>
-  <dgm:styleLbl name="bgShp">
-    <dgm:scene3d>
-      <a:camera prst="orthographicFront"/>
-      <a:lightRig rig="threePt" dir="t"/>
-    </dgm:scene3d>
-    <dgm:sp3d z="-152400" prstMaterial="plastic">
-      <a:bevelT w="25400" h="25400"/>
-      <a:bevelB w="25400" h="25400"/>
-    </dgm:sp3d>
-    <dgm:txPr/>
-    <dgm:style>
-      <a:lnRef idx="0">
-        <a:scrgbClr r="0" g="0" b="0"/>
-      </a:lnRef>
-      <a:fillRef idx="1">
-        <a:scrgbClr r="0" g="0" b="0"/>
-      </a:fillRef>
-      <a:effectRef idx="0">
-        <a:scrgbClr r="0" g="0" b="0"/>
-      </a:effectRef>
-      <a:fontRef idx="minor"/>
-    </dgm:style>
-  </dgm:styleLbl>
-  <dgm:styleLbl name="dkBgShp">
-    <dgm:scene3d>
-      <a:camera prst="orthographicFront"/>
-      <a:lightRig rig="threePt" dir="t"/>
-    </dgm:scene3d>
-    <dgm:sp3d prstMaterial="plastic">
-      <a:bevelT w="50800" h="50800"/>
-      <a:bevelB w="50800" h="50800"/>
-    </dgm:sp3d>
-    <dgm:txPr/>
-    <dgm:style>
-      <a:lnRef idx="0">
-        <a:scrgbClr r="0" g="0" b="0"/>
-      </a:lnRef>
-      <a:fillRef idx="1">
-        <a:scrgbClr r="0" g="0" b="0"/>
-      </a:fillRef>
-      <a:effectRef idx="2">
-        <a:scrgbClr r="0" g="0" b="0"/>
-      </a:effectRef>
-      <a:fontRef idx="minor"/>
-    </dgm:style>
-  </dgm:styleLbl>
-  <dgm:styleLbl name="trBgShp">
-    <dgm:scene3d>
-      <a:camera prst="orthographicFront"/>
-      <a:lightRig rig="threePt" dir="t"/>
-    </dgm:scene3d>
-    <dgm:sp3d z="-10400" extrusionH="12700" prstMaterial="plastic"/>
-    <dgm:txPr/>
-    <dgm:style>
-      <a:lnRef idx="0">
-        <a:scrgbClr r="0" g="0" b="0"/>
-      </a:lnRef>
-      <a:fillRef idx="1">
-        <a:scrgbClr r="0" g="0" b="0"/>
-      </a:fillRef>
-      <a:effectRef idx="0">
-        <a:scrgbClr r="0" g="0" b="0"/>
-      </a:effectRef>
-      <a:fontRef idx="minor"/>
-    </dgm:style>
-  </dgm:styleLbl>
-  <dgm:styleLbl name="fgShp">
-    <dgm:scene3d>
-      <a:camera prst="orthographicFront"/>
-      <a:lightRig rig="threePt" dir="t"/>
-    </dgm:scene3d>
-    <dgm:sp3d z="50080" prstMaterial="plastic">
-      <a:bevelT w="50800" h="50800"/>
-      <a:bevelB w="50800" h="50800"/>
-    </dgm:sp3d>
-    <dgm:txPr/>
-    <dgm:style>
-      <a:lnRef idx="0">
-        <a:scrgbClr r="0" g="0" b="0"/>
-      </a:lnRef>
-      <a:fillRef idx="1">
-        <a:scrgbClr r="0" g="0" b="0"/>
-      </a:fillRef>
-      <a:effectRef idx="2">
-        <a:scrgbClr r="0" g="0" b="0"/>
-      </a:effectRef>
-      <a:fontRef idx="minor"/>
-    </dgm:style>
-  </dgm:styleLbl>
-  <dgm:styleLbl name="revTx">
-    <dgm:scene3d>
-      <a:camera prst="orthographicFront"/>
-      <a:lightRig rig="threePt" dir="t"/>
-    </dgm:scene3d>
-    <dgm:sp3d/>
-    <dgm:txPr/>
-    <dgm:style>
-      <a:lnRef idx="0">
-        <a:scrgbClr r="0" g="0" b="0"/>
-      </a:lnRef>
-      <a:fillRef idx="1">
-        <a:scrgbClr r="0" g="0" b="0"/>
-      </a:fillRef>
-      <a:effectRef idx="0">
-        <a:scrgbClr r="0" g="0" b="0"/>
-      </a:effectRef>
-      <a:fontRef idx="minor"/>
-    </dgm:style>
-  </dgm:styleLbl>
-</dgm:styleDef>
-</file>
-
-<file path=ppt/diagrams/quickStyle3.xml><?xml version="1.0" encoding="utf-8"?>
 <dgm:styleDef xmlns:dgm="http://schemas.openxmlformats.org/drawingml/2006/diagram" xmlns:a="http://schemas.openxmlformats.org/drawingml/2006/main" uniqueId="urn:microsoft.com/office/officeart/2005/8/quickstyle/simple5">
   <dgm:title val=""/>
   <dgm:desc val=""/>
@@ -12218,7 +9704,7 @@
 </dgm:styleDef>
 </file>
 
-<file path=ppt/diagrams/quickStyle4.xml><?xml version="1.0" encoding="utf-8"?>
+<file path=ppt/diagrams/quickStyle3.xml><?xml version="1.0" encoding="utf-8"?>
 <dgm:styleDef xmlns:dgm="http://schemas.openxmlformats.org/drawingml/2006/diagram" xmlns:a="http://schemas.openxmlformats.org/drawingml/2006/main" uniqueId="urn:microsoft.com/office/officeart/2005/8/quickstyle/simple5">
   <dgm:title val=""/>
   <dgm:desc val=""/>
@@ -13339,7 +10825,7 @@
                 <a:latin typeface="Arial"/>
               </a:rPr>
               <a:pPr/>
-              <a:t>30-May-17</a:t>
+              <a:t>07-Jun-17</a:t>
             </a:fld>
             <a:endParaRPr lang="en-US" dirty="0">
               <a:latin typeface="Arial"/>
@@ -13519,7 +11005,7 @@
             <a:fld id="{B9879085-23FA-3544-90BF-8EB0C47BDEEA}" type="datetimeFigureOut">
               <a:rPr lang="en-US" smtClean="0"/>
               <a:pPr/>
-              <a:t>30-May-17</a:t>
+              <a:t>07-Jun-17</a:t>
             </a:fld>
             <a:endParaRPr lang="en-US" dirty="0"/>
           </a:p>
@@ -16297,6 +13783,171 @@
       </p:grpSpPr>
       <p:sp>
         <p:nvSpPr>
+          <p:cNvPr id="2" name="Title 1"/>
+          <p:cNvSpPr>
+            <a:spLocks noGrp="1"/>
+          </p:cNvSpPr>
+          <p:nvPr>
+            <p:ph type="title"/>
+          </p:nvPr>
+        </p:nvSpPr>
+        <p:spPr/>
+        <p:txBody>
+          <a:bodyPr/>
+          <a:lstStyle/>
+          <a:p>
+            <a:r>
+              <a:rPr lang="en-US" dirty="0"/>
+              <a:t>Sensors -&gt; MCU</a:t>
+            </a:r>
+          </a:p>
+        </p:txBody>
+      </p:sp>
+      <p:graphicFrame>
+        <p:nvGraphicFramePr>
+          <p:cNvPr id="6" name="Content Placeholder 3"/>
+          <p:cNvGraphicFramePr>
+            <a:graphicFrameLocks noGrp="1"/>
+          </p:cNvGraphicFramePr>
+          <p:nvPr>
+            <p:ph idx="1"/>
+            <p:extLst/>
+          </p:nvPr>
+        </p:nvGraphicFramePr>
+        <p:xfrm>
+          <a:off x="944842" y="873958"/>
+          <a:ext cx="7772792" cy="1396337"/>
+        </p:xfrm>
+        <a:graphic>
+          <a:graphicData uri="http://schemas.openxmlformats.org/drawingml/2006/diagram">
+            <dgm:relIds xmlns:dgm="http://schemas.openxmlformats.org/drawingml/2006/diagram" xmlns:r="http://schemas.openxmlformats.org/officeDocument/2006/relationships" r:dm="rId2" r:lo="rId3" r:qs="rId4" r:cs="rId5"/>
+          </a:graphicData>
+        </a:graphic>
+      </p:graphicFrame>
+      <p:graphicFrame>
+        <p:nvGraphicFramePr>
+          <p:cNvPr id="18" name="Content Placeholder 3"/>
+          <p:cNvGraphicFramePr>
+            <a:graphicFrameLocks/>
+          </p:cNvGraphicFramePr>
+          <p:nvPr>
+            <p:extLst/>
+          </p:nvPr>
+        </p:nvGraphicFramePr>
+        <p:xfrm>
+          <a:off x="944842" y="3002973"/>
+          <a:ext cx="7772792" cy="2043981"/>
+        </p:xfrm>
+        <a:graphic>
+          <a:graphicData uri="http://schemas.openxmlformats.org/drawingml/2006/diagram">
+            <dgm:relIds xmlns:dgm="http://schemas.openxmlformats.org/drawingml/2006/diagram" xmlns:r="http://schemas.openxmlformats.org/officeDocument/2006/relationships" r:dm="rId7" r:lo="rId8" r:qs="rId9" r:cs="rId10"/>
+          </a:graphicData>
+        </a:graphic>
+      </p:graphicFrame>
+      <p:pic>
+        <p:nvPicPr>
+          <p:cNvPr id="20" name="Picture 19"/>
+          <p:cNvPicPr>
+            <a:picLocks noChangeAspect="1"/>
+          </p:cNvPicPr>
+          <p:nvPr/>
+        </p:nvPicPr>
+        <p:blipFill>
+          <a:blip r:embed="rId12">
+            <a:extLst>
+              <a:ext uri="{28A0092B-C50C-407E-A947-70E740481C1C}">
+                <a14:useLocalDpi xmlns:a14="http://schemas.microsoft.com/office/drawing/2010/main" val="0"/>
+              </a:ext>
+            </a:extLst>
+          </a:blip>
+          <a:stretch>
+            <a:fillRect/>
+          </a:stretch>
+        </p:blipFill>
+        <p:spPr>
+          <a:xfrm>
+            <a:off x="3824287" y="4188710"/>
+            <a:ext cx="4866396" cy="455508"/>
+          </a:xfrm>
+          <a:prstGeom prst="rect">
+            <a:avLst/>
+          </a:prstGeom>
+        </p:spPr>
+      </p:pic>
+      <p:pic>
+        <p:nvPicPr>
+          <p:cNvPr id="3" name="Picture 2">
+            <a:extLst>
+              <a:ext uri="{FF2B5EF4-FFF2-40B4-BE49-F238E27FC236}">
+                <a16:creationId xmlns:a16="http://schemas.microsoft.com/office/drawing/2014/main" id="{2AFC8012-7288-458C-97D3-40B569C718F8}"/>
+              </a:ext>
+            </a:extLst>
+          </p:cNvPr>
+          <p:cNvPicPr>
+            <a:picLocks noChangeAspect="1"/>
+          </p:cNvPicPr>
+          <p:nvPr/>
+        </p:nvPicPr>
+        <p:blipFill>
+          <a:blip r:embed="rId13"/>
+          <a:stretch>
+            <a:fillRect/>
+          </a:stretch>
+        </p:blipFill>
+        <p:spPr>
+          <a:xfrm>
+            <a:off x="3824287" y="1984439"/>
+            <a:ext cx="4976813" cy="974449"/>
+          </a:xfrm>
+          <a:prstGeom prst="rect">
+            <a:avLst/>
+          </a:prstGeom>
+        </p:spPr>
+      </p:pic>
+    </p:spTree>
+    <p:extLst>
+      <p:ext uri="{BB962C8B-B14F-4D97-AF65-F5344CB8AC3E}">
+        <p14:creationId xmlns:p14="http://schemas.microsoft.com/office/powerpoint/2010/main" val="3142999781"/>
+      </p:ext>
+    </p:extLst>
+  </p:cSld>
+  <p:clrMapOvr>
+    <a:masterClrMapping/>
+  </p:clrMapOvr>
+  <mc:AlternateContent xmlns:mc="http://schemas.openxmlformats.org/markup-compatibility/2006" xmlns:p14="http://schemas.microsoft.com/office/powerpoint/2010/main">
+    <mc:Choice Requires="p14">
+      <p:transition spd="slow" p14:dur="2000">
+        <p14:ferris dir="l"/>
+      </p:transition>
+    </mc:Choice>
+    <mc:Fallback xmlns="">
+      <p:transition spd="slow">
+        <p:fade/>
+      </p:transition>
+    </mc:Fallback>
+  </mc:AlternateContent>
+</p:sld>
+</file>
+
+<file path=ppt/slides/slide11.xml><?xml version="1.0" encoding="utf-8"?>
+<p:sld xmlns:a="http://schemas.openxmlformats.org/drawingml/2006/main" xmlns:r="http://schemas.openxmlformats.org/officeDocument/2006/relationships" xmlns:p="http://schemas.openxmlformats.org/presentationml/2006/main">
+  <p:cSld>
+    <p:spTree>
+      <p:nvGrpSpPr>
+        <p:cNvPr id="1" name=""/>
+        <p:cNvGrpSpPr/>
+        <p:nvPr/>
+      </p:nvGrpSpPr>
+      <p:grpSpPr>
+        <a:xfrm>
+          <a:off x="0" y="0"/>
+          <a:ext cx="0" cy="0"/>
+          <a:chOff x="0" y="0"/>
+          <a:chExt cx="0" cy="0"/>
+        </a:xfrm>
+      </p:grpSpPr>
+      <p:sp>
+        <p:nvSpPr>
           <p:cNvPr id="2" name="Title 1">
             <a:extLst>
               <a:ext uri="{FF2B5EF4-FFF2-40B4-BE49-F238E27FC236}">
@@ -16453,773 +14104,10 @@
       </p:transition>
     </mc:Fallback>
   </mc:AlternateContent>
-  <p:timing>
-    <p:tnLst>
-      <p:par>
-        <p:cTn id="1" dur="indefinite" restart="never" nodeType="tmRoot">
-          <p:childTnLst>
-            <p:seq concurrent="1" nextAc="seek">
-              <p:cTn id="2" dur="indefinite" nodeType="mainSeq">
-                <p:childTnLst>
-                  <p:par>
-                    <p:cTn id="3" fill="hold">
-                      <p:stCondLst>
-                        <p:cond delay="indefinite"/>
-                      </p:stCondLst>
-                      <p:childTnLst>
-                        <p:par>
-                          <p:cTn id="4" fill="hold">
-                            <p:stCondLst>
-                              <p:cond delay="0"/>
-                            </p:stCondLst>
-                            <p:childTnLst>
-                              <p:par>
-                                <p:cTn id="5" presetID="42" presetClass="entr" presetSubtype="0" fill="hold" nodeType="clickEffect">
-                                  <p:stCondLst>
-                                    <p:cond delay="0"/>
-                                  </p:stCondLst>
-                                  <p:childTnLst>
-                                    <p:set>
-                                      <p:cBhvr>
-                                        <p:cTn id="6" dur="1" fill="hold">
-                                          <p:stCondLst>
-                                            <p:cond delay="0"/>
-                                          </p:stCondLst>
-                                        </p:cTn>
-                                        <p:tgtEl>
-                                          <p:spTgt spid="6">
-                                            <p:txEl>
-                                              <p:pRg st="0" end="0"/>
-                                            </p:txEl>
-                                          </p:spTgt>
-                                        </p:tgtEl>
-                                        <p:attrNameLst>
-                                          <p:attrName>style.visibility</p:attrName>
-                                        </p:attrNameLst>
-                                      </p:cBhvr>
-                                      <p:to>
-                                        <p:strVal val="visible"/>
-                                      </p:to>
-                                    </p:set>
-                                    <p:animEffect transition="in" filter="fade">
-                                      <p:cBhvr>
-                                        <p:cTn id="7" dur="1000"/>
-                                        <p:tgtEl>
-                                          <p:spTgt spid="6">
-                                            <p:txEl>
-                                              <p:pRg st="0" end="0"/>
-                                            </p:txEl>
-                                          </p:spTgt>
-                                        </p:tgtEl>
-                                      </p:cBhvr>
-                                    </p:animEffect>
-                                    <p:anim calcmode="lin" valueType="num">
-                                      <p:cBhvr>
-                                        <p:cTn id="8" dur="1000" fill="hold"/>
-                                        <p:tgtEl>
-                                          <p:spTgt spid="6">
-                                            <p:txEl>
-                                              <p:pRg st="0" end="0"/>
-                                            </p:txEl>
-                                          </p:spTgt>
-                                        </p:tgtEl>
-                                        <p:attrNameLst>
-                                          <p:attrName>ppt_x</p:attrName>
-                                        </p:attrNameLst>
-                                      </p:cBhvr>
-                                      <p:tavLst>
-                                        <p:tav tm="0">
-                                          <p:val>
-                                            <p:strVal val="#ppt_x"/>
-                                          </p:val>
-                                        </p:tav>
-                                        <p:tav tm="100000">
-                                          <p:val>
-                                            <p:strVal val="#ppt_x"/>
-                                          </p:val>
-                                        </p:tav>
-                                      </p:tavLst>
-                                    </p:anim>
-                                    <p:anim calcmode="lin" valueType="num">
-                                      <p:cBhvr>
-                                        <p:cTn id="9" dur="1000" fill="hold"/>
-                                        <p:tgtEl>
-                                          <p:spTgt spid="6">
-                                            <p:txEl>
-                                              <p:pRg st="0" end="0"/>
-                                            </p:txEl>
-                                          </p:spTgt>
-                                        </p:tgtEl>
-                                        <p:attrNameLst>
-                                          <p:attrName>ppt_y</p:attrName>
-                                        </p:attrNameLst>
-                                      </p:cBhvr>
-                                      <p:tavLst>
-                                        <p:tav tm="0">
-                                          <p:val>
-                                            <p:strVal val="#ppt_y+.1"/>
-                                          </p:val>
-                                        </p:tav>
-                                        <p:tav tm="100000">
-                                          <p:val>
-                                            <p:strVal val="#ppt_y"/>
-                                          </p:val>
-                                        </p:tav>
-                                      </p:tavLst>
-                                    </p:anim>
-                                  </p:childTnLst>
-                                </p:cTn>
-                              </p:par>
-                              <p:par>
-                                <p:cTn id="10" presetID="42" presetClass="entr" presetSubtype="0" fill="hold" nodeType="withEffect">
-                                  <p:stCondLst>
-                                    <p:cond delay="0"/>
-                                  </p:stCondLst>
-                                  <p:childTnLst>
-                                    <p:set>
-                                      <p:cBhvr>
-                                        <p:cTn id="11" dur="1" fill="hold">
-                                          <p:stCondLst>
-                                            <p:cond delay="0"/>
-                                          </p:stCondLst>
-                                        </p:cTn>
-                                        <p:tgtEl>
-                                          <p:spTgt spid="6">
-                                            <p:txEl>
-                                              <p:pRg st="1" end="1"/>
-                                            </p:txEl>
-                                          </p:spTgt>
-                                        </p:tgtEl>
-                                        <p:attrNameLst>
-                                          <p:attrName>style.visibility</p:attrName>
-                                        </p:attrNameLst>
-                                      </p:cBhvr>
-                                      <p:to>
-                                        <p:strVal val="visible"/>
-                                      </p:to>
-                                    </p:set>
-                                    <p:animEffect transition="in" filter="fade">
-                                      <p:cBhvr>
-                                        <p:cTn id="12" dur="1000"/>
-                                        <p:tgtEl>
-                                          <p:spTgt spid="6">
-                                            <p:txEl>
-                                              <p:pRg st="1" end="1"/>
-                                            </p:txEl>
-                                          </p:spTgt>
-                                        </p:tgtEl>
-                                      </p:cBhvr>
-                                    </p:animEffect>
-                                    <p:anim calcmode="lin" valueType="num">
-                                      <p:cBhvr>
-                                        <p:cTn id="13" dur="1000" fill="hold"/>
-                                        <p:tgtEl>
-                                          <p:spTgt spid="6">
-                                            <p:txEl>
-                                              <p:pRg st="1" end="1"/>
-                                            </p:txEl>
-                                          </p:spTgt>
-                                        </p:tgtEl>
-                                        <p:attrNameLst>
-                                          <p:attrName>ppt_x</p:attrName>
-                                        </p:attrNameLst>
-                                      </p:cBhvr>
-                                      <p:tavLst>
-                                        <p:tav tm="0">
-                                          <p:val>
-                                            <p:strVal val="#ppt_x"/>
-                                          </p:val>
-                                        </p:tav>
-                                        <p:tav tm="100000">
-                                          <p:val>
-                                            <p:strVal val="#ppt_x"/>
-                                          </p:val>
-                                        </p:tav>
-                                      </p:tavLst>
-                                    </p:anim>
-                                    <p:anim calcmode="lin" valueType="num">
-                                      <p:cBhvr>
-                                        <p:cTn id="14" dur="1000" fill="hold"/>
-                                        <p:tgtEl>
-                                          <p:spTgt spid="6">
-                                            <p:txEl>
-                                              <p:pRg st="1" end="1"/>
-                                            </p:txEl>
-                                          </p:spTgt>
-                                        </p:tgtEl>
-                                        <p:attrNameLst>
-                                          <p:attrName>ppt_y</p:attrName>
-                                        </p:attrNameLst>
-                                      </p:cBhvr>
-                                      <p:tavLst>
-                                        <p:tav tm="0">
-                                          <p:val>
-                                            <p:strVal val="#ppt_y+.1"/>
-                                          </p:val>
-                                        </p:tav>
-                                        <p:tav tm="100000">
-                                          <p:val>
-                                            <p:strVal val="#ppt_y"/>
-                                          </p:val>
-                                        </p:tav>
-                                      </p:tavLst>
-                                    </p:anim>
-                                  </p:childTnLst>
-                                </p:cTn>
-                              </p:par>
-                              <p:par>
-                                <p:cTn id="15" presetID="42" presetClass="entr" presetSubtype="0" fill="hold" nodeType="withEffect">
-                                  <p:stCondLst>
-                                    <p:cond delay="0"/>
-                                  </p:stCondLst>
-                                  <p:childTnLst>
-                                    <p:set>
-                                      <p:cBhvr>
-                                        <p:cTn id="16" dur="1" fill="hold">
-                                          <p:stCondLst>
-                                            <p:cond delay="0"/>
-                                          </p:stCondLst>
-                                        </p:cTn>
-                                        <p:tgtEl>
-                                          <p:spTgt spid="6">
-                                            <p:txEl>
-                                              <p:pRg st="2" end="2"/>
-                                            </p:txEl>
-                                          </p:spTgt>
-                                        </p:tgtEl>
-                                        <p:attrNameLst>
-                                          <p:attrName>style.visibility</p:attrName>
-                                        </p:attrNameLst>
-                                      </p:cBhvr>
-                                      <p:to>
-                                        <p:strVal val="visible"/>
-                                      </p:to>
-                                    </p:set>
-                                    <p:animEffect transition="in" filter="fade">
-                                      <p:cBhvr>
-                                        <p:cTn id="17" dur="1000"/>
-                                        <p:tgtEl>
-                                          <p:spTgt spid="6">
-                                            <p:txEl>
-                                              <p:pRg st="2" end="2"/>
-                                            </p:txEl>
-                                          </p:spTgt>
-                                        </p:tgtEl>
-                                      </p:cBhvr>
-                                    </p:animEffect>
-                                    <p:anim calcmode="lin" valueType="num">
-                                      <p:cBhvr>
-                                        <p:cTn id="18" dur="1000" fill="hold"/>
-                                        <p:tgtEl>
-                                          <p:spTgt spid="6">
-                                            <p:txEl>
-                                              <p:pRg st="2" end="2"/>
-                                            </p:txEl>
-                                          </p:spTgt>
-                                        </p:tgtEl>
-                                        <p:attrNameLst>
-                                          <p:attrName>ppt_x</p:attrName>
-                                        </p:attrNameLst>
-                                      </p:cBhvr>
-                                      <p:tavLst>
-                                        <p:tav tm="0">
-                                          <p:val>
-                                            <p:strVal val="#ppt_x"/>
-                                          </p:val>
-                                        </p:tav>
-                                        <p:tav tm="100000">
-                                          <p:val>
-                                            <p:strVal val="#ppt_x"/>
-                                          </p:val>
-                                        </p:tav>
-                                      </p:tavLst>
-                                    </p:anim>
-                                    <p:anim calcmode="lin" valueType="num">
-                                      <p:cBhvr>
-                                        <p:cTn id="19" dur="1000" fill="hold"/>
-                                        <p:tgtEl>
-                                          <p:spTgt spid="6">
-                                            <p:txEl>
-                                              <p:pRg st="2" end="2"/>
-                                            </p:txEl>
-                                          </p:spTgt>
-                                        </p:tgtEl>
-                                        <p:attrNameLst>
-                                          <p:attrName>ppt_y</p:attrName>
-                                        </p:attrNameLst>
-                                      </p:cBhvr>
-                                      <p:tavLst>
-                                        <p:tav tm="0">
-                                          <p:val>
-                                            <p:strVal val="#ppt_y+.1"/>
-                                          </p:val>
-                                        </p:tav>
-                                        <p:tav tm="100000">
-                                          <p:val>
-                                            <p:strVal val="#ppt_y"/>
-                                          </p:val>
-                                        </p:tav>
-                                      </p:tavLst>
-                                    </p:anim>
-                                  </p:childTnLst>
-                                </p:cTn>
-                              </p:par>
-                              <p:par>
-                                <p:cTn id="20" presetID="42" presetClass="entr" presetSubtype="0" fill="hold" nodeType="withEffect">
-                                  <p:stCondLst>
-                                    <p:cond delay="0"/>
-                                  </p:stCondLst>
-                                  <p:childTnLst>
-                                    <p:set>
-                                      <p:cBhvr>
-                                        <p:cTn id="21" dur="1" fill="hold">
-                                          <p:stCondLst>
-                                            <p:cond delay="0"/>
-                                          </p:stCondLst>
-                                        </p:cTn>
-                                        <p:tgtEl>
-                                          <p:spTgt spid="6">
-                                            <p:txEl>
-                                              <p:pRg st="3" end="3"/>
-                                            </p:txEl>
-                                          </p:spTgt>
-                                        </p:tgtEl>
-                                        <p:attrNameLst>
-                                          <p:attrName>style.visibility</p:attrName>
-                                        </p:attrNameLst>
-                                      </p:cBhvr>
-                                      <p:to>
-                                        <p:strVal val="visible"/>
-                                      </p:to>
-                                    </p:set>
-                                    <p:animEffect transition="in" filter="fade">
-                                      <p:cBhvr>
-                                        <p:cTn id="22" dur="1000"/>
-                                        <p:tgtEl>
-                                          <p:spTgt spid="6">
-                                            <p:txEl>
-                                              <p:pRg st="3" end="3"/>
-                                            </p:txEl>
-                                          </p:spTgt>
-                                        </p:tgtEl>
-                                      </p:cBhvr>
-                                    </p:animEffect>
-                                    <p:anim calcmode="lin" valueType="num">
-                                      <p:cBhvr>
-                                        <p:cTn id="23" dur="1000" fill="hold"/>
-                                        <p:tgtEl>
-                                          <p:spTgt spid="6">
-                                            <p:txEl>
-                                              <p:pRg st="3" end="3"/>
-                                            </p:txEl>
-                                          </p:spTgt>
-                                        </p:tgtEl>
-                                        <p:attrNameLst>
-                                          <p:attrName>ppt_x</p:attrName>
-                                        </p:attrNameLst>
-                                      </p:cBhvr>
-                                      <p:tavLst>
-                                        <p:tav tm="0">
-                                          <p:val>
-                                            <p:strVal val="#ppt_x"/>
-                                          </p:val>
-                                        </p:tav>
-                                        <p:tav tm="100000">
-                                          <p:val>
-                                            <p:strVal val="#ppt_x"/>
-                                          </p:val>
-                                        </p:tav>
-                                      </p:tavLst>
-                                    </p:anim>
-                                    <p:anim calcmode="lin" valueType="num">
-                                      <p:cBhvr>
-                                        <p:cTn id="24" dur="1000" fill="hold"/>
-                                        <p:tgtEl>
-                                          <p:spTgt spid="6">
-                                            <p:txEl>
-                                              <p:pRg st="3" end="3"/>
-                                            </p:txEl>
-                                          </p:spTgt>
-                                        </p:tgtEl>
-                                        <p:attrNameLst>
-                                          <p:attrName>ppt_y</p:attrName>
-                                        </p:attrNameLst>
-                                      </p:cBhvr>
-                                      <p:tavLst>
-                                        <p:tav tm="0">
-                                          <p:val>
-                                            <p:strVal val="#ppt_y+.1"/>
-                                          </p:val>
-                                        </p:tav>
-                                        <p:tav tm="100000">
-                                          <p:val>
-                                            <p:strVal val="#ppt_y"/>
-                                          </p:val>
-                                        </p:tav>
-                                      </p:tavLst>
-                                    </p:anim>
-                                  </p:childTnLst>
-                                </p:cTn>
-                              </p:par>
-                              <p:par>
-                                <p:cTn id="25" presetID="42" presetClass="entr" presetSubtype="0" fill="hold" nodeType="withEffect">
-                                  <p:stCondLst>
-                                    <p:cond delay="0"/>
-                                  </p:stCondLst>
-                                  <p:childTnLst>
-                                    <p:set>
-                                      <p:cBhvr>
-                                        <p:cTn id="26" dur="1" fill="hold">
-                                          <p:stCondLst>
-                                            <p:cond delay="0"/>
-                                          </p:stCondLst>
-                                        </p:cTn>
-                                        <p:tgtEl>
-                                          <p:spTgt spid="6">
-                                            <p:txEl>
-                                              <p:pRg st="4" end="4"/>
-                                            </p:txEl>
-                                          </p:spTgt>
-                                        </p:tgtEl>
-                                        <p:attrNameLst>
-                                          <p:attrName>style.visibility</p:attrName>
-                                        </p:attrNameLst>
-                                      </p:cBhvr>
-                                      <p:to>
-                                        <p:strVal val="visible"/>
-                                      </p:to>
-                                    </p:set>
-                                    <p:animEffect transition="in" filter="fade">
-                                      <p:cBhvr>
-                                        <p:cTn id="27" dur="1000"/>
-                                        <p:tgtEl>
-                                          <p:spTgt spid="6">
-                                            <p:txEl>
-                                              <p:pRg st="4" end="4"/>
-                                            </p:txEl>
-                                          </p:spTgt>
-                                        </p:tgtEl>
-                                      </p:cBhvr>
-                                    </p:animEffect>
-                                    <p:anim calcmode="lin" valueType="num">
-                                      <p:cBhvr>
-                                        <p:cTn id="28" dur="1000" fill="hold"/>
-                                        <p:tgtEl>
-                                          <p:spTgt spid="6">
-                                            <p:txEl>
-                                              <p:pRg st="4" end="4"/>
-                                            </p:txEl>
-                                          </p:spTgt>
-                                        </p:tgtEl>
-                                        <p:attrNameLst>
-                                          <p:attrName>ppt_x</p:attrName>
-                                        </p:attrNameLst>
-                                      </p:cBhvr>
-                                      <p:tavLst>
-                                        <p:tav tm="0">
-                                          <p:val>
-                                            <p:strVal val="#ppt_x"/>
-                                          </p:val>
-                                        </p:tav>
-                                        <p:tav tm="100000">
-                                          <p:val>
-                                            <p:strVal val="#ppt_x"/>
-                                          </p:val>
-                                        </p:tav>
-                                      </p:tavLst>
-                                    </p:anim>
-                                    <p:anim calcmode="lin" valueType="num">
-                                      <p:cBhvr>
-                                        <p:cTn id="29" dur="1000" fill="hold"/>
-                                        <p:tgtEl>
-                                          <p:spTgt spid="6">
-                                            <p:txEl>
-                                              <p:pRg st="4" end="4"/>
-                                            </p:txEl>
-                                          </p:spTgt>
-                                        </p:tgtEl>
-                                        <p:attrNameLst>
-                                          <p:attrName>ppt_y</p:attrName>
-                                        </p:attrNameLst>
-                                      </p:cBhvr>
-                                      <p:tavLst>
-                                        <p:tav tm="0">
-                                          <p:val>
-                                            <p:strVal val="#ppt_y+.1"/>
-                                          </p:val>
-                                        </p:tav>
-                                        <p:tav tm="100000">
-                                          <p:val>
-                                            <p:strVal val="#ppt_y"/>
-                                          </p:val>
-                                        </p:tav>
-                                      </p:tavLst>
-                                    </p:anim>
-                                  </p:childTnLst>
-                                </p:cTn>
-                              </p:par>
-                            </p:childTnLst>
-                          </p:cTn>
-                        </p:par>
-                      </p:childTnLst>
-                    </p:cTn>
-                  </p:par>
-                  <p:par>
-                    <p:cTn id="30" fill="hold">
-                      <p:stCondLst>
-                        <p:cond delay="indefinite"/>
-                      </p:stCondLst>
-                      <p:childTnLst>
-                        <p:par>
-                          <p:cTn id="31" fill="hold">
-                            <p:stCondLst>
-                              <p:cond delay="0"/>
-                            </p:stCondLst>
-                            <p:childTnLst>
-                              <p:par>
-                                <p:cTn id="32" presetID="42" presetClass="entr" presetSubtype="0" fill="hold" nodeType="clickEffect">
-                                  <p:stCondLst>
-                                    <p:cond delay="0"/>
-                                  </p:stCondLst>
-                                  <p:childTnLst>
-                                    <p:set>
-                                      <p:cBhvr>
-                                        <p:cTn id="33" dur="1" fill="hold">
-                                          <p:stCondLst>
-                                            <p:cond delay="0"/>
-                                          </p:stCondLst>
-                                        </p:cTn>
-                                        <p:tgtEl>
-                                          <p:spTgt spid="6">
-                                            <p:txEl>
-                                              <p:pRg st="5" end="5"/>
-                                            </p:txEl>
-                                          </p:spTgt>
-                                        </p:tgtEl>
-                                        <p:attrNameLst>
-                                          <p:attrName>style.visibility</p:attrName>
-                                        </p:attrNameLst>
-                                      </p:cBhvr>
-                                      <p:to>
-                                        <p:strVal val="visible"/>
-                                      </p:to>
-                                    </p:set>
-                                    <p:animEffect transition="in" filter="fade">
-                                      <p:cBhvr>
-                                        <p:cTn id="34" dur="1000"/>
-                                        <p:tgtEl>
-                                          <p:spTgt spid="6">
-                                            <p:txEl>
-                                              <p:pRg st="5" end="5"/>
-                                            </p:txEl>
-                                          </p:spTgt>
-                                        </p:tgtEl>
-                                      </p:cBhvr>
-                                    </p:animEffect>
-                                    <p:anim calcmode="lin" valueType="num">
-                                      <p:cBhvr>
-                                        <p:cTn id="35" dur="1000" fill="hold"/>
-                                        <p:tgtEl>
-                                          <p:spTgt spid="6">
-                                            <p:txEl>
-                                              <p:pRg st="5" end="5"/>
-                                            </p:txEl>
-                                          </p:spTgt>
-                                        </p:tgtEl>
-                                        <p:attrNameLst>
-                                          <p:attrName>ppt_x</p:attrName>
-                                        </p:attrNameLst>
-                                      </p:cBhvr>
-                                      <p:tavLst>
-                                        <p:tav tm="0">
-                                          <p:val>
-                                            <p:strVal val="#ppt_x"/>
-                                          </p:val>
-                                        </p:tav>
-                                        <p:tav tm="100000">
-                                          <p:val>
-                                            <p:strVal val="#ppt_x"/>
-                                          </p:val>
-                                        </p:tav>
-                                      </p:tavLst>
-                                    </p:anim>
-                                    <p:anim calcmode="lin" valueType="num">
-                                      <p:cBhvr>
-                                        <p:cTn id="36" dur="1000" fill="hold"/>
-                                        <p:tgtEl>
-                                          <p:spTgt spid="6">
-                                            <p:txEl>
-                                              <p:pRg st="5" end="5"/>
-                                            </p:txEl>
-                                          </p:spTgt>
-                                        </p:tgtEl>
-                                        <p:attrNameLst>
-                                          <p:attrName>ppt_y</p:attrName>
-                                        </p:attrNameLst>
-                                      </p:cBhvr>
-                                      <p:tavLst>
-                                        <p:tav tm="0">
-                                          <p:val>
-                                            <p:strVal val="#ppt_y+.1"/>
-                                          </p:val>
-                                        </p:tav>
-                                        <p:tav tm="100000">
-                                          <p:val>
-                                            <p:strVal val="#ppt_y"/>
-                                          </p:val>
-                                        </p:tav>
-                                      </p:tavLst>
-                                    </p:anim>
-                                  </p:childTnLst>
-                                </p:cTn>
-                              </p:par>
-                            </p:childTnLst>
-                          </p:cTn>
-                        </p:par>
-                      </p:childTnLst>
-                    </p:cTn>
-                  </p:par>
-                  <p:par>
-                    <p:cTn id="37" fill="hold">
-                      <p:stCondLst>
-                        <p:cond delay="indefinite"/>
-                      </p:stCondLst>
-                      <p:childTnLst>
-                        <p:par>
-                          <p:cTn id="38" fill="hold">
-                            <p:stCondLst>
-                              <p:cond delay="0"/>
-                            </p:stCondLst>
-                            <p:childTnLst>
-                              <p:par>
-                                <p:cTn id="39" presetID="42" presetClass="entr" presetSubtype="0" fill="hold" nodeType="clickEffect">
-                                  <p:stCondLst>
-                                    <p:cond delay="0"/>
-                                  </p:stCondLst>
-                                  <p:childTnLst>
-                                    <p:set>
-                                      <p:cBhvr>
-                                        <p:cTn id="40" dur="1" fill="hold">
-                                          <p:stCondLst>
-                                            <p:cond delay="0"/>
-                                          </p:stCondLst>
-                                        </p:cTn>
-                                        <p:tgtEl>
-                                          <p:spTgt spid="6">
-                                            <p:txEl>
-                                              <p:pRg st="6" end="6"/>
-                                            </p:txEl>
-                                          </p:spTgt>
-                                        </p:tgtEl>
-                                        <p:attrNameLst>
-                                          <p:attrName>style.visibility</p:attrName>
-                                        </p:attrNameLst>
-                                      </p:cBhvr>
-                                      <p:to>
-                                        <p:strVal val="visible"/>
-                                      </p:to>
-                                    </p:set>
-                                    <p:animEffect transition="in" filter="fade">
-                                      <p:cBhvr>
-                                        <p:cTn id="41" dur="1000"/>
-                                        <p:tgtEl>
-                                          <p:spTgt spid="6">
-                                            <p:txEl>
-                                              <p:pRg st="6" end="6"/>
-                                            </p:txEl>
-                                          </p:spTgt>
-                                        </p:tgtEl>
-                                      </p:cBhvr>
-                                    </p:animEffect>
-                                    <p:anim calcmode="lin" valueType="num">
-                                      <p:cBhvr>
-                                        <p:cTn id="42" dur="1000" fill="hold"/>
-                                        <p:tgtEl>
-                                          <p:spTgt spid="6">
-                                            <p:txEl>
-                                              <p:pRg st="6" end="6"/>
-                                            </p:txEl>
-                                          </p:spTgt>
-                                        </p:tgtEl>
-                                        <p:attrNameLst>
-                                          <p:attrName>ppt_x</p:attrName>
-                                        </p:attrNameLst>
-                                      </p:cBhvr>
-                                      <p:tavLst>
-                                        <p:tav tm="0">
-                                          <p:val>
-                                            <p:strVal val="#ppt_x"/>
-                                          </p:val>
-                                        </p:tav>
-                                        <p:tav tm="100000">
-                                          <p:val>
-                                            <p:strVal val="#ppt_x"/>
-                                          </p:val>
-                                        </p:tav>
-                                      </p:tavLst>
-                                    </p:anim>
-                                    <p:anim calcmode="lin" valueType="num">
-                                      <p:cBhvr>
-                                        <p:cTn id="43" dur="1000" fill="hold"/>
-                                        <p:tgtEl>
-                                          <p:spTgt spid="6">
-                                            <p:txEl>
-                                              <p:pRg st="6" end="6"/>
-                                            </p:txEl>
-                                          </p:spTgt>
-                                        </p:tgtEl>
-                                        <p:attrNameLst>
-                                          <p:attrName>ppt_y</p:attrName>
-                                        </p:attrNameLst>
-                                      </p:cBhvr>
-                                      <p:tavLst>
-                                        <p:tav tm="0">
-                                          <p:val>
-                                            <p:strVal val="#ppt_y+.1"/>
-                                          </p:val>
-                                        </p:tav>
-                                        <p:tav tm="100000">
-                                          <p:val>
-                                            <p:strVal val="#ppt_y"/>
-                                          </p:val>
-                                        </p:tav>
-                                      </p:tavLst>
-                                    </p:anim>
-                                  </p:childTnLst>
-                                </p:cTn>
-                              </p:par>
-                            </p:childTnLst>
-                          </p:cTn>
-                        </p:par>
-                      </p:childTnLst>
-                    </p:cTn>
-                  </p:par>
-                </p:childTnLst>
-              </p:cTn>
-              <p:prevCondLst>
-                <p:cond evt="onPrev" delay="0">
-                  <p:tgtEl>
-                    <p:sldTgt/>
-                  </p:tgtEl>
-                </p:cond>
-              </p:prevCondLst>
-              <p:nextCondLst>
-                <p:cond evt="onNext" delay="0">
-                  <p:tgtEl>
-                    <p:sldTgt/>
-                  </p:tgtEl>
-                </p:cond>
-              </p:nextCondLst>
-            </p:seq>
-          </p:childTnLst>
-        </p:cTn>
-      </p:par>
-    </p:tnLst>
-  </p:timing>
 </p:sld>
 </file>
 
-<file path=ppt/slides/slide11.xml><?xml version="1.0" encoding="utf-8"?>
+<file path=ppt/slides/slide12.xml><?xml version="1.0" encoding="utf-8"?>
 <p:sld xmlns:a="http://schemas.openxmlformats.org/drawingml/2006/main" xmlns:r="http://schemas.openxmlformats.org/officeDocument/2006/relationships" xmlns:p="http://schemas.openxmlformats.org/presentationml/2006/main">
   <p:cSld>
     <p:spTree>
@@ -18028,1589 +14916,10 @@
       </p:transition>
     </mc:Fallback>
   </mc:AlternateContent>
-  <p:timing>
-    <p:tnLst>
-      <p:par>
-        <p:cTn id="1" dur="indefinite" restart="never" nodeType="tmRoot">
-          <p:childTnLst>
-            <p:seq concurrent="1" nextAc="seek">
-              <p:cTn id="2" dur="indefinite" nodeType="mainSeq">
-                <p:childTnLst>
-                  <p:par>
-                    <p:cTn id="3" fill="hold">
-                      <p:stCondLst>
-                        <p:cond delay="indefinite"/>
-                      </p:stCondLst>
-                      <p:childTnLst>
-                        <p:par>
-                          <p:cTn id="4" fill="hold">
-                            <p:stCondLst>
-                              <p:cond delay="0"/>
-                            </p:stCondLst>
-                            <p:childTnLst>
-                              <p:par>
-                                <p:cTn id="5" presetID="31" presetClass="entr" presetSubtype="0" fill="hold" nodeType="clickEffect">
-                                  <p:stCondLst>
-                                    <p:cond delay="0"/>
-                                  </p:stCondLst>
-                                  <p:childTnLst>
-                                    <p:set>
-                                      <p:cBhvr>
-                                        <p:cTn id="6" dur="1" fill="hold">
-                                          <p:stCondLst>
-                                            <p:cond delay="0"/>
-                                          </p:stCondLst>
-                                        </p:cTn>
-                                        <p:tgtEl>
-                                          <p:spTgt spid="3">
-                                            <p:txEl>
-                                              <p:pRg st="0" end="0"/>
-                                            </p:txEl>
-                                          </p:spTgt>
-                                        </p:tgtEl>
-                                        <p:attrNameLst>
-                                          <p:attrName>style.visibility</p:attrName>
-                                        </p:attrNameLst>
-                                      </p:cBhvr>
-                                      <p:to>
-                                        <p:strVal val="visible"/>
-                                      </p:to>
-                                    </p:set>
-                                    <p:anim calcmode="lin" valueType="num">
-                                      <p:cBhvr>
-                                        <p:cTn id="7" dur="1000" fill="hold"/>
-                                        <p:tgtEl>
-                                          <p:spTgt spid="3">
-                                            <p:txEl>
-                                              <p:pRg st="0" end="0"/>
-                                            </p:txEl>
-                                          </p:spTgt>
-                                        </p:tgtEl>
-                                        <p:attrNameLst>
-                                          <p:attrName>ppt_w</p:attrName>
-                                        </p:attrNameLst>
-                                      </p:cBhvr>
-                                      <p:tavLst>
-                                        <p:tav tm="0">
-                                          <p:val>
-                                            <p:fltVal val="0"/>
-                                          </p:val>
-                                        </p:tav>
-                                        <p:tav tm="100000">
-                                          <p:val>
-                                            <p:strVal val="#ppt_w"/>
-                                          </p:val>
-                                        </p:tav>
-                                      </p:tavLst>
-                                    </p:anim>
-                                    <p:anim calcmode="lin" valueType="num">
-                                      <p:cBhvr>
-                                        <p:cTn id="8" dur="1000" fill="hold"/>
-                                        <p:tgtEl>
-                                          <p:spTgt spid="3">
-                                            <p:txEl>
-                                              <p:pRg st="0" end="0"/>
-                                            </p:txEl>
-                                          </p:spTgt>
-                                        </p:tgtEl>
-                                        <p:attrNameLst>
-                                          <p:attrName>ppt_h</p:attrName>
-                                        </p:attrNameLst>
-                                      </p:cBhvr>
-                                      <p:tavLst>
-                                        <p:tav tm="0">
-                                          <p:val>
-                                            <p:fltVal val="0"/>
-                                          </p:val>
-                                        </p:tav>
-                                        <p:tav tm="100000">
-                                          <p:val>
-                                            <p:strVal val="#ppt_h"/>
-                                          </p:val>
-                                        </p:tav>
-                                      </p:tavLst>
-                                    </p:anim>
-                                    <p:anim calcmode="lin" valueType="num">
-                                      <p:cBhvr>
-                                        <p:cTn id="9" dur="1000" fill="hold"/>
-                                        <p:tgtEl>
-                                          <p:spTgt spid="3">
-                                            <p:txEl>
-                                              <p:pRg st="0" end="0"/>
-                                            </p:txEl>
-                                          </p:spTgt>
-                                        </p:tgtEl>
-                                        <p:attrNameLst>
-                                          <p:attrName>style.rotation</p:attrName>
-                                        </p:attrNameLst>
-                                      </p:cBhvr>
-                                      <p:tavLst>
-                                        <p:tav tm="0">
-                                          <p:val>
-                                            <p:fltVal val="90"/>
-                                          </p:val>
-                                        </p:tav>
-                                        <p:tav tm="100000">
-                                          <p:val>
-                                            <p:fltVal val="0"/>
-                                          </p:val>
-                                        </p:tav>
-                                      </p:tavLst>
-                                    </p:anim>
-                                    <p:animEffect transition="in" filter="fade">
-                                      <p:cBhvr>
-                                        <p:cTn id="10" dur="1000"/>
-                                        <p:tgtEl>
-                                          <p:spTgt spid="3">
-                                            <p:txEl>
-                                              <p:pRg st="0" end="0"/>
-                                            </p:txEl>
-                                          </p:spTgt>
-                                        </p:tgtEl>
-                                      </p:cBhvr>
-                                    </p:animEffect>
-                                  </p:childTnLst>
-                                </p:cTn>
-                              </p:par>
-                            </p:childTnLst>
-                          </p:cTn>
-                        </p:par>
-                      </p:childTnLst>
-                    </p:cTn>
-                  </p:par>
-                  <p:par>
-                    <p:cTn id="11" fill="hold">
-                      <p:stCondLst>
-                        <p:cond delay="indefinite"/>
-                      </p:stCondLst>
-                      <p:childTnLst>
-                        <p:par>
-                          <p:cTn id="12" fill="hold">
-                            <p:stCondLst>
-                              <p:cond delay="0"/>
-                            </p:stCondLst>
-                            <p:childTnLst>
-                              <p:par>
-                                <p:cTn id="13" presetID="14" presetClass="entr" presetSubtype="10" fill="hold" nodeType="clickEffect">
-                                  <p:stCondLst>
-                                    <p:cond delay="0"/>
-                                  </p:stCondLst>
-                                  <p:childTnLst>
-                                    <p:set>
-                                      <p:cBhvr>
-                                        <p:cTn id="14" dur="1" fill="hold">
-                                          <p:stCondLst>
-                                            <p:cond delay="0"/>
-                                          </p:stCondLst>
-                                        </p:cTn>
-                                        <p:tgtEl>
-                                          <p:spTgt spid="3">
-                                            <p:txEl>
-                                              <p:pRg st="1" end="1"/>
-                                            </p:txEl>
-                                          </p:spTgt>
-                                        </p:tgtEl>
-                                        <p:attrNameLst>
-                                          <p:attrName>style.visibility</p:attrName>
-                                        </p:attrNameLst>
-                                      </p:cBhvr>
-                                      <p:to>
-                                        <p:strVal val="visible"/>
-                                      </p:to>
-                                    </p:set>
-                                    <p:animEffect transition="in" filter="randombar(horizontal)">
-                                      <p:cBhvr>
-                                        <p:cTn id="15" dur="1000"/>
-                                        <p:tgtEl>
-                                          <p:spTgt spid="3">
-                                            <p:txEl>
-                                              <p:pRg st="1" end="1"/>
-                                            </p:txEl>
-                                          </p:spTgt>
-                                        </p:tgtEl>
-                                      </p:cBhvr>
-                                    </p:animEffect>
-                                  </p:childTnLst>
-                                </p:cTn>
-                              </p:par>
-                            </p:childTnLst>
-                          </p:cTn>
-                        </p:par>
-                      </p:childTnLst>
-                    </p:cTn>
-                  </p:par>
-                  <p:par>
-                    <p:cTn id="16" fill="hold">
-                      <p:stCondLst>
-                        <p:cond delay="indefinite"/>
-                      </p:stCondLst>
-                      <p:childTnLst>
-                        <p:par>
-                          <p:cTn id="17" fill="hold">
-                            <p:stCondLst>
-                              <p:cond delay="0"/>
-                            </p:stCondLst>
-                            <p:childTnLst>
-                              <p:par>
-                                <p:cTn id="18" presetID="31" presetClass="entr" presetSubtype="0" fill="hold" nodeType="clickEffect">
-                                  <p:stCondLst>
-                                    <p:cond delay="0"/>
-                                  </p:stCondLst>
-                                  <p:childTnLst>
-                                    <p:set>
-                                      <p:cBhvr>
-                                        <p:cTn id="19" dur="1" fill="hold">
-                                          <p:stCondLst>
-                                            <p:cond delay="0"/>
-                                          </p:stCondLst>
-                                        </p:cTn>
-                                        <p:tgtEl>
-                                          <p:spTgt spid="3">
-                                            <p:txEl>
-                                              <p:pRg st="2" end="2"/>
-                                            </p:txEl>
-                                          </p:spTgt>
-                                        </p:tgtEl>
-                                        <p:attrNameLst>
-                                          <p:attrName>style.visibility</p:attrName>
-                                        </p:attrNameLst>
-                                      </p:cBhvr>
-                                      <p:to>
-                                        <p:strVal val="visible"/>
-                                      </p:to>
-                                    </p:set>
-                                    <p:anim calcmode="lin" valueType="num">
-                                      <p:cBhvr>
-                                        <p:cTn id="20" dur="1000" fill="hold"/>
-                                        <p:tgtEl>
-                                          <p:spTgt spid="3">
-                                            <p:txEl>
-                                              <p:pRg st="2" end="2"/>
-                                            </p:txEl>
-                                          </p:spTgt>
-                                        </p:tgtEl>
-                                        <p:attrNameLst>
-                                          <p:attrName>ppt_w</p:attrName>
-                                        </p:attrNameLst>
-                                      </p:cBhvr>
-                                      <p:tavLst>
-                                        <p:tav tm="0">
-                                          <p:val>
-                                            <p:fltVal val="0"/>
-                                          </p:val>
-                                        </p:tav>
-                                        <p:tav tm="100000">
-                                          <p:val>
-                                            <p:strVal val="#ppt_w"/>
-                                          </p:val>
-                                        </p:tav>
-                                      </p:tavLst>
-                                    </p:anim>
-                                    <p:anim calcmode="lin" valueType="num">
-                                      <p:cBhvr>
-                                        <p:cTn id="21" dur="1000" fill="hold"/>
-                                        <p:tgtEl>
-                                          <p:spTgt spid="3">
-                                            <p:txEl>
-                                              <p:pRg st="2" end="2"/>
-                                            </p:txEl>
-                                          </p:spTgt>
-                                        </p:tgtEl>
-                                        <p:attrNameLst>
-                                          <p:attrName>ppt_h</p:attrName>
-                                        </p:attrNameLst>
-                                      </p:cBhvr>
-                                      <p:tavLst>
-                                        <p:tav tm="0">
-                                          <p:val>
-                                            <p:fltVal val="0"/>
-                                          </p:val>
-                                        </p:tav>
-                                        <p:tav tm="100000">
-                                          <p:val>
-                                            <p:strVal val="#ppt_h"/>
-                                          </p:val>
-                                        </p:tav>
-                                      </p:tavLst>
-                                    </p:anim>
-                                    <p:anim calcmode="lin" valueType="num">
-                                      <p:cBhvr>
-                                        <p:cTn id="22" dur="1000" fill="hold"/>
-                                        <p:tgtEl>
-                                          <p:spTgt spid="3">
-                                            <p:txEl>
-                                              <p:pRg st="2" end="2"/>
-                                            </p:txEl>
-                                          </p:spTgt>
-                                        </p:tgtEl>
-                                        <p:attrNameLst>
-                                          <p:attrName>style.rotation</p:attrName>
-                                        </p:attrNameLst>
-                                      </p:cBhvr>
-                                      <p:tavLst>
-                                        <p:tav tm="0">
-                                          <p:val>
-                                            <p:fltVal val="90"/>
-                                          </p:val>
-                                        </p:tav>
-                                        <p:tav tm="100000">
-                                          <p:val>
-                                            <p:fltVal val="0"/>
-                                          </p:val>
-                                        </p:tav>
-                                      </p:tavLst>
-                                    </p:anim>
-                                    <p:animEffect transition="in" filter="fade">
-                                      <p:cBhvr>
-                                        <p:cTn id="23" dur="1000"/>
-                                        <p:tgtEl>
-                                          <p:spTgt spid="3">
-                                            <p:txEl>
-                                              <p:pRg st="2" end="2"/>
-                                            </p:txEl>
-                                          </p:spTgt>
-                                        </p:tgtEl>
-                                      </p:cBhvr>
-                                    </p:animEffect>
-                                  </p:childTnLst>
-                                </p:cTn>
-                              </p:par>
-                            </p:childTnLst>
-                          </p:cTn>
-                        </p:par>
-                      </p:childTnLst>
-                    </p:cTn>
-                  </p:par>
-                  <p:par>
-                    <p:cTn id="24" fill="hold">
-                      <p:stCondLst>
-                        <p:cond delay="indefinite"/>
-                      </p:stCondLst>
-                      <p:childTnLst>
-                        <p:par>
-                          <p:cTn id="25" fill="hold">
-                            <p:stCondLst>
-                              <p:cond delay="0"/>
-                            </p:stCondLst>
-                            <p:childTnLst>
-                              <p:par>
-                                <p:cTn id="26" presetID="14" presetClass="entr" presetSubtype="10" fill="hold" nodeType="clickEffect">
-                                  <p:stCondLst>
-                                    <p:cond delay="0"/>
-                                  </p:stCondLst>
-                                  <p:childTnLst>
-                                    <p:set>
-                                      <p:cBhvr>
-                                        <p:cTn id="27" dur="1" fill="hold">
-                                          <p:stCondLst>
-                                            <p:cond delay="0"/>
-                                          </p:stCondLst>
-                                        </p:cTn>
-                                        <p:tgtEl>
-                                          <p:spTgt spid="3">
-                                            <p:txEl>
-                                              <p:pRg st="3" end="3"/>
-                                            </p:txEl>
-                                          </p:spTgt>
-                                        </p:tgtEl>
-                                        <p:attrNameLst>
-                                          <p:attrName>style.visibility</p:attrName>
-                                        </p:attrNameLst>
-                                      </p:cBhvr>
-                                      <p:to>
-                                        <p:strVal val="visible"/>
-                                      </p:to>
-                                    </p:set>
-                                    <p:animEffect transition="in" filter="randombar(horizontal)">
-                                      <p:cBhvr>
-                                        <p:cTn id="28" dur="1000"/>
-                                        <p:tgtEl>
-                                          <p:spTgt spid="3">
-                                            <p:txEl>
-                                              <p:pRg st="3" end="3"/>
-                                            </p:txEl>
-                                          </p:spTgt>
-                                        </p:tgtEl>
-                                      </p:cBhvr>
-                                    </p:animEffect>
-                                  </p:childTnLst>
-                                </p:cTn>
-                              </p:par>
-                            </p:childTnLst>
-                          </p:cTn>
-                        </p:par>
-                      </p:childTnLst>
-                    </p:cTn>
-                  </p:par>
-                  <p:par>
-                    <p:cTn id="29" fill="hold">
-                      <p:stCondLst>
-                        <p:cond delay="indefinite"/>
-                      </p:stCondLst>
-                      <p:childTnLst>
-                        <p:par>
-                          <p:cTn id="30" fill="hold">
-                            <p:stCondLst>
-                              <p:cond delay="0"/>
-                            </p:stCondLst>
-                            <p:childTnLst>
-                              <p:par>
-                                <p:cTn id="31" presetID="34" presetClass="emph" presetSubtype="0" fill="hold" grpId="0" nodeType="clickEffect">
-                                  <p:stCondLst>
-                                    <p:cond delay="0"/>
-                                  </p:stCondLst>
-                                  <p:iterate type="lt">
-                                    <p:tmPct val="10000"/>
-                                  </p:iterate>
-                                  <p:childTnLst>
-                                    <p:animMotion origin="layout" path="M -2.5E-6 -1.97531E-6 L -2.5E-6 -0.07222 " pathEditMode="relative" rAng="0" ptsTypes="AA">
-                                      <p:cBhvr>
-                                        <p:cTn id="32" dur="250" accel="50000" decel="50000" autoRev="1" fill="hold">
-                                          <p:stCondLst>
-                                            <p:cond delay="0"/>
-                                          </p:stCondLst>
-                                        </p:cTn>
-                                        <p:tgtEl>
-                                          <p:spTgt spid="8"/>
-                                        </p:tgtEl>
-                                        <p:attrNameLst>
-                                          <p:attrName>ppt_x</p:attrName>
-                                          <p:attrName>ppt_y</p:attrName>
-                                        </p:attrNameLst>
-                                      </p:cBhvr>
-                                      <p:rCtr x="0" y="-3611"/>
-                                    </p:animMotion>
-                                    <p:animRot by="1500000">
-                                      <p:cBhvr>
-                                        <p:cTn id="33" dur="125" fill="hold">
-                                          <p:stCondLst>
-                                            <p:cond delay="0"/>
-                                          </p:stCondLst>
-                                        </p:cTn>
-                                        <p:tgtEl>
-                                          <p:spTgt spid="8"/>
-                                        </p:tgtEl>
-                                        <p:attrNameLst>
-                                          <p:attrName>r</p:attrName>
-                                        </p:attrNameLst>
-                                      </p:cBhvr>
-                                    </p:animRot>
-                                    <p:animRot by="-1500000">
-                                      <p:cBhvr>
-                                        <p:cTn id="34" dur="125" fill="hold">
-                                          <p:stCondLst>
-                                            <p:cond delay="125"/>
-                                          </p:stCondLst>
-                                        </p:cTn>
-                                        <p:tgtEl>
-                                          <p:spTgt spid="8"/>
-                                        </p:tgtEl>
-                                        <p:attrNameLst>
-                                          <p:attrName>r</p:attrName>
-                                        </p:attrNameLst>
-                                      </p:cBhvr>
-                                    </p:animRot>
-                                    <p:animRot by="-1500000">
-                                      <p:cBhvr>
-                                        <p:cTn id="35" dur="125" fill="hold">
-                                          <p:stCondLst>
-                                            <p:cond delay="250"/>
-                                          </p:stCondLst>
-                                        </p:cTn>
-                                        <p:tgtEl>
-                                          <p:spTgt spid="8"/>
-                                        </p:tgtEl>
-                                        <p:attrNameLst>
-                                          <p:attrName>r</p:attrName>
-                                        </p:attrNameLst>
-                                      </p:cBhvr>
-                                    </p:animRot>
-                                    <p:animRot by="1500000">
-                                      <p:cBhvr>
-                                        <p:cTn id="36" dur="125" fill="hold">
-                                          <p:stCondLst>
-                                            <p:cond delay="375"/>
-                                          </p:stCondLst>
-                                        </p:cTn>
-                                        <p:tgtEl>
-                                          <p:spTgt spid="8"/>
-                                        </p:tgtEl>
-                                        <p:attrNameLst>
-                                          <p:attrName>r</p:attrName>
-                                        </p:attrNameLst>
-                                      </p:cBhvr>
-                                    </p:animRot>
-                                  </p:childTnLst>
-                                </p:cTn>
-                              </p:par>
-                            </p:childTnLst>
-                          </p:cTn>
-                        </p:par>
-                      </p:childTnLst>
-                    </p:cTn>
-                  </p:par>
-                  <p:par>
-                    <p:cTn id="37" fill="hold">
-                      <p:stCondLst>
-                        <p:cond delay="indefinite"/>
-                      </p:stCondLst>
-                      <p:childTnLst>
-                        <p:par>
-                          <p:cTn id="38" fill="hold">
-                            <p:stCondLst>
-                              <p:cond delay="0"/>
-                            </p:stCondLst>
-                            <p:childTnLst>
-                              <p:par>
-                                <p:cTn id="39" presetID="16" presetClass="entr" presetSubtype="21" fill="hold" nodeType="clickEffect">
-                                  <p:stCondLst>
-                                    <p:cond delay="0"/>
-                                  </p:stCondLst>
-                                  <p:childTnLst>
-                                    <p:set>
-                                      <p:cBhvr>
-                                        <p:cTn id="40" dur="1" fill="hold">
-                                          <p:stCondLst>
-                                            <p:cond delay="0"/>
-                                          </p:stCondLst>
-                                        </p:cTn>
-                                        <p:tgtEl>
-                                          <p:spTgt spid="4"/>
-                                        </p:tgtEl>
-                                        <p:attrNameLst>
-                                          <p:attrName>style.visibility</p:attrName>
-                                        </p:attrNameLst>
-                                      </p:cBhvr>
-                                      <p:to>
-                                        <p:strVal val="visible"/>
-                                      </p:to>
-                                    </p:set>
-                                    <p:animEffect transition="in" filter="barn(inVertical)">
-                                      <p:cBhvr>
-                                        <p:cTn id="41" dur="500"/>
-                                        <p:tgtEl>
-                                          <p:spTgt spid="4"/>
-                                        </p:tgtEl>
-                                      </p:cBhvr>
-                                    </p:animEffect>
-                                  </p:childTnLst>
-                                </p:cTn>
-                              </p:par>
-                            </p:childTnLst>
-                          </p:cTn>
-                        </p:par>
-                      </p:childTnLst>
-                    </p:cTn>
-                  </p:par>
-                  <p:par>
-                    <p:cTn id="42" fill="hold">
-                      <p:stCondLst>
-                        <p:cond delay="indefinite"/>
-                      </p:stCondLst>
-                      <p:childTnLst>
-                        <p:par>
-                          <p:cTn id="43" fill="hold">
-                            <p:stCondLst>
-                              <p:cond delay="0"/>
-                            </p:stCondLst>
-                            <p:childTnLst>
-                              <p:par>
-                                <p:cTn id="44" presetID="22" presetClass="entr" presetSubtype="4" fill="hold" grpId="0" nodeType="clickEffect">
-                                  <p:stCondLst>
-                                    <p:cond delay="0"/>
-                                  </p:stCondLst>
-                                  <p:childTnLst>
-                                    <p:set>
-                                      <p:cBhvr>
-                                        <p:cTn id="45" dur="1" fill="hold">
-                                          <p:stCondLst>
-                                            <p:cond delay="0"/>
-                                          </p:stCondLst>
-                                        </p:cTn>
-                                        <p:tgtEl>
-                                          <p:spTgt spid="6"/>
-                                        </p:tgtEl>
-                                        <p:attrNameLst>
-                                          <p:attrName>style.visibility</p:attrName>
-                                        </p:attrNameLst>
-                                      </p:cBhvr>
-                                      <p:to>
-                                        <p:strVal val="visible"/>
-                                      </p:to>
-                                    </p:set>
-                                    <p:animEffect transition="in" filter="wipe(down)">
-                                      <p:cBhvr>
-                                        <p:cTn id="46" dur="500"/>
-                                        <p:tgtEl>
-                                          <p:spTgt spid="6"/>
-                                        </p:tgtEl>
-                                      </p:cBhvr>
-                                    </p:animEffect>
-                                  </p:childTnLst>
-                                </p:cTn>
-                              </p:par>
-                            </p:childTnLst>
-                          </p:cTn>
-                        </p:par>
-                      </p:childTnLst>
-                    </p:cTn>
-                  </p:par>
-                  <p:par>
-                    <p:cTn id="47" fill="hold">
-                      <p:stCondLst>
-                        <p:cond delay="indefinite"/>
-                      </p:stCondLst>
-                      <p:childTnLst>
-                        <p:par>
-                          <p:cTn id="48" fill="hold">
-                            <p:stCondLst>
-                              <p:cond delay="0"/>
-                            </p:stCondLst>
-                            <p:childTnLst>
-                              <p:par>
-                                <p:cTn id="49" presetID="45" presetClass="entr" presetSubtype="0" fill="hold" nodeType="clickEffect">
-                                  <p:stCondLst>
-                                    <p:cond delay="0"/>
-                                  </p:stCondLst>
-                                  <p:childTnLst>
-                                    <p:set>
-                                      <p:cBhvr>
-                                        <p:cTn id="50" dur="1" fill="hold">
-                                          <p:stCondLst>
-                                            <p:cond delay="0"/>
-                                          </p:stCondLst>
-                                        </p:cTn>
-                                        <p:tgtEl>
-                                          <p:spTgt spid="7"/>
-                                        </p:tgtEl>
-                                        <p:attrNameLst>
-                                          <p:attrName>style.visibility</p:attrName>
-                                        </p:attrNameLst>
-                                      </p:cBhvr>
-                                      <p:to>
-                                        <p:strVal val="visible"/>
-                                      </p:to>
-                                    </p:set>
-                                    <p:animEffect transition="in" filter="fade">
-                                      <p:cBhvr>
-                                        <p:cTn id="51" dur="2000"/>
-                                        <p:tgtEl>
-                                          <p:spTgt spid="7"/>
-                                        </p:tgtEl>
-                                      </p:cBhvr>
-                                    </p:animEffect>
-                                    <p:anim calcmode="lin" valueType="num">
-                                      <p:cBhvr>
-                                        <p:cTn id="52" dur="2000" fill="hold"/>
-                                        <p:tgtEl>
-                                          <p:spTgt spid="7"/>
-                                        </p:tgtEl>
-                                        <p:attrNameLst>
-                                          <p:attrName>ppt_w</p:attrName>
-                                        </p:attrNameLst>
-                                      </p:cBhvr>
-                                      <p:tavLst>
-                                        <p:tav tm="0" fmla="#ppt_w*sin(2.5*pi*$)">
-                                          <p:val>
-                                            <p:fltVal val="0"/>
-                                          </p:val>
-                                        </p:tav>
-                                        <p:tav tm="100000">
-                                          <p:val>
-                                            <p:fltVal val="1"/>
-                                          </p:val>
-                                        </p:tav>
-                                      </p:tavLst>
-                                    </p:anim>
-                                    <p:anim calcmode="lin" valueType="num">
-                                      <p:cBhvr>
-                                        <p:cTn id="53" dur="2000" fill="hold"/>
-                                        <p:tgtEl>
-                                          <p:spTgt spid="7"/>
-                                        </p:tgtEl>
-                                        <p:attrNameLst>
-                                          <p:attrName>ppt_h</p:attrName>
-                                        </p:attrNameLst>
-                                      </p:cBhvr>
-                                      <p:tavLst>
-                                        <p:tav tm="0">
-                                          <p:val>
-                                            <p:strVal val="#ppt_h"/>
-                                          </p:val>
-                                        </p:tav>
-                                        <p:tav tm="100000">
-                                          <p:val>
-                                            <p:strVal val="#ppt_h"/>
-                                          </p:val>
-                                        </p:tav>
-                                      </p:tavLst>
-                                    </p:anim>
-                                  </p:childTnLst>
-                                </p:cTn>
-                              </p:par>
-                            </p:childTnLst>
-                          </p:cTn>
-                        </p:par>
-                      </p:childTnLst>
-                    </p:cTn>
-                  </p:par>
-                  <p:par>
-                    <p:cTn id="54" fill="hold">
-                      <p:stCondLst>
-                        <p:cond delay="indefinite"/>
-                      </p:stCondLst>
-                      <p:childTnLst>
-                        <p:par>
-                          <p:cTn id="55" fill="hold">
-                            <p:stCondLst>
-                              <p:cond delay="0"/>
-                            </p:stCondLst>
-                            <p:childTnLst>
-                              <p:par>
-                                <p:cTn id="56" presetID="47" presetClass="entr" presetSubtype="0" fill="hold" grpId="0" nodeType="clickEffect">
-                                  <p:stCondLst>
-                                    <p:cond delay="0"/>
-                                  </p:stCondLst>
-                                  <p:childTnLst>
-                                    <p:set>
-                                      <p:cBhvr>
-                                        <p:cTn id="57" dur="1" fill="hold">
-                                          <p:stCondLst>
-                                            <p:cond delay="0"/>
-                                          </p:stCondLst>
-                                        </p:cTn>
-                                        <p:tgtEl>
-                                          <p:spTgt spid="9"/>
-                                        </p:tgtEl>
-                                        <p:attrNameLst>
-                                          <p:attrName>style.visibility</p:attrName>
-                                        </p:attrNameLst>
-                                      </p:cBhvr>
-                                      <p:to>
-                                        <p:strVal val="visible"/>
-                                      </p:to>
-                                    </p:set>
-                                    <p:animEffect transition="in" filter="fade">
-                                      <p:cBhvr>
-                                        <p:cTn id="58" dur="1000"/>
-                                        <p:tgtEl>
-                                          <p:spTgt spid="9"/>
-                                        </p:tgtEl>
-                                      </p:cBhvr>
-                                    </p:animEffect>
-                                    <p:anim calcmode="lin" valueType="num">
-                                      <p:cBhvr>
-                                        <p:cTn id="59" dur="1000" fill="hold"/>
-                                        <p:tgtEl>
-                                          <p:spTgt spid="9"/>
-                                        </p:tgtEl>
-                                        <p:attrNameLst>
-                                          <p:attrName>ppt_x</p:attrName>
-                                        </p:attrNameLst>
-                                      </p:cBhvr>
-                                      <p:tavLst>
-                                        <p:tav tm="0">
-                                          <p:val>
-                                            <p:strVal val="#ppt_x"/>
-                                          </p:val>
-                                        </p:tav>
-                                        <p:tav tm="100000">
-                                          <p:val>
-                                            <p:strVal val="#ppt_x"/>
-                                          </p:val>
-                                        </p:tav>
-                                      </p:tavLst>
-                                    </p:anim>
-                                    <p:anim calcmode="lin" valueType="num">
-                                      <p:cBhvr>
-                                        <p:cTn id="60" dur="1000" fill="hold"/>
-                                        <p:tgtEl>
-                                          <p:spTgt spid="9"/>
-                                        </p:tgtEl>
-                                        <p:attrNameLst>
-                                          <p:attrName>ppt_y</p:attrName>
-                                        </p:attrNameLst>
-                                      </p:cBhvr>
-                                      <p:tavLst>
-                                        <p:tav tm="0">
-                                          <p:val>
-                                            <p:strVal val="#ppt_y-.1"/>
-                                          </p:val>
-                                        </p:tav>
-                                        <p:tav tm="100000">
-                                          <p:val>
-                                            <p:strVal val="#ppt_y"/>
-                                          </p:val>
-                                        </p:tav>
-                                      </p:tavLst>
-                                    </p:anim>
-                                  </p:childTnLst>
-                                </p:cTn>
-                              </p:par>
-                            </p:childTnLst>
-                          </p:cTn>
-                        </p:par>
-                      </p:childTnLst>
-                    </p:cTn>
-                  </p:par>
-                  <p:par>
-                    <p:cTn id="61" fill="hold">
-                      <p:stCondLst>
-                        <p:cond delay="indefinite"/>
-                      </p:stCondLst>
-                      <p:childTnLst>
-                        <p:par>
-                          <p:cTn id="62" fill="hold">
-                            <p:stCondLst>
-                              <p:cond delay="0"/>
-                            </p:stCondLst>
-                            <p:childTnLst>
-                              <p:par>
-                                <p:cTn id="63" presetID="42" presetClass="entr" presetSubtype="0" fill="hold" grpId="0" nodeType="clickEffect">
-                                  <p:stCondLst>
-                                    <p:cond delay="0"/>
-                                  </p:stCondLst>
-                                  <p:childTnLst>
-                                    <p:set>
-                                      <p:cBhvr>
-                                        <p:cTn id="64" dur="1" fill="hold">
-                                          <p:stCondLst>
-                                            <p:cond delay="0"/>
-                                          </p:stCondLst>
-                                        </p:cTn>
-                                        <p:tgtEl>
-                                          <p:spTgt spid="10"/>
-                                        </p:tgtEl>
-                                        <p:attrNameLst>
-                                          <p:attrName>style.visibility</p:attrName>
-                                        </p:attrNameLst>
-                                      </p:cBhvr>
-                                      <p:to>
-                                        <p:strVal val="visible"/>
-                                      </p:to>
-                                    </p:set>
-                                    <p:animEffect transition="in" filter="fade">
-                                      <p:cBhvr>
-                                        <p:cTn id="65" dur="1000"/>
-                                        <p:tgtEl>
-                                          <p:spTgt spid="10"/>
-                                        </p:tgtEl>
-                                      </p:cBhvr>
-                                    </p:animEffect>
-                                    <p:anim calcmode="lin" valueType="num">
-                                      <p:cBhvr>
-                                        <p:cTn id="66" dur="1000" fill="hold"/>
-                                        <p:tgtEl>
-                                          <p:spTgt spid="10"/>
-                                        </p:tgtEl>
-                                        <p:attrNameLst>
-                                          <p:attrName>ppt_x</p:attrName>
-                                        </p:attrNameLst>
-                                      </p:cBhvr>
-                                      <p:tavLst>
-                                        <p:tav tm="0">
-                                          <p:val>
-                                            <p:strVal val="#ppt_x"/>
-                                          </p:val>
-                                        </p:tav>
-                                        <p:tav tm="100000">
-                                          <p:val>
-                                            <p:strVal val="#ppt_x"/>
-                                          </p:val>
-                                        </p:tav>
-                                      </p:tavLst>
-                                    </p:anim>
-                                    <p:anim calcmode="lin" valueType="num">
-                                      <p:cBhvr>
-                                        <p:cTn id="67" dur="1000" fill="hold"/>
-                                        <p:tgtEl>
-                                          <p:spTgt spid="10"/>
-                                        </p:tgtEl>
-                                        <p:attrNameLst>
-                                          <p:attrName>ppt_y</p:attrName>
-                                        </p:attrNameLst>
-                                      </p:cBhvr>
-                                      <p:tavLst>
-                                        <p:tav tm="0">
-                                          <p:val>
-                                            <p:strVal val="#ppt_y+.1"/>
-                                          </p:val>
-                                        </p:tav>
-                                        <p:tav tm="100000">
-                                          <p:val>
-                                            <p:strVal val="#ppt_y"/>
-                                          </p:val>
-                                        </p:tav>
-                                      </p:tavLst>
-                                    </p:anim>
-                                  </p:childTnLst>
-                                </p:cTn>
-                              </p:par>
-                            </p:childTnLst>
-                          </p:cTn>
-                        </p:par>
-                      </p:childTnLst>
-                    </p:cTn>
-                  </p:par>
-                  <p:par>
-                    <p:cTn id="68" fill="hold">
-                      <p:stCondLst>
-                        <p:cond delay="indefinite"/>
-                      </p:stCondLst>
-                      <p:childTnLst>
-                        <p:par>
-                          <p:cTn id="69" fill="hold">
-                            <p:stCondLst>
-                              <p:cond delay="0"/>
-                            </p:stCondLst>
-                            <p:childTnLst>
-                              <p:par>
-                                <p:cTn id="70" presetID="14" presetClass="entr" presetSubtype="10" fill="hold" grpId="0" nodeType="clickEffect">
-                                  <p:stCondLst>
-                                    <p:cond delay="0"/>
-                                  </p:stCondLst>
-                                  <p:childTnLst>
-                                    <p:set>
-                                      <p:cBhvr>
-                                        <p:cTn id="71" dur="1" fill="hold">
-                                          <p:stCondLst>
-                                            <p:cond delay="0"/>
-                                          </p:stCondLst>
-                                        </p:cTn>
-                                        <p:tgtEl>
-                                          <p:spTgt spid="11"/>
-                                        </p:tgtEl>
-                                        <p:attrNameLst>
-                                          <p:attrName>style.visibility</p:attrName>
-                                        </p:attrNameLst>
-                                      </p:cBhvr>
-                                      <p:to>
-                                        <p:strVal val="visible"/>
-                                      </p:to>
-                                    </p:set>
-                                    <p:animEffect transition="in" filter="randombar(horizontal)">
-                                      <p:cBhvr>
-                                        <p:cTn id="72" dur="500"/>
-                                        <p:tgtEl>
-                                          <p:spTgt spid="11"/>
-                                        </p:tgtEl>
-                                      </p:cBhvr>
-                                    </p:animEffect>
-                                  </p:childTnLst>
-                                </p:cTn>
-                              </p:par>
-                              <p:par>
-                                <p:cTn id="73" presetID="14" presetClass="entr" presetSubtype="10" fill="hold" grpId="0" nodeType="withEffect">
-                                  <p:stCondLst>
-                                    <p:cond delay="0"/>
-                                  </p:stCondLst>
-                                  <p:childTnLst>
-                                    <p:set>
-                                      <p:cBhvr>
-                                        <p:cTn id="74" dur="1" fill="hold">
-                                          <p:stCondLst>
-                                            <p:cond delay="0"/>
-                                          </p:stCondLst>
-                                        </p:cTn>
-                                        <p:tgtEl>
-                                          <p:spTgt spid="12"/>
-                                        </p:tgtEl>
-                                        <p:attrNameLst>
-                                          <p:attrName>style.visibility</p:attrName>
-                                        </p:attrNameLst>
-                                      </p:cBhvr>
-                                      <p:to>
-                                        <p:strVal val="visible"/>
-                                      </p:to>
-                                    </p:set>
-                                    <p:animEffect transition="in" filter="randombar(horizontal)">
-                                      <p:cBhvr>
-                                        <p:cTn id="75" dur="500"/>
-                                        <p:tgtEl>
-                                          <p:spTgt spid="12"/>
-                                        </p:tgtEl>
-                                      </p:cBhvr>
-                                    </p:animEffect>
-                                  </p:childTnLst>
-                                </p:cTn>
-                              </p:par>
-                              <p:par>
-                                <p:cTn id="76" presetID="14" presetClass="entr" presetSubtype="10" fill="hold" grpId="0" nodeType="withEffect">
-                                  <p:stCondLst>
-                                    <p:cond delay="0"/>
-                                  </p:stCondLst>
-                                  <p:childTnLst>
-                                    <p:set>
-                                      <p:cBhvr>
-                                        <p:cTn id="77" dur="1" fill="hold">
-                                          <p:stCondLst>
-                                            <p:cond delay="0"/>
-                                          </p:stCondLst>
-                                        </p:cTn>
-                                        <p:tgtEl>
-                                          <p:spTgt spid="13"/>
-                                        </p:tgtEl>
-                                        <p:attrNameLst>
-                                          <p:attrName>style.visibility</p:attrName>
-                                        </p:attrNameLst>
-                                      </p:cBhvr>
-                                      <p:to>
-                                        <p:strVal val="visible"/>
-                                      </p:to>
-                                    </p:set>
-                                    <p:animEffect transition="in" filter="randombar(horizontal)">
-                                      <p:cBhvr>
-                                        <p:cTn id="78" dur="500"/>
-                                        <p:tgtEl>
-                                          <p:spTgt spid="13"/>
-                                        </p:tgtEl>
-                                      </p:cBhvr>
-                                    </p:animEffect>
-                                  </p:childTnLst>
-                                </p:cTn>
-                              </p:par>
-                            </p:childTnLst>
-                          </p:cTn>
-                        </p:par>
-                      </p:childTnLst>
-                    </p:cTn>
-                  </p:par>
-                  <p:par>
-                    <p:cTn id="79" fill="hold">
-                      <p:stCondLst>
-                        <p:cond delay="indefinite"/>
-                      </p:stCondLst>
-                      <p:childTnLst>
-                        <p:par>
-                          <p:cTn id="80" fill="hold">
-                            <p:stCondLst>
-                              <p:cond delay="0"/>
-                            </p:stCondLst>
-                            <p:childTnLst>
-                              <p:par>
-                                <p:cTn id="81" presetID="31" presetClass="entr" presetSubtype="0" fill="hold" nodeType="clickEffect">
-                                  <p:stCondLst>
-                                    <p:cond delay="0"/>
-                                  </p:stCondLst>
-                                  <p:childTnLst>
-                                    <p:set>
-                                      <p:cBhvr>
-                                        <p:cTn id="82" dur="1" fill="hold">
-                                          <p:stCondLst>
-                                            <p:cond delay="0"/>
-                                          </p:stCondLst>
-                                        </p:cTn>
-                                        <p:tgtEl>
-                                          <p:spTgt spid="14"/>
-                                        </p:tgtEl>
-                                        <p:attrNameLst>
-                                          <p:attrName>style.visibility</p:attrName>
-                                        </p:attrNameLst>
-                                      </p:cBhvr>
-                                      <p:to>
-                                        <p:strVal val="visible"/>
-                                      </p:to>
-                                    </p:set>
-                                    <p:anim calcmode="lin" valueType="num">
-                                      <p:cBhvr>
-                                        <p:cTn id="83" dur="1000" fill="hold"/>
-                                        <p:tgtEl>
-                                          <p:spTgt spid="14"/>
-                                        </p:tgtEl>
-                                        <p:attrNameLst>
-                                          <p:attrName>ppt_w</p:attrName>
-                                        </p:attrNameLst>
-                                      </p:cBhvr>
-                                      <p:tavLst>
-                                        <p:tav tm="0">
-                                          <p:val>
-                                            <p:fltVal val="0"/>
-                                          </p:val>
-                                        </p:tav>
-                                        <p:tav tm="100000">
-                                          <p:val>
-                                            <p:strVal val="#ppt_w"/>
-                                          </p:val>
-                                        </p:tav>
-                                      </p:tavLst>
-                                    </p:anim>
-                                    <p:anim calcmode="lin" valueType="num">
-                                      <p:cBhvr>
-                                        <p:cTn id="84" dur="1000" fill="hold"/>
-                                        <p:tgtEl>
-                                          <p:spTgt spid="14"/>
-                                        </p:tgtEl>
-                                        <p:attrNameLst>
-                                          <p:attrName>ppt_h</p:attrName>
-                                        </p:attrNameLst>
-                                      </p:cBhvr>
-                                      <p:tavLst>
-                                        <p:tav tm="0">
-                                          <p:val>
-                                            <p:fltVal val="0"/>
-                                          </p:val>
-                                        </p:tav>
-                                        <p:tav tm="100000">
-                                          <p:val>
-                                            <p:strVal val="#ppt_h"/>
-                                          </p:val>
-                                        </p:tav>
-                                      </p:tavLst>
-                                    </p:anim>
-                                    <p:anim calcmode="lin" valueType="num">
-                                      <p:cBhvr>
-                                        <p:cTn id="85" dur="1000" fill="hold"/>
-                                        <p:tgtEl>
-                                          <p:spTgt spid="14"/>
-                                        </p:tgtEl>
-                                        <p:attrNameLst>
-                                          <p:attrName>style.rotation</p:attrName>
-                                        </p:attrNameLst>
-                                      </p:cBhvr>
-                                      <p:tavLst>
-                                        <p:tav tm="0">
-                                          <p:val>
-                                            <p:fltVal val="90"/>
-                                          </p:val>
-                                        </p:tav>
-                                        <p:tav tm="100000">
-                                          <p:val>
-                                            <p:fltVal val="0"/>
-                                          </p:val>
-                                        </p:tav>
-                                      </p:tavLst>
-                                    </p:anim>
-                                    <p:animEffect transition="in" filter="fade">
-                                      <p:cBhvr>
-                                        <p:cTn id="86" dur="1000"/>
-                                        <p:tgtEl>
-                                          <p:spTgt spid="14"/>
-                                        </p:tgtEl>
-                                      </p:cBhvr>
-                                    </p:animEffect>
-                                  </p:childTnLst>
-                                </p:cTn>
-                              </p:par>
-                            </p:childTnLst>
-                          </p:cTn>
-                        </p:par>
-                      </p:childTnLst>
-                    </p:cTn>
-                  </p:par>
-                  <p:par>
-                    <p:cTn id="87" fill="hold">
-                      <p:stCondLst>
-                        <p:cond delay="indefinite"/>
-                      </p:stCondLst>
-                      <p:childTnLst>
-                        <p:par>
-                          <p:cTn id="88" fill="hold">
-                            <p:stCondLst>
-                              <p:cond delay="0"/>
-                            </p:stCondLst>
-                            <p:childTnLst>
-                              <p:par>
-                                <p:cTn id="89" presetID="34" presetClass="emph" presetSubtype="0" fill="hold" grpId="0" nodeType="clickEffect">
-                                  <p:stCondLst>
-                                    <p:cond delay="0"/>
-                                  </p:stCondLst>
-                                  <p:iterate type="lt">
-                                    <p:tmPct val="10000"/>
-                                  </p:iterate>
-                                  <p:childTnLst>
-                                    <p:animMotion origin="layout" path="M -4.72222E-6 6.17284E-7 L -4.72222E-6 -0.07222 " pathEditMode="relative" rAng="0" ptsTypes="AA">
-                                      <p:cBhvr>
-                                        <p:cTn id="90" dur="250" accel="50000" decel="50000" autoRev="1" fill="hold">
-                                          <p:stCondLst>
-                                            <p:cond delay="0"/>
-                                          </p:stCondLst>
-                                        </p:cTn>
-                                        <p:tgtEl>
-                                          <p:spTgt spid="21"/>
-                                        </p:tgtEl>
-                                        <p:attrNameLst>
-                                          <p:attrName>ppt_x</p:attrName>
-                                          <p:attrName>ppt_y</p:attrName>
-                                        </p:attrNameLst>
-                                      </p:cBhvr>
-                                      <p:rCtr x="0" y="-3611"/>
-                                    </p:animMotion>
-                                    <p:animRot by="1500000">
-                                      <p:cBhvr>
-                                        <p:cTn id="91" dur="125" fill="hold">
-                                          <p:stCondLst>
-                                            <p:cond delay="0"/>
-                                          </p:stCondLst>
-                                        </p:cTn>
-                                        <p:tgtEl>
-                                          <p:spTgt spid="21"/>
-                                        </p:tgtEl>
-                                        <p:attrNameLst>
-                                          <p:attrName>r</p:attrName>
-                                        </p:attrNameLst>
-                                      </p:cBhvr>
-                                    </p:animRot>
-                                    <p:animRot by="-1500000">
-                                      <p:cBhvr>
-                                        <p:cTn id="92" dur="125" fill="hold">
-                                          <p:stCondLst>
-                                            <p:cond delay="125"/>
-                                          </p:stCondLst>
-                                        </p:cTn>
-                                        <p:tgtEl>
-                                          <p:spTgt spid="21"/>
-                                        </p:tgtEl>
-                                        <p:attrNameLst>
-                                          <p:attrName>r</p:attrName>
-                                        </p:attrNameLst>
-                                      </p:cBhvr>
-                                    </p:animRot>
-                                    <p:animRot by="-1500000">
-                                      <p:cBhvr>
-                                        <p:cTn id="93" dur="125" fill="hold">
-                                          <p:stCondLst>
-                                            <p:cond delay="250"/>
-                                          </p:stCondLst>
-                                        </p:cTn>
-                                        <p:tgtEl>
-                                          <p:spTgt spid="21"/>
-                                        </p:tgtEl>
-                                        <p:attrNameLst>
-                                          <p:attrName>r</p:attrName>
-                                        </p:attrNameLst>
-                                      </p:cBhvr>
-                                    </p:animRot>
-                                    <p:animRot by="1500000">
-                                      <p:cBhvr>
-                                        <p:cTn id="94" dur="125" fill="hold">
-                                          <p:stCondLst>
-                                            <p:cond delay="375"/>
-                                          </p:stCondLst>
-                                        </p:cTn>
-                                        <p:tgtEl>
-                                          <p:spTgt spid="21"/>
-                                        </p:tgtEl>
-                                        <p:attrNameLst>
-                                          <p:attrName>r</p:attrName>
-                                        </p:attrNameLst>
-                                      </p:cBhvr>
-                                    </p:animRot>
-                                  </p:childTnLst>
-                                </p:cTn>
-                              </p:par>
-                            </p:childTnLst>
-                          </p:cTn>
-                        </p:par>
-                      </p:childTnLst>
-                    </p:cTn>
-                  </p:par>
-                  <p:par>
-                    <p:cTn id="95" fill="hold">
-                      <p:stCondLst>
-                        <p:cond delay="indefinite"/>
-                      </p:stCondLst>
-                      <p:childTnLst>
-                        <p:par>
-                          <p:cTn id="96" fill="hold">
-                            <p:stCondLst>
-                              <p:cond delay="0"/>
-                            </p:stCondLst>
-                            <p:childTnLst>
-                              <p:par>
-                                <p:cTn id="97" presetID="2" presetClass="entr" presetSubtype="4" fill="hold" nodeType="clickEffect">
-                                  <p:stCondLst>
-                                    <p:cond delay="0"/>
-                                  </p:stCondLst>
-                                  <p:childTnLst>
-                                    <p:set>
-                                      <p:cBhvr>
-                                        <p:cTn id="98" dur="1" fill="hold">
-                                          <p:stCondLst>
-                                            <p:cond delay="0"/>
-                                          </p:stCondLst>
-                                        </p:cTn>
-                                        <p:tgtEl>
-                                          <p:spTgt spid="15"/>
-                                        </p:tgtEl>
-                                        <p:attrNameLst>
-                                          <p:attrName>style.visibility</p:attrName>
-                                        </p:attrNameLst>
-                                      </p:cBhvr>
-                                      <p:to>
-                                        <p:strVal val="visible"/>
-                                      </p:to>
-                                    </p:set>
-                                    <p:anim calcmode="lin" valueType="num">
-                                      <p:cBhvr additive="base">
-                                        <p:cTn id="99" dur="500" fill="hold"/>
-                                        <p:tgtEl>
-                                          <p:spTgt spid="15"/>
-                                        </p:tgtEl>
-                                        <p:attrNameLst>
-                                          <p:attrName>ppt_x</p:attrName>
-                                        </p:attrNameLst>
-                                      </p:cBhvr>
-                                      <p:tavLst>
-                                        <p:tav tm="0">
-                                          <p:val>
-                                            <p:strVal val="#ppt_x"/>
-                                          </p:val>
-                                        </p:tav>
-                                        <p:tav tm="100000">
-                                          <p:val>
-                                            <p:strVal val="#ppt_x"/>
-                                          </p:val>
-                                        </p:tav>
-                                      </p:tavLst>
-                                    </p:anim>
-                                    <p:anim calcmode="lin" valueType="num">
-                                      <p:cBhvr additive="base">
-                                        <p:cTn id="100" dur="500" fill="hold"/>
-                                        <p:tgtEl>
-                                          <p:spTgt spid="15"/>
-                                        </p:tgtEl>
-                                        <p:attrNameLst>
-                                          <p:attrName>ppt_y</p:attrName>
-                                        </p:attrNameLst>
-                                      </p:cBhvr>
-                                      <p:tavLst>
-                                        <p:tav tm="0">
-                                          <p:val>
-                                            <p:strVal val="1+#ppt_h/2"/>
-                                          </p:val>
-                                        </p:tav>
-                                        <p:tav tm="100000">
-                                          <p:val>
-                                            <p:strVal val="#ppt_y"/>
-                                          </p:val>
-                                        </p:tav>
-                                      </p:tavLst>
-                                    </p:anim>
-                                  </p:childTnLst>
-                                </p:cTn>
-                              </p:par>
-                            </p:childTnLst>
-                          </p:cTn>
-                        </p:par>
-                      </p:childTnLst>
-                    </p:cTn>
-                  </p:par>
-                  <p:par>
-                    <p:cTn id="101" fill="hold">
-                      <p:stCondLst>
-                        <p:cond delay="indefinite"/>
-                      </p:stCondLst>
-                      <p:childTnLst>
-                        <p:par>
-                          <p:cTn id="102" fill="hold">
-                            <p:stCondLst>
-                              <p:cond delay="0"/>
-                            </p:stCondLst>
-                            <p:childTnLst>
-                              <p:par>
-                                <p:cTn id="103" presetID="6" presetClass="entr" presetSubtype="16" fill="hold" grpId="0" nodeType="clickEffect">
-                                  <p:stCondLst>
-                                    <p:cond delay="0"/>
-                                  </p:stCondLst>
-                                  <p:childTnLst>
-                                    <p:set>
-                                      <p:cBhvr>
-                                        <p:cTn id="104" dur="1" fill="hold">
-                                          <p:stCondLst>
-                                            <p:cond delay="0"/>
-                                          </p:stCondLst>
-                                        </p:cTn>
-                                        <p:tgtEl>
-                                          <p:spTgt spid="17"/>
-                                        </p:tgtEl>
-                                        <p:attrNameLst>
-                                          <p:attrName>style.visibility</p:attrName>
-                                        </p:attrNameLst>
-                                      </p:cBhvr>
-                                      <p:to>
-                                        <p:strVal val="visible"/>
-                                      </p:to>
-                                    </p:set>
-                                    <p:animEffect transition="in" filter="circle(in)">
-                                      <p:cBhvr>
-                                        <p:cTn id="105" dur="2000"/>
-                                        <p:tgtEl>
-                                          <p:spTgt spid="17"/>
-                                        </p:tgtEl>
-                                      </p:cBhvr>
-                                    </p:animEffect>
-                                  </p:childTnLst>
-                                </p:cTn>
-                              </p:par>
-                            </p:childTnLst>
-                          </p:cTn>
-                        </p:par>
-                      </p:childTnLst>
-                    </p:cTn>
-                  </p:par>
-                  <p:par>
-                    <p:cTn id="106" fill="hold">
-                      <p:stCondLst>
-                        <p:cond delay="indefinite"/>
-                      </p:stCondLst>
-                      <p:childTnLst>
-                        <p:par>
-                          <p:cTn id="107" fill="hold">
-                            <p:stCondLst>
-                              <p:cond delay="0"/>
-                            </p:stCondLst>
-                            <p:childTnLst>
-                              <p:par>
-                                <p:cTn id="108" presetID="6" presetClass="entr" presetSubtype="16" fill="hold" grpId="0" nodeType="clickEffect">
-                                  <p:stCondLst>
-                                    <p:cond delay="0"/>
-                                  </p:stCondLst>
-                                  <p:childTnLst>
-                                    <p:set>
-                                      <p:cBhvr>
-                                        <p:cTn id="109" dur="1" fill="hold">
-                                          <p:stCondLst>
-                                            <p:cond delay="0"/>
-                                          </p:stCondLst>
-                                        </p:cTn>
-                                        <p:tgtEl>
-                                          <p:spTgt spid="18"/>
-                                        </p:tgtEl>
-                                        <p:attrNameLst>
-                                          <p:attrName>style.visibility</p:attrName>
-                                        </p:attrNameLst>
-                                      </p:cBhvr>
-                                      <p:to>
-                                        <p:strVal val="visible"/>
-                                      </p:to>
-                                    </p:set>
-                                    <p:animEffect transition="in" filter="circle(in)">
-                                      <p:cBhvr>
-                                        <p:cTn id="110" dur="2000"/>
-                                        <p:tgtEl>
-                                          <p:spTgt spid="18"/>
-                                        </p:tgtEl>
-                                      </p:cBhvr>
-                                    </p:animEffect>
-                                  </p:childTnLst>
-                                </p:cTn>
-                              </p:par>
-                              <p:par>
-                                <p:cTn id="111" presetID="6" presetClass="entr" presetSubtype="16" fill="hold" grpId="0" nodeType="withEffect">
-                                  <p:stCondLst>
-                                    <p:cond delay="0"/>
-                                  </p:stCondLst>
-                                  <p:childTnLst>
-                                    <p:set>
-                                      <p:cBhvr>
-                                        <p:cTn id="112" dur="1" fill="hold">
-                                          <p:stCondLst>
-                                            <p:cond delay="0"/>
-                                          </p:stCondLst>
-                                        </p:cTn>
-                                        <p:tgtEl>
-                                          <p:spTgt spid="19"/>
-                                        </p:tgtEl>
-                                        <p:attrNameLst>
-                                          <p:attrName>style.visibility</p:attrName>
-                                        </p:attrNameLst>
-                                      </p:cBhvr>
-                                      <p:to>
-                                        <p:strVal val="visible"/>
-                                      </p:to>
-                                    </p:set>
-                                    <p:animEffect transition="in" filter="circle(in)">
-                                      <p:cBhvr>
-                                        <p:cTn id="113" dur="2000"/>
-                                        <p:tgtEl>
-                                          <p:spTgt spid="19"/>
-                                        </p:tgtEl>
-                                      </p:cBhvr>
-                                    </p:animEffect>
-                                  </p:childTnLst>
-                                </p:cTn>
-                              </p:par>
-                              <p:par>
-                                <p:cTn id="114" presetID="6" presetClass="entr" presetSubtype="16" fill="hold" grpId="0" nodeType="withEffect">
-                                  <p:stCondLst>
-                                    <p:cond delay="0"/>
-                                  </p:stCondLst>
-                                  <p:childTnLst>
-                                    <p:set>
-                                      <p:cBhvr>
-                                        <p:cTn id="115" dur="1" fill="hold">
-                                          <p:stCondLst>
-                                            <p:cond delay="0"/>
-                                          </p:stCondLst>
-                                        </p:cTn>
-                                        <p:tgtEl>
-                                          <p:spTgt spid="20"/>
-                                        </p:tgtEl>
-                                        <p:attrNameLst>
-                                          <p:attrName>style.visibility</p:attrName>
-                                        </p:attrNameLst>
-                                      </p:cBhvr>
-                                      <p:to>
-                                        <p:strVal val="visible"/>
-                                      </p:to>
-                                    </p:set>
-                                    <p:animEffect transition="in" filter="circle(in)">
-                                      <p:cBhvr>
-                                        <p:cTn id="116" dur="2000"/>
-                                        <p:tgtEl>
-                                          <p:spTgt spid="20"/>
-                                        </p:tgtEl>
-                                      </p:cBhvr>
-                                    </p:animEffect>
-                                  </p:childTnLst>
-                                </p:cTn>
-                              </p:par>
-                            </p:childTnLst>
-                          </p:cTn>
-                        </p:par>
-                      </p:childTnLst>
-                    </p:cTn>
-                  </p:par>
-                </p:childTnLst>
-              </p:cTn>
-              <p:prevCondLst>
-                <p:cond evt="onPrev" delay="0">
-                  <p:tgtEl>
-                    <p:sldTgt/>
-                  </p:tgtEl>
-                </p:cond>
-              </p:prevCondLst>
-              <p:nextCondLst>
-                <p:cond evt="onNext" delay="0">
-                  <p:tgtEl>
-                    <p:sldTgt/>
-                  </p:tgtEl>
-                </p:cond>
-              </p:nextCondLst>
-            </p:seq>
-          </p:childTnLst>
-        </p:cTn>
-      </p:par>
-    </p:tnLst>
-    <p:bldLst>
-      <p:bldP spid="6" grpId="0"/>
-      <p:bldP spid="8" grpId="0"/>
-      <p:bldP spid="9" grpId="0"/>
-      <p:bldP spid="10" grpId="0"/>
-      <p:bldP spid="11" grpId="0" animBg="1"/>
-      <p:bldP spid="12" grpId="0" animBg="1"/>
-      <p:bldP spid="13" grpId="0" animBg="1"/>
-      <p:bldP spid="17" grpId="0"/>
-      <p:bldP spid="18" grpId="0" animBg="1"/>
-      <p:bldP spid="19" grpId="0" animBg="1"/>
-      <p:bldP spid="20" grpId="0" animBg="1"/>
-      <p:bldP spid="21" grpId="0"/>
-    </p:bldLst>
-  </p:timing>
 </p:sld>
 </file>
 
-<file path=ppt/slides/slide12.xml><?xml version="1.0" encoding="utf-8"?>
+<file path=ppt/slides/slide13.xml><?xml version="1.0" encoding="utf-8"?>
 <p:sld xmlns:a="http://schemas.openxmlformats.org/drawingml/2006/main" xmlns:r="http://schemas.openxmlformats.org/officeDocument/2006/relationships" xmlns:p="http://schemas.openxmlformats.org/presentationml/2006/main">
   <p:cSld>
     <p:spTree>
@@ -20928,358 +16237,6 @@
       </p:transition>
     </mc:Fallback>
   </mc:AlternateContent>
-  <p:timing>
-    <p:tnLst>
-      <p:par>
-        <p:cTn id="1" dur="indefinite" restart="never" nodeType="tmRoot">
-          <p:childTnLst>
-            <p:seq concurrent="1" nextAc="seek">
-              <p:cTn id="2" dur="indefinite" nodeType="mainSeq">
-                <p:childTnLst>
-                  <p:par>
-                    <p:cTn id="3" fill="hold">
-                      <p:stCondLst>
-                        <p:cond delay="indefinite"/>
-                      </p:stCondLst>
-                      <p:childTnLst>
-                        <p:par>
-                          <p:cTn id="4" fill="hold">
-                            <p:stCondLst>
-                              <p:cond delay="0"/>
-                            </p:stCondLst>
-                            <p:childTnLst>
-                              <p:par>
-                                <p:cTn id="5" presetID="14" presetClass="entr" presetSubtype="10" fill="hold" nodeType="clickEffect">
-                                  <p:stCondLst>
-                                    <p:cond delay="0"/>
-                                  </p:stCondLst>
-                                  <p:childTnLst>
-                                    <p:set>
-                                      <p:cBhvr>
-                                        <p:cTn id="6" dur="1" fill="hold">
-                                          <p:stCondLst>
-                                            <p:cond delay="0"/>
-                                          </p:stCondLst>
-                                        </p:cTn>
-                                        <p:tgtEl>
-                                          <p:spTgt spid="6"/>
-                                        </p:tgtEl>
-                                        <p:attrNameLst>
-                                          <p:attrName>style.visibility</p:attrName>
-                                        </p:attrNameLst>
-                                      </p:cBhvr>
-                                      <p:to>
-                                        <p:strVal val="visible"/>
-                                      </p:to>
-                                    </p:set>
-                                    <p:animEffect transition="in" filter="randombar(horizontal)">
-                                      <p:cBhvr>
-                                        <p:cTn id="7" dur="500"/>
-                                        <p:tgtEl>
-                                          <p:spTgt spid="6"/>
-                                        </p:tgtEl>
-                                      </p:cBhvr>
-                                    </p:animEffect>
-                                  </p:childTnLst>
-                                </p:cTn>
-                              </p:par>
-                            </p:childTnLst>
-                          </p:cTn>
-                        </p:par>
-                      </p:childTnLst>
-                    </p:cTn>
-                  </p:par>
-                  <p:par>
-                    <p:cTn id="8" fill="hold">
-                      <p:stCondLst>
-                        <p:cond delay="indefinite"/>
-                      </p:stCondLst>
-                      <p:childTnLst>
-                        <p:par>
-                          <p:cTn id="9" fill="hold">
-                            <p:stCondLst>
-                              <p:cond delay="0"/>
-                            </p:stCondLst>
-                            <p:childTnLst>
-                              <p:par>
-                                <p:cTn id="10" presetID="14" presetClass="entr" presetSubtype="10" fill="hold" nodeType="clickEffect">
-                                  <p:stCondLst>
-                                    <p:cond delay="0"/>
-                                  </p:stCondLst>
-                                  <p:childTnLst>
-                                    <p:set>
-                                      <p:cBhvr>
-                                        <p:cTn id="11" dur="1" fill="hold">
-                                          <p:stCondLst>
-                                            <p:cond delay="0"/>
-                                          </p:stCondLst>
-                                        </p:cTn>
-                                        <p:tgtEl>
-                                          <p:spTgt spid="8"/>
-                                        </p:tgtEl>
-                                        <p:attrNameLst>
-                                          <p:attrName>style.visibility</p:attrName>
-                                        </p:attrNameLst>
-                                      </p:cBhvr>
-                                      <p:to>
-                                        <p:strVal val="visible"/>
-                                      </p:to>
-                                    </p:set>
-                                    <p:animEffect transition="in" filter="randombar(horizontal)">
-                                      <p:cBhvr>
-                                        <p:cTn id="12" dur="500"/>
-                                        <p:tgtEl>
-                                          <p:spTgt spid="8"/>
-                                        </p:tgtEl>
-                                      </p:cBhvr>
-                                    </p:animEffect>
-                                  </p:childTnLst>
-                                </p:cTn>
-                              </p:par>
-                            </p:childTnLst>
-                          </p:cTn>
-                        </p:par>
-                      </p:childTnLst>
-                    </p:cTn>
-                  </p:par>
-                  <p:par>
-                    <p:cTn id="13" fill="hold">
-                      <p:stCondLst>
-                        <p:cond delay="indefinite"/>
-                      </p:stCondLst>
-                      <p:childTnLst>
-                        <p:par>
-                          <p:cTn id="14" fill="hold">
-                            <p:stCondLst>
-                              <p:cond delay="0"/>
-                            </p:stCondLst>
-                            <p:childTnLst>
-                              <p:par>
-                                <p:cTn id="15" presetID="14" presetClass="entr" presetSubtype="10" fill="hold" nodeType="clickEffect">
-                                  <p:stCondLst>
-                                    <p:cond delay="0"/>
-                                  </p:stCondLst>
-                                  <p:childTnLst>
-                                    <p:set>
-                                      <p:cBhvr>
-                                        <p:cTn id="16" dur="1" fill="hold">
-                                          <p:stCondLst>
-                                            <p:cond delay="0"/>
-                                          </p:stCondLst>
-                                        </p:cTn>
-                                        <p:tgtEl>
-                                          <p:spTgt spid="10"/>
-                                        </p:tgtEl>
-                                        <p:attrNameLst>
-                                          <p:attrName>style.visibility</p:attrName>
-                                        </p:attrNameLst>
-                                      </p:cBhvr>
-                                      <p:to>
-                                        <p:strVal val="visible"/>
-                                      </p:to>
-                                    </p:set>
-                                    <p:animEffect transition="in" filter="randombar(horizontal)">
-                                      <p:cBhvr>
-                                        <p:cTn id="17" dur="500"/>
-                                        <p:tgtEl>
-                                          <p:spTgt spid="10"/>
-                                        </p:tgtEl>
-                                      </p:cBhvr>
-                                    </p:animEffect>
-                                  </p:childTnLst>
-                                </p:cTn>
-                              </p:par>
-                            </p:childTnLst>
-                          </p:cTn>
-                        </p:par>
-                      </p:childTnLst>
-                    </p:cTn>
-                  </p:par>
-                  <p:par>
-                    <p:cTn id="18" fill="hold">
-                      <p:stCondLst>
-                        <p:cond delay="indefinite"/>
-                      </p:stCondLst>
-                      <p:childTnLst>
-                        <p:par>
-                          <p:cTn id="19" fill="hold">
-                            <p:stCondLst>
-                              <p:cond delay="0"/>
-                            </p:stCondLst>
-                            <p:childTnLst>
-                              <p:par>
-                                <p:cTn id="20" presetID="22" presetClass="entr" presetSubtype="4" fill="hold" grpId="0" nodeType="clickEffect">
-                                  <p:stCondLst>
-                                    <p:cond delay="0"/>
-                                  </p:stCondLst>
-                                  <p:childTnLst>
-                                    <p:set>
-                                      <p:cBhvr>
-                                        <p:cTn id="21" dur="1" fill="hold">
-                                          <p:stCondLst>
-                                            <p:cond delay="0"/>
-                                          </p:stCondLst>
-                                        </p:cTn>
-                                        <p:tgtEl>
-                                          <p:spTgt spid="11"/>
-                                        </p:tgtEl>
-                                        <p:attrNameLst>
-                                          <p:attrName>style.visibility</p:attrName>
-                                        </p:attrNameLst>
-                                      </p:cBhvr>
-                                      <p:to>
-                                        <p:strVal val="visible"/>
-                                      </p:to>
-                                    </p:set>
-                                    <p:animEffect transition="in" filter="wipe(down)">
-                                      <p:cBhvr>
-                                        <p:cTn id="22" dur="500"/>
-                                        <p:tgtEl>
-                                          <p:spTgt spid="11"/>
-                                        </p:tgtEl>
-                                      </p:cBhvr>
-                                    </p:animEffect>
-                                  </p:childTnLst>
-                                </p:cTn>
-                              </p:par>
-                            </p:childTnLst>
-                          </p:cTn>
-                        </p:par>
-                      </p:childTnLst>
-                    </p:cTn>
-                  </p:par>
-                  <p:par>
-                    <p:cTn id="23" fill="hold">
-                      <p:stCondLst>
-                        <p:cond delay="indefinite"/>
-                      </p:stCondLst>
-                      <p:childTnLst>
-                        <p:par>
-                          <p:cTn id="24" fill="hold">
-                            <p:stCondLst>
-                              <p:cond delay="0"/>
-                            </p:stCondLst>
-                            <p:childTnLst>
-                              <p:par>
-                                <p:cTn id="25" presetID="22" presetClass="entr" presetSubtype="4" fill="hold" grpId="0" nodeType="clickEffect">
-                                  <p:stCondLst>
-                                    <p:cond delay="0"/>
-                                  </p:stCondLst>
-                                  <p:childTnLst>
-                                    <p:set>
-                                      <p:cBhvr>
-                                        <p:cTn id="26" dur="1" fill="hold">
-                                          <p:stCondLst>
-                                            <p:cond delay="0"/>
-                                          </p:stCondLst>
-                                        </p:cTn>
-                                        <p:tgtEl>
-                                          <p:spTgt spid="12"/>
-                                        </p:tgtEl>
-                                        <p:attrNameLst>
-                                          <p:attrName>style.visibility</p:attrName>
-                                        </p:attrNameLst>
-                                      </p:cBhvr>
-                                      <p:to>
-                                        <p:strVal val="visible"/>
-                                      </p:to>
-                                    </p:set>
-                                    <p:animEffect transition="in" filter="wipe(down)">
-                                      <p:cBhvr>
-                                        <p:cTn id="27" dur="500"/>
-                                        <p:tgtEl>
-                                          <p:spTgt spid="12"/>
-                                        </p:tgtEl>
-                                      </p:cBhvr>
-                                    </p:animEffect>
-                                  </p:childTnLst>
-                                </p:cTn>
-                              </p:par>
-                            </p:childTnLst>
-                          </p:cTn>
-                        </p:par>
-                      </p:childTnLst>
-                    </p:cTn>
-                  </p:par>
-                  <p:par>
-                    <p:cTn id="28" fill="hold">
-                      <p:stCondLst>
-                        <p:cond delay="indefinite"/>
-                      </p:stCondLst>
-                      <p:childTnLst>
-                        <p:par>
-                          <p:cTn id="29" fill="hold">
-                            <p:stCondLst>
-                              <p:cond delay="0"/>
-                            </p:stCondLst>
-                            <p:childTnLst>
-                              <p:par>
-                                <p:cTn id="30" presetID="10" presetClass="entr" presetSubtype="0" fill="hold" nodeType="clickEffect">
-                                  <p:stCondLst>
-                                    <p:cond delay="0"/>
-                                  </p:stCondLst>
-                                  <p:childTnLst>
-                                    <p:set>
-                                      <p:cBhvr>
-                                        <p:cTn id="31" dur="1" fill="hold">
-                                          <p:stCondLst>
-                                            <p:cond delay="0"/>
-                                          </p:stCondLst>
-                                        </p:cTn>
-                                        <p:tgtEl>
-                                          <p:spTgt spid="4"/>
-                                        </p:tgtEl>
-                                        <p:attrNameLst>
-                                          <p:attrName>style.visibility</p:attrName>
-                                        </p:attrNameLst>
-                                      </p:cBhvr>
-                                      <p:to>
-                                        <p:strVal val="visible"/>
-                                      </p:to>
-                                    </p:set>
-                                    <p:animEffect transition="in" filter="fade">
-                                      <p:cBhvr>
-                                        <p:cTn id="32" dur="500"/>
-                                        <p:tgtEl>
-                                          <p:spTgt spid="4"/>
-                                        </p:tgtEl>
-                                      </p:cBhvr>
-                                    </p:animEffect>
-                                  </p:childTnLst>
-                                </p:cTn>
-                              </p:par>
-                            </p:childTnLst>
-                          </p:cTn>
-                        </p:par>
-                      </p:childTnLst>
-                    </p:cTn>
-                  </p:par>
-                </p:childTnLst>
-              </p:cTn>
-              <p:prevCondLst>
-                <p:cond evt="onPrev" delay="0">
-                  <p:tgtEl>
-                    <p:sldTgt/>
-                  </p:tgtEl>
-                </p:cond>
-              </p:prevCondLst>
-              <p:nextCondLst>
-                <p:cond evt="onNext" delay="0">
-                  <p:tgtEl>
-                    <p:sldTgt/>
-                  </p:tgtEl>
-                </p:cond>
-              </p:nextCondLst>
-            </p:seq>
-          </p:childTnLst>
-        </p:cTn>
-      </p:par>
-    </p:tnLst>
-    <p:bldLst>
-      <p:bldP spid="11" grpId="0"/>
-      <p:bldP spid="12" grpId="0"/>
-    </p:bldLst>
-  </p:timing>
 </p:sld>
 </file>
 
@@ -21470,636 +16427,6 @@
       </p:transition>
     </mc:Fallback>
   </mc:AlternateContent>
-  <p:timing>
-    <p:tnLst>
-      <p:par>
-        <p:cTn id="1" dur="indefinite" restart="never" nodeType="tmRoot">
-          <p:childTnLst>
-            <p:seq concurrent="1" nextAc="seek">
-              <p:cTn id="2" dur="indefinite" nodeType="mainSeq">
-                <p:childTnLst>
-                  <p:par>
-                    <p:cTn id="3" fill="hold">
-                      <p:stCondLst>
-                        <p:cond delay="indefinite"/>
-                      </p:stCondLst>
-                      <p:childTnLst>
-                        <p:par>
-                          <p:cTn id="4" fill="hold">
-                            <p:stCondLst>
-                              <p:cond delay="0"/>
-                            </p:stCondLst>
-                            <p:childTnLst>
-                              <p:par>
-                                <p:cTn id="5" presetID="45" presetClass="entr" presetSubtype="0" fill="hold" nodeType="clickEffect">
-                                  <p:stCondLst>
-                                    <p:cond delay="0"/>
-                                  </p:stCondLst>
-                                  <p:childTnLst>
-                                    <p:set>
-                                      <p:cBhvr>
-                                        <p:cTn id="6" dur="1" fill="hold">
-                                          <p:stCondLst>
-                                            <p:cond delay="0"/>
-                                          </p:stCondLst>
-                                        </p:cTn>
-                                        <p:tgtEl>
-                                          <p:spTgt spid="3">
-                                            <p:txEl>
-                                              <p:pRg st="0" end="0"/>
-                                            </p:txEl>
-                                          </p:spTgt>
-                                        </p:tgtEl>
-                                        <p:attrNameLst>
-                                          <p:attrName>style.visibility</p:attrName>
-                                        </p:attrNameLst>
-                                      </p:cBhvr>
-                                      <p:to>
-                                        <p:strVal val="visible"/>
-                                      </p:to>
-                                    </p:set>
-                                    <p:animEffect transition="in" filter="fade">
-                                      <p:cBhvr>
-                                        <p:cTn id="7" dur="2000"/>
-                                        <p:tgtEl>
-                                          <p:spTgt spid="3">
-                                            <p:txEl>
-                                              <p:pRg st="0" end="0"/>
-                                            </p:txEl>
-                                          </p:spTgt>
-                                        </p:tgtEl>
-                                      </p:cBhvr>
-                                    </p:animEffect>
-                                    <p:anim calcmode="lin" valueType="num">
-                                      <p:cBhvr>
-                                        <p:cTn id="8" dur="2000" fill="hold"/>
-                                        <p:tgtEl>
-                                          <p:spTgt spid="3">
-                                            <p:txEl>
-                                              <p:pRg st="0" end="0"/>
-                                            </p:txEl>
-                                          </p:spTgt>
-                                        </p:tgtEl>
-                                        <p:attrNameLst>
-                                          <p:attrName>ppt_w</p:attrName>
-                                        </p:attrNameLst>
-                                      </p:cBhvr>
-                                      <p:tavLst>
-                                        <p:tav tm="0" fmla="#ppt_w*sin(2.5*pi*$)">
-                                          <p:val>
-                                            <p:fltVal val="0"/>
-                                          </p:val>
-                                        </p:tav>
-                                        <p:tav tm="100000">
-                                          <p:val>
-                                            <p:fltVal val="1"/>
-                                          </p:val>
-                                        </p:tav>
-                                      </p:tavLst>
-                                    </p:anim>
-                                    <p:anim calcmode="lin" valueType="num">
-                                      <p:cBhvr>
-                                        <p:cTn id="9" dur="2000" fill="hold"/>
-                                        <p:tgtEl>
-                                          <p:spTgt spid="3">
-                                            <p:txEl>
-                                              <p:pRg st="0" end="0"/>
-                                            </p:txEl>
-                                          </p:spTgt>
-                                        </p:tgtEl>
-                                        <p:attrNameLst>
-                                          <p:attrName>ppt_h</p:attrName>
-                                        </p:attrNameLst>
-                                      </p:cBhvr>
-                                      <p:tavLst>
-                                        <p:tav tm="0">
-                                          <p:val>
-                                            <p:strVal val="#ppt_h"/>
-                                          </p:val>
-                                        </p:tav>
-                                        <p:tav tm="100000">
-                                          <p:val>
-                                            <p:strVal val="#ppt_h"/>
-                                          </p:val>
-                                        </p:tav>
-                                      </p:tavLst>
-                                    </p:anim>
-                                  </p:childTnLst>
-                                </p:cTn>
-                              </p:par>
-                              <p:par>
-                                <p:cTn id="10" presetID="45" presetClass="entr" presetSubtype="0" fill="hold" nodeType="withEffect">
-                                  <p:stCondLst>
-                                    <p:cond delay="0"/>
-                                  </p:stCondLst>
-                                  <p:childTnLst>
-                                    <p:set>
-                                      <p:cBhvr>
-                                        <p:cTn id="11" dur="1" fill="hold">
-                                          <p:stCondLst>
-                                            <p:cond delay="0"/>
-                                          </p:stCondLst>
-                                        </p:cTn>
-                                        <p:tgtEl>
-                                          <p:spTgt spid="3">
-                                            <p:txEl>
-                                              <p:pRg st="1" end="1"/>
-                                            </p:txEl>
-                                          </p:spTgt>
-                                        </p:tgtEl>
-                                        <p:attrNameLst>
-                                          <p:attrName>style.visibility</p:attrName>
-                                        </p:attrNameLst>
-                                      </p:cBhvr>
-                                      <p:to>
-                                        <p:strVal val="visible"/>
-                                      </p:to>
-                                    </p:set>
-                                    <p:animEffect transition="in" filter="fade">
-                                      <p:cBhvr>
-                                        <p:cTn id="12" dur="2000"/>
-                                        <p:tgtEl>
-                                          <p:spTgt spid="3">
-                                            <p:txEl>
-                                              <p:pRg st="1" end="1"/>
-                                            </p:txEl>
-                                          </p:spTgt>
-                                        </p:tgtEl>
-                                      </p:cBhvr>
-                                    </p:animEffect>
-                                    <p:anim calcmode="lin" valueType="num">
-                                      <p:cBhvr>
-                                        <p:cTn id="13" dur="2000" fill="hold"/>
-                                        <p:tgtEl>
-                                          <p:spTgt spid="3">
-                                            <p:txEl>
-                                              <p:pRg st="1" end="1"/>
-                                            </p:txEl>
-                                          </p:spTgt>
-                                        </p:tgtEl>
-                                        <p:attrNameLst>
-                                          <p:attrName>ppt_w</p:attrName>
-                                        </p:attrNameLst>
-                                      </p:cBhvr>
-                                      <p:tavLst>
-                                        <p:tav tm="0" fmla="#ppt_w*sin(2.5*pi*$)">
-                                          <p:val>
-                                            <p:fltVal val="0"/>
-                                          </p:val>
-                                        </p:tav>
-                                        <p:tav tm="100000">
-                                          <p:val>
-                                            <p:fltVal val="1"/>
-                                          </p:val>
-                                        </p:tav>
-                                      </p:tavLst>
-                                    </p:anim>
-                                    <p:anim calcmode="lin" valueType="num">
-                                      <p:cBhvr>
-                                        <p:cTn id="14" dur="2000" fill="hold"/>
-                                        <p:tgtEl>
-                                          <p:spTgt spid="3">
-                                            <p:txEl>
-                                              <p:pRg st="1" end="1"/>
-                                            </p:txEl>
-                                          </p:spTgt>
-                                        </p:tgtEl>
-                                        <p:attrNameLst>
-                                          <p:attrName>ppt_h</p:attrName>
-                                        </p:attrNameLst>
-                                      </p:cBhvr>
-                                      <p:tavLst>
-                                        <p:tav tm="0">
-                                          <p:val>
-                                            <p:strVal val="#ppt_h"/>
-                                          </p:val>
-                                        </p:tav>
-                                        <p:tav tm="100000">
-                                          <p:val>
-                                            <p:strVal val="#ppt_h"/>
-                                          </p:val>
-                                        </p:tav>
-                                      </p:tavLst>
-                                    </p:anim>
-                                  </p:childTnLst>
-                                </p:cTn>
-                              </p:par>
-                              <p:par>
-                                <p:cTn id="15" presetID="45" presetClass="entr" presetSubtype="0" fill="hold" nodeType="withEffect">
-                                  <p:stCondLst>
-                                    <p:cond delay="0"/>
-                                  </p:stCondLst>
-                                  <p:childTnLst>
-                                    <p:set>
-                                      <p:cBhvr>
-                                        <p:cTn id="16" dur="1" fill="hold">
-                                          <p:stCondLst>
-                                            <p:cond delay="0"/>
-                                          </p:stCondLst>
-                                        </p:cTn>
-                                        <p:tgtEl>
-                                          <p:spTgt spid="3">
-                                            <p:txEl>
-                                              <p:pRg st="2" end="2"/>
-                                            </p:txEl>
-                                          </p:spTgt>
-                                        </p:tgtEl>
-                                        <p:attrNameLst>
-                                          <p:attrName>style.visibility</p:attrName>
-                                        </p:attrNameLst>
-                                      </p:cBhvr>
-                                      <p:to>
-                                        <p:strVal val="visible"/>
-                                      </p:to>
-                                    </p:set>
-                                    <p:animEffect transition="in" filter="fade">
-                                      <p:cBhvr>
-                                        <p:cTn id="17" dur="2000"/>
-                                        <p:tgtEl>
-                                          <p:spTgt spid="3">
-                                            <p:txEl>
-                                              <p:pRg st="2" end="2"/>
-                                            </p:txEl>
-                                          </p:spTgt>
-                                        </p:tgtEl>
-                                      </p:cBhvr>
-                                    </p:animEffect>
-                                    <p:anim calcmode="lin" valueType="num">
-                                      <p:cBhvr>
-                                        <p:cTn id="18" dur="2000" fill="hold"/>
-                                        <p:tgtEl>
-                                          <p:spTgt spid="3">
-                                            <p:txEl>
-                                              <p:pRg st="2" end="2"/>
-                                            </p:txEl>
-                                          </p:spTgt>
-                                        </p:tgtEl>
-                                        <p:attrNameLst>
-                                          <p:attrName>ppt_w</p:attrName>
-                                        </p:attrNameLst>
-                                      </p:cBhvr>
-                                      <p:tavLst>
-                                        <p:tav tm="0" fmla="#ppt_w*sin(2.5*pi*$)">
-                                          <p:val>
-                                            <p:fltVal val="0"/>
-                                          </p:val>
-                                        </p:tav>
-                                        <p:tav tm="100000">
-                                          <p:val>
-                                            <p:fltVal val="1"/>
-                                          </p:val>
-                                        </p:tav>
-                                      </p:tavLst>
-                                    </p:anim>
-                                    <p:anim calcmode="lin" valueType="num">
-                                      <p:cBhvr>
-                                        <p:cTn id="19" dur="2000" fill="hold"/>
-                                        <p:tgtEl>
-                                          <p:spTgt spid="3">
-                                            <p:txEl>
-                                              <p:pRg st="2" end="2"/>
-                                            </p:txEl>
-                                          </p:spTgt>
-                                        </p:tgtEl>
-                                        <p:attrNameLst>
-                                          <p:attrName>ppt_h</p:attrName>
-                                        </p:attrNameLst>
-                                      </p:cBhvr>
-                                      <p:tavLst>
-                                        <p:tav tm="0">
-                                          <p:val>
-                                            <p:strVal val="#ppt_h"/>
-                                          </p:val>
-                                        </p:tav>
-                                        <p:tav tm="100000">
-                                          <p:val>
-                                            <p:strVal val="#ppt_h"/>
-                                          </p:val>
-                                        </p:tav>
-                                      </p:tavLst>
-                                    </p:anim>
-                                  </p:childTnLst>
-                                </p:cTn>
-                              </p:par>
-                              <p:par>
-                                <p:cTn id="20" presetID="45" presetClass="entr" presetSubtype="0" fill="hold" nodeType="withEffect">
-                                  <p:stCondLst>
-                                    <p:cond delay="0"/>
-                                  </p:stCondLst>
-                                  <p:childTnLst>
-                                    <p:set>
-                                      <p:cBhvr>
-                                        <p:cTn id="21" dur="1" fill="hold">
-                                          <p:stCondLst>
-                                            <p:cond delay="0"/>
-                                          </p:stCondLst>
-                                        </p:cTn>
-                                        <p:tgtEl>
-                                          <p:spTgt spid="3">
-                                            <p:txEl>
-                                              <p:pRg st="3" end="3"/>
-                                            </p:txEl>
-                                          </p:spTgt>
-                                        </p:tgtEl>
-                                        <p:attrNameLst>
-                                          <p:attrName>style.visibility</p:attrName>
-                                        </p:attrNameLst>
-                                      </p:cBhvr>
-                                      <p:to>
-                                        <p:strVal val="visible"/>
-                                      </p:to>
-                                    </p:set>
-                                    <p:animEffect transition="in" filter="fade">
-                                      <p:cBhvr>
-                                        <p:cTn id="22" dur="2000"/>
-                                        <p:tgtEl>
-                                          <p:spTgt spid="3">
-                                            <p:txEl>
-                                              <p:pRg st="3" end="3"/>
-                                            </p:txEl>
-                                          </p:spTgt>
-                                        </p:tgtEl>
-                                      </p:cBhvr>
-                                    </p:animEffect>
-                                    <p:anim calcmode="lin" valueType="num">
-                                      <p:cBhvr>
-                                        <p:cTn id="23" dur="2000" fill="hold"/>
-                                        <p:tgtEl>
-                                          <p:spTgt spid="3">
-                                            <p:txEl>
-                                              <p:pRg st="3" end="3"/>
-                                            </p:txEl>
-                                          </p:spTgt>
-                                        </p:tgtEl>
-                                        <p:attrNameLst>
-                                          <p:attrName>ppt_w</p:attrName>
-                                        </p:attrNameLst>
-                                      </p:cBhvr>
-                                      <p:tavLst>
-                                        <p:tav tm="0" fmla="#ppt_w*sin(2.5*pi*$)">
-                                          <p:val>
-                                            <p:fltVal val="0"/>
-                                          </p:val>
-                                        </p:tav>
-                                        <p:tav tm="100000">
-                                          <p:val>
-                                            <p:fltVal val="1"/>
-                                          </p:val>
-                                        </p:tav>
-                                      </p:tavLst>
-                                    </p:anim>
-                                    <p:anim calcmode="lin" valueType="num">
-                                      <p:cBhvr>
-                                        <p:cTn id="24" dur="2000" fill="hold"/>
-                                        <p:tgtEl>
-                                          <p:spTgt spid="3">
-                                            <p:txEl>
-                                              <p:pRg st="3" end="3"/>
-                                            </p:txEl>
-                                          </p:spTgt>
-                                        </p:tgtEl>
-                                        <p:attrNameLst>
-                                          <p:attrName>ppt_h</p:attrName>
-                                        </p:attrNameLst>
-                                      </p:cBhvr>
-                                      <p:tavLst>
-                                        <p:tav tm="0">
-                                          <p:val>
-                                            <p:strVal val="#ppt_h"/>
-                                          </p:val>
-                                        </p:tav>
-                                        <p:tav tm="100000">
-                                          <p:val>
-                                            <p:strVal val="#ppt_h"/>
-                                          </p:val>
-                                        </p:tav>
-                                      </p:tavLst>
-                                    </p:anim>
-                                  </p:childTnLst>
-                                </p:cTn>
-                              </p:par>
-                              <p:par>
-                                <p:cTn id="25" presetID="45" presetClass="entr" presetSubtype="0" fill="hold" nodeType="withEffect">
-                                  <p:stCondLst>
-                                    <p:cond delay="0"/>
-                                  </p:stCondLst>
-                                  <p:childTnLst>
-                                    <p:set>
-                                      <p:cBhvr>
-                                        <p:cTn id="26" dur="1" fill="hold">
-                                          <p:stCondLst>
-                                            <p:cond delay="0"/>
-                                          </p:stCondLst>
-                                        </p:cTn>
-                                        <p:tgtEl>
-                                          <p:spTgt spid="3">
-                                            <p:txEl>
-                                              <p:pRg st="4" end="4"/>
-                                            </p:txEl>
-                                          </p:spTgt>
-                                        </p:tgtEl>
-                                        <p:attrNameLst>
-                                          <p:attrName>style.visibility</p:attrName>
-                                        </p:attrNameLst>
-                                      </p:cBhvr>
-                                      <p:to>
-                                        <p:strVal val="visible"/>
-                                      </p:to>
-                                    </p:set>
-                                    <p:animEffect transition="in" filter="fade">
-                                      <p:cBhvr>
-                                        <p:cTn id="27" dur="2000"/>
-                                        <p:tgtEl>
-                                          <p:spTgt spid="3">
-                                            <p:txEl>
-                                              <p:pRg st="4" end="4"/>
-                                            </p:txEl>
-                                          </p:spTgt>
-                                        </p:tgtEl>
-                                      </p:cBhvr>
-                                    </p:animEffect>
-                                    <p:anim calcmode="lin" valueType="num">
-                                      <p:cBhvr>
-                                        <p:cTn id="28" dur="2000" fill="hold"/>
-                                        <p:tgtEl>
-                                          <p:spTgt spid="3">
-                                            <p:txEl>
-                                              <p:pRg st="4" end="4"/>
-                                            </p:txEl>
-                                          </p:spTgt>
-                                        </p:tgtEl>
-                                        <p:attrNameLst>
-                                          <p:attrName>ppt_w</p:attrName>
-                                        </p:attrNameLst>
-                                      </p:cBhvr>
-                                      <p:tavLst>
-                                        <p:tav tm="0" fmla="#ppt_w*sin(2.5*pi*$)">
-                                          <p:val>
-                                            <p:fltVal val="0"/>
-                                          </p:val>
-                                        </p:tav>
-                                        <p:tav tm="100000">
-                                          <p:val>
-                                            <p:fltVal val="1"/>
-                                          </p:val>
-                                        </p:tav>
-                                      </p:tavLst>
-                                    </p:anim>
-                                    <p:anim calcmode="lin" valueType="num">
-                                      <p:cBhvr>
-                                        <p:cTn id="29" dur="2000" fill="hold"/>
-                                        <p:tgtEl>
-                                          <p:spTgt spid="3">
-                                            <p:txEl>
-                                              <p:pRg st="4" end="4"/>
-                                            </p:txEl>
-                                          </p:spTgt>
-                                        </p:tgtEl>
-                                        <p:attrNameLst>
-                                          <p:attrName>ppt_h</p:attrName>
-                                        </p:attrNameLst>
-                                      </p:cBhvr>
-                                      <p:tavLst>
-                                        <p:tav tm="0">
-                                          <p:val>
-                                            <p:strVal val="#ppt_h"/>
-                                          </p:val>
-                                        </p:tav>
-                                        <p:tav tm="100000">
-                                          <p:val>
-                                            <p:strVal val="#ppt_h"/>
-                                          </p:val>
-                                        </p:tav>
-                                      </p:tavLst>
-                                    </p:anim>
-                                  </p:childTnLst>
-                                </p:cTn>
-                              </p:par>
-                              <p:par>
-                                <p:cTn id="30" presetID="45" presetClass="entr" presetSubtype="0" fill="hold" nodeType="withEffect">
-                                  <p:stCondLst>
-                                    <p:cond delay="0"/>
-                                  </p:stCondLst>
-                                  <p:childTnLst>
-                                    <p:set>
-                                      <p:cBhvr>
-                                        <p:cTn id="31" dur="1" fill="hold">
-                                          <p:stCondLst>
-                                            <p:cond delay="0"/>
-                                          </p:stCondLst>
-                                        </p:cTn>
-                                        <p:tgtEl>
-                                          <p:spTgt spid="3">
-                                            <p:txEl>
-                                              <p:pRg st="5" end="5"/>
-                                            </p:txEl>
-                                          </p:spTgt>
-                                        </p:tgtEl>
-                                        <p:attrNameLst>
-                                          <p:attrName>style.visibility</p:attrName>
-                                        </p:attrNameLst>
-                                      </p:cBhvr>
-                                      <p:to>
-                                        <p:strVal val="visible"/>
-                                      </p:to>
-                                    </p:set>
-                                    <p:animEffect transition="in" filter="fade">
-                                      <p:cBhvr>
-                                        <p:cTn id="32" dur="2000"/>
-                                        <p:tgtEl>
-                                          <p:spTgt spid="3">
-                                            <p:txEl>
-                                              <p:pRg st="5" end="5"/>
-                                            </p:txEl>
-                                          </p:spTgt>
-                                        </p:tgtEl>
-                                      </p:cBhvr>
-                                    </p:animEffect>
-                                    <p:anim calcmode="lin" valueType="num">
-                                      <p:cBhvr>
-                                        <p:cTn id="33" dur="2000" fill="hold"/>
-                                        <p:tgtEl>
-                                          <p:spTgt spid="3">
-                                            <p:txEl>
-                                              <p:pRg st="5" end="5"/>
-                                            </p:txEl>
-                                          </p:spTgt>
-                                        </p:tgtEl>
-                                        <p:attrNameLst>
-                                          <p:attrName>ppt_w</p:attrName>
-                                        </p:attrNameLst>
-                                      </p:cBhvr>
-                                      <p:tavLst>
-                                        <p:tav tm="0" fmla="#ppt_w*sin(2.5*pi*$)">
-                                          <p:val>
-                                            <p:fltVal val="0"/>
-                                          </p:val>
-                                        </p:tav>
-                                        <p:tav tm="100000">
-                                          <p:val>
-                                            <p:fltVal val="1"/>
-                                          </p:val>
-                                        </p:tav>
-                                      </p:tavLst>
-                                    </p:anim>
-                                    <p:anim calcmode="lin" valueType="num">
-                                      <p:cBhvr>
-                                        <p:cTn id="34" dur="2000" fill="hold"/>
-                                        <p:tgtEl>
-                                          <p:spTgt spid="3">
-                                            <p:txEl>
-                                              <p:pRg st="5" end="5"/>
-                                            </p:txEl>
-                                          </p:spTgt>
-                                        </p:tgtEl>
-                                        <p:attrNameLst>
-                                          <p:attrName>ppt_h</p:attrName>
-                                        </p:attrNameLst>
-                                      </p:cBhvr>
-                                      <p:tavLst>
-                                        <p:tav tm="0">
-                                          <p:val>
-                                            <p:strVal val="#ppt_h"/>
-                                          </p:val>
-                                        </p:tav>
-                                        <p:tav tm="100000">
-                                          <p:val>
-                                            <p:strVal val="#ppt_h"/>
-                                          </p:val>
-                                        </p:tav>
-                                      </p:tavLst>
-                                    </p:anim>
-                                  </p:childTnLst>
-                                </p:cTn>
-                              </p:par>
-                            </p:childTnLst>
-                          </p:cTn>
-                        </p:par>
-                      </p:childTnLst>
-                    </p:cTn>
-                  </p:par>
-                </p:childTnLst>
-              </p:cTn>
-              <p:prevCondLst>
-                <p:cond evt="onPrev" delay="0">
-                  <p:tgtEl>
-                    <p:sldTgt/>
-                  </p:tgtEl>
-                </p:cond>
-              </p:prevCondLst>
-              <p:nextCondLst>
-                <p:cond evt="onNext" delay="0">
-                  <p:tgtEl>
-                    <p:sldTgt/>
-                  </p:tgtEl>
-                </p:cond>
-              </p:nextCondLst>
-            </p:seq>
-          </p:childTnLst>
-        </p:cTn>
-      </p:par>
-    </p:tnLst>
-  </p:timing>
 </p:sld>
 </file>
 
@@ -22180,140 +16507,6 @@
   <p:transition spd="slow">
     <p:wipe/>
   </p:transition>
-  <p:timing>
-    <p:tnLst>
-      <p:par>
-        <p:cTn id="1" dur="indefinite" restart="never" nodeType="tmRoot">
-          <p:childTnLst>
-            <p:seq concurrent="1" nextAc="seek">
-              <p:cTn id="2" dur="indefinite" nodeType="mainSeq">
-                <p:childTnLst>
-                  <p:par>
-                    <p:cTn id="3" fill="hold">
-                      <p:stCondLst>
-                        <p:cond delay="indefinite"/>
-                      </p:stCondLst>
-                      <p:childTnLst>
-                        <p:par>
-                          <p:cTn id="4" fill="hold">
-                            <p:stCondLst>
-                              <p:cond delay="0"/>
-                            </p:stCondLst>
-                            <p:childTnLst>
-                              <p:par>
-                                <p:cTn id="5" presetID="42" presetClass="entr" presetSubtype="0" fill="hold" grpId="0" nodeType="clickEffect">
-                                  <p:stCondLst>
-                                    <p:cond delay="0"/>
-                                  </p:stCondLst>
-                                  <p:childTnLst>
-                                    <p:set>
-                                      <p:cBhvr>
-                                        <p:cTn id="6" dur="1" fill="hold">
-                                          <p:stCondLst>
-                                            <p:cond delay="0"/>
-                                          </p:stCondLst>
-                                        </p:cTn>
-                                        <p:tgtEl>
-                                          <p:spTgt spid="8"/>
-                                        </p:tgtEl>
-                                        <p:attrNameLst>
-                                          <p:attrName>style.visibility</p:attrName>
-                                        </p:attrNameLst>
-                                      </p:cBhvr>
-                                      <p:to>
-                                        <p:strVal val="visible"/>
-                                      </p:to>
-                                    </p:set>
-                                    <p:animEffect transition="in" filter="fade">
-                                      <p:cBhvr>
-                                        <p:cTn id="7" dur="1000"/>
-                                        <p:tgtEl>
-                                          <p:spTgt spid="8"/>
-                                        </p:tgtEl>
-                                      </p:cBhvr>
-                                    </p:animEffect>
-                                    <p:anim calcmode="lin" valueType="num">
-                                      <p:cBhvr>
-                                        <p:cTn id="8" dur="1000" fill="hold"/>
-                                        <p:tgtEl>
-                                          <p:spTgt spid="8"/>
-                                        </p:tgtEl>
-                                        <p:attrNameLst>
-                                          <p:attrName>ppt_x</p:attrName>
-                                        </p:attrNameLst>
-                                      </p:cBhvr>
-                                      <p:tavLst>
-                                        <p:tav tm="0">
-                                          <p:val>
-                                            <p:strVal val="#ppt_x"/>
-                                          </p:val>
-                                        </p:tav>
-                                        <p:tav tm="100000">
-                                          <p:val>
-                                            <p:strVal val="#ppt_x"/>
-                                          </p:val>
-                                        </p:tav>
-                                      </p:tavLst>
-                                    </p:anim>
-                                    <p:anim calcmode="lin" valueType="num">
-                                      <p:cBhvr>
-                                        <p:cTn id="9" dur="1000" fill="hold"/>
-                                        <p:tgtEl>
-                                          <p:spTgt spid="8"/>
-                                        </p:tgtEl>
-                                        <p:attrNameLst>
-                                          <p:attrName>ppt_y</p:attrName>
-                                        </p:attrNameLst>
-                                      </p:cBhvr>
-                                      <p:tavLst>
-                                        <p:tav tm="0">
-                                          <p:val>
-                                            <p:strVal val="#ppt_y+.1"/>
-                                          </p:val>
-                                        </p:tav>
-                                        <p:tav tm="100000">
-                                          <p:val>
-                                            <p:strVal val="#ppt_y"/>
-                                          </p:val>
-                                        </p:tav>
-                                      </p:tavLst>
-                                    </p:anim>
-                                  </p:childTnLst>
-                                </p:cTn>
-                              </p:par>
-                            </p:childTnLst>
-                          </p:cTn>
-                        </p:par>
-                      </p:childTnLst>
-                    </p:cTn>
-                  </p:par>
-                </p:childTnLst>
-              </p:cTn>
-              <p:prevCondLst>
-                <p:cond evt="onPrev" delay="0">
-                  <p:tgtEl>
-                    <p:sldTgt/>
-                  </p:tgtEl>
-                </p:cond>
-              </p:prevCondLst>
-              <p:nextCondLst>
-                <p:cond evt="onNext" delay="0">
-                  <p:tgtEl>
-                    <p:sldTgt/>
-                  </p:tgtEl>
-                </p:cond>
-              </p:nextCondLst>
-            </p:seq>
-          </p:childTnLst>
-        </p:cTn>
-      </p:par>
-    </p:tnLst>
-    <p:bldLst>
-      <p:bldGraphic spid="8" grpId="0">
-        <p:bldAsOne/>
-      </p:bldGraphic>
-    </p:bldLst>
-  </p:timing>
 </p:sld>
 </file>
 
@@ -22380,14 +16573,14 @@
             <p:ph idx="1"/>
             <p:extLst>
               <p:ext uri="{D42A27DB-BD31-4B8C-83A1-F6EECF244321}">
-                <p14:modId xmlns:p14="http://schemas.microsoft.com/office/powerpoint/2010/main" val="3790601625"/>
+                <p14:modId xmlns:p14="http://schemas.microsoft.com/office/powerpoint/2010/main" val="3922096279"/>
               </p:ext>
             </p:extLst>
           </p:nvPr>
         </p:nvGraphicFramePr>
         <p:xfrm>
           <a:off x="1641599" y="974724"/>
-          <a:ext cx="6862638" cy="3558104"/>
+          <a:ext cx="6862638" cy="3562132"/>
         </p:xfrm>
         <a:graphic>
           <a:graphicData uri="http://schemas.openxmlformats.org/drawingml/2006/table">
@@ -22475,6 +16668,16 @@
                         <a:buFont typeface="Wingdings" panose="05000000000000000000" pitchFamily="2" charset="2"/>
                         <a:buChar char="ü"/>
                       </a:pPr>
+                      <a:r>
+                        <a:rPr lang="en-US" dirty="0"/>
+                        <a:t>Uses Wi-Fi</a:t>
+                      </a:r>
+                    </a:p>
+                    <a:p>
+                      <a:pPr marL="285750" indent="-285750">
+                        <a:buFont typeface="Wingdings" panose="05000000000000000000" pitchFamily="2" charset="2"/>
+                        <a:buChar char="ü"/>
+                      </a:pPr>
                       <a:endParaRPr lang="en-US" dirty="0"/>
                     </a:p>
                   </a:txBody>
@@ -22491,7 +16694,7 @@
                       </a:pPr>
                       <a:r>
                         <a:rPr lang="en-US" dirty="0"/>
-                        <a:t>Medium range</a:t>
+                        <a:t>Medium range (up to 30m)</a:t>
                       </a:r>
                     </a:p>
                   </a:txBody>
@@ -22560,6 +16763,16 @@
                         <a:buFont typeface="Arial" panose="020B0604020202020204" pitchFamily="34" charset="0"/>
                         <a:buChar char="×"/>
                       </a:pPr>
+                      <a:r>
+                        <a:rPr lang="en-US" dirty="0"/>
+                        <a:t>Consumes a lot of energy</a:t>
+                      </a:r>
+                    </a:p>
+                    <a:p>
+                      <a:pPr marL="285750" indent="-285750">
+                        <a:buFont typeface="Arial" panose="020B0604020202020204" pitchFamily="34" charset="0"/>
+                        <a:buChar char="×"/>
+                      </a:pPr>
                       <a:endParaRPr lang="en-US" dirty="0"/>
                     </a:p>
                   </a:txBody>
@@ -22597,7 +16810,14 @@
                     <a:bodyPr/>
                     <a:lstStyle/>
                     <a:p>
-                      <a:endParaRPr lang="en-US" dirty="0"/>
+                      <a:pPr marL="285750" indent="-285750">
+                        <a:buFont typeface="Arial" panose="020B0604020202020204" pitchFamily="34" charset="0"/>
+                        <a:buChar char="×"/>
+                      </a:pPr>
+                      <a:r>
+                        <a:rPr lang="en-US" dirty="0"/>
+                        <a:t>Consumes a lot of energy</a:t>
+                      </a:r>
                     </a:p>
                   </a:txBody>
                   <a:tcPr/>
@@ -22800,358 +17020,6 @@
       </p:transition>
     </mc:Fallback>
   </mc:AlternateContent>
-  <p:timing>
-    <p:tnLst>
-      <p:par>
-        <p:cTn id="1" dur="indefinite" restart="never" nodeType="tmRoot">
-          <p:childTnLst>
-            <p:seq concurrent="1" nextAc="seek">
-              <p:cTn id="2" dur="indefinite" nodeType="mainSeq">
-                <p:childTnLst>
-                  <p:par>
-                    <p:cTn id="3" fill="hold">
-                      <p:stCondLst>
-                        <p:cond delay="indefinite"/>
-                      </p:stCondLst>
-                      <p:childTnLst>
-                        <p:par>
-                          <p:cTn id="4" fill="hold">
-                            <p:stCondLst>
-                              <p:cond delay="0"/>
-                            </p:stCondLst>
-                            <p:childTnLst>
-                              <p:par>
-                                <p:cTn id="5" presetID="22" presetClass="entr" presetSubtype="4" fill="hold" nodeType="clickEffect">
-                                  <p:stCondLst>
-                                    <p:cond delay="0"/>
-                                  </p:stCondLst>
-                                  <p:childTnLst>
-                                    <p:set>
-                                      <p:cBhvr>
-                                        <p:cTn id="6" dur="1" fill="hold">
-                                          <p:stCondLst>
-                                            <p:cond delay="0"/>
-                                          </p:stCondLst>
-                                        </p:cTn>
-                                        <p:tgtEl>
-                                          <p:spTgt spid="6"/>
-                                        </p:tgtEl>
-                                        <p:attrNameLst>
-                                          <p:attrName>style.visibility</p:attrName>
-                                        </p:attrNameLst>
-                                      </p:cBhvr>
-                                      <p:to>
-                                        <p:strVal val="visible"/>
-                                      </p:to>
-                                    </p:set>
-                                    <p:animEffect transition="in" filter="wipe(down)">
-                                      <p:cBhvr>
-                                        <p:cTn id="7" dur="500"/>
-                                        <p:tgtEl>
-                                          <p:spTgt spid="6"/>
-                                        </p:tgtEl>
-                                      </p:cBhvr>
-                                    </p:animEffect>
-                                  </p:childTnLst>
-                                </p:cTn>
-                              </p:par>
-                            </p:childTnLst>
-                          </p:cTn>
-                        </p:par>
-                      </p:childTnLst>
-                    </p:cTn>
-                  </p:par>
-                  <p:par>
-                    <p:cTn id="8" fill="hold">
-                      <p:stCondLst>
-                        <p:cond delay="indefinite"/>
-                      </p:stCondLst>
-                      <p:childTnLst>
-                        <p:par>
-                          <p:cTn id="9" fill="hold">
-                            <p:stCondLst>
-                              <p:cond delay="0"/>
-                            </p:stCondLst>
-                            <p:childTnLst>
-                              <p:par>
-                                <p:cTn id="10" presetID="22" presetClass="entr" presetSubtype="4" fill="hold" nodeType="clickEffect">
-                                  <p:stCondLst>
-                                    <p:cond delay="0"/>
-                                  </p:stCondLst>
-                                  <p:childTnLst>
-                                    <p:set>
-                                      <p:cBhvr>
-                                        <p:cTn id="11" dur="1" fill="hold">
-                                          <p:stCondLst>
-                                            <p:cond delay="0"/>
-                                          </p:stCondLst>
-                                        </p:cTn>
-                                        <p:tgtEl>
-                                          <p:spTgt spid="8"/>
-                                        </p:tgtEl>
-                                        <p:attrNameLst>
-                                          <p:attrName>style.visibility</p:attrName>
-                                        </p:attrNameLst>
-                                      </p:cBhvr>
-                                      <p:to>
-                                        <p:strVal val="visible"/>
-                                      </p:to>
-                                    </p:set>
-                                    <p:animEffect transition="in" filter="wipe(down)">
-                                      <p:cBhvr>
-                                        <p:cTn id="12" dur="500"/>
-                                        <p:tgtEl>
-                                          <p:spTgt spid="8"/>
-                                        </p:tgtEl>
-                                      </p:cBhvr>
-                                    </p:animEffect>
-                                  </p:childTnLst>
-                                </p:cTn>
-                              </p:par>
-                            </p:childTnLst>
-                          </p:cTn>
-                        </p:par>
-                      </p:childTnLst>
-                    </p:cTn>
-                  </p:par>
-                  <p:par>
-                    <p:cTn id="13" fill="hold">
-                      <p:stCondLst>
-                        <p:cond delay="indefinite"/>
-                      </p:stCondLst>
-                      <p:childTnLst>
-                        <p:par>
-                          <p:cTn id="14" fill="hold">
-                            <p:stCondLst>
-                              <p:cond delay="0"/>
-                            </p:stCondLst>
-                            <p:childTnLst>
-                              <p:par>
-                                <p:cTn id="15" presetID="22" presetClass="entr" presetSubtype="4" fill="hold" nodeType="clickEffect">
-                                  <p:stCondLst>
-                                    <p:cond delay="0"/>
-                                  </p:stCondLst>
-                                  <p:childTnLst>
-                                    <p:set>
-                                      <p:cBhvr>
-                                        <p:cTn id="16" dur="1" fill="hold">
-                                          <p:stCondLst>
-                                            <p:cond delay="0"/>
-                                          </p:stCondLst>
-                                        </p:cTn>
-                                        <p:tgtEl>
-                                          <p:spTgt spid="10"/>
-                                        </p:tgtEl>
-                                        <p:attrNameLst>
-                                          <p:attrName>style.visibility</p:attrName>
-                                        </p:attrNameLst>
-                                      </p:cBhvr>
-                                      <p:to>
-                                        <p:strVal val="visible"/>
-                                      </p:to>
-                                    </p:set>
-                                    <p:animEffect transition="in" filter="wipe(down)">
-                                      <p:cBhvr>
-                                        <p:cTn id="17" dur="500"/>
-                                        <p:tgtEl>
-                                          <p:spTgt spid="10"/>
-                                        </p:tgtEl>
-                                      </p:cBhvr>
-                                    </p:animEffect>
-                                  </p:childTnLst>
-                                </p:cTn>
-                              </p:par>
-                            </p:childTnLst>
-                          </p:cTn>
-                        </p:par>
-                      </p:childTnLst>
-                    </p:cTn>
-                  </p:par>
-                  <p:par>
-                    <p:cTn id="18" fill="hold">
-                      <p:stCondLst>
-                        <p:cond delay="indefinite"/>
-                      </p:stCondLst>
-                      <p:childTnLst>
-                        <p:par>
-                          <p:cTn id="19" fill="hold">
-                            <p:stCondLst>
-                              <p:cond delay="0"/>
-                            </p:stCondLst>
-                            <p:childTnLst>
-                              <p:par>
-                                <p:cTn id="20" presetID="16" presetClass="entr" presetSubtype="21" fill="hold" grpId="0" nodeType="clickEffect">
-                                  <p:stCondLst>
-                                    <p:cond delay="0"/>
-                                  </p:stCondLst>
-                                  <p:childTnLst>
-                                    <p:set>
-                                      <p:cBhvr>
-                                        <p:cTn id="21" dur="1" fill="hold">
-                                          <p:stCondLst>
-                                            <p:cond delay="0"/>
-                                          </p:stCondLst>
-                                        </p:cTn>
-                                        <p:tgtEl>
-                                          <p:spTgt spid="12"/>
-                                        </p:tgtEl>
-                                        <p:attrNameLst>
-                                          <p:attrName>style.visibility</p:attrName>
-                                        </p:attrNameLst>
-                                      </p:cBhvr>
-                                      <p:to>
-                                        <p:strVal val="visible"/>
-                                      </p:to>
-                                    </p:set>
-                                    <p:animEffect transition="in" filter="barn(inVertical)">
-                                      <p:cBhvr>
-                                        <p:cTn id="22" dur="500"/>
-                                        <p:tgtEl>
-                                          <p:spTgt spid="12"/>
-                                        </p:tgtEl>
-                                      </p:cBhvr>
-                                    </p:animEffect>
-                                  </p:childTnLst>
-                                </p:cTn>
-                              </p:par>
-                            </p:childTnLst>
-                          </p:cTn>
-                        </p:par>
-                      </p:childTnLst>
-                    </p:cTn>
-                  </p:par>
-                  <p:par>
-                    <p:cTn id="23" fill="hold">
-                      <p:stCondLst>
-                        <p:cond delay="indefinite"/>
-                      </p:stCondLst>
-                      <p:childTnLst>
-                        <p:par>
-                          <p:cTn id="24" fill="hold">
-                            <p:stCondLst>
-                              <p:cond delay="0"/>
-                            </p:stCondLst>
-                            <p:childTnLst>
-                              <p:par>
-                                <p:cTn id="25" presetID="16" presetClass="entr" presetSubtype="21" fill="hold" grpId="0" nodeType="clickEffect">
-                                  <p:stCondLst>
-                                    <p:cond delay="0"/>
-                                  </p:stCondLst>
-                                  <p:childTnLst>
-                                    <p:set>
-                                      <p:cBhvr>
-                                        <p:cTn id="26" dur="1" fill="hold">
-                                          <p:stCondLst>
-                                            <p:cond delay="0"/>
-                                          </p:stCondLst>
-                                        </p:cTn>
-                                        <p:tgtEl>
-                                          <p:spTgt spid="13"/>
-                                        </p:tgtEl>
-                                        <p:attrNameLst>
-                                          <p:attrName>style.visibility</p:attrName>
-                                        </p:attrNameLst>
-                                      </p:cBhvr>
-                                      <p:to>
-                                        <p:strVal val="visible"/>
-                                      </p:to>
-                                    </p:set>
-                                    <p:animEffect transition="in" filter="barn(inVertical)">
-                                      <p:cBhvr>
-                                        <p:cTn id="27" dur="500"/>
-                                        <p:tgtEl>
-                                          <p:spTgt spid="13"/>
-                                        </p:tgtEl>
-                                      </p:cBhvr>
-                                    </p:animEffect>
-                                  </p:childTnLst>
-                                </p:cTn>
-                              </p:par>
-                            </p:childTnLst>
-                          </p:cTn>
-                        </p:par>
-                      </p:childTnLst>
-                    </p:cTn>
-                  </p:par>
-                  <p:par>
-                    <p:cTn id="28" fill="hold">
-                      <p:stCondLst>
-                        <p:cond delay="indefinite"/>
-                      </p:stCondLst>
-                      <p:childTnLst>
-                        <p:par>
-                          <p:cTn id="29" fill="hold">
-                            <p:stCondLst>
-                              <p:cond delay="0"/>
-                            </p:stCondLst>
-                            <p:childTnLst>
-                              <p:par>
-                                <p:cTn id="30" presetID="10" presetClass="entr" presetSubtype="0" fill="hold" nodeType="clickEffect">
-                                  <p:stCondLst>
-                                    <p:cond delay="0"/>
-                                  </p:stCondLst>
-                                  <p:childTnLst>
-                                    <p:set>
-                                      <p:cBhvr>
-                                        <p:cTn id="31" dur="1" fill="hold">
-                                          <p:stCondLst>
-                                            <p:cond delay="0"/>
-                                          </p:stCondLst>
-                                        </p:cTn>
-                                        <p:tgtEl>
-                                          <p:spTgt spid="4"/>
-                                        </p:tgtEl>
-                                        <p:attrNameLst>
-                                          <p:attrName>style.visibility</p:attrName>
-                                        </p:attrNameLst>
-                                      </p:cBhvr>
-                                      <p:to>
-                                        <p:strVal val="visible"/>
-                                      </p:to>
-                                    </p:set>
-                                    <p:animEffect transition="in" filter="fade">
-                                      <p:cBhvr>
-                                        <p:cTn id="32" dur="500"/>
-                                        <p:tgtEl>
-                                          <p:spTgt spid="4"/>
-                                        </p:tgtEl>
-                                      </p:cBhvr>
-                                    </p:animEffect>
-                                  </p:childTnLst>
-                                </p:cTn>
-                              </p:par>
-                            </p:childTnLst>
-                          </p:cTn>
-                        </p:par>
-                      </p:childTnLst>
-                    </p:cTn>
-                  </p:par>
-                </p:childTnLst>
-              </p:cTn>
-              <p:prevCondLst>
-                <p:cond evt="onPrev" delay="0">
-                  <p:tgtEl>
-                    <p:sldTgt/>
-                  </p:tgtEl>
-                </p:cond>
-              </p:prevCondLst>
-              <p:nextCondLst>
-                <p:cond evt="onNext" delay="0">
-                  <p:tgtEl>
-                    <p:sldTgt/>
-                  </p:tgtEl>
-                </p:cond>
-              </p:nextCondLst>
-            </p:seq>
-          </p:childTnLst>
-        </p:cTn>
-      </p:par>
-    </p:tnLst>
-    <p:bldLst>
-      <p:bldP spid="12" grpId="0"/>
-      <p:bldP spid="13" grpId="0"/>
-    </p:bldLst>
-  </p:timing>
 </p:sld>
 </file>
 
@@ -23216,7 +17084,7 @@
             <p:ph idx="1"/>
             <p:extLst>
               <p:ext uri="{D42A27DB-BD31-4B8C-83A1-F6EECF244321}">
-                <p14:modId xmlns:p14="http://schemas.microsoft.com/office/powerpoint/2010/main" val="230974090"/>
+                <p14:modId xmlns:p14="http://schemas.microsoft.com/office/powerpoint/2010/main" val="2350912647"/>
               </p:ext>
             </p:extLst>
           </p:nvPr>
@@ -23274,150 +17142,6 @@
   <p:transition spd="slow">
     <p:push dir="u"/>
   </p:transition>
-  <p:timing>
-    <p:tnLst>
-      <p:par>
-        <p:cTn id="1" dur="indefinite" restart="never" nodeType="tmRoot">
-          <p:childTnLst>
-            <p:seq concurrent="1" nextAc="seek">
-              <p:cTn id="2" dur="indefinite" nodeType="mainSeq">
-                <p:childTnLst>
-                  <p:par>
-                    <p:cTn id="3" fill="hold">
-                      <p:stCondLst>
-                        <p:cond delay="indefinite"/>
-                      </p:stCondLst>
-                      <p:childTnLst>
-                        <p:par>
-                          <p:cTn id="4" fill="hold">
-                            <p:stCondLst>
-                              <p:cond delay="0"/>
-                            </p:stCondLst>
-                            <p:childTnLst>
-                              <p:par>
-                                <p:cTn id="5" presetID="22" presetClass="exit" presetSubtype="4" fill="hold" grpId="0" nodeType="clickEffect">
-                                  <p:stCondLst>
-                                    <p:cond delay="0"/>
-                                  </p:stCondLst>
-                                  <p:childTnLst>
-                                    <p:animEffect transition="out" filter="wipe(down)">
-                                      <p:cBhvr>
-                                        <p:cTn id="6" dur="500"/>
-                                        <p:tgtEl>
-                                          <p:spTgt spid="10"/>
-                                        </p:tgtEl>
-                                      </p:cBhvr>
-                                    </p:animEffect>
-                                    <p:set>
-                                      <p:cBhvr>
-                                        <p:cTn id="7" dur="1" fill="hold">
-                                          <p:stCondLst>
-                                            <p:cond delay="499"/>
-                                          </p:stCondLst>
-                                        </p:cTn>
-                                        <p:tgtEl>
-                                          <p:spTgt spid="10"/>
-                                        </p:tgtEl>
-                                        <p:attrNameLst>
-                                          <p:attrName>style.visibility</p:attrName>
-                                        </p:attrNameLst>
-                                      </p:cBhvr>
-                                      <p:to>
-                                        <p:strVal val="hidden"/>
-                                      </p:to>
-                                    </p:set>
-                                  </p:childTnLst>
-                                </p:cTn>
-                              </p:par>
-                            </p:childTnLst>
-                          </p:cTn>
-                        </p:par>
-                      </p:childTnLst>
-                    </p:cTn>
-                  </p:par>
-                  <p:par>
-                    <p:cTn id="8" fill="hold">
-                      <p:stCondLst>
-                        <p:cond delay="indefinite"/>
-                      </p:stCondLst>
-                      <p:childTnLst>
-                        <p:par>
-                          <p:cTn id="9" fill="hold">
-                            <p:stCondLst>
-                              <p:cond delay="0"/>
-                            </p:stCondLst>
-                            <p:childTnLst>
-                              <p:par>
-                                <p:cTn id="10" presetID="22" presetClass="exit" presetSubtype="4" fill="hold" grpId="0" nodeType="clickEffect">
-                                  <p:stCondLst>
-                                    <p:cond delay="0"/>
-                                  </p:stCondLst>
-                                  <p:childTnLst>
-                                    <p:animEffect transition="out" filter="wipe(down)">
-                                      <p:cBhvr>
-                                        <p:cTn id="11" dur="500"/>
-                                        <p:tgtEl>
-                                          <p:spTgt spid="11"/>
-                                        </p:tgtEl>
-                                      </p:cBhvr>
-                                    </p:animEffect>
-                                    <p:set>
-                                      <p:cBhvr>
-                                        <p:cTn id="12" dur="1" fill="hold">
-                                          <p:stCondLst>
-                                            <p:cond delay="499"/>
-                                          </p:stCondLst>
-                                        </p:cTn>
-                                        <p:tgtEl>
-                                          <p:spTgt spid="11"/>
-                                        </p:tgtEl>
-                                        <p:attrNameLst>
-                                          <p:attrName>style.visibility</p:attrName>
-                                        </p:attrNameLst>
-                                      </p:cBhvr>
-                                      <p:to>
-                                        <p:strVal val="hidden"/>
-                                      </p:to>
-                                    </p:set>
-                                  </p:childTnLst>
-                                </p:cTn>
-                              </p:par>
-                            </p:childTnLst>
-                          </p:cTn>
-                        </p:par>
-                      </p:childTnLst>
-                    </p:cTn>
-                  </p:par>
-                </p:childTnLst>
-              </p:cTn>
-              <p:prevCondLst>
-                <p:cond evt="onPrev" delay="0">
-                  <p:tgtEl>
-                    <p:sldTgt/>
-                  </p:tgtEl>
-                </p:cond>
-              </p:prevCondLst>
-              <p:nextCondLst>
-                <p:cond evt="onNext" delay="0">
-                  <p:tgtEl>
-                    <p:sldTgt/>
-                  </p:tgtEl>
-                </p:cond>
-              </p:nextCondLst>
-            </p:seq>
-          </p:childTnLst>
-        </p:cTn>
-      </p:par>
-    </p:tnLst>
-    <p:bldLst>
-      <p:bldGraphic spid="10" grpId="0">
-        <p:bldAsOne/>
-      </p:bldGraphic>
-      <p:bldGraphic spid="11" grpId="0">
-        <p:bldAsOne/>
-      </p:bldGraphic>
-    </p:bldLst>
-  </p:timing>
 </p:sld>
 </file>
 
@@ -23440,7 +17164,13 @@
       </p:grpSpPr>
       <p:sp>
         <p:nvSpPr>
-          <p:cNvPr id="2" name="Title 1"/>
+          <p:cNvPr id="2" name="Title 1">
+            <a:extLst>
+              <a:ext uri="{FF2B5EF4-FFF2-40B4-BE49-F238E27FC236}">
+                <a16:creationId xmlns:a16="http://schemas.microsoft.com/office/drawing/2014/main" id="{8D8B259C-B608-4F4A-918E-99FD5B1AF6A0}"/>
+              </a:ext>
+            </a:extLst>
+          </p:cNvPr>
           <p:cNvSpPr>
             <a:spLocks noGrp="1"/>
           </p:cNvSpPr>
@@ -23455,41 +17185,17 @@
           <a:p>
             <a:r>
               <a:rPr lang="en-US" dirty="0"/>
-              <a:t>The main components of the project</a:t>
+              <a:t>System Overview</a:t>
             </a:r>
           </a:p>
         </p:txBody>
       </p:sp>
-      <p:graphicFrame>
-        <p:nvGraphicFramePr>
-          <p:cNvPr id="17" name="Content Placeholder 3"/>
-          <p:cNvGraphicFramePr>
-            <a:graphicFrameLocks/>
-          </p:cNvGraphicFramePr>
-          <p:nvPr>
-            <p:extLst>
-              <p:ext uri="{D42A27DB-BD31-4B8C-83A1-F6EECF244321}">
-                <p14:modId xmlns:p14="http://schemas.microsoft.com/office/powerpoint/2010/main" val="2851953689"/>
-              </p:ext>
-            </p:extLst>
-          </p:nvPr>
-        </p:nvGraphicFramePr>
-        <p:xfrm>
-          <a:off x="1697768" y="3710523"/>
-          <a:ext cx="6267257" cy="850606"/>
-        </p:xfrm>
-        <a:graphic>
-          <a:graphicData uri="http://schemas.openxmlformats.org/drawingml/2006/diagram">
-            <dgm:relIds xmlns:dgm="http://schemas.openxmlformats.org/drawingml/2006/diagram" xmlns:r="http://schemas.openxmlformats.org/officeDocument/2006/relationships" r:dm="rId2" r:lo="rId3" r:qs="rId4" r:cs="rId5"/>
-          </a:graphicData>
-        </a:graphic>
-      </p:graphicFrame>
       <p:pic>
         <p:nvPicPr>
-          <p:cNvPr id="8" name="Content Placeholder 7" descr="A desk with a computer monitor&#10;&#10;Description generated with high confidence">
+          <p:cNvPr id="7" name="Content Placeholder 6" descr="A close up of a circuit board&#10;&#10;Description generated with high confidence">
             <a:extLst>
               <a:ext uri="{FF2B5EF4-FFF2-40B4-BE49-F238E27FC236}">
-                <a16:creationId xmlns:a16="http://schemas.microsoft.com/office/drawing/2014/main" id="{E8E6184F-3536-462F-AE68-6505C40D03E1}"/>
+                <a16:creationId xmlns:a16="http://schemas.microsoft.com/office/drawing/2014/main" id="{06691891-7166-409B-B036-BDE682CEF730}"/>
               </a:ext>
             </a:extLst>
           </p:cNvPr>
@@ -23501,166 +17207,40 @@
           </p:nvPr>
         </p:nvPicPr>
         <p:blipFill>
-          <a:blip r:embed="rId7"/>
+          <a:blip r:embed="rId2"/>
           <a:stretch>
             <a:fillRect/>
           </a:stretch>
         </p:blipFill>
         <p:spPr>
           <a:xfrm>
-            <a:off x="1975656" y="1087266"/>
-            <a:ext cx="5711483" cy="2422525"/>
+            <a:off x="884556" y="974725"/>
+            <a:ext cx="7872582" cy="3721100"/>
           </a:xfrm>
         </p:spPr>
       </p:pic>
     </p:spTree>
     <p:extLst>
       <p:ext uri="{BB962C8B-B14F-4D97-AF65-F5344CB8AC3E}">
-        <p14:creationId xmlns:p14="http://schemas.microsoft.com/office/powerpoint/2010/main" val="1634207297"/>
+        <p14:creationId xmlns:p14="http://schemas.microsoft.com/office/powerpoint/2010/main" val="1330141984"/>
       </p:ext>
     </p:extLst>
   </p:cSld>
   <p:clrMapOvr>
     <a:masterClrMapping/>
   </p:clrMapOvr>
-  <mc:AlternateContent xmlns:mc="http://schemas.openxmlformats.org/markup-compatibility/2006" xmlns:p15="http://schemas.microsoft.com/office/powerpoint/2012/main">
-    <mc:Choice Requires="p15">
-      <p:transition xmlns:p14="http://schemas.microsoft.com/office/powerpoint/2010/main" spd="slow" p14:dur="1250">
-        <p15:prstTrans prst="airplane"/>
+  <mc:AlternateContent xmlns:mc="http://schemas.openxmlformats.org/markup-compatibility/2006" xmlns:p14="http://schemas.microsoft.com/office/powerpoint/2010/main">
+    <mc:Choice Requires="p14">
+      <p:transition spd="slow" p14:dur="800">
+        <p:circle/>
       </p:transition>
     </mc:Choice>
     <mc:Fallback xmlns="">
       <p:transition spd="slow">
-        <p:fade/>
+        <p:circle/>
       </p:transition>
     </mc:Fallback>
   </mc:AlternateContent>
-  <p:timing>
-    <p:tnLst>
-      <p:par>
-        <p:cTn id="1" dur="indefinite" restart="never" nodeType="tmRoot">
-          <p:childTnLst>
-            <p:seq concurrent="1" nextAc="seek">
-              <p:cTn id="2" dur="indefinite" nodeType="mainSeq">
-                <p:childTnLst>
-                  <p:par>
-                    <p:cTn id="3" fill="hold">
-                      <p:stCondLst>
-                        <p:cond delay="indefinite"/>
-                      </p:stCondLst>
-                      <p:childTnLst>
-                        <p:par>
-                          <p:cTn id="4" fill="hold">
-                            <p:stCondLst>
-                              <p:cond delay="0"/>
-                            </p:stCondLst>
-                            <p:childTnLst>
-                              <p:par>
-                                <p:cTn id="5" presetID="2" presetClass="entr" presetSubtype="4" fill="hold" grpId="0" nodeType="clickEffect">
-                                  <p:stCondLst>
-                                    <p:cond delay="0"/>
-                                  </p:stCondLst>
-                                  <p:childTnLst>
-                                    <p:set>
-                                      <p:cBhvr>
-                                        <p:cTn id="6" dur="1" fill="hold">
-                                          <p:stCondLst>
-                                            <p:cond delay="0"/>
-                                          </p:stCondLst>
-                                        </p:cTn>
-                                        <p:tgtEl>
-                                          <p:spTgt spid="17"/>
-                                        </p:tgtEl>
-                                        <p:attrNameLst>
-                                          <p:attrName>style.visibility</p:attrName>
-                                        </p:attrNameLst>
-                                      </p:cBhvr>
-                                      <p:to>
-                                        <p:strVal val="visible"/>
-                                      </p:to>
-                                    </p:set>
-                                    <p:anim calcmode="lin" valueType="num">
-                                      <p:cBhvr additive="base">
-                                        <p:cTn id="7" dur="500" fill="hold"/>
-                                        <p:tgtEl>
-                                          <p:spTgt spid="17"/>
-                                        </p:tgtEl>
-                                        <p:attrNameLst>
-                                          <p:attrName>ppt_x</p:attrName>
-                                        </p:attrNameLst>
-                                      </p:cBhvr>
-                                      <p:tavLst>
-                                        <p:tav tm="0">
-                                          <p:val>
-                                            <p:strVal val="#ppt_x"/>
-                                          </p:val>
-                                        </p:tav>
-                                        <p:tav tm="100000">
-                                          <p:val>
-                                            <p:strVal val="#ppt_x"/>
-                                          </p:val>
-                                        </p:tav>
-                                      </p:tavLst>
-                                    </p:anim>
-                                    <p:anim calcmode="lin" valueType="num">
-                                      <p:cBhvr additive="base">
-                                        <p:cTn id="8" dur="500" fill="hold"/>
-                                        <p:tgtEl>
-                                          <p:spTgt spid="17"/>
-                                        </p:tgtEl>
-                                        <p:attrNameLst>
-                                          <p:attrName>ppt_y</p:attrName>
-                                        </p:attrNameLst>
-                                      </p:cBhvr>
-                                      <p:tavLst>
-                                        <p:tav tm="0">
-                                          <p:val>
-                                            <p:strVal val="1+#ppt_h/2"/>
-                                          </p:val>
-                                        </p:tav>
-                                        <p:tav tm="100000">
-                                          <p:val>
-                                            <p:strVal val="#ppt_y"/>
-                                          </p:val>
-                                        </p:tav>
-                                      </p:tavLst>
-                                    </p:anim>
-                                  </p:childTnLst>
-                                </p:cTn>
-                              </p:par>
-                            </p:childTnLst>
-                          </p:cTn>
-                        </p:par>
-                      </p:childTnLst>
-                    </p:cTn>
-                  </p:par>
-                </p:childTnLst>
-              </p:cTn>
-              <p:prevCondLst>
-                <p:cond evt="onPrev" delay="0">
-                  <p:tgtEl>
-                    <p:sldTgt/>
-                  </p:tgtEl>
-                </p:cond>
-              </p:prevCondLst>
-              <p:nextCondLst>
-                <p:cond evt="onNext" delay="0">
-                  <p:tgtEl>
-                    <p:sldTgt/>
-                  </p:tgtEl>
-                </p:cond>
-              </p:nextCondLst>
-            </p:seq>
-          </p:childTnLst>
-        </p:cTn>
-      </p:par>
-    </p:tnLst>
-    <p:bldLst>
-      <p:bldGraphic spid="17" grpId="0">
-        <p:bldAsOne/>
-      </p:bldGraphic>
-    </p:bldLst>
-  </p:timing>
 </p:sld>
 </file>
 
@@ -23683,7 +17263,13 @@
       </p:grpSpPr>
       <p:sp>
         <p:nvSpPr>
-          <p:cNvPr id="2" name="Title 1"/>
+          <p:cNvPr id="2" name="Title 1">
+            <a:extLst>
+              <a:ext uri="{FF2B5EF4-FFF2-40B4-BE49-F238E27FC236}">
+                <a16:creationId xmlns:a16="http://schemas.microsoft.com/office/drawing/2014/main" id="{38900B24-5012-4FFF-8F09-130B8C48E282}"/>
+              </a:ext>
+            </a:extLst>
+          </p:cNvPr>
           <p:cNvSpPr>
             <a:spLocks noGrp="1"/>
           </p:cNvSpPr>
@@ -23698,62 +17284,29 @@
           <a:p>
             <a:r>
               <a:rPr lang="en-US" dirty="0"/>
-              <a:t>Sensors -&gt; MCU</a:t>
+              <a:t>Power Consumption Measurement</a:t>
             </a:r>
           </a:p>
         </p:txBody>
       </p:sp>
-      <p:graphicFrame>
-        <p:nvGraphicFramePr>
-          <p:cNvPr id="6" name="Content Placeholder 3"/>
-          <p:cNvGraphicFramePr>
-            <a:graphicFrameLocks noGrp="1"/>
-          </p:cNvGraphicFramePr>
+      <p:pic>
+        <p:nvPicPr>
+          <p:cNvPr id="12" name="Content Placeholder 11">
+            <a:extLst>
+              <a:ext uri="{FF2B5EF4-FFF2-40B4-BE49-F238E27FC236}">
+                <a16:creationId xmlns:a16="http://schemas.microsoft.com/office/drawing/2014/main" id="{A8B8054B-469F-4B08-B9D0-725AF663A23F}"/>
+              </a:ext>
+            </a:extLst>
+          </p:cNvPr>
+          <p:cNvPicPr>
+            <a:picLocks noGrp="1"/>
+          </p:cNvPicPr>
           <p:nvPr>
             <p:ph idx="1"/>
-            <p:extLst/>
           </p:nvPr>
-        </p:nvGraphicFramePr>
-        <p:xfrm>
-          <a:off x="944842" y="873958"/>
-          <a:ext cx="7772792" cy="1396337"/>
-        </p:xfrm>
-        <a:graphic>
-          <a:graphicData uri="http://schemas.openxmlformats.org/drawingml/2006/diagram">
-            <dgm:relIds xmlns:dgm="http://schemas.openxmlformats.org/drawingml/2006/diagram" xmlns:r="http://schemas.openxmlformats.org/officeDocument/2006/relationships" r:dm="rId2" r:lo="rId3" r:qs="rId4" r:cs="rId5"/>
-          </a:graphicData>
-        </a:graphic>
-      </p:graphicFrame>
-      <p:graphicFrame>
-        <p:nvGraphicFramePr>
-          <p:cNvPr id="18" name="Content Placeholder 3"/>
-          <p:cNvGraphicFramePr>
-            <a:graphicFrameLocks/>
-          </p:cNvGraphicFramePr>
-          <p:nvPr>
-            <p:extLst/>
-          </p:nvPr>
-        </p:nvGraphicFramePr>
-        <p:xfrm>
-          <a:off x="944842" y="3002973"/>
-          <a:ext cx="7772792" cy="2043981"/>
-        </p:xfrm>
-        <a:graphic>
-          <a:graphicData uri="http://schemas.openxmlformats.org/drawingml/2006/diagram">
-            <dgm:relIds xmlns:dgm="http://schemas.openxmlformats.org/drawingml/2006/diagram" xmlns:r="http://schemas.openxmlformats.org/officeDocument/2006/relationships" r:dm="rId7" r:lo="rId8" r:qs="rId9" r:cs="rId10"/>
-          </a:graphicData>
-        </a:graphic>
-      </p:graphicFrame>
-      <p:pic>
-        <p:nvPicPr>
-          <p:cNvPr id="20" name="Picture 19"/>
-          <p:cNvPicPr>
-            <a:picLocks noChangeAspect="1"/>
-          </p:cNvPicPr>
-          <p:nvPr/>
         </p:nvPicPr>
         <p:blipFill>
-          <a:blip r:embed="rId12">
+          <a:blip r:embed="rId2">
             <a:extLst>
               <a:ext uri="{28A0092B-C50C-407E-A947-70E740481C1C}">
                 <a14:useLocalDpi xmlns:a14="http://schemas.microsoft.com/office/drawing/2010/main" val="0"/>
@@ -23766,8 +17319,8 @@
         </p:blipFill>
         <p:spPr>
           <a:xfrm>
-            <a:off x="3824287" y="4188710"/>
-            <a:ext cx="4866396" cy="455508"/>
+            <a:off x="2773797" y="886264"/>
+            <a:ext cx="3413525" cy="2018714"/>
           </a:xfrm>
           <a:prstGeom prst="rect">
             <a:avLst/>
@@ -23776,28 +17329,66 @@
       </p:pic>
       <p:pic>
         <p:nvPicPr>
-          <p:cNvPr id="3" name="Picture 2">
+          <p:cNvPr id="13" name="Picture 12">
             <a:extLst>
               <a:ext uri="{FF2B5EF4-FFF2-40B4-BE49-F238E27FC236}">
-                <a16:creationId xmlns:a16="http://schemas.microsoft.com/office/drawing/2014/main" id="{2AFC8012-7288-458C-97D3-40B569C718F8}"/>
+                <a16:creationId xmlns:a16="http://schemas.microsoft.com/office/drawing/2014/main" id="{1039E30E-20F1-455A-A4A8-8AC9BC75362E}"/>
               </a:ext>
             </a:extLst>
           </p:cNvPr>
-          <p:cNvPicPr>
-            <a:picLocks noChangeAspect="1"/>
-          </p:cNvPicPr>
+          <p:cNvPicPr/>
           <p:nvPr/>
         </p:nvPicPr>
         <p:blipFill>
-          <a:blip r:embed="rId13"/>
+          <a:blip r:embed="rId3">
+            <a:extLst>
+              <a:ext uri="{28A0092B-C50C-407E-A947-70E740481C1C}">
+                <a14:useLocalDpi xmlns:a14="http://schemas.microsoft.com/office/drawing/2010/main" val="0"/>
+              </a:ext>
+            </a:extLst>
+          </a:blip>
           <a:stretch>
             <a:fillRect/>
           </a:stretch>
         </p:blipFill>
         <p:spPr>
           <a:xfrm>
-            <a:off x="3824287" y="1984439"/>
-            <a:ext cx="4976813" cy="974449"/>
+            <a:off x="724486" y="2904978"/>
+            <a:ext cx="3756074" cy="1624794"/>
+          </a:xfrm>
+          <a:prstGeom prst="rect">
+            <a:avLst/>
+          </a:prstGeom>
+        </p:spPr>
+      </p:pic>
+      <p:pic>
+        <p:nvPicPr>
+          <p:cNvPr id="14" name="Picture 13">
+            <a:extLst>
+              <a:ext uri="{FF2B5EF4-FFF2-40B4-BE49-F238E27FC236}">
+                <a16:creationId xmlns:a16="http://schemas.microsoft.com/office/drawing/2014/main" id="{DA0C79F4-A10E-4BC2-A052-5BA5CF3017C9}"/>
+              </a:ext>
+            </a:extLst>
+          </p:cNvPr>
+          <p:cNvPicPr/>
+          <p:nvPr/>
+        </p:nvPicPr>
+        <p:blipFill>
+          <a:blip r:embed="rId4">
+            <a:extLst>
+              <a:ext uri="{28A0092B-C50C-407E-A947-70E740481C1C}">
+                <a14:useLocalDpi xmlns:a14="http://schemas.microsoft.com/office/drawing/2010/main" val="0"/>
+              </a:ext>
+            </a:extLst>
+          </a:blip>
+          <a:stretch>
+            <a:fillRect/>
+          </a:stretch>
+        </p:blipFill>
+        <p:spPr>
+          <a:xfrm>
+            <a:off x="4480560" y="2904978"/>
+            <a:ext cx="3910818" cy="1624794"/>
           </a:xfrm>
           <a:prstGeom prst="rect">
             <a:avLst/>
@@ -23807,435 +17398,25 @@
     </p:spTree>
     <p:extLst>
       <p:ext uri="{BB962C8B-B14F-4D97-AF65-F5344CB8AC3E}">
-        <p14:creationId xmlns:p14="http://schemas.microsoft.com/office/powerpoint/2010/main" val="3142999781"/>
+        <p14:creationId xmlns:p14="http://schemas.microsoft.com/office/powerpoint/2010/main" val="2775288391"/>
       </p:ext>
     </p:extLst>
   </p:cSld>
   <p:clrMapOvr>
     <a:masterClrMapping/>
   </p:clrMapOvr>
-  <mc:AlternateContent xmlns:mc="http://schemas.openxmlformats.org/markup-compatibility/2006" xmlns:p14="http://schemas.microsoft.com/office/powerpoint/2010/main">
-    <mc:Choice Requires="p14">
-      <p:transition spd="slow" p14:dur="2000">
-        <p14:ferris dir="l"/>
+  <mc:AlternateContent xmlns:mc="http://schemas.openxmlformats.org/markup-compatibility/2006">
+    <mc:Choice xmlns:p15="http://schemas.microsoft.com/office/powerpoint/2012/main" Requires="p15">
+      <p:transition xmlns:p14="http://schemas.microsoft.com/office/powerpoint/2010/main" spd="slow" p14:dur="2000">
+        <p15:prstTrans prst="wind"/>
       </p:transition>
     </mc:Choice>
-    <mc:Fallback xmlns="">
+    <mc:Fallback>
       <p:transition spd="slow">
         <p:fade/>
       </p:transition>
     </mc:Fallback>
   </mc:AlternateContent>
-  <p:timing>
-    <p:tnLst>
-      <p:par>
-        <p:cTn id="1" dur="indefinite" restart="never" nodeType="tmRoot">
-          <p:childTnLst>
-            <p:seq concurrent="1" nextAc="seek">
-              <p:cTn id="2" dur="indefinite" nodeType="mainSeq">
-                <p:childTnLst>
-                  <p:par>
-                    <p:cTn id="3" fill="hold">
-                      <p:stCondLst>
-                        <p:cond delay="indefinite"/>
-                      </p:stCondLst>
-                      <p:childTnLst>
-                        <p:par>
-                          <p:cTn id="4" fill="hold">
-                            <p:stCondLst>
-                              <p:cond delay="0"/>
-                            </p:stCondLst>
-                            <p:childTnLst>
-                              <p:par>
-                                <p:cTn id="5" presetID="32" presetClass="emph" presetSubtype="0" fill="hold" grpId="0" nodeType="clickEffect">
-                                  <p:stCondLst>
-                                    <p:cond delay="0"/>
-                                  </p:stCondLst>
-                                  <p:childTnLst>
-                                    <p:animRot by="120000">
-                                      <p:cBhvr>
-                                        <p:cTn id="6" dur="100" fill="hold">
-                                          <p:stCondLst>
-                                            <p:cond delay="0"/>
-                                          </p:stCondLst>
-                                        </p:cTn>
-                                        <p:tgtEl>
-                                          <p:spTgt spid="6"/>
-                                        </p:tgtEl>
-                                        <p:attrNameLst>
-                                          <p:attrName>r</p:attrName>
-                                        </p:attrNameLst>
-                                      </p:cBhvr>
-                                    </p:animRot>
-                                    <p:animRot by="-240000">
-                                      <p:cBhvr>
-                                        <p:cTn id="7" dur="200" fill="hold">
-                                          <p:stCondLst>
-                                            <p:cond delay="200"/>
-                                          </p:stCondLst>
-                                        </p:cTn>
-                                        <p:tgtEl>
-                                          <p:spTgt spid="6"/>
-                                        </p:tgtEl>
-                                        <p:attrNameLst>
-                                          <p:attrName>r</p:attrName>
-                                        </p:attrNameLst>
-                                      </p:cBhvr>
-                                    </p:animRot>
-                                    <p:animRot by="240000">
-                                      <p:cBhvr>
-                                        <p:cTn id="8" dur="200" fill="hold">
-                                          <p:stCondLst>
-                                            <p:cond delay="400"/>
-                                          </p:stCondLst>
-                                        </p:cTn>
-                                        <p:tgtEl>
-                                          <p:spTgt spid="6"/>
-                                        </p:tgtEl>
-                                        <p:attrNameLst>
-                                          <p:attrName>r</p:attrName>
-                                        </p:attrNameLst>
-                                      </p:cBhvr>
-                                    </p:animRot>
-                                    <p:animRot by="-240000">
-                                      <p:cBhvr>
-                                        <p:cTn id="9" dur="200" fill="hold">
-                                          <p:stCondLst>
-                                            <p:cond delay="600"/>
-                                          </p:stCondLst>
-                                        </p:cTn>
-                                        <p:tgtEl>
-                                          <p:spTgt spid="6"/>
-                                        </p:tgtEl>
-                                        <p:attrNameLst>
-                                          <p:attrName>r</p:attrName>
-                                        </p:attrNameLst>
-                                      </p:cBhvr>
-                                    </p:animRot>
-                                    <p:animRot by="120000">
-                                      <p:cBhvr>
-                                        <p:cTn id="10" dur="200" fill="hold">
-                                          <p:stCondLst>
-                                            <p:cond delay="800"/>
-                                          </p:stCondLst>
-                                        </p:cTn>
-                                        <p:tgtEl>
-                                          <p:spTgt spid="6"/>
-                                        </p:tgtEl>
-                                        <p:attrNameLst>
-                                          <p:attrName>r</p:attrName>
-                                        </p:attrNameLst>
-                                      </p:cBhvr>
-                                    </p:animRot>
-                                  </p:childTnLst>
-                                </p:cTn>
-                              </p:par>
-                              <p:par>
-                                <p:cTn id="11" presetID="32" presetClass="emph" presetSubtype="0" fill="hold" nodeType="withEffect">
-                                  <p:stCondLst>
-                                    <p:cond delay="0"/>
-                                  </p:stCondLst>
-                                  <p:childTnLst>
-                                    <p:animRot by="120000">
-                                      <p:cBhvr>
-                                        <p:cTn id="12" dur="100" fill="hold">
-                                          <p:stCondLst>
-                                            <p:cond delay="0"/>
-                                          </p:stCondLst>
-                                        </p:cTn>
-                                        <p:tgtEl>
-                                          <p:spTgt spid="3"/>
-                                        </p:tgtEl>
-                                        <p:attrNameLst>
-                                          <p:attrName>r</p:attrName>
-                                        </p:attrNameLst>
-                                      </p:cBhvr>
-                                    </p:animRot>
-                                    <p:animRot by="-240000">
-                                      <p:cBhvr>
-                                        <p:cTn id="13" dur="200" fill="hold">
-                                          <p:stCondLst>
-                                            <p:cond delay="200"/>
-                                          </p:stCondLst>
-                                        </p:cTn>
-                                        <p:tgtEl>
-                                          <p:spTgt spid="3"/>
-                                        </p:tgtEl>
-                                        <p:attrNameLst>
-                                          <p:attrName>r</p:attrName>
-                                        </p:attrNameLst>
-                                      </p:cBhvr>
-                                    </p:animRot>
-                                    <p:animRot by="240000">
-                                      <p:cBhvr>
-                                        <p:cTn id="14" dur="200" fill="hold">
-                                          <p:stCondLst>
-                                            <p:cond delay="400"/>
-                                          </p:stCondLst>
-                                        </p:cTn>
-                                        <p:tgtEl>
-                                          <p:spTgt spid="3"/>
-                                        </p:tgtEl>
-                                        <p:attrNameLst>
-                                          <p:attrName>r</p:attrName>
-                                        </p:attrNameLst>
-                                      </p:cBhvr>
-                                    </p:animRot>
-                                    <p:animRot by="-240000">
-                                      <p:cBhvr>
-                                        <p:cTn id="15" dur="200" fill="hold">
-                                          <p:stCondLst>
-                                            <p:cond delay="600"/>
-                                          </p:stCondLst>
-                                        </p:cTn>
-                                        <p:tgtEl>
-                                          <p:spTgt spid="3"/>
-                                        </p:tgtEl>
-                                        <p:attrNameLst>
-                                          <p:attrName>r</p:attrName>
-                                        </p:attrNameLst>
-                                      </p:cBhvr>
-                                    </p:animRot>
-                                    <p:animRot by="120000">
-                                      <p:cBhvr>
-                                        <p:cTn id="16" dur="200" fill="hold">
-                                          <p:stCondLst>
-                                            <p:cond delay="800"/>
-                                          </p:stCondLst>
-                                        </p:cTn>
-                                        <p:tgtEl>
-                                          <p:spTgt spid="3"/>
-                                        </p:tgtEl>
-                                        <p:attrNameLst>
-                                          <p:attrName>r</p:attrName>
-                                        </p:attrNameLst>
-                                      </p:cBhvr>
-                                    </p:animRot>
-                                  </p:childTnLst>
-                                </p:cTn>
-                              </p:par>
-                            </p:childTnLst>
-                          </p:cTn>
-                        </p:par>
-                      </p:childTnLst>
-                    </p:cTn>
-                  </p:par>
-                  <p:par>
-                    <p:cTn id="17" fill="hold">
-                      <p:stCondLst>
-                        <p:cond delay="indefinite"/>
-                      </p:stCondLst>
-                      <p:childTnLst>
-                        <p:par>
-                          <p:cTn id="18" fill="hold">
-                            <p:stCondLst>
-                              <p:cond delay="0"/>
-                            </p:stCondLst>
-                            <p:childTnLst>
-                              <p:par>
-                                <p:cTn id="19" presetID="32" presetClass="emph" presetSubtype="0" fill="hold" grpId="0" nodeType="clickEffect">
-                                  <p:stCondLst>
-                                    <p:cond delay="0"/>
-                                  </p:stCondLst>
-                                  <p:childTnLst>
-                                    <p:animRot by="120000">
-                                      <p:cBhvr>
-                                        <p:cTn id="20" dur="100" fill="hold">
-                                          <p:stCondLst>
-                                            <p:cond delay="0"/>
-                                          </p:stCondLst>
-                                        </p:cTn>
-                                        <p:tgtEl>
-                                          <p:spTgt spid="18"/>
-                                        </p:tgtEl>
-                                        <p:attrNameLst>
-                                          <p:attrName>r</p:attrName>
-                                        </p:attrNameLst>
-                                      </p:cBhvr>
-                                    </p:animRot>
-                                    <p:animRot by="-240000">
-                                      <p:cBhvr>
-                                        <p:cTn id="21" dur="200" fill="hold">
-                                          <p:stCondLst>
-                                            <p:cond delay="200"/>
-                                          </p:stCondLst>
-                                        </p:cTn>
-                                        <p:tgtEl>
-                                          <p:spTgt spid="18"/>
-                                        </p:tgtEl>
-                                        <p:attrNameLst>
-                                          <p:attrName>r</p:attrName>
-                                        </p:attrNameLst>
-                                      </p:cBhvr>
-                                    </p:animRot>
-                                    <p:animRot by="240000">
-                                      <p:cBhvr>
-                                        <p:cTn id="22" dur="200" fill="hold">
-                                          <p:stCondLst>
-                                            <p:cond delay="400"/>
-                                          </p:stCondLst>
-                                        </p:cTn>
-                                        <p:tgtEl>
-                                          <p:spTgt spid="18"/>
-                                        </p:tgtEl>
-                                        <p:attrNameLst>
-                                          <p:attrName>r</p:attrName>
-                                        </p:attrNameLst>
-                                      </p:cBhvr>
-                                    </p:animRot>
-                                    <p:animRot by="-240000">
-                                      <p:cBhvr>
-                                        <p:cTn id="23" dur="200" fill="hold">
-                                          <p:stCondLst>
-                                            <p:cond delay="600"/>
-                                          </p:stCondLst>
-                                        </p:cTn>
-                                        <p:tgtEl>
-                                          <p:spTgt spid="18"/>
-                                        </p:tgtEl>
-                                        <p:attrNameLst>
-                                          <p:attrName>r</p:attrName>
-                                        </p:attrNameLst>
-                                      </p:cBhvr>
-                                    </p:animRot>
-                                    <p:animRot by="120000">
-                                      <p:cBhvr>
-                                        <p:cTn id="24" dur="200" fill="hold">
-                                          <p:stCondLst>
-                                            <p:cond delay="800"/>
-                                          </p:stCondLst>
-                                        </p:cTn>
-                                        <p:tgtEl>
-                                          <p:spTgt spid="18"/>
-                                        </p:tgtEl>
-                                        <p:attrNameLst>
-                                          <p:attrName>r</p:attrName>
-                                        </p:attrNameLst>
-                                      </p:cBhvr>
-                                    </p:animRot>
-                                  </p:childTnLst>
-                                </p:cTn>
-                              </p:par>
-                              <p:par>
-                                <p:cTn id="25" presetID="32" presetClass="emph" presetSubtype="0" fill="hold" nodeType="withEffect">
-                                  <p:stCondLst>
-                                    <p:cond delay="0"/>
-                                  </p:stCondLst>
-                                  <p:childTnLst>
-                                    <p:animRot by="120000">
-                                      <p:cBhvr>
-                                        <p:cTn id="26" dur="100" fill="hold">
-                                          <p:stCondLst>
-                                            <p:cond delay="0"/>
-                                          </p:stCondLst>
-                                        </p:cTn>
-                                        <p:tgtEl>
-                                          <p:spTgt spid="20"/>
-                                        </p:tgtEl>
-                                        <p:attrNameLst>
-                                          <p:attrName>r</p:attrName>
-                                        </p:attrNameLst>
-                                      </p:cBhvr>
-                                    </p:animRot>
-                                    <p:animRot by="-240000">
-                                      <p:cBhvr>
-                                        <p:cTn id="27" dur="200" fill="hold">
-                                          <p:stCondLst>
-                                            <p:cond delay="200"/>
-                                          </p:stCondLst>
-                                        </p:cTn>
-                                        <p:tgtEl>
-                                          <p:spTgt spid="20"/>
-                                        </p:tgtEl>
-                                        <p:attrNameLst>
-                                          <p:attrName>r</p:attrName>
-                                        </p:attrNameLst>
-                                      </p:cBhvr>
-                                    </p:animRot>
-                                    <p:animRot by="240000">
-                                      <p:cBhvr>
-                                        <p:cTn id="28" dur="200" fill="hold">
-                                          <p:stCondLst>
-                                            <p:cond delay="400"/>
-                                          </p:stCondLst>
-                                        </p:cTn>
-                                        <p:tgtEl>
-                                          <p:spTgt spid="20"/>
-                                        </p:tgtEl>
-                                        <p:attrNameLst>
-                                          <p:attrName>r</p:attrName>
-                                        </p:attrNameLst>
-                                      </p:cBhvr>
-                                    </p:animRot>
-                                    <p:animRot by="-240000">
-                                      <p:cBhvr>
-                                        <p:cTn id="29" dur="200" fill="hold">
-                                          <p:stCondLst>
-                                            <p:cond delay="600"/>
-                                          </p:stCondLst>
-                                        </p:cTn>
-                                        <p:tgtEl>
-                                          <p:spTgt spid="20"/>
-                                        </p:tgtEl>
-                                        <p:attrNameLst>
-                                          <p:attrName>r</p:attrName>
-                                        </p:attrNameLst>
-                                      </p:cBhvr>
-                                    </p:animRot>
-                                    <p:animRot by="120000">
-                                      <p:cBhvr>
-                                        <p:cTn id="30" dur="200" fill="hold">
-                                          <p:stCondLst>
-                                            <p:cond delay="800"/>
-                                          </p:stCondLst>
-                                        </p:cTn>
-                                        <p:tgtEl>
-                                          <p:spTgt spid="20"/>
-                                        </p:tgtEl>
-                                        <p:attrNameLst>
-                                          <p:attrName>r</p:attrName>
-                                        </p:attrNameLst>
-                                      </p:cBhvr>
-                                    </p:animRot>
-                                  </p:childTnLst>
-                                </p:cTn>
-                              </p:par>
-                            </p:childTnLst>
-                          </p:cTn>
-                        </p:par>
-                      </p:childTnLst>
-                    </p:cTn>
-                  </p:par>
-                </p:childTnLst>
-              </p:cTn>
-              <p:prevCondLst>
-                <p:cond evt="onPrev" delay="0">
-                  <p:tgtEl>
-                    <p:sldTgt/>
-                  </p:tgtEl>
-                </p:cond>
-              </p:prevCondLst>
-              <p:nextCondLst>
-                <p:cond evt="onNext" delay="0">
-                  <p:tgtEl>
-                    <p:sldTgt/>
-                  </p:tgtEl>
-                </p:cond>
-              </p:nextCondLst>
-            </p:seq>
-          </p:childTnLst>
-        </p:cTn>
-      </p:par>
-    </p:tnLst>
-    <p:bldLst>
-      <p:bldGraphic spid="6" grpId="0">
-        <p:bldAsOne/>
-      </p:bldGraphic>
-      <p:bldGraphic spid="18" grpId="0">
-        <p:bldAsOne/>
-      </p:bldGraphic>
-    </p:bldLst>
-  </p:timing>
 </p:sld>
 </file>
 
